--- a/画面一覧.pptx
+++ b/画面一覧.pptx
@@ -7,9 +7,11 @@
   <p:sldIdLst>
     <p:sldId id="256" r:id="rId2"/>
     <p:sldId id="257" r:id="rId3"/>
-    <p:sldId id="258" r:id="rId4"/>
-    <p:sldId id="259" r:id="rId5"/>
-    <p:sldId id="260" r:id="rId6"/>
+    <p:sldId id="261" r:id="rId4"/>
+    <p:sldId id="258" r:id="rId5"/>
+    <p:sldId id="259" r:id="rId6"/>
+    <p:sldId id="260" r:id="rId7"/>
+    <p:sldId id="262" r:id="rId8"/>
   </p:sldIdLst>
   <p:sldSz cx="9144000" cy="6858000" type="screen4x3"/>
   <p:notesSz cx="6858000" cy="9144000"/>
@@ -3456,25 +3458,25 @@
           <p:nvPr>
             <p:extLst>
               <p:ext uri="{D42A27DB-BD31-4B8C-83A1-F6EECF244321}">
-                <p14:modId xmlns:p14="http://schemas.microsoft.com/office/powerpoint/2010/main" val="3277185960"/>
+                <p14:modId xmlns:p14="http://schemas.microsoft.com/office/powerpoint/2010/main" val="2354261740"/>
               </p:ext>
             </p:extLst>
           </p:nvPr>
         </p:nvGraphicFramePr>
         <p:xfrm>
-          <a:off x="179512" y="3573016"/>
-          <a:ext cx="8767763" cy="1355725"/>
+          <a:off x="1003822" y="4345449"/>
+          <a:ext cx="7085012" cy="1355725"/>
         </p:xfrm>
         <a:graphic>
           <a:graphicData uri="http://schemas.openxmlformats.org/presentationml/2006/ole">
             <mc:AlternateContent xmlns:mc="http://schemas.openxmlformats.org/markup-compatibility/2006">
               <mc:Choice xmlns:v="urn:schemas-microsoft-com:vml" Requires="v">
-                <p:oleObj spid="_x0000_s1034" name="ワークシート" r:id="rId3" imgW="6962677" imgH="1076220" progId="Excel.Sheet.12">
+                <p:oleObj spid="_x0000_s1042" name="ワークシート" r:id="rId3" imgW="5629300" imgH="1076220" progId="Excel.Sheet.12">
                   <p:embed/>
                 </p:oleObj>
               </mc:Choice>
               <mc:Fallback>
-                <p:oleObj name="ワークシート" r:id="rId3" imgW="6962677" imgH="1076220" progId="Excel.Sheet.12">
+                <p:oleObj name="ワークシート" r:id="rId3" imgW="5629300" imgH="1076220" progId="Excel.Sheet.12">
                   <p:embed/>
                   <p:pic>
                     <p:nvPicPr>
@@ -3490,8 +3492,8 @@
                     </p:blipFill>
                     <p:spPr>
                       <a:xfrm>
-                        <a:off x="179512" y="3573016"/>
-                        <a:ext cx="8767763" cy="1355725"/>
+                        <a:off x="1003822" y="4345449"/>
+                        <a:ext cx="7085012" cy="1355725"/>
                       </a:xfrm>
                       <a:prstGeom prst="rect">
                         <a:avLst/>
@@ -3512,8 +3514,8 @@
         </p:nvSpPr>
         <p:spPr>
           <a:xfrm>
-            <a:off x="755576" y="1844824"/>
-            <a:ext cx="7584354" cy="792088"/>
+            <a:off x="467544" y="1844824"/>
+            <a:ext cx="7872386" cy="792088"/>
           </a:xfrm>
           <a:prstGeom prst="roundRect">
             <a:avLst/>
@@ -3560,7 +3562,7 @@
         </p:nvSpPr>
         <p:spPr>
           <a:xfrm>
-            <a:off x="827584" y="2072698"/>
+            <a:off x="532409" y="2072698"/>
             <a:ext cx="504056" cy="338554"/>
           </a:xfrm>
           <a:prstGeom prst="rect">
@@ -3590,8 +3592,8 @@
         </p:nvSpPr>
         <p:spPr>
           <a:xfrm>
-            <a:off x="1312223" y="2138436"/>
-            <a:ext cx="595481" cy="237856"/>
+            <a:off x="1003822" y="2119073"/>
+            <a:ext cx="346740" cy="237856"/>
           </a:xfrm>
           <a:prstGeom prst="rect">
             <a:avLst/>
@@ -3638,7 +3640,7 @@
         </p:nvSpPr>
         <p:spPr>
           <a:xfrm>
-            <a:off x="2150046" y="2071591"/>
+            <a:off x="1351356" y="2064387"/>
             <a:ext cx="864096" cy="338554"/>
           </a:xfrm>
           <a:prstGeom prst="rect">
@@ -3668,7 +3670,7 @@
         </p:nvSpPr>
         <p:spPr>
           <a:xfrm>
-            <a:off x="3020895" y="2114428"/>
+            <a:off x="2166947" y="2123368"/>
             <a:ext cx="1024916" cy="272816"/>
           </a:xfrm>
           <a:prstGeom prst="rect">
@@ -3716,8 +3718,8 @@
         </p:nvSpPr>
         <p:spPr>
           <a:xfrm>
-            <a:off x="7500849" y="2088407"/>
-            <a:ext cx="648072" cy="338554"/>
+            <a:off x="7500849" y="2126285"/>
+            <a:ext cx="648072" cy="307777"/>
           </a:xfrm>
           <a:prstGeom prst="rect">
             <a:avLst/>
@@ -3741,10 +3743,10 @@
           <a:lstStyle/>
           <a:p>
             <a:r>
-              <a:rPr kumimoji="1" lang="ja-JP" altLang="en-US" sz="1600" dirty="0" smtClean="0"/>
+              <a:rPr kumimoji="1" lang="ja-JP" altLang="en-US" sz="1400" dirty="0" smtClean="0"/>
               <a:t>検索</a:t>
             </a:r>
-            <a:endParaRPr kumimoji="1" lang="ja-JP" altLang="en-US" sz="1600" dirty="0"/>
+            <a:endParaRPr kumimoji="1" lang="ja-JP" altLang="en-US" sz="1400" dirty="0"/>
           </a:p>
         </p:txBody>
       </p:sp>
@@ -3756,8 +3758,8 @@
         </p:nvSpPr>
         <p:spPr>
           <a:xfrm>
-            <a:off x="6588224" y="2088087"/>
-            <a:ext cx="811505" cy="338554"/>
+            <a:off x="6561930" y="2126285"/>
+            <a:ext cx="811504" cy="307777"/>
           </a:xfrm>
           <a:prstGeom prst="rect">
             <a:avLst/>
@@ -3781,10 +3783,10 @@
           <a:lstStyle/>
           <a:p>
             <a:r>
-              <a:rPr lang="ja-JP" altLang="en-US" sz="1600" dirty="0"/>
+              <a:rPr lang="ja-JP" altLang="en-US" sz="1400" dirty="0"/>
               <a:t>リセット</a:t>
             </a:r>
-            <a:endParaRPr kumimoji="1" lang="ja-JP" altLang="en-US" sz="1600" dirty="0"/>
+            <a:endParaRPr kumimoji="1" lang="ja-JP" altLang="en-US" sz="1400" dirty="0"/>
           </a:p>
         </p:txBody>
       </p:sp>
@@ -3796,7 +3798,7 @@
         </p:nvSpPr>
         <p:spPr>
           <a:xfrm>
-            <a:off x="4311716" y="2081559"/>
+            <a:off x="4572000" y="2072698"/>
             <a:ext cx="1096634" cy="338554"/>
           </a:xfrm>
           <a:prstGeom prst="rect">
@@ -3826,7 +3828,7 @@
         </p:nvSpPr>
         <p:spPr>
           <a:xfrm>
-            <a:off x="5436096" y="2120956"/>
+            <a:off x="5580112" y="2119073"/>
             <a:ext cx="864096" cy="272816"/>
           </a:xfrm>
           <a:prstGeom prst="rect">
@@ -3874,7 +3876,7 @@
         </p:nvSpPr>
         <p:spPr>
           <a:xfrm>
-            <a:off x="7781868" y="3068960"/>
+            <a:off x="6990131" y="3253626"/>
             <a:ext cx="1116124" cy="369332"/>
           </a:xfrm>
           <a:prstGeom prst="rect">
@@ -3914,7 +3916,7 @@
         </p:nvSpPr>
         <p:spPr>
           <a:xfrm>
-            <a:off x="323528" y="5157192"/>
+            <a:off x="871881" y="5909310"/>
             <a:ext cx="1476164" cy="369332"/>
           </a:xfrm>
           <a:prstGeom prst="rect">
@@ -3939,10 +3941,10 @@
           <a:lstStyle/>
           <a:p>
             <a:r>
-              <a:rPr kumimoji="1" lang="ja-JP" altLang="en-US" smtClean="0"/>
+              <a:rPr kumimoji="1" lang="ja-JP" altLang="en-US" dirty="0" smtClean="0"/>
               <a:t>ダウンロード</a:t>
             </a:r>
-            <a:endParaRPr kumimoji="1" lang="ja-JP" altLang="en-US"/>
+            <a:endParaRPr kumimoji="1" lang="ja-JP" altLang="en-US" dirty="0"/>
           </a:p>
         </p:txBody>
       </p:sp>
@@ -3954,7 +3956,7 @@
         </p:nvSpPr>
         <p:spPr>
           <a:xfrm>
-            <a:off x="7608862" y="3860840"/>
+            <a:off x="7015026" y="4653136"/>
             <a:ext cx="432047" cy="215444"/>
           </a:xfrm>
           <a:prstGeom prst="rect">
@@ -3980,7 +3982,7 @@
           <a:p>
             <a:r>
               <a:rPr lang="ja-JP" altLang="en-US" sz="800" dirty="0"/>
-              <a:t>編集</a:t>
+              <a:t>詳細</a:t>
             </a:r>
             <a:endParaRPr kumimoji="1" lang="ja-JP" altLang="en-US" sz="800" dirty="0"/>
           </a:p>
@@ -3994,7 +3996,7 @@
         </p:nvSpPr>
         <p:spPr>
           <a:xfrm>
-            <a:off x="8496852" y="3860840"/>
+            <a:off x="7548193" y="4653136"/>
             <a:ext cx="432047" cy="215444"/>
           </a:xfrm>
           <a:prstGeom prst="rect">
@@ -4028,24 +4030,97 @@
       </p:sp>
       <p:sp>
         <p:nvSpPr>
-          <p:cNvPr id="25" name="テキスト ボックス 24"/>
+          <p:cNvPr id="19" name="テキスト ボックス 18"/>
           <p:cNvSpPr txBox="1"/>
           <p:nvPr/>
         </p:nvSpPr>
         <p:spPr>
           <a:xfrm>
-            <a:off x="8051907" y="3860424"/>
-            <a:ext cx="432047" cy="215444"/>
+            <a:off x="3215874" y="2090499"/>
+            <a:ext cx="656202" cy="338554"/>
+          </a:xfrm>
+          <a:prstGeom prst="rect">
+            <a:avLst/>
+          </a:prstGeom>
+          <a:noFill/>
+        </p:spPr>
+        <p:txBody>
+          <a:bodyPr wrap="square" rtlCol="0">
+            <a:spAutoFit/>
+          </a:bodyPr>
+          <a:lstStyle/>
+          <a:p>
+            <a:r>
+              <a:rPr kumimoji="1" lang="ja-JP" altLang="en-US" sz="1600" dirty="0" smtClean="0"/>
+              <a:t>担当</a:t>
+            </a:r>
+            <a:endParaRPr kumimoji="1" lang="ja-JP" altLang="en-US" sz="1600" dirty="0"/>
+          </a:p>
+        </p:txBody>
+      </p:sp>
+      <p:sp>
+        <p:nvSpPr>
+          <p:cNvPr id="23" name="正方形/長方形 22"/>
+          <p:cNvSpPr/>
+          <p:nvPr/>
+        </p:nvSpPr>
+        <p:spPr>
+          <a:xfrm>
+            <a:off x="3707904" y="2117388"/>
+            <a:ext cx="864096" cy="272816"/>
           </a:xfrm>
           <a:prstGeom prst="rect">
             <a:avLst/>
           </a:prstGeom>
           <a:solidFill>
+            <a:schemeClr val="bg1"/>
+          </a:solidFill>
+          <a:ln w="12700">
+            <a:solidFill>
+              <a:schemeClr val="tx1"/>
+            </a:solidFill>
+          </a:ln>
+        </p:spPr>
+        <p:style>
+          <a:lnRef idx="2">
             <a:schemeClr val="accent1">
-              <a:lumMod val="20000"/>
-              <a:lumOff val="80000"/>
+              <a:shade val="50000"/>
             </a:schemeClr>
-          </a:solidFill>
+          </a:lnRef>
+          <a:fillRef idx="1">
+            <a:schemeClr val="accent1"/>
+          </a:fillRef>
+          <a:effectRef idx="0">
+            <a:schemeClr val="accent1"/>
+          </a:effectRef>
+          <a:fontRef idx="minor">
+            <a:schemeClr val="lt1"/>
+          </a:fontRef>
+        </p:style>
+        <p:txBody>
+          <a:bodyPr rtlCol="0" anchor="ctr"/>
+          <a:lstStyle/>
+          <a:p>
+            <a:pPr algn="ctr"/>
+            <a:endParaRPr kumimoji="1" lang="ja-JP" altLang="en-US"/>
+          </a:p>
+        </p:txBody>
+      </p:sp>
+      <p:sp>
+        <p:nvSpPr>
+          <p:cNvPr id="2" name="テキスト ボックス 1"/>
+          <p:cNvSpPr txBox="1"/>
+          <p:nvPr/>
+        </p:nvSpPr>
+        <p:spPr>
+          <a:xfrm>
+            <a:off x="6561930" y="3940431"/>
+            <a:ext cx="1544325" cy="307777"/>
+          </a:xfrm>
+          <a:prstGeom prst="rect">
+            <a:avLst/>
+          </a:prstGeom>
+          <a:noFill/>
           <a:ln>
             <a:solidFill>
               <a:schemeClr val="tx1"/>
@@ -4059,10 +4134,10 @@
           <a:lstStyle/>
           <a:p>
             <a:r>
-              <a:rPr lang="ja-JP" altLang="en-US" sz="800" dirty="0"/>
-              <a:t>回答</a:t>
-            </a:r>
-            <a:endParaRPr kumimoji="1" lang="ja-JP" altLang="en-US" sz="800" dirty="0"/>
+              <a:rPr kumimoji="1" lang="ja-JP" altLang="en-US" sz="1400" dirty="0" smtClean="0"/>
+              <a:t>ページネーション</a:t>
+            </a:r>
+            <a:endParaRPr kumimoji="1" lang="ja-JP" altLang="en-US" sz="1400" dirty="0"/>
           </a:p>
         </p:txBody>
       </p:sp>
@@ -4615,8 +4690,8 @@
         </p:nvSpPr>
         <p:spPr>
           <a:xfrm>
-            <a:off x="994639" y="6093296"/>
-            <a:ext cx="661038" cy="369332"/>
+            <a:off x="4757040" y="6093296"/>
+            <a:ext cx="1327127" cy="369332"/>
           </a:xfrm>
           <a:prstGeom prst="rect">
             <a:avLst/>
@@ -4639,6 +4714,7 @@
           </a:bodyPr>
           <a:lstStyle/>
           <a:p>
+            <a:pPr algn="ctr"/>
             <a:r>
               <a:rPr kumimoji="1" lang="ja-JP" altLang="en-US" dirty="0" smtClean="0"/>
               <a:t>登録</a:t>
@@ -4655,13 +4731,23 @@
         </p:nvSpPr>
         <p:spPr>
           <a:xfrm>
-            <a:off x="251520" y="6094283"/>
-            <a:ext cx="720079" cy="369332"/>
-          </a:xfrm>
-          <a:prstGeom prst="rect">
-            <a:avLst/>
-          </a:prstGeom>
-          <a:noFill/>
+            <a:off x="3133893" y="6097974"/>
+            <a:ext cx="1246769" cy="369332"/>
+          </a:xfrm>
+          <a:prstGeom prst="rect">
+            <a:avLst/>
+          </a:prstGeom>
+          <a:solidFill>
+            <a:schemeClr val="tx2">
+              <a:lumMod val="20000"/>
+              <a:lumOff val="80000"/>
+            </a:schemeClr>
+          </a:solidFill>
+          <a:ln>
+            <a:solidFill>
+              <a:schemeClr val="tx1"/>
+            </a:solidFill>
+          </a:ln>
         </p:spPr>
         <p:txBody>
           <a:bodyPr wrap="square" rtlCol="0">
@@ -4669,8 +4755,9 @@
           </a:bodyPr>
           <a:lstStyle/>
           <a:p>
-            <a:r>
-              <a:rPr kumimoji="1" lang="ja-JP" altLang="en-US" smtClean="0"/>
+            <a:pPr algn="ctr"/>
+            <a:r>
+              <a:rPr kumimoji="1" lang="ja-JP" altLang="en-US" dirty="0" smtClean="0"/>
               <a:t>戻る</a:t>
             </a:r>
             <a:endParaRPr kumimoji="1" lang="ja-JP" altLang="en-US" dirty="0"/>
@@ -4709,7 +4796,7 @@
       </p:grpSpPr>
       <p:sp>
         <p:nvSpPr>
-          <p:cNvPr id="2" name="テキスト ボックス 1"/>
+          <p:cNvPr id="4" name="テキスト ボックス 3"/>
           <p:cNvSpPr txBox="1"/>
           <p:nvPr/>
         </p:nvSpPr>
@@ -4739,14 +4826,14 @@
       </p:sp>
       <p:sp>
         <p:nvSpPr>
-          <p:cNvPr id="3" name="テキスト ボックス 2"/>
+          <p:cNvPr id="5" name="テキスト ボックス 4"/>
           <p:cNvSpPr txBox="1"/>
           <p:nvPr/>
         </p:nvSpPr>
         <p:spPr>
           <a:xfrm>
-            <a:off x="467544" y="868070"/>
-            <a:ext cx="2376264" cy="369332"/>
+            <a:off x="470831" y="868070"/>
+            <a:ext cx="1188132" cy="369332"/>
           </a:xfrm>
           <a:prstGeom prst="rect">
             <a:avLst/>
@@ -4760,8 +4847,8 @@
           <a:lstStyle/>
           <a:p>
             <a:r>
-              <a:rPr lang="ja-JP" altLang="en-US" dirty="0" smtClean="0"/>
-              <a:t>質問更新</a:t>
+              <a:rPr kumimoji="1" lang="ja-JP" altLang="en-US" dirty="0" smtClean="0"/>
+              <a:t>質問詳細</a:t>
             </a:r>
             <a:endParaRPr kumimoji="1" lang="ja-JP" altLang="en-US" dirty="0"/>
           </a:p>
@@ -4769,465 +4856,14 @@
       </p:sp>
       <p:sp>
         <p:nvSpPr>
-          <p:cNvPr id="4" name="テキスト ボックス 3"/>
+          <p:cNvPr id="21" name="テキスト ボックス 20"/>
           <p:cNvSpPr txBox="1"/>
           <p:nvPr/>
         </p:nvSpPr>
         <p:spPr>
           <a:xfrm>
-            <a:off x="887041" y="1375555"/>
-            <a:ext cx="1224136" cy="369332"/>
-          </a:xfrm>
-          <a:prstGeom prst="rect">
-            <a:avLst/>
-          </a:prstGeom>
-          <a:noFill/>
-        </p:spPr>
-        <p:txBody>
-          <a:bodyPr wrap="square" rtlCol="0">
-            <a:spAutoFit/>
-          </a:bodyPr>
-          <a:lstStyle/>
-          <a:p>
-            <a:r>
-              <a:rPr kumimoji="1" lang="ja-JP" altLang="en-US" dirty="0" smtClean="0"/>
-              <a:t>質問者名</a:t>
-            </a:r>
-            <a:endParaRPr kumimoji="1" lang="ja-JP" altLang="en-US" dirty="0"/>
-          </a:p>
-        </p:txBody>
-      </p:sp>
-      <p:sp>
-        <p:nvSpPr>
-          <p:cNvPr id="5" name="正方形/長方形 4"/>
-          <p:cNvSpPr/>
-          <p:nvPr/>
-        </p:nvSpPr>
-        <p:spPr>
-          <a:xfrm>
-            <a:off x="2123728" y="1453684"/>
-            <a:ext cx="1800200" cy="291203"/>
-          </a:xfrm>
-          <a:prstGeom prst="rect">
-            <a:avLst/>
-          </a:prstGeom>
-          <a:solidFill>
-            <a:schemeClr val="bg1"/>
-          </a:solidFill>
-          <a:ln w="12700">
-            <a:solidFill>
-              <a:schemeClr val="tx1"/>
-            </a:solidFill>
-          </a:ln>
-        </p:spPr>
-        <p:style>
-          <a:lnRef idx="2">
-            <a:schemeClr val="accent1">
-              <a:shade val="50000"/>
-            </a:schemeClr>
-          </a:lnRef>
-          <a:fillRef idx="1">
-            <a:schemeClr val="accent1"/>
-          </a:fillRef>
-          <a:effectRef idx="0">
-            <a:schemeClr val="accent1"/>
-          </a:effectRef>
-          <a:fontRef idx="minor">
-            <a:schemeClr val="lt1"/>
-          </a:fontRef>
-        </p:style>
-        <p:txBody>
-          <a:bodyPr rtlCol="0" anchor="ctr"/>
-          <a:lstStyle/>
-          <a:p>
-            <a:pPr algn="ctr"/>
-            <a:endParaRPr kumimoji="1" lang="ja-JP" altLang="en-US"/>
-          </a:p>
-        </p:txBody>
-      </p:sp>
-      <p:sp>
-        <p:nvSpPr>
-          <p:cNvPr id="6" name="テキスト ボックス 5"/>
-          <p:cNvSpPr txBox="1"/>
-          <p:nvPr/>
-        </p:nvSpPr>
-        <p:spPr>
-          <a:xfrm>
-            <a:off x="971600" y="1835532"/>
-            <a:ext cx="936104" cy="369332"/>
-          </a:xfrm>
-          <a:prstGeom prst="rect">
-            <a:avLst/>
-          </a:prstGeom>
-          <a:noFill/>
-        </p:spPr>
-        <p:txBody>
-          <a:bodyPr wrap="square" rtlCol="0">
-            <a:spAutoFit/>
-          </a:bodyPr>
-          <a:lstStyle/>
-          <a:p>
-            <a:r>
-              <a:rPr kumimoji="1" lang="ja-JP" altLang="en-US" dirty="0" smtClean="0"/>
-              <a:t>タイトル</a:t>
-            </a:r>
-            <a:endParaRPr kumimoji="1" lang="ja-JP" altLang="en-US" dirty="0"/>
-          </a:p>
-        </p:txBody>
-      </p:sp>
-      <p:sp>
-        <p:nvSpPr>
-          <p:cNvPr id="7" name="正方形/長方形 6"/>
-          <p:cNvSpPr/>
-          <p:nvPr/>
-        </p:nvSpPr>
-        <p:spPr>
-          <a:xfrm>
-            <a:off x="2101094" y="1876182"/>
-            <a:ext cx="3312368" cy="288032"/>
-          </a:xfrm>
-          <a:prstGeom prst="rect">
-            <a:avLst/>
-          </a:prstGeom>
-          <a:solidFill>
-            <a:schemeClr val="bg1"/>
-          </a:solidFill>
-          <a:ln w="12700">
-            <a:solidFill>
-              <a:schemeClr val="tx1"/>
-            </a:solidFill>
-          </a:ln>
-        </p:spPr>
-        <p:style>
-          <a:lnRef idx="2">
-            <a:schemeClr val="accent1">
-              <a:shade val="50000"/>
-            </a:schemeClr>
-          </a:lnRef>
-          <a:fillRef idx="1">
-            <a:schemeClr val="accent1"/>
-          </a:fillRef>
-          <a:effectRef idx="0">
-            <a:schemeClr val="accent1"/>
-          </a:effectRef>
-          <a:fontRef idx="minor">
-            <a:schemeClr val="lt1"/>
-          </a:fontRef>
-        </p:style>
-        <p:txBody>
-          <a:bodyPr rtlCol="0" anchor="ctr"/>
-          <a:lstStyle/>
-          <a:p>
-            <a:pPr algn="ctr"/>
-            <a:endParaRPr kumimoji="1" lang="ja-JP" altLang="en-US"/>
-          </a:p>
-        </p:txBody>
-      </p:sp>
-      <p:sp>
-        <p:nvSpPr>
-          <p:cNvPr id="8" name="テキスト ボックス 7"/>
-          <p:cNvSpPr txBox="1"/>
-          <p:nvPr/>
-        </p:nvSpPr>
-        <p:spPr>
-          <a:xfrm>
-            <a:off x="827584" y="2452246"/>
-            <a:ext cx="1152128" cy="369332"/>
-          </a:xfrm>
-          <a:prstGeom prst="rect">
-            <a:avLst/>
-          </a:prstGeom>
-          <a:noFill/>
-        </p:spPr>
-        <p:txBody>
-          <a:bodyPr wrap="square" rtlCol="0">
-            <a:spAutoFit/>
-          </a:bodyPr>
-          <a:lstStyle/>
-          <a:p>
-            <a:r>
-              <a:rPr kumimoji="1" lang="ja-JP" altLang="en-US" dirty="0" smtClean="0"/>
-              <a:t>質問内容</a:t>
-            </a:r>
-            <a:endParaRPr kumimoji="1" lang="ja-JP" altLang="en-US" dirty="0"/>
-          </a:p>
-        </p:txBody>
-      </p:sp>
-      <p:sp>
-        <p:nvSpPr>
-          <p:cNvPr id="9" name="正方形/長方形 8"/>
-          <p:cNvSpPr/>
-          <p:nvPr/>
-        </p:nvSpPr>
-        <p:spPr>
-          <a:xfrm>
-            <a:off x="2123728" y="2452246"/>
-            <a:ext cx="5256584" cy="1872208"/>
-          </a:xfrm>
-          <a:prstGeom prst="rect">
-            <a:avLst/>
-          </a:prstGeom>
-          <a:solidFill>
-            <a:schemeClr val="bg1"/>
-          </a:solidFill>
-          <a:ln w="12700">
-            <a:solidFill>
-              <a:schemeClr val="tx1"/>
-            </a:solidFill>
-          </a:ln>
-        </p:spPr>
-        <p:style>
-          <a:lnRef idx="2">
-            <a:schemeClr val="accent1">
-              <a:shade val="50000"/>
-            </a:schemeClr>
-          </a:lnRef>
-          <a:fillRef idx="1">
-            <a:schemeClr val="accent1"/>
-          </a:fillRef>
-          <a:effectRef idx="0">
-            <a:schemeClr val="accent1"/>
-          </a:effectRef>
-          <a:fontRef idx="minor">
-            <a:schemeClr val="lt1"/>
-          </a:fontRef>
-        </p:style>
-        <p:txBody>
-          <a:bodyPr rtlCol="0" anchor="ctr"/>
-          <a:lstStyle/>
-          <a:p>
-            <a:pPr algn="ctr"/>
-            <a:endParaRPr kumimoji="1" lang="ja-JP" altLang="en-US"/>
-          </a:p>
-        </p:txBody>
-      </p:sp>
-      <p:sp>
-        <p:nvSpPr>
-          <p:cNvPr id="10" name="テキスト ボックス 9"/>
-          <p:cNvSpPr txBox="1"/>
-          <p:nvPr/>
-        </p:nvSpPr>
-        <p:spPr>
-          <a:xfrm>
-            <a:off x="1077523" y="5021332"/>
-            <a:ext cx="902189" cy="369332"/>
-          </a:xfrm>
-          <a:prstGeom prst="rect">
-            <a:avLst/>
-          </a:prstGeom>
-          <a:noFill/>
-        </p:spPr>
-        <p:txBody>
-          <a:bodyPr wrap="square" rtlCol="0">
-            <a:spAutoFit/>
-          </a:bodyPr>
-          <a:lstStyle/>
-          <a:p>
-            <a:r>
-              <a:rPr kumimoji="1" lang="ja-JP" altLang="en-US" dirty="0" smtClean="0"/>
-              <a:t>優先度</a:t>
-            </a:r>
-            <a:endParaRPr kumimoji="1" lang="ja-JP" altLang="en-US" dirty="0"/>
-          </a:p>
-        </p:txBody>
-      </p:sp>
-      <p:sp>
-        <p:nvSpPr>
-          <p:cNvPr id="11" name="テキスト ボックス 10"/>
-          <p:cNvSpPr txBox="1"/>
-          <p:nvPr/>
-        </p:nvSpPr>
-        <p:spPr>
-          <a:xfrm>
-            <a:off x="1223628" y="4605526"/>
-            <a:ext cx="756084" cy="369332"/>
-          </a:xfrm>
-          <a:prstGeom prst="rect">
-            <a:avLst/>
-          </a:prstGeom>
-          <a:noFill/>
-        </p:spPr>
-        <p:txBody>
-          <a:bodyPr wrap="square" rtlCol="0">
-            <a:spAutoFit/>
-          </a:bodyPr>
-          <a:lstStyle/>
-          <a:p>
-            <a:r>
-              <a:rPr kumimoji="1" lang="ja-JP" altLang="en-US" dirty="0" smtClean="0"/>
-              <a:t>担当</a:t>
-            </a:r>
-            <a:endParaRPr kumimoji="1" lang="ja-JP" altLang="en-US" dirty="0"/>
-          </a:p>
-        </p:txBody>
-      </p:sp>
-      <p:sp>
-        <p:nvSpPr>
-          <p:cNvPr id="12" name="正方形/長方形 11"/>
-          <p:cNvSpPr/>
-          <p:nvPr/>
-        </p:nvSpPr>
-        <p:spPr>
-          <a:xfrm>
-            <a:off x="2087309" y="4646176"/>
-            <a:ext cx="1405830" cy="288032"/>
-          </a:xfrm>
-          <a:prstGeom prst="rect">
-            <a:avLst/>
-          </a:prstGeom>
-          <a:solidFill>
-            <a:schemeClr val="bg1"/>
-          </a:solidFill>
-          <a:ln w="12700">
-            <a:solidFill>
-              <a:schemeClr val="tx1"/>
-            </a:solidFill>
-          </a:ln>
-        </p:spPr>
-        <p:style>
-          <a:lnRef idx="2">
-            <a:schemeClr val="accent1">
-              <a:shade val="50000"/>
-            </a:schemeClr>
-          </a:lnRef>
-          <a:fillRef idx="1">
-            <a:schemeClr val="accent1"/>
-          </a:fillRef>
-          <a:effectRef idx="0">
-            <a:schemeClr val="accent1"/>
-          </a:effectRef>
-          <a:fontRef idx="minor">
-            <a:schemeClr val="lt1"/>
-          </a:fontRef>
-        </p:style>
-        <p:txBody>
-          <a:bodyPr rtlCol="0" anchor="ctr"/>
-          <a:lstStyle/>
-          <a:p>
-            <a:pPr algn="ctr"/>
-            <a:endParaRPr kumimoji="1" lang="ja-JP" altLang="en-US"/>
-          </a:p>
-        </p:txBody>
-      </p:sp>
-      <p:sp>
-        <p:nvSpPr>
-          <p:cNvPr id="13" name="正方形/長方形 12"/>
-          <p:cNvSpPr/>
-          <p:nvPr/>
-        </p:nvSpPr>
-        <p:spPr>
-          <a:xfrm>
-            <a:off x="2101094" y="5052690"/>
-            <a:ext cx="1116124" cy="306616"/>
-          </a:xfrm>
-          <a:prstGeom prst="rect">
-            <a:avLst/>
-          </a:prstGeom>
-          <a:solidFill>
-            <a:schemeClr val="bg1"/>
-          </a:solidFill>
-          <a:ln w="12700">
-            <a:solidFill>
-              <a:schemeClr val="tx1"/>
-            </a:solidFill>
-          </a:ln>
-        </p:spPr>
-        <p:style>
-          <a:lnRef idx="2">
-            <a:schemeClr val="accent1">
-              <a:shade val="50000"/>
-            </a:schemeClr>
-          </a:lnRef>
-          <a:fillRef idx="1">
-            <a:schemeClr val="accent1"/>
-          </a:fillRef>
-          <a:effectRef idx="0">
-            <a:schemeClr val="accent1"/>
-          </a:effectRef>
-          <a:fontRef idx="minor">
-            <a:schemeClr val="lt1"/>
-          </a:fontRef>
-        </p:style>
-        <p:txBody>
-          <a:bodyPr rtlCol="0" anchor="ctr"/>
-          <a:lstStyle/>
-          <a:p>
-            <a:pPr algn="ctr"/>
-            <a:endParaRPr kumimoji="1" lang="ja-JP" altLang="en-US"/>
-          </a:p>
-        </p:txBody>
-      </p:sp>
-      <p:sp>
-        <p:nvSpPr>
-          <p:cNvPr id="14" name="テキスト ボックス 13"/>
-          <p:cNvSpPr txBox="1"/>
-          <p:nvPr/>
-        </p:nvSpPr>
-        <p:spPr>
-          <a:xfrm>
-            <a:off x="863173" y="5476582"/>
-            <a:ext cx="1224136" cy="369332"/>
-          </a:xfrm>
-          <a:prstGeom prst="rect">
-            <a:avLst/>
-          </a:prstGeom>
-          <a:noFill/>
-        </p:spPr>
-        <p:txBody>
-          <a:bodyPr wrap="square" rtlCol="0">
-            <a:spAutoFit/>
-          </a:bodyPr>
-          <a:lstStyle/>
-          <a:p>
-            <a:r>
-              <a:rPr kumimoji="1" lang="ja-JP" altLang="en-US" dirty="0" smtClean="0"/>
-              <a:t>回答期限</a:t>
-            </a:r>
-            <a:endParaRPr kumimoji="1" lang="ja-JP" altLang="en-US" dirty="0"/>
-          </a:p>
-        </p:txBody>
-      </p:sp>
-      <p:sp>
-        <p:nvSpPr>
-          <p:cNvPr id="15" name="テキスト ボックス 14"/>
-          <p:cNvSpPr txBox="1"/>
-          <p:nvPr/>
-        </p:nvSpPr>
-        <p:spPr>
-          <a:xfrm>
-            <a:off x="2111177" y="5495299"/>
-            <a:ext cx="1138758" cy="369332"/>
-          </a:xfrm>
-          <a:prstGeom prst="rect">
-            <a:avLst/>
-          </a:prstGeom>
-          <a:noFill/>
-          <a:ln>
-            <a:solidFill>
-              <a:schemeClr val="tx1"/>
-            </a:solidFill>
-          </a:ln>
-        </p:spPr>
-        <p:txBody>
-          <a:bodyPr wrap="square" rtlCol="0">
-            <a:spAutoFit/>
-          </a:bodyPr>
-          <a:lstStyle/>
-          <a:p>
-            <a:endParaRPr kumimoji="1" lang="ja-JP" altLang="en-US" dirty="0"/>
-          </a:p>
-        </p:txBody>
-      </p:sp>
-      <p:sp>
-        <p:nvSpPr>
-          <p:cNvPr id="16" name="テキスト ボックス 15"/>
-          <p:cNvSpPr txBox="1"/>
-          <p:nvPr/>
-        </p:nvSpPr>
-        <p:spPr>
-          <a:xfrm>
-            <a:off x="994639" y="6093296"/>
-            <a:ext cx="661038" cy="369332"/>
+            <a:off x="1371790" y="5527102"/>
+            <a:ext cx="891807" cy="307777"/>
           </a:xfrm>
           <a:prstGeom prst="rect">
             <a:avLst/>
@@ -5251,28 +4887,99 @@
           <a:lstStyle/>
           <a:p>
             <a:r>
-              <a:rPr lang="ja-JP" altLang="en-US" dirty="0" smtClean="0"/>
-              <a:t>更新</a:t>
-            </a:r>
-            <a:endParaRPr kumimoji="1" lang="ja-JP" altLang="en-US" dirty="0"/>
-          </a:p>
-        </p:txBody>
-      </p:sp>
-      <p:sp>
-        <p:nvSpPr>
-          <p:cNvPr id="17" name="テキスト ボックス 16"/>
+              <a:rPr lang="ja-JP" altLang="en-US" sz="1400" dirty="0" smtClean="0"/>
+              <a:t>回答</a:t>
+            </a:r>
+            <a:r>
+              <a:rPr lang="ja-JP" altLang="en-US" sz="1400" dirty="0"/>
+              <a:t>する</a:t>
+            </a:r>
+            <a:endParaRPr kumimoji="1" lang="ja-JP" altLang="en-US" sz="1400" dirty="0"/>
+          </a:p>
+        </p:txBody>
+      </p:sp>
+      <p:graphicFrame>
+        <p:nvGraphicFramePr>
+          <p:cNvPr id="2" name="オブジェクト 1"/>
+          <p:cNvGraphicFramePr>
+            <a:graphicFrameLocks noChangeAspect="1"/>
+          </p:cNvGraphicFramePr>
+          <p:nvPr>
+            <p:extLst>
+              <p:ext uri="{D42A27DB-BD31-4B8C-83A1-F6EECF244321}">
+                <p14:modId xmlns:p14="http://schemas.microsoft.com/office/powerpoint/2010/main" val="3086187153"/>
+              </p:ext>
+            </p:extLst>
+          </p:nvPr>
+        </p:nvGraphicFramePr>
+        <p:xfrm>
+          <a:off x="1403648" y="1340768"/>
+          <a:ext cx="6305550" cy="2162175"/>
+        </p:xfrm>
+        <a:graphic>
+          <a:graphicData uri="http://schemas.openxmlformats.org/presentationml/2006/ole">
+            <mc:AlternateContent xmlns:mc="http://schemas.openxmlformats.org/markup-compatibility/2006">
+              <mc:Choice xmlns:v="urn:schemas-microsoft-com:vml" Requires="v">
+                <p:oleObj spid="_x0000_s2064" name="ワークシート" r:id="rId3" imgW="6305443" imgH="2162160" progId="Excel.Sheet.12">
+                  <p:embed/>
+                </p:oleObj>
+              </mc:Choice>
+              <mc:Fallback>
+                <p:oleObj name="ワークシート" r:id="rId3" imgW="6305443" imgH="2162160" progId="Excel.Sheet.12">
+                  <p:embed/>
+                  <p:pic>
+                    <p:nvPicPr>
+                      <p:cNvPr id="0" name=""/>
+                      <p:cNvPicPr/>
+                      <p:nvPr/>
+                    </p:nvPicPr>
+                    <p:blipFill>
+                      <a:blip r:embed="rId4"/>
+                      <a:stretch>
+                        <a:fillRect/>
+                      </a:stretch>
+                    </p:blipFill>
+                    <p:spPr>
+                      <a:xfrm>
+                        <a:off x="1403648" y="1340768"/>
+                        <a:ext cx="6305550" cy="2162175"/>
+                      </a:xfrm>
+                      <a:prstGeom prst="rect">
+                        <a:avLst/>
+                      </a:prstGeom>
+                    </p:spPr>
+                  </p:pic>
+                </p:oleObj>
+              </mc:Fallback>
+            </mc:AlternateContent>
+          </a:graphicData>
+        </a:graphic>
+      </p:graphicFrame>
+      <p:sp>
+        <p:nvSpPr>
+          <p:cNvPr id="3" name="テキスト ボックス 2"/>
           <p:cNvSpPr txBox="1"/>
           <p:nvPr/>
         </p:nvSpPr>
         <p:spPr>
           <a:xfrm>
-            <a:off x="251520" y="6094283"/>
-            <a:ext cx="720079" cy="369332"/>
-          </a:xfrm>
-          <a:prstGeom prst="rect">
-            <a:avLst/>
-          </a:prstGeom>
-          <a:noFill/>
+            <a:off x="6588224" y="898847"/>
+            <a:ext cx="1080120" cy="307777"/>
+          </a:xfrm>
+          <a:prstGeom prst="rect">
+            <a:avLst/>
+          </a:prstGeom>
+          <a:solidFill>
+            <a:schemeClr val="tx2">
+              <a:lumMod val="20000"/>
+              <a:lumOff val="80000"/>
+            </a:schemeClr>
+          </a:solidFill>
+          <a:ln>
+            <a:solidFill>
+              <a:schemeClr val="tx1"/>
+            </a:solidFill>
+          </a:ln>
         </p:spPr>
         <p:txBody>
           <a:bodyPr wrap="square" rtlCol="0">
@@ -5281,17 +4988,256 @@
           <a:lstStyle/>
           <a:p>
             <a:r>
-              <a:rPr kumimoji="1" lang="ja-JP" altLang="en-US" smtClean="0"/>
+              <a:rPr kumimoji="1" lang="ja-JP" altLang="en-US" sz="1400" dirty="0" smtClean="0"/>
+              <a:t>質問を編集</a:t>
+            </a:r>
+            <a:endParaRPr kumimoji="1" lang="ja-JP" altLang="en-US" sz="1400" dirty="0"/>
+          </a:p>
+        </p:txBody>
+      </p:sp>
+      <p:sp>
+        <p:nvSpPr>
+          <p:cNvPr id="25" name="テキスト ボックス 24"/>
+          <p:cNvSpPr txBox="1"/>
+          <p:nvPr/>
+        </p:nvSpPr>
+        <p:spPr>
+          <a:xfrm>
+            <a:off x="259631" y="5527103"/>
+            <a:ext cx="567771" cy="307777"/>
+          </a:xfrm>
+          <a:prstGeom prst="rect">
+            <a:avLst/>
+          </a:prstGeom>
+          <a:solidFill>
+            <a:schemeClr val="bg1"/>
+          </a:solidFill>
+          <a:ln>
+            <a:solidFill>
+              <a:schemeClr val="bg1"/>
+            </a:solidFill>
+          </a:ln>
+        </p:spPr>
+        <p:txBody>
+          <a:bodyPr wrap="square" rtlCol="0">
+            <a:spAutoFit/>
+          </a:bodyPr>
+          <a:lstStyle/>
+          <a:p>
+            <a:r>
+              <a:rPr lang="ja-JP" altLang="en-US" sz="1400" dirty="0"/>
               <a:t>戻る</a:t>
             </a:r>
+            <a:endParaRPr kumimoji="1" lang="ja-JP" altLang="en-US" sz="1400" dirty="0"/>
+          </a:p>
+        </p:txBody>
+      </p:sp>
+      <p:graphicFrame>
+        <p:nvGraphicFramePr>
+          <p:cNvPr id="6" name="オブジェクト 5"/>
+          <p:cNvGraphicFramePr>
+            <a:graphicFrameLocks noChangeAspect="1"/>
+          </p:cNvGraphicFramePr>
+          <p:nvPr>
+            <p:extLst>
+              <p:ext uri="{D42A27DB-BD31-4B8C-83A1-F6EECF244321}">
+                <p14:modId xmlns:p14="http://schemas.microsoft.com/office/powerpoint/2010/main" val="38046181"/>
+              </p:ext>
+            </p:extLst>
+          </p:nvPr>
+        </p:nvGraphicFramePr>
+        <p:xfrm>
+          <a:off x="1379538" y="4386263"/>
+          <a:ext cx="6791325" cy="1009650"/>
+        </p:xfrm>
+        <a:graphic>
+          <a:graphicData uri="http://schemas.openxmlformats.org/presentationml/2006/ole">
+            <mc:AlternateContent xmlns:mc="http://schemas.openxmlformats.org/markup-compatibility/2006">
+              <mc:Choice xmlns:v="urn:schemas-microsoft-com:vml" Requires="v">
+                <p:oleObj spid="_x0000_s2065" name="ワークシート" r:id="rId5" imgW="6791412" imgH="1009530" progId="Excel.Sheet.12">
+                  <p:embed/>
+                </p:oleObj>
+              </mc:Choice>
+              <mc:Fallback>
+                <p:oleObj name="ワークシート" r:id="rId5" imgW="6791412" imgH="1009530" progId="Excel.Sheet.12">
+                  <p:embed/>
+                  <p:pic>
+                    <p:nvPicPr>
+                      <p:cNvPr id="0" name=""/>
+                      <p:cNvPicPr/>
+                      <p:nvPr/>
+                    </p:nvPicPr>
+                    <p:blipFill>
+                      <a:blip r:embed="rId6"/>
+                      <a:stretch>
+                        <a:fillRect/>
+                      </a:stretch>
+                    </p:blipFill>
+                    <p:spPr>
+                      <a:xfrm>
+                        <a:off x="1379538" y="4386263"/>
+                        <a:ext cx="6791325" cy="1009650"/>
+                      </a:xfrm>
+                      <a:prstGeom prst="rect">
+                        <a:avLst/>
+                      </a:prstGeom>
+                    </p:spPr>
+                  </p:pic>
+                </p:oleObj>
+              </mc:Fallback>
+            </mc:AlternateContent>
+          </a:graphicData>
+        </a:graphic>
+      </p:graphicFrame>
+      <p:sp>
+        <p:nvSpPr>
+          <p:cNvPr id="26" name="テキスト ボックス 25"/>
+          <p:cNvSpPr txBox="1"/>
+          <p:nvPr/>
+        </p:nvSpPr>
+        <p:spPr>
+          <a:xfrm>
+            <a:off x="629562" y="3861048"/>
+            <a:ext cx="1188132" cy="369332"/>
+          </a:xfrm>
+          <a:prstGeom prst="rect">
+            <a:avLst/>
+          </a:prstGeom>
+          <a:noFill/>
+        </p:spPr>
+        <p:txBody>
+          <a:bodyPr wrap="square" rtlCol="0">
+            <a:spAutoFit/>
+          </a:bodyPr>
+          <a:lstStyle/>
+          <a:p>
+            <a:r>
+              <a:rPr lang="ja-JP" altLang="en-US" dirty="0" smtClean="0"/>
+              <a:t>回答一覧</a:t>
+            </a:r>
             <a:endParaRPr kumimoji="1" lang="ja-JP" altLang="en-US" dirty="0"/>
+          </a:p>
+        </p:txBody>
+      </p:sp>
+      <p:sp>
+        <p:nvSpPr>
+          <p:cNvPr id="27" name="テキスト ボックス 26"/>
+          <p:cNvSpPr txBox="1"/>
+          <p:nvPr/>
+        </p:nvSpPr>
+        <p:spPr>
+          <a:xfrm>
+            <a:off x="7128284" y="4646637"/>
+            <a:ext cx="432047" cy="215444"/>
+          </a:xfrm>
+          <a:prstGeom prst="rect">
+            <a:avLst/>
+          </a:prstGeom>
+          <a:solidFill>
+            <a:schemeClr val="accent1">
+              <a:lumMod val="20000"/>
+              <a:lumOff val="80000"/>
+            </a:schemeClr>
+          </a:solidFill>
+          <a:ln>
+            <a:solidFill>
+              <a:schemeClr val="tx1"/>
+            </a:solidFill>
+          </a:ln>
+        </p:spPr>
+        <p:txBody>
+          <a:bodyPr wrap="square" rtlCol="0">
+            <a:spAutoFit/>
+          </a:bodyPr>
+          <a:lstStyle/>
+          <a:p>
+            <a:r>
+              <a:rPr lang="ja-JP" altLang="en-US" sz="800" dirty="0"/>
+              <a:t>編集</a:t>
+            </a:r>
+            <a:endParaRPr kumimoji="1" lang="ja-JP" altLang="en-US" sz="800" dirty="0"/>
+          </a:p>
+        </p:txBody>
+      </p:sp>
+      <p:sp>
+        <p:nvSpPr>
+          <p:cNvPr id="28" name="テキスト ボックス 27"/>
+          <p:cNvSpPr txBox="1"/>
+          <p:nvPr/>
+        </p:nvSpPr>
+        <p:spPr>
+          <a:xfrm>
+            <a:off x="7668344" y="4646637"/>
+            <a:ext cx="432047" cy="215444"/>
+          </a:xfrm>
+          <a:prstGeom prst="rect">
+            <a:avLst/>
+          </a:prstGeom>
+          <a:solidFill>
+            <a:schemeClr val="accent1">
+              <a:lumMod val="20000"/>
+              <a:lumOff val="80000"/>
+            </a:schemeClr>
+          </a:solidFill>
+          <a:ln>
+            <a:solidFill>
+              <a:schemeClr val="tx1"/>
+            </a:solidFill>
+          </a:ln>
+        </p:spPr>
+        <p:txBody>
+          <a:bodyPr wrap="square" rtlCol="0">
+            <a:spAutoFit/>
+          </a:bodyPr>
+          <a:lstStyle/>
+          <a:p>
+            <a:r>
+              <a:rPr kumimoji="1" lang="ja-JP" altLang="en-US" sz="800" dirty="0" smtClean="0"/>
+              <a:t>削除</a:t>
+            </a:r>
+            <a:endParaRPr kumimoji="1" lang="ja-JP" altLang="en-US" sz="800" dirty="0"/>
+          </a:p>
+        </p:txBody>
+      </p:sp>
+      <p:sp>
+        <p:nvSpPr>
+          <p:cNvPr id="12" name="テキスト ボックス 11"/>
+          <p:cNvSpPr txBox="1"/>
+          <p:nvPr/>
+        </p:nvSpPr>
+        <p:spPr>
+          <a:xfrm>
+            <a:off x="6572144" y="3960761"/>
+            <a:ext cx="1544325" cy="307777"/>
+          </a:xfrm>
+          <a:prstGeom prst="rect">
+            <a:avLst/>
+          </a:prstGeom>
+          <a:noFill/>
+          <a:ln>
+            <a:solidFill>
+              <a:schemeClr val="tx1"/>
+            </a:solidFill>
+          </a:ln>
+        </p:spPr>
+        <p:txBody>
+          <a:bodyPr wrap="square" rtlCol="0">
+            <a:spAutoFit/>
+          </a:bodyPr>
+          <a:lstStyle/>
+          <a:p>
+            <a:r>
+              <a:rPr kumimoji="1" lang="ja-JP" altLang="en-US" sz="1400" dirty="0" smtClean="0"/>
+              <a:t>ページネーション</a:t>
+            </a:r>
+            <a:endParaRPr kumimoji="1" lang="ja-JP" altLang="en-US" sz="1400" dirty="0"/>
           </a:p>
         </p:txBody>
       </p:sp>
     </p:spTree>
     <p:extLst>
       <p:ext uri="{BB962C8B-B14F-4D97-AF65-F5344CB8AC3E}">
-        <p14:creationId xmlns:p14="http://schemas.microsoft.com/office/powerpoint/2010/main" val="1159382838"/>
+        <p14:creationId xmlns:p14="http://schemas.microsoft.com/office/powerpoint/2010/main" val="4021093471"/>
       </p:ext>
     </p:extLst>
   </p:cSld>
@@ -5371,16 +5317,8 @@
           <a:lstStyle/>
           <a:p>
             <a:r>
-              <a:rPr lang="ja-JP" altLang="en-US" dirty="0"/>
-              <a:t>回答</a:t>
-            </a:r>
-            <a:r>
               <a:rPr lang="ja-JP" altLang="en-US" dirty="0" smtClean="0"/>
-              <a:t>新規</a:t>
-            </a:r>
-            <a:r>
-              <a:rPr kumimoji="1" lang="ja-JP" altLang="en-US" dirty="0" smtClean="0"/>
-              <a:t>登録</a:t>
+              <a:t>質問更新</a:t>
             </a:r>
             <a:endParaRPr kumimoji="1" lang="ja-JP" altLang="en-US" dirty="0"/>
           </a:p>
@@ -5409,12 +5347,8 @@
           <a:lstStyle/>
           <a:p>
             <a:r>
-              <a:rPr lang="ja-JP" altLang="en-US" dirty="0"/>
-              <a:t>回答</a:t>
-            </a:r>
-            <a:r>
               <a:rPr kumimoji="1" lang="ja-JP" altLang="en-US" dirty="0" smtClean="0"/>
-              <a:t>者名</a:t>
+              <a:t>質問者名</a:t>
             </a:r>
             <a:endParaRPr kumimoji="1" lang="ja-JP" altLang="en-US" dirty="0"/>
           </a:p>
@@ -5470,14 +5404,14 @@
       </p:sp>
       <p:sp>
         <p:nvSpPr>
-          <p:cNvPr id="8" name="テキスト ボックス 7"/>
+          <p:cNvPr id="6" name="テキスト ボックス 5"/>
           <p:cNvSpPr txBox="1"/>
           <p:nvPr/>
         </p:nvSpPr>
         <p:spPr>
           <a:xfrm>
-            <a:off x="832924" y="1988840"/>
-            <a:ext cx="1152128" cy="369332"/>
+            <a:off x="971600" y="1835532"/>
+            <a:ext cx="936104" cy="369332"/>
           </a:xfrm>
           <a:prstGeom prst="rect">
             <a:avLst/>
@@ -5491,12 +5425,8 @@
           <a:lstStyle/>
           <a:p>
             <a:r>
-              <a:rPr lang="ja-JP" altLang="en-US" dirty="0"/>
-              <a:t>回答</a:t>
-            </a:r>
-            <a:r>
               <a:rPr kumimoji="1" lang="ja-JP" altLang="en-US" dirty="0" smtClean="0"/>
-              <a:t>内容</a:t>
+              <a:t>タイトル</a:t>
             </a:r>
             <a:endParaRPr kumimoji="1" lang="ja-JP" altLang="en-US" dirty="0"/>
           </a:p>
@@ -5504,14 +5434,14 @@
       </p:sp>
       <p:sp>
         <p:nvSpPr>
-          <p:cNvPr id="9" name="正方形/長方形 8"/>
+          <p:cNvPr id="7" name="正方形/長方形 6"/>
           <p:cNvSpPr/>
           <p:nvPr/>
         </p:nvSpPr>
         <p:spPr>
           <a:xfrm>
-            <a:off x="2101094" y="1916832"/>
-            <a:ext cx="5256584" cy="1872208"/>
+            <a:off x="2101094" y="1876182"/>
+            <a:ext cx="3312368" cy="288032"/>
           </a:xfrm>
           <a:prstGeom prst="rect">
             <a:avLst/>
@@ -5552,14 +5482,14 @@
       </p:sp>
       <p:sp>
         <p:nvSpPr>
-          <p:cNvPr id="11" name="テキスト ボックス 10"/>
+          <p:cNvPr id="8" name="テキスト ボックス 7"/>
           <p:cNvSpPr txBox="1"/>
           <p:nvPr/>
         </p:nvSpPr>
         <p:spPr>
           <a:xfrm>
-            <a:off x="760916" y="4077072"/>
-            <a:ext cx="1224136" cy="369332"/>
+            <a:off x="827584" y="2452246"/>
+            <a:ext cx="1152128" cy="369332"/>
           </a:xfrm>
           <a:prstGeom prst="rect">
             <a:avLst/>
@@ -5573,8 +5503,8 @@
           <a:lstStyle/>
           <a:p>
             <a:r>
-              <a:rPr lang="ja-JP" altLang="en-US" dirty="0"/>
-              <a:t>ステータス</a:t>
+              <a:rPr kumimoji="1" lang="ja-JP" altLang="en-US" dirty="0" smtClean="0"/>
+              <a:t>質問内容</a:t>
             </a:r>
             <a:endParaRPr kumimoji="1" lang="ja-JP" altLang="en-US" dirty="0"/>
           </a:p>
@@ -5582,14 +5512,14 @@
       </p:sp>
       <p:sp>
         <p:nvSpPr>
-          <p:cNvPr id="12" name="正方形/長方形 11"/>
+          <p:cNvPr id="9" name="正方形/長方形 8"/>
           <p:cNvSpPr/>
           <p:nvPr/>
         </p:nvSpPr>
         <p:spPr>
           <a:xfrm>
-            <a:off x="2101094" y="4105905"/>
-            <a:ext cx="1405830" cy="288032"/>
+            <a:off x="2123728" y="2452246"/>
+            <a:ext cx="5256584" cy="1408802"/>
           </a:xfrm>
           <a:prstGeom prst="rect">
             <a:avLst/>
@@ -5630,14 +5560,231 @@
       </p:sp>
       <p:sp>
         <p:nvSpPr>
+          <p:cNvPr id="10" name="テキスト ボックス 9"/>
+          <p:cNvSpPr txBox="1"/>
+          <p:nvPr/>
+        </p:nvSpPr>
+        <p:spPr>
+          <a:xfrm>
+            <a:off x="1077523" y="5021332"/>
+            <a:ext cx="902189" cy="369332"/>
+          </a:xfrm>
+          <a:prstGeom prst="rect">
+            <a:avLst/>
+          </a:prstGeom>
+          <a:noFill/>
+        </p:spPr>
+        <p:txBody>
+          <a:bodyPr wrap="square" rtlCol="0">
+            <a:spAutoFit/>
+          </a:bodyPr>
+          <a:lstStyle/>
+          <a:p>
+            <a:r>
+              <a:rPr kumimoji="1" lang="ja-JP" altLang="en-US" dirty="0" smtClean="0"/>
+              <a:t>優先度</a:t>
+            </a:r>
+            <a:endParaRPr kumimoji="1" lang="ja-JP" altLang="en-US" dirty="0"/>
+          </a:p>
+        </p:txBody>
+      </p:sp>
+      <p:sp>
+        <p:nvSpPr>
+          <p:cNvPr id="11" name="テキスト ボックス 10"/>
+          <p:cNvSpPr txBox="1"/>
+          <p:nvPr/>
+        </p:nvSpPr>
+        <p:spPr>
+          <a:xfrm>
+            <a:off x="1211846" y="4036422"/>
+            <a:ext cx="756084" cy="369332"/>
+          </a:xfrm>
+          <a:prstGeom prst="rect">
+            <a:avLst/>
+          </a:prstGeom>
+          <a:noFill/>
+        </p:spPr>
+        <p:txBody>
+          <a:bodyPr wrap="square" rtlCol="0">
+            <a:spAutoFit/>
+          </a:bodyPr>
+          <a:lstStyle/>
+          <a:p>
+            <a:r>
+              <a:rPr kumimoji="1" lang="ja-JP" altLang="en-US" dirty="0" smtClean="0"/>
+              <a:t>担当</a:t>
+            </a:r>
+            <a:endParaRPr kumimoji="1" lang="ja-JP" altLang="en-US" dirty="0"/>
+          </a:p>
+        </p:txBody>
+      </p:sp>
+      <p:sp>
+        <p:nvSpPr>
+          <p:cNvPr id="12" name="正方形/長方形 11"/>
+          <p:cNvSpPr/>
+          <p:nvPr/>
+        </p:nvSpPr>
+        <p:spPr>
+          <a:xfrm>
+            <a:off x="2075527" y="4077072"/>
+            <a:ext cx="1405830" cy="288032"/>
+          </a:xfrm>
+          <a:prstGeom prst="rect">
+            <a:avLst/>
+          </a:prstGeom>
+          <a:solidFill>
+            <a:schemeClr val="bg1"/>
+          </a:solidFill>
+          <a:ln w="12700">
+            <a:solidFill>
+              <a:schemeClr val="tx1"/>
+            </a:solidFill>
+          </a:ln>
+        </p:spPr>
+        <p:style>
+          <a:lnRef idx="2">
+            <a:schemeClr val="accent1">
+              <a:shade val="50000"/>
+            </a:schemeClr>
+          </a:lnRef>
+          <a:fillRef idx="1">
+            <a:schemeClr val="accent1"/>
+          </a:fillRef>
+          <a:effectRef idx="0">
+            <a:schemeClr val="accent1"/>
+          </a:effectRef>
+          <a:fontRef idx="minor">
+            <a:schemeClr val="lt1"/>
+          </a:fontRef>
+        </p:style>
+        <p:txBody>
+          <a:bodyPr rtlCol="0" anchor="ctr"/>
+          <a:lstStyle/>
+          <a:p>
+            <a:pPr algn="ctr"/>
+            <a:endParaRPr kumimoji="1" lang="ja-JP" altLang="en-US"/>
+          </a:p>
+        </p:txBody>
+      </p:sp>
+      <p:sp>
+        <p:nvSpPr>
+          <p:cNvPr id="13" name="正方形/長方形 12"/>
+          <p:cNvSpPr/>
+          <p:nvPr/>
+        </p:nvSpPr>
+        <p:spPr>
+          <a:xfrm>
+            <a:off x="2101094" y="5052690"/>
+            <a:ext cx="1116124" cy="306616"/>
+          </a:xfrm>
+          <a:prstGeom prst="rect">
+            <a:avLst/>
+          </a:prstGeom>
+          <a:solidFill>
+            <a:schemeClr val="bg1"/>
+          </a:solidFill>
+          <a:ln w="12700">
+            <a:solidFill>
+              <a:schemeClr val="tx1"/>
+            </a:solidFill>
+          </a:ln>
+        </p:spPr>
+        <p:style>
+          <a:lnRef idx="2">
+            <a:schemeClr val="accent1">
+              <a:shade val="50000"/>
+            </a:schemeClr>
+          </a:lnRef>
+          <a:fillRef idx="1">
+            <a:schemeClr val="accent1"/>
+          </a:fillRef>
+          <a:effectRef idx="0">
+            <a:schemeClr val="accent1"/>
+          </a:effectRef>
+          <a:fontRef idx="minor">
+            <a:schemeClr val="lt1"/>
+          </a:fontRef>
+        </p:style>
+        <p:txBody>
+          <a:bodyPr rtlCol="0" anchor="ctr"/>
+          <a:lstStyle/>
+          <a:p>
+            <a:pPr algn="ctr"/>
+            <a:endParaRPr kumimoji="1" lang="ja-JP" altLang="en-US"/>
+          </a:p>
+        </p:txBody>
+      </p:sp>
+      <p:sp>
+        <p:nvSpPr>
+          <p:cNvPr id="14" name="テキスト ボックス 13"/>
+          <p:cNvSpPr txBox="1"/>
+          <p:nvPr/>
+        </p:nvSpPr>
+        <p:spPr>
+          <a:xfrm>
+            <a:off x="863173" y="5476582"/>
+            <a:ext cx="1224136" cy="369332"/>
+          </a:xfrm>
+          <a:prstGeom prst="rect">
+            <a:avLst/>
+          </a:prstGeom>
+          <a:noFill/>
+        </p:spPr>
+        <p:txBody>
+          <a:bodyPr wrap="square" rtlCol="0">
+            <a:spAutoFit/>
+          </a:bodyPr>
+          <a:lstStyle/>
+          <a:p>
+            <a:r>
+              <a:rPr kumimoji="1" lang="ja-JP" altLang="en-US" dirty="0" smtClean="0"/>
+              <a:t>回答期限</a:t>
+            </a:r>
+            <a:endParaRPr kumimoji="1" lang="ja-JP" altLang="en-US" dirty="0"/>
+          </a:p>
+        </p:txBody>
+      </p:sp>
+      <p:sp>
+        <p:nvSpPr>
+          <p:cNvPr id="15" name="テキスト ボックス 14"/>
+          <p:cNvSpPr txBox="1"/>
+          <p:nvPr/>
+        </p:nvSpPr>
+        <p:spPr>
+          <a:xfrm>
+            <a:off x="2111177" y="5495299"/>
+            <a:ext cx="1138758" cy="369332"/>
+          </a:xfrm>
+          <a:prstGeom prst="rect">
+            <a:avLst/>
+          </a:prstGeom>
+          <a:noFill/>
+          <a:ln>
+            <a:solidFill>
+              <a:schemeClr val="tx1"/>
+            </a:solidFill>
+          </a:ln>
+        </p:spPr>
+        <p:txBody>
+          <a:bodyPr wrap="square" rtlCol="0">
+            <a:spAutoFit/>
+          </a:bodyPr>
+          <a:lstStyle/>
+          <a:p>
+            <a:endParaRPr kumimoji="1" lang="ja-JP" altLang="en-US" dirty="0"/>
+          </a:p>
+        </p:txBody>
+      </p:sp>
+      <p:sp>
+        <p:nvSpPr>
           <p:cNvPr id="16" name="テキスト ボックス 15"/>
           <p:cNvSpPr txBox="1"/>
           <p:nvPr/>
         </p:nvSpPr>
         <p:spPr>
           <a:xfrm>
-            <a:off x="994639" y="6082054"/>
-            <a:ext cx="661038" cy="369332"/>
+            <a:off x="4752020" y="6093296"/>
+            <a:ext cx="1260140" cy="369332"/>
           </a:xfrm>
           <a:prstGeom prst="rect">
             <a:avLst/>
@@ -5660,9 +5807,10 @@
           </a:bodyPr>
           <a:lstStyle/>
           <a:p>
-            <a:r>
-              <a:rPr kumimoji="1" lang="ja-JP" altLang="en-US" dirty="0" smtClean="0"/>
-              <a:t>登録</a:t>
+            <a:pPr algn="ctr"/>
+            <a:r>
+              <a:rPr lang="ja-JP" altLang="en-US" dirty="0" smtClean="0"/>
+              <a:t>更新</a:t>
             </a:r>
             <a:endParaRPr kumimoji="1" lang="ja-JP" altLang="en-US" dirty="0"/>
           </a:p>
@@ -5676,13 +5824,23 @@
         </p:nvSpPr>
         <p:spPr>
           <a:xfrm>
-            <a:off x="251520" y="6094283"/>
-            <a:ext cx="720079" cy="369332"/>
-          </a:xfrm>
-          <a:prstGeom prst="rect">
-            <a:avLst/>
-          </a:prstGeom>
-          <a:noFill/>
+            <a:off x="3354549" y="6094283"/>
+            <a:ext cx="1138757" cy="369332"/>
+          </a:xfrm>
+          <a:prstGeom prst="rect">
+            <a:avLst/>
+          </a:prstGeom>
+          <a:solidFill>
+            <a:schemeClr val="tx2">
+              <a:lumMod val="20000"/>
+              <a:lumOff val="80000"/>
+            </a:schemeClr>
+          </a:solidFill>
+          <a:ln>
+            <a:solidFill>
+              <a:schemeClr val="tx1"/>
+            </a:solidFill>
+          </a:ln>
         </p:spPr>
         <p:txBody>
           <a:bodyPr wrap="square" rtlCol="0">
@@ -5690,18 +5848,97 @@
           </a:bodyPr>
           <a:lstStyle/>
           <a:p>
-            <a:r>
-              <a:rPr kumimoji="1" lang="ja-JP" altLang="en-US" smtClean="0"/>
+            <a:pPr algn="ctr"/>
+            <a:r>
+              <a:rPr kumimoji="1" lang="ja-JP" altLang="en-US" dirty="0" smtClean="0"/>
               <a:t>戻る</a:t>
             </a:r>
             <a:endParaRPr kumimoji="1" lang="ja-JP" altLang="en-US" dirty="0"/>
+          </a:p>
+        </p:txBody>
+      </p:sp>
+      <p:sp>
+        <p:nvSpPr>
+          <p:cNvPr id="18" name="テキスト ボックス 17"/>
+          <p:cNvSpPr txBox="1"/>
+          <p:nvPr/>
+        </p:nvSpPr>
+        <p:spPr>
+          <a:xfrm>
+            <a:off x="747131" y="4552295"/>
+            <a:ext cx="1224136" cy="369332"/>
+          </a:xfrm>
+          <a:prstGeom prst="rect">
+            <a:avLst/>
+          </a:prstGeom>
+          <a:noFill/>
+        </p:spPr>
+        <p:txBody>
+          <a:bodyPr wrap="square" rtlCol="0">
+            <a:spAutoFit/>
+          </a:bodyPr>
+          <a:lstStyle/>
+          <a:p>
+            <a:r>
+              <a:rPr lang="ja-JP" altLang="en-US" dirty="0"/>
+              <a:t>ステータス</a:t>
+            </a:r>
+            <a:endParaRPr kumimoji="1" lang="ja-JP" altLang="en-US" dirty="0"/>
+          </a:p>
+        </p:txBody>
+      </p:sp>
+      <p:sp>
+        <p:nvSpPr>
+          <p:cNvPr id="19" name="正方形/長方形 18"/>
+          <p:cNvSpPr/>
+          <p:nvPr/>
+        </p:nvSpPr>
+        <p:spPr>
+          <a:xfrm>
+            <a:off x="2087309" y="4581128"/>
+            <a:ext cx="1405830" cy="288032"/>
+          </a:xfrm>
+          <a:prstGeom prst="rect">
+            <a:avLst/>
+          </a:prstGeom>
+          <a:solidFill>
+            <a:schemeClr val="bg1"/>
+          </a:solidFill>
+          <a:ln w="12700">
+            <a:solidFill>
+              <a:schemeClr val="tx1"/>
+            </a:solidFill>
+          </a:ln>
+        </p:spPr>
+        <p:style>
+          <a:lnRef idx="2">
+            <a:schemeClr val="accent1">
+              <a:shade val="50000"/>
+            </a:schemeClr>
+          </a:lnRef>
+          <a:fillRef idx="1">
+            <a:schemeClr val="accent1"/>
+          </a:fillRef>
+          <a:effectRef idx="0">
+            <a:schemeClr val="accent1"/>
+          </a:effectRef>
+          <a:fontRef idx="minor">
+            <a:schemeClr val="lt1"/>
+          </a:fontRef>
+        </p:style>
+        <p:txBody>
+          <a:bodyPr rtlCol="0" anchor="ctr"/>
+          <a:lstStyle/>
+          <a:p>
+            <a:pPr algn="ctr"/>
+            <a:endParaRPr kumimoji="1" lang="ja-JP" altLang="en-US"/>
           </a:p>
         </p:txBody>
       </p:sp>
     </p:spTree>
     <p:extLst>
       <p:ext uri="{BB962C8B-B14F-4D97-AF65-F5344CB8AC3E}">
-        <p14:creationId xmlns:p14="http://schemas.microsoft.com/office/powerpoint/2010/main" val="1222589972"/>
+        <p14:creationId xmlns:p14="http://schemas.microsoft.com/office/powerpoint/2010/main" val="1159382838"/>
       </p:ext>
     </p:extLst>
   </p:cSld>
@@ -5781,12 +6018,16 @@
           <a:lstStyle/>
           <a:p>
             <a:r>
+              <a:rPr lang="ja-JP" altLang="en-US" dirty="0"/>
+              <a:t>回答</a:t>
+            </a:r>
+            <a:r>
               <a:rPr lang="ja-JP" altLang="en-US" dirty="0" smtClean="0"/>
-              <a:t>回答</a:t>
-            </a:r>
-            <a:r>
-              <a:rPr lang="ja-JP" altLang="en-US" dirty="0"/>
-              <a:t>更新</a:t>
+              <a:t>新規</a:t>
+            </a:r>
+            <a:r>
+              <a:rPr kumimoji="1" lang="ja-JP" altLang="en-US" dirty="0" smtClean="0"/>
+              <a:t>登録</a:t>
             </a:r>
             <a:endParaRPr kumimoji="1" lang="ja-JP" altLang="en-US" dirty="0"/>
           </a:p>
@@ -5794,14 +6035,14 @@
       </p:sp>
       <p:sp>
         <p:nvSpPr>
-          <p:cNvPr id="8" name="テキスト ボックス 7"/>
+          <p:cNvPr id="4" name="テキスト ボックス 3"/>
           <p:cNvSpPr txBox="1"/>
           <p:nvPr/>
         </p:nvSpPr>
         <p:spPr>
           <a:xfrm>
-            <a:off x="855558" y="1988840"/>
-            <a:ext cx="1152128" cy="369332"/>
+            <a:off x="887041" y="1375555"/>
+            <a:ext cx="1224136" cy="369332"/>
           </a:xfrm>
           <a:prstGeom prst="rect">
             <a:avLst/>
@@ -5820,7 +6061,7 @@
             </a:r>
             <a:r>
               <a:rPr kumimoji="1" lang="ja-JP" altLang="en-US" dirty="0" smtClean="0"/>
-              <a:t>内容</a:t>
+              <a:t>者名</a:t>
             </a:r>
             <a:endParaRPr kumimoji="1" lang="ja-JP" altLang="en-US" dirty="0"/>
           </a:p>
@@ -5828,14 +6069,14 @@
       </p:sp>
       <p:sp>
         <p:nvSpPr>
-          <p:cNvPr id="9" name="正方形/長方形 8"/>
+          <p:cNvPr id="5" name="正方形/長方形 4"/>
           <p:cNvSpPr/>
           <p:nvPr/>
         </p:nvSpPr>
         <p:spPr>
           <a:xfrm>
-            <a:off x="2123728" y="1988840"/>
-            <a:ext cx="5256584" cy="1872208"/>
+            <a:off x="2123728" y="1453684"/>
+            <a:ext cx="1800200" cy="291203"/>
           </a:xfrm>
           <a:prstGeom prst="rect">
             <a:avLst/>
@@ -5876,14 +6117,14 @@
       </p:sp>
       <p:sp>
         <p:nvSpPr>
-          <p:cNvPr id="11" name="テキスト ボックス 10"/>
+          <p:cNvPr id="8" name="テキスト ボックス 7"/>
           <p:cNvSpPr txBox="1"/>
           <p:nvPr/>
         </p:nvSpPr>
         <p:spPr>
           <a:xfrm>
-            <a:off x="807003" y="4149923"/>
-            <a:ext cx="1224136" cy="369332"/>
+            <a:off x="832924" y="1988840"/>
+            <a:ext cx="1152128" cy="369332"/>
           </a:xfrm>
           <a:prstGeom prst="rect">
             <a:avLst/>
@@ -5898,7 +6139,11 @@
           <a:p>
             <a:r>
               <a:rPr lang="ja-JP" altLang="en-US" dirty="0"/>
-              <a:t>ステータス</a:t>
+              <a:t>回答</a:t>
+            </a:r>
+            <a:r>
+              <a:rPr kumimoji="1" lang="ja-JP" altLang="en-US" dirty="0" smtClean="0"/>
+              <a:t>内容</a:t>
             </a:r>
             <a:endParaRPr kumimoji="1" lang="ja-JP" altLang="en-US" dirty="0"/>
           </a:p>
@@ -5906,14 +6151,14 @@
       </p:sp>
       <p:sp>
         <p:nvSpPr>
-          <p:cNvPr id="12" name="正方形/長方形 11"/>
+          <p:cNvPr id="9" name="正方形/長方形 8"/>
           <p:cNvSpPr/>
           <p:nvPr/>
         </p:nvSpPr>
         <p:spPr>
           <a:xfrm>
-            <a:off x="2111177" y="4149923"/>
-            <a:ext cx="1405830" cy="288032"/>
+            <a:off x="2101094" y="1916832"/>
+            <a:ext cx="5256584" cy="1872208"/>
           </a:xfrm>
           <a:prstGeom prst="rect">
             <a:avLst/>
@@ -5960,8 +6205,8 @@
         </p:nvSpPr>
         <p:spPr>
           <a:xfrm>
-            <a:off x="994639" y="6082054"/>
-            <a:ext cx="661038" cy="369332"/>
+            <a:off x="4427984" y="4421202"/>
+            <a:ext cx="1296144" cy="369332"/>
           </a:xfrm>
           <a:prstGeom prst="rect">
             <a:avLst/>
@@ -5984,9 +6229,10 @@
           </a:bodyPr>
           <a:lstStyle/>
           <a:p>
-            <a:r>
-              <a:rPr lang="ja-JP" altLang="en-US" dirty="0" smtClean="0"/>
-              <a:t>更新</a:t>
+            <a:pPr algn="ctr"/>
+            <a:r>
+              <a:rPr kumimoji="1" lang="ja-JP" altLang="en-US" dirty="0" smtClean="0"/>
+              <a:t>登録</a:t>
             </a:r>
             <a:endParaRPr kumimoji="1" lang="ja-JP" altLang="en-US" dirty="0"/>
           </a:p>
@@ -6000,13 +6246,23 @@
         </p:nvSpPr>
         <p:spPr>
           <a:xfrm>
-            <a:off x="251520" y="6094283"/>
-            <a:ext cx="720079" cy="369332"/>
-          </a:xfrm>
-          <a:prstGeom prst="rect">
-            <a:avLst/>
-          </a:prstGeom>
-          <a:noFill/>
+            <a:off x="2847628" y="4433431"/>
+            <a:ext cx="1224136" cy="369332"/>
+          </a:xfrm>
+          <a:prstGeom prst="rect">
+            <a:avLst/>
+          </a:prstGeom>
+          <a:solidFill>
+            <a:schemeClr val="tx2">
+              <a:lumMod val="20000"/>
+              <a:lumOff val="80000"/>
+            </a:schemeClr>
+          </a:solidFill>
+          <a:ln>
+            <a:solidFill>
+              <a:schemeClr val="tx1"/>
+            </a:solidFill>
+          </a:ln>
         </p:spPr>
         <p:txBody>
           <a:bodyPr wrap="square" rtlCol="0">
@@ -6014,8 +6270,9 @@
           </a:bodyPr>
           <a:lstStyle/>
           <a:p>
-            <a:r>
-              <a:rPr kumimoji="1" lang="ja-JP" altLang="en-US" smtClean="0"/>
+            <a:pPr algn="ctr"/>
+            <a:r>
+              <a:rPr kumimoji="1" lang="ja-JP" altLang="en-US" dirty="0" smtClean="0"/>
               <a:t>戻る</a:t>
             </a:r>
             <a:endParaRPr kumimoji="1" lang="ja-JP" altLang="en-US" dirty="0"/>
@@ -6030,7 +6287,7 @@
         </p:nvSpPr>
         <p:spPr>
           <a:xfrm>
-            <a:off x="887041" y="1375555"/>
+            <a:off x="760916" y="3933056"/>
             <a:ext cx="1224136" cy="369332"/>
           </a:xfrm>
           <a:prstGeom prst="rect">
@@ -6046,11 +6303,7 @@
           <a:p>
             <a:r>
               <a:rPr lang="ja-JP" altLang="en-US" dirty="0"/>
-              <a:t>回答</a:t>
-            </a:r>
-            <a:r>
-              <a:rPr kumimoji="1" lang="ja-JP" altLang="en-US" dirty="0" smtClean="0"/>
-              <a:t>者名</a:t>
+              <a:t>ステータス</a:t>
             </a:r>
             <a:endParaRPr kumimoji="1" lang="ja-JP" altLang="en-US" dirty="0"/>
           </a:p>
@@ -6058,14 +6311,14 @@
       </p:sp>
       <p:sp>
         <p:nvSpPr>
-          <p:cNvPr id="13" name="正方形/長方形 12"/>
+          <p:cNvPr id="11" name="正方形/長方形 10"/>
           <p:cNvSpPr/>
           <p:nvPr/>
         </p:nvSpPr>
         <p:spPr>
           <a:xfrm>
-            <a:off x="2123728" y="1453684"/>
-            <a:ext cx="1800200" cy="291203"/>
+            <a:off x="2101094" y="3961889"/>
+            <a:ext cx="1405830" cy="288032"/>
           </a:xfrm>
           <a:prstGeom prst="rect">
             <a:avLst/>
@@ -6107,7 +6360,546 @@
     </p:spTree>
     <p:extLst>
       <p:ext uri="{BB962C8B-B14F-4D97-AF65-F5344CB8AC3E}">
+        <p14:creationId xmlns:p14="http://schemas.microsoft.com/office/powerpoint/2010/main" val="1222589972"/>
+      </p:ext>
+    </p:extLst>
+  </p:cSld>
+  <p:clrMapOvr>
+    <a:masterClrMapping/>
+  </p:clrMapOvr>
+</p:sld>
+</file>
+
+<file path=ppt/slides/slide6.xml><?xml version="1.0" encoding="utf-8"?>
+<p:sld xmlns:a="http://schemas.openxmlformats.org/drawingml/2006/main" xmlns:r="http://schemas.openxmlformats.org/officeDocument/2006/relationships" xmlns:p="http://schemas.openxmlformats.org/presentationml/2006/main">
+  <p:cSld>
+    <p:spTree>
+      <p:nvGrpSpPr>
+        <p:cNvPr id="1" name=""/>
+        <p:cNvGrpSpPr/>
+        <p:nvPr/>
+      </p:nvGrpSpPr>
+      <p:grpSpPr>
+        <a:xfrm>
+          <a:off x="0" y="0"/>
+          <a:ext cx="0" cy="0"/>
+          <a:chOff x="0" y="0"/>
+          <a:chExt cx="0" cy="0"/>
+        </a:xfrm>
+      </p:grpSpPr>
+      <p:sp>
+        <p:nvSpPr>
+          <p:cNvPr id="2" name="テキスト ボックス 1"/>
+          <p:cNvSpPr txBox="1"/>
+          <p:nvPr/>
+        </p:nvSpPr>
+        <p:spPr>
+          <a:xfrm>
+            <a:off x="467544" y="404664"/>
+            <a:ext cx="1512168" cy="369332"/>
+          </a:xfrm>
+          <a:prstGeom prst="rect">
+            <a:avLst/>
+          </a:prstGeom>
+          <a:noFill/>
+        </p:spPr>
+        <p:txBody>
+          <a:bodyPr wrap="square" rtlCol="0">
+            <a:spAutoFit/>
+          </a:bodyPr>
+          <a:lstStyle/>
+          <a:p>
+            <a:r>
+              <a:rPr kumimoji="1" lang="ja-JP" altLang="en-US" dirty="0" smtClean="0"/>
+              <a:t>質問管理表</a:t>
+            </a:r>
+            <a:endParaRPr kumimoji="1" lang="ja-JP" altLang="en-US" dirty="0"/>
+          </a:p>
+        </p:txBody>
+      </p:sp>
+      <p:sp>
+        <p:nvSpPr>
+          <p:cNvPr id="3" name="テキスト ボックス 2"/>
+          <p:cNvSpPr txBox="1"/>
+          <p:nvPr/>
+        </p:nvSpPr>
+        <p:spPr>
+          <a:xfrm>
+            <a:off x="467544" y="868070"/>
+            <a:ext cx="2376264" cy="369332"/>
+          </a:xfrm>
+          <a:prstGeom prst="rect">
+            <a:avLst/>
+          </a:prstGeom>
+          <a:noFill/>
+        </p:spPr>
+        <p:txBody>
+          <a:bodyPr wrap="square" rtlCol="0">
+            <a:spAutoFit/>
+          </a:bodyPr>
+          <a:lstStyle/>
+          <a:p>
+            <a:r>
+              <a:rPr lang="ja-JP" altLang="en-US" dirty="0" smtClean="0"/>
+              <a:t>回答</a:t>
+            </a:r>
+            <a:r>
+              <a:rPr lang="ja-JP" altLang="en-US" dirty="0"/>
+              <a:t>更新</a:t>
+            </a:r>
+            <a:endParaRPr kumimoji="1" lang="ja-JP" altLang="en-US" dirty="0"/>
+          </a:p>
+        </p:txBody>
+      </p:sp>
+      <p:sp>
+        <p:nvSpPr>
+          <p:cNvPr id="8" name="テキスト ボックス 7"/>
+          <p:cNvSpPr txBox="1"/>
+          <p:nvPr/>
+        </p:nvSpPr>
+        <p:spPr>
+          <a:xfrm>
+            <a:off x="855558" y="1988840"/>
+            <a:ext cx="1152128" cy="369332"/>
+          </a:xfrm>
+          <a:prstGeom prst="rect">
+            <a:avLst/>
+          </a:prstGeom>
+          <a:noFill/>
+        </p:spPr>
+        <p:txBody>
+          <a:bodyPr wrap="square" rtlCol="0">
+            <a:spAutoFit/>
+          </a:bodyPr>
+          <a:lstStyle/>
+          <a:p>
+            <a:r>
+              <a:rPr lang="ja-JP" altLang="en-US" dirty="0"/>
+              <a:t>回答</a:t>
+            </a:r>
+            <a:r>
+              <a:rPr kumimoji="1" lang="ja-JP" altLang="en-US" dirty="0" smtClean="0"/>
+              <a:t>内容</a:t>
+            </a:r>
+            <a:endParaRPr kumimoji="1" lang="ja-JP" altLang="en-US" dirty="0"/>
+          </a:p>
+        </p:txBody>
+      </p:sp>
+      <p:sp>
+        <p:nvSpPr>
+          <p:cNvPr id="9" name="正方形/長方形 8"/>
+          <p:cNvSpPr/>
+          <p:nvPr/>
+        </p:nvSpPr>
+        <p:spPr>
+          <a:xfrm>
+            <a:off x="2123728" y="1988840"/>
+            <a:ext cx="5256584" cy="1872208"/>
+          </a:xfrm>
+          <a:prstGeom prst="rect">
+            <a:avLst/>
+          </a:prstGeom>
+          <a:solidFill>
+            <a:schemeClr val="bg1"/>
+          </a:solidFill>
+          <a:ln w="12700">
+            <a:solidFill>
+              <a:schemeClr val="tx1"/>
+            </a:solidFill>
+          </a:ln>
+        </p:spPr>
+        <p:style>
+          <a:lnRef idx="2">
+            <a:schemeClr val="accent1">
+              <a:shade val="50000"/>
+            </a:schemeClr>
+          </a:lnRef>
+          <a:fillRef idx="1">
+            <a:schemeClr val="accent1"/>
+          </a:fillRef>
+          <a:effectRef idx="0">
+            <a:schemeClr val="accent1"/>
+          </a:effectRef>
+          <a:fontRef idx="minor">
+            <a:schemeClr val="lt1"/>
+          </a:fontRef>
+        </p:style>
+        <p:txBody>
+          <a:bodyPr rtlCol="0" anchor="ctr"/>
+          <a:lstStyle/>
+          <a:p>
+            <a:pPr algn="ctr"/>
+            <a:endParaRPr kumimoji="1" lang="ja-JP" altLang="en-US"/>
+          </a:p>
+        </p:txBody>
+      </p:sp>
+      <p:sp>
+        <p:nvSpPr>
+          <p:cNvPr id="16" name="テキスト ボックス 15"/>
+          <p:cNvSpPr txBox="1"/>
+          <p:nvPr/>
+        </p:nvSpPr>
+        <p:spPr>
+          <a:xfrm>
+            <a:off x="4355976" y="4530641"/>
+            <a:ext cx="1224136" cy="369332"/>
+          </a:xfrm>
+          <a:prstGeom prst="rect">
+            <a:avLst/>
+          </a:prstGeom>
+          <a:solidFill>
+            <a:schemeClr val="tx2">
+              <a:lumMod val="20000"/>
+              <a:lumOff val="80000"/>
+            </a:schemeClr>
+          </a:solidFill>
+          <a:ln>
+            <a:solidFill>
+              <a:schemeClr val="tx1"/>
+            </a:solidFill>
+          </a:ln>
+        </p:spPr>
+        <p:txBody>
+          <a:bodyPr wrap="square" rtlCol="0">
+            <a:spAutoFit/>
+          </a:bodyPr>
+          <a:lstStyle/>
+          <a:p>
+            <a:pPr algn="ctr"/>
+            <a:r>
+              <a:rPr lang="ja-JP" altLang="en-US" dirty="0" smtClean="0"/>
+              <a:t>更新</a:t>
+            </a:r>
+            <a:endParaRPr kumimoji="1" lang="ja-JP" altLang="en-US" dirty="0"/>
+          </a:p>
+        </p:txBody>
+      </p:sp>
+      <p:sp>
+        <p:nvSpPr>
+          <p:cNvPr id="17" name="テキスト ボックス 16"/>
+          <p:cNvSpPr txBox="1"/>
+          <p:nvPr/>
+        </p:nvSpPr>
+        <p:spPr>
+          <a:xfrm>
+            <a:off x="2843809" y="4546432"/>
+            <a:ext cx="1296144" cy="369332"/>
+          </a:xfrm>
+          <a:prstGeom prst="rect">
+            <a:avLst/>
+          </a:prstGeom>
+          <a:solidFill>
+            <a:schemeClr val="tx2">
+              <a:lumMod val="20000"/>
+              <a:lumOff val="80000"/>
+            </a:schemeClr>
+          </a:solidFill>
+          <a:ln>
+            <a:solidFill>
+              <a:schemeClr val="tx1"/>
+            </a:solidFill>
+          </a:ln>
+        </p:spPr>
+        <p:txBody>
+          <a:bodyPr wrap="square" rtlCol="0">
+            <a:spAutoFit/>
+          </a:bodyPr>
+          <a:lstStyle/>
+          <a:p>
+            <a:pPr algn="ctr"/>
+            <a:r>
+              <a:rPr kumimoji="1" lang="ja-JP" altLang="en-US" dirty="0" smtClean="0"/>
+              <a:t>戻る</a:t>
+            </a:r>
+            <a:endParaRPr kumimoji="1" lang="ja-JP" altLang="en-US" dirty="0"/>
+          </a:p>
+        </p:txBody>
+      </p:sp>
+      <p:sp>
+        <p:nvSpPr>
+          <p:cNvPr id="10" name="テキスト ボックス 9"/>
+          <p:cNvSpPr txBox="1"/>
+          <p:nvPr/>
+        </p:nvSpPr>
+        <p:spPr>
+          <a:xfrm>
+            <a:off x="887041" y="1375555"/>
+            <a:ext cx="1224136" cy="369332"/>
+          </a:xfrm>
+          <a:prstGeom prst="rect">
+            <a:avLst/>
+          </a:prstGeom>
+          <a:noFill/>
+        </p:spPr>
+        <p:txBody>
+          <a:bodyPr wrap="square" rtlCol="0">
+            <a:spAutoFit/>
+          </a:bodyPr>
+          <a:lstStyle/>
+          <a:p>
+            <a:r>
+              <a:rPr lang="ja-JP" altLang="en-US" dirty="0"/>
+              <a:t>回答</a:t>
+            </a:r>
+            <a:r>
+              <a:rPr kumimoji="1" lang="ja-JP" altLang="en-US" dirty="0" smtClean="0"/>
+              <a:t>者名</a:t>
+            </a:r>
+            <a:endParaRPr kumimoji="1" lang="ja-JP" altLang="en-US" dirty="0"/>
+          </a:p>
+        </p:txBody>
+      </p:sp>
+      <p:sp>
+        <p:nvSpPr>
+          <p:cNvPr id="13" name="正方形/長方形 12"/>
+          <p:cNvSpPr/>
+          <p:nvPr/>
+        </p:nvSpPr>
+        <p:spPr>
+          <a:xfrm>
+            <a:off x="2123728" y="1453684"/>
+            <a:ext cx="1800200" cy="291203"/>
+          </a:xfrm>
+          <a:prstGeom prst="rect">
+            <a:avLst/>
+          </a:prstGeom>
+          <a:solidFill>
+            <a:schemeClr val="bg1"/>
+          </a:solidFill>
+          <a:ln w="12700">
+            <a:solidFill>
+              <a:schemeClr val="tx1"/>
+            </a:solidFill>
+          </a:ln>
+        </p:spPr>
+        <p:style>
+          <a:lnRef idx="2">
+            <a:schemeClr val="accent1">
+              <a:shade val="50000"/>
+            </a:schemeClr>
+          </a:lnRef>
+          <a:fillRef idx="1">
+            <a:schemeClr val="accent1"/>
+          </a:fillRef>
+          <a:effectRef idx="0">
+            <a:schemeClr val="accent1"/>
+          </a:effectRef>
+          <a:fontRef idx="minor">
+            <a:schemeClr val="lt1"/>
+          </a:fontRef>
+        </p:style>
+        <p:txBody>
+          <a:bodyPr rtlCol="0" anchor="ctr"/>
+          <a:lstStyle/>
+          <a:p>
+            <a:pPr algn="ctr"/>
+            <a:endParaRPr kumimoji="1" lang="ja-JP" altLang="en-US"/>
+          </a:p>
+        </p:txBody>
+      </p:sp>
+      <p:sp>
+        <p:nvSpPr>
+          <p:cNvPr id="11" name="テキスト ボックス 10"/>
+          <p:cNvSpPr txBox="1"/>
+          <p:nvPr/>
+        </p:nvSpPr>
+        <p:spPr>
+          <a:xfrm>
+            <a:off x="783550" y="3992434"/>
+            <a:ext cx="1224136" cy="369332"/>
+          </a:xfrm>
+          <a:prstGeom prst="rect">
+            <a:avLst/>
+          </a:prstGeom>
+          <a:noFill/>
+        </p:spPr>
+        <p:txBody>
+          <a:bodyPr wrap="square" rtlCol="0">
+            <a:spAutoFit/>
+          </a:bodyPr>
+          <a:lstStyle/>
+          <a:p>
+            <a:r>
+              <a:rPr lang="ja-JP" altLang="en-US" dirty="0"/>
+              <a:t>ステータス</a:t>
+            </a:r>
+            <a:endParaRPr kumimoji="1" lang="ja-JP" altLang="en-US" dirty="0"/>
+          </a:p>
+        </p:txBody>
+      </p:sp>
+      <p:sp>
+        <p:nvSpPr>
+          <p:cNvPr id="12" name="正方形/長方形 11"/>
+          <p:cNvSpPr/>
+          <p:nvPr/>
+        </p:nvSpPr>
+        <p:spPr>
+          <a:xfrm>
+            <a:off x="2123728" y="4021267"/>
+            <a:ext cx="1405830" cy="288032"/>
+          </a:xfrm>
+          <a:prstGeom prst="rect">
+            <a:avLst/>
+          </a:prstGeom>
+          <a:solidFill>
+            <a:schemeClr val="bg1"/>
+          </a:solidFill>
+          <a:ln w="12700">
+            <a:solidFill>
+              <a:schemeClr val="tx1"/>
+            </a:solidFill>
+          </a:ln>
+        </p:spPr>
+        <p:style>
+          <a:lnRef idx="2">
+            <a:schemeClr val="accent1">
+              <a:shade val="50000"/>
+            </a:schemeClr>
+          </a:lnRef>
+          <a:fillRef idx="1">
+            <a:schemeClr val="accent1"/>
+          </a:fillRef>
+          <a:effectRef idx="0">
+            <a:schemeClr val="accent1"/>
+          </a:effectRef>
+          <a:fontRef idx="minor">
+            <a:schemeClr val="lt1"/>
+          </a:fontRef>
+        </p:style>
+        <p:txBody>
+          <a:bodyPr rtlCol="0" anchor="ctr"/>
+          <a:lstStyle/>
+          <a:p>
+            <a:pPr algn="ctr"/>
+            <a:endParaRPr kumimoji="1" lang="ja-JP" altLang="en-US"/>
+          </a:p>
+        </p:txBody>
+      </p:sp>
+    </p:spTree>
+    <p:extLst>
+      <p:ext uri="{BB962C8B-B14F-4D97-AF65-F5344CB8AC3E}">
         <p14:creationId xmlns:p14="http://schemas.microsoft.com/office/powerpoint/2010/main" val="3033172708"/>
+      </p:ext>
+    </p:extLst>
+  </p:cSld>
+  <p:clrMapOvr>
+    <a:masterClrMapping/>
+  </p:clrMapOvr>
+</p:sld>
+</file>
+
+<file path=ppt/slides/slide7.xml><?xml version="1.0" encoding="utf-8"?>
+<p:sld xmlns:a="http://schemas.openxmlformats.org/drawingml/2006/main" xmlns:r="http://schemas.openxmlformats.org/officeDocument/2006/relationships" xmlns:p="http://schemas.openxmlformats.org/presentationml/2006/main">
+  <p:cSld>
+    <p:spTree>
+      <p:nvGrpSpPr>
+        <p:cNvPr id="1" name=""/>
+        <p:cNvGrpSpPr/>
+        <p:nvPr/>
+      </p:nvGrpSpPr>
+      <p:grpSpPr>
+        <a:xfrm>
+          <a:off x="0" y="0"/>
+          <a:ext cx="0" cy="0"/>
+          <a:chOff x="0" y="0"/>
+          <a:chExt cx="0" cy="0"/>
+        </a:xfrm>
+      </p:grpSpPr>
+      <p:sp>
+        <p:nvSpPr>
+          <p:cNvPr id="2" name="テキスト ボックス 1"/>
+          <p:cNvSpPr txBox="1"/>
+          <p:nvPr/>
+        </p:nvSpPr>
+        <p:spPr>
+          <a:xfrm>
+            <a:off x="107504" y="115412"/>
+            <a:ext cx="2736304" cy="369332"/>
+          </a:xfrm>
+          <a:prstGeom prst="rect">
+            <a:avLst/>
+          </a:prstGeom>
+          <a:noFill/>
+        </p:spPr>
+        <p:txBody>
+          <a:bodyPr wrap="square" rtlCol="0">
+            <a:spAutoFit/>
+          </a:bodyPr>
+          <a:lstStyle/>
+          <a:p>
+            <a:r>
+              <a:rPr kumimoji="1" lang="en-US" altLang="ja-JP" dirty="0" smtClean="0"/>
+              <a:t>CSV</a:t>
+            </a:r>
+            <a:r>
+              <a:rPr kumimoji="1" lang="ja-JP" altLang="en-US" dirty="0" smtClean="0"/>
+              <a:t>出力した時のイメージ</a:t>
+            </a:r>
+            <a:endParaRPr kumimoji="1" lang="ja-JP" altLang="en-US" dirty="0"/>
+          </a:p>
+        </p:txBody>
+      </p:sp>
+      <p:graphicFrame>
+        <p:nvGraphicFramePr>
+          <p:cNvPr id="3" name="オブジェクト 2"/>
+          <p:cNvGraphicFramePr>
+            <a:graphicFrameLocks noChangeAspect="1"/>
+          </p:cNvGraphicFramePr>
+          <p:nvPr>
+            <p:extLst>
+              <p:ext uri="{D42A27DB-BD31-4B8C-83A1-F6EECF244321}">
+                <p14:modId xmlns:p14="http://schemas.microsoft.com/office/powerpoint/2010/main" val="242393204"/>
+              </p:ext>
+            </p:extLst>
+          </p:nvPr>
+        </p:nvGraphicFramePr>
+        <p:xfrm>
+          <a:off x="395536" y="1052736"/>
+          <a:ext cx="8391525" cy="2324100"/>
+        </p:xfrm>
+        <a:graphic>
+          <a:graphicData uri="http://schemas.openxmlformats.org/presentationml/2006/ole">
+            <mc:AlternateContent xmlns:mc="http://schemas.openxmlformats.org/markup-compatibility/2006">
+              <mc:Choice xmlns:v="urn:schemas-microsoft-com:vml" Requires="v">
+                <p:oleObj spid="_x0000_s3080" name="ワークシート" r:id="rId3" imgW="8391410" imgH="2324160" progId="Excel.Sheet.12">
+                  <p:embed/>
+                </p:oleObj>
+              </mc:Choice>
+              <mc:Fallback>
+                <p:oleObj name="ワークシート" r:id="rId3" imgW="8391410" imgH="2324160" progId="Excel.Sheet.12">
+                  <p:embed/>
+                  <p:pic>
+                    <p:nvPicPr>
+                      <p:cNvPr id="0" name=""/>
+                      <p:cNvPicPr/>
+                      <p:nvPr/>
+                    </p:nvPicPr>
+                    <p:blipFill>
+                      <a:blip r:embed="rId4"/>
+                      <a:stretch>
+                        <a:fillRect/>
+                      </a:stretch>
+                    </p:blipFill>
+                    <p:spPr>
+                      <a:xfrm>
+                        <a:off x="395536" y="1052736"/>
+                        <a:ext cx="8391525" cy="2324100"/>
+                      </a:xfrm>
+                      <a:prstGeom prst="rect">
+                        <a:avLst/>
+                      </a:prstGeom>
+                    </p:spPr>
+                  </p:pic>
+                </p:oleObj>
+              </mc:Fallback>
+            </mc:AlternateContent>
+          </a:graphicData>
+        </a:graphic>
+      </p:graphicFrame>
+    </p:spTree>
+    <p:extLst>
+      <p:ext uri="{BB962C8B-B14F-4D97-AF65-F5344CB8AC3E}">
+        <p14:creationId xmlns:p14="http://schemas.microsoft.com/office/powerpoint/2010/main" val="696887086"/>
       </p:ext>
     </p:extLst>
   </p:cSld>

--- a/画面一覧.pptx
+++ b/画面一覧.pptx
@@ -294,7 +294,7 @@
           <a:p>
             <a:fld id="{E2878988-D8A0-41FC-BFAE-62C0E9D186B2}" type="datetimeFigureOut">
               <a:rPr kumimoji="1" lang="ja-JP" altLang="en-US" smtClean="0"/>
-              <a:t>2015/2/27</a:t>
+              <a:t>2015/3/2</a:t>
             </a:fld>
             <a:endParaRPr kumimoji="1" lang="ja-JP" altLang="en-US"/>
           </a:p>
@@ -496,7 +496,7 @@
           <a:p>
             <a:fld id="{E2878988-D8A0-41FC-BFAE-62C0E9D186B2}" type="datetimeFigureOut">
               <a:rPr kumimoji="1" lang="ja-JP" altLang="en-US" smtClean="0"/>
-              <a:t>2015/2/27</a:t>
+              <a:t>2015/3/2</a:t>
             </a:fld>
             <a:endParaRPr kumimoji="1" lang="ja-JP" altLang="en-US"/>
           </a:p>
@@ -708,7 +708,7 @@
           <a:p>
             <a:fld id="{E2878988-D8A0-41FC-BFAE-62C0E9D186B2}" type="datetimeFigureOut">
               <a:rPr kumimoji="1" lang="ja-JP" altLang="en-US" smtClean="0"/>
-              <a:t>2015/2/27</a:t>
+              <a:t>2015/3/2</a:t>
             </a:fld>
             <a:endParaRPr kumimoji="1" lang="ja-JP" altLang="en-US"/>
           </a:p>
@@ -910,7 +910,7 @@
           <a:p>
             <a:fld id="{E2878988-D8A0-41FC-BFAE-62C0E9D186B2}" type="datetimeFigureOut">
               <a:rPr kumimoji="1" lang="ja-JP" altLang="en-US" smtClean="0"/>
-              <a:t>2015/2/27</a:t>
+              <a:t>2015/3/2</a:t>
             </a:fld>
             <a:endParaRPr kumimoji="1" lang="ja-JP" altLang="en-US"/>
           </a:p>
@@ -1156,7 +1156,7 @@
           <a:p>
             <a:fld id="{E2878988-D8A0-41FC-BFAE-62C0E9D186B2}" type="datetimeFigureOut">
               <a:rPr kumimoji="1" lang="ja-JP" altLang="en-US" smtClean="0"/>
-              <a:t>2015/2/27</a:t>
+              <a:t>2015/3/2</a:t>
             </a:fld>
             <a:endParaRPr kumimoji="1" lang="ja-JP" altLang="en-US"/>
           </a:p>
@@ -1508,7 +1508,7 @@
           <a:p>
             <a:fld id="{E2878988-D8A0-41FC-BFAE-62C0E9D186B2}" type="datetimeFigureOut">
               <a:rPr kumimoji="1" lang="ja-JP" altLang="en-US" smtClean="0"/>
-              <a:t>2015/2/27</a:t>
+              <a:t>2015/3/2</a:t>
             </a:fld>
             <a:endParaRPr kumimoji="1" lang="ja-JP" altLang="en-US"/>
           </a:p>
@@ -1994,7 +1994,7 @@
           <a:p>
             <a:fld id="{E2878988-D8A0-41FC-BFAE-62C0E9D186B2}" type="datetimeFigureOut">
               <a:rPr kumimoji="1" lang="ja-JP" altLang="en-US" smtClean="0"/>
-              <a:t>2015/2/27</a:t>
+              <a:t>2015/3/2</a:t>
             </a:fld>
             <a:endParaRPr kumimoji="1" lang="ja-JP" altLang="en-US"/>
           </a:p>
@@ -2112,7 +2112,7 @@
           <a:p>
             <a:fld id="{E2878988-D8A0-41FC-BFAE-62C0E9D186B2}" type="datetimeFigureOut">
               <a:rPr kumimoji="1" lang="ja-JP" altLang="en-US" smtClean="0"/>
-              <a:t>2015/2/27</a:t>
+              <a:t>2015/3/2</a:t>
             </a:fld>
             <a:endParaRPr kumimoji="1" lang="ja-JP" altLang="en-US"/>
           </a:p>
@@ -2207,7 +2207,7 @@
           <a:p>
             <a:fld id="{E2878988-D8A0-41FC-BFAE-62C0E9D186B2}" type="datetimeFigureOut">
               <a:rPr kumimoji="1" lang="ja-JP" altLang="en-US" smtClean="0"/>
-              <a:t>2015/2/27</a:t>
+              <a:t>2015/3/2</a:t>
             </a:fld>
             <a:endParaRPr kumimoji="1" lang="ja-JP" altLang="en-US"/>
           </a:p>
@@ -2516,7 +2516,7 @@
           <a:p>
             <a:fld id="{E2878988-D8A0-41FC-BFAE-62C0E9D186B2}" type="datetimeFigureOut">
               <a:rPr kumimoji="1" lang="ja-JP" altLang="en-US" smtClean="0"/>
-              <a:t>2015/2/27</a:t>
+              <a:t>2015/3/2</a:t>
             </a:fld>
             <a:endParaRPr kumimoji="1" lang="ja-JP" altLang="en-US"/>
           </a:p>
@@ -2769,7 +2769,7 @@
           <a:p>
             <a:fld id="{E2878988-D8A0-41FC-BFAE-62C0E9D186B2}" type="datetimeFigureOut">
               <a:rPr kumimoji="1" lang="ja-JP" altLang="en-US" smtClean="0"/>
-              <a:t>2015/2/27</a:t>
+              <a:t>2015/3/2</a:t>
             </a:fld>
             <a:endParaRPr kumimoji="1" lang="ja-JP" altLang="en-US"/>
           </a:p>
@@ -3014,7 +3014,7 @@
           <a:p>
             <a:fld id="{E2878988-D8A0-41FC-BFAE-62C0E9D186B2}" type="datetimeFigureOut">
               <a:rPr kumimoji="1" lang="ja-JP" altLang="en-US" smtClean="0"/>
-              <a:t>2015/2/27</a:t>
+              <a:t>2015/3/2</a:t>
             </a:fld>
             <a:endParaRPr kumimoji="1" lang="ja-JP" altLang="en-US"/>
           </a:p>
@@ -3471,7 +3471,7 @@
           <a:graphicData uri="http://schemas.openxmlformats.org/presentationml/2006/ole">
             <mc:AlternateContent xmlns:mc="http://schemas.openxmlformats.org/markup-compatibility/2006">
               <mc:Choice xmlns:v="urn:schemas-microsoft-com:vml" Requires="v">
-                <p:oleObj spid="_x0000_s1042" name="ワークシート" r:id="rId3" imgW="5629300" imgH="1076220" progId="Excel.Sheet.12">
+                <p:oleObj spid="_x0000_s1045" name="ワークシート" r:id="rId3" imgW="5629300" imgH="1076220" progId="Excel.Sheet.12">
                   <p:embed/>
                 </p:oleObj>
               </mc:Choice>
@@ -3514,8 +3514,8 @@
         </p:nvSpPr>
         <p:spPr>
           <a:xfrm>
-            <a:off x="467544" y="1844824"/>
-            <a:ext cx="7872386" cy="792088"/>
+            <a:off x="107504" y="1844824"/>
+            <a:ext cx="8856984" cy="792088"/>
           </a:xfrm>
           <a:prstGeom prst="roundRect">
             <a:avLst/>
@@ -3562,8 +3562,8 @@
         </p:nvSpPr>
         <p:spPr>
           <a:xfrm>
-            <a:off x="532409" y="2072698"/>
-            <a:ext cx="504056" cy="338554"/>
+            <a:off x="5196593" y="2116290"/>
+            <a:ext cx="1083407" cy="338554"/>
           </a:xfrm>
           <a:prstGeom prst="rect">
             <a:avLst/>
@@ -3577,8 +3577,12 @@
           <a:lstStyle/>
           <a:p>
             <a:r>
-              <a:rPr kumimoji="1" lang="en-US" altLang="ja-JP" sz="1600" dirty="0" smtClean="0"/>
-              <a:t>No.</a:t>
+              <a:rPr lang="ja-JP" altLang="en-US" sz="1600" dirty="0" smtClean="0"/>
+              <a:t>回答</a:t>
+            </a:r>
+            <a:r>
+              <a:rPr lang="ja-JP" altLang="en-US" sz="1600" dirty="0"/>
+              <a:t>期限</a:t>
             </a:r>
             <a:endParaRPr kumimoji="1" lang="ja-JP" altLang="en-US" sz="1600" dirty="0"/>
           </a:p>
@@ -3592,8 +3596,8 @@
         </p:nvSpPr>
         <p:spPr>
           <a:xfrm>
-            <a:off x="1003822" y="2119073"/>
-            <a:ext cx="346740" cy="237856"/>
+            <a:off x="6247357" y="2162665"/>
+            <a:ext cx="916931" cy="237856"/>
           </a:xfrm>
           <a:prstGeom prst="rect">
             <a:avLst/>
@@ -3640,7 +3644,7 @@
         </p:nvSpPr>
         <p:spPr>
           <a:xfrm>
-            <a:off x="1351356" y="2064387"/>
+            <a:off x="139205" y="2106959"/>
             <a:ext cx="864096" cy="338554"/>
           </a:xfrm>
           <a:prstGeom prst="rect">
@@ -3670,7 +3674,7 @@
         </p:nvSpPr>
         <p:spPr>
           <a:xfrm>
-            <a:off x="2166947" y="2123368"/>
+            <a:off x="954796" y="2165940"/>
             <a:ext cx="1024916" cy="272816"/>
           </a:xfrm>
           <a:prstGeom prst="rect">
@@ -3718,7 +3722,7 @@
         </p:nvSpPr>
         <p:spPr>
           <a:xfrm>
-            <a:off x="7500849" y="2126285"/>
+            <a:off x="8199262" y="2116646"/>
             <a:ext cx="648072" cy="307777"/>
           </a:xfrm>
           <a:prstGeom prst="rect">
@@ -3758,7 +3762,7 @@
         </p:nvSpPr>
         <p:spPr>
           <a:xfrm>
-            <a:off x="6561930" y="2126285"/>
+            <a:off x="7260343" y="2116646"/>
             <a:ext cx="811504" cy="307777"/>
           </a:xfrm>
           <a:prstGeom prst="rect">
@@ -3798,7 +3802,7 @@
         </p:nvSpPr>
         <p:spPr>
           <a:xfrm>
-            <a:off x="4572000" y="2072698"/>
+            <a:off x="3341254" y="2120500"/>
             <a:ext cx="1096634" cy="338554"/>
           </a:xfrm>
           <a:prstGeom prst="rect">
@@ -3828,7 +3832,7 @@
         </p:nvSpPr>
         <p:spPr>
           <a:xfrm>
-            <a:off x="5580112" y="2119073"/>
+            <a:off x="4349366" y="2166875"/>
             <a:ext cx="864096" cy="272816"/>
           </a:xfrm>
           <a:prstGeom prst="rect">
@@ -3916,8 +3920,8 @@
         </p:nvSpPr>
         <p:spPr>
           <a:xfrm>
-            <a:off x="871881" y="5909310"/>
-            <a:ext cx="1476164" cy="369332"/>
+            <a:off x="871880" y="5909310"/>
+            <a:ext cx="1899919" cy="369332"/>
           </a:xfrm>
           <a:prstGeom prst="rect">
             <a:avLst/>
@@ -3942,7 +3946,7 @@
           <a:p>
             <a:r>
               <a:rPr kumimoji="1" lang="ja-JP" altLang="en-US" dirty="0" smtClean="0"/>
-              <a:t>ダウンロード</a:t>
+              <a:t>全件ダウンロード</a:t>
             </a:r>
             <a:endParaRPr kumimoji="1" lang="ja-JP" altLang="en-US" dirty="0"/>
           </a:p>
@@ -4036,7 +4040,7 @@
         </p:nvSpPr>
         <p:spPr>
           <a:xfrm>
-            <a:off x="3215874" y="2090499"/>
+            <a:off x="1981705" y="2129121"/>
             <a:ext cx="656202" cy="338554"/>
           </a:xfrm>
           <a:prstGeom prst="rect">
@@ -4066,7 +4070,7 @@
         </p:nvSpPr>
         <p:spPr>
           <a:xfrm>
-            <a:off x="3707904" y="2117388"/>
+            <a:off x="2473735" y="2156010"/>
             <a:ext cx="864096" cy="272816"/>
           </a:xfrm>
           <a:prstGeom prst="rect">
@@ -4141,6 +4145,133 @@
           </a:p>
         </p:txBody>
       </p:sp>
+      <p:sp>
+        <p:nvSpPr>
+          <p:cNvPr id="3" name="テキスト ボックス 2"/>
+          <p:cNvSpPr txBox="1"/>
+          <p:nvPr/>
+        </p:nvSpPr>
+        <p:spPr>
+          <a:xfrm>
+            <a:off x="4967386" y="2173744"/>
+            <a:ext cx="246075" cy="276999"/>
+          </a:xfrm>
+          <a:prstGeom prst="rect">
+            <a:avLst/>
+          </a:prstGeom>
+          <a:noFill/>
+        </p:spPr>
+        <p:txBody>
+          <a:bodyPr wrap="square" rtlCol="0">
+            <a:spAutoFit/>
+          </a:bodyPr>
+          <a:lstStyle/>
+          <a:p>
+            <a:r>
+              <a:rPr kumimoji="1" lang="ja-JP" altLang="en-US" sz="1200" dirty="0" smtClean="0"/>
+              <a:t>▼</a:t>
+            </a:r>
+            <a:endParaRPr kumimoji="1" lang="ja-JP" altLang="en-US" sz="1200" dirty="0"/>
+          </a:p>
+        </p:txBody>
+      </p:sp>
+      <p:cxnSp>
+        <p:nvCxnSpPr>
+          <p:cNvPr id="8" name="直線コネクタ 7"/>
+          <p:cNvCxnSpPr/>
+          <p:nvPr/>
+        </p:nvCxnSpPr>
+        <p:spPr>
+          <a:xfrm>
+            <a:off x="4967386" y="2174087"/>
+            <a:ext cx="0" cy="263919"/>
+          </a:xfrm>
+          <a:prstGeom prst="line">
+            <a:avLst/>
+          </a:prstGeom>
+          <a:ln>
+            <a:solidFill>
+              <a:schemeClr val="tx1"/>
+            </a:solidFill>
+          </a:ln>
+        </p:spPr>
+        <p:style>
+          <a:lnRef idx="1">
+            <a:schemeClr val="accent1"/>
+          </a:lnRef>
+          <a:fillRef idx="0">
+            <a:schemeClr val="accent1"/>
+          </a:fillRef>
+          <a:effectRef idx="0">
+            <a:schemeClr val="accent1"/>
+          </a:effectRef>
+          <a:fontRef idx="minor">
+            <a:schemeClr val="tx1"/>
+          </a:fontRef>
+        </p:style>
+      </p:cxnSp>
+      <p:sp>
+        <p:nvSpPr>
+          <p:cNvPr id="26" name="四角形吹き出し 25"/>
+          <p:cNvSpPr/>
+          <p:nvPr/>
+        </p:nvSpPr>
+        <p:spPr>
+          <a:xfrm>
+            <a:off x="5898079" y="1237402"/>
+            <a:ext cx="2184104" cy="535414"/>
+          </a:xfrm>
+          <a:prstGeom prst="wedgeRectCallout">
+            <a:avLst>
+              <a:gd name="adj1" fmla="val -17781"/>
+              <a:gd name="adj2" fmla="val 108754"/>
+            </a:avLst>
+          </a:prstGeom>
+          <a:solidFill>
+            <a:schemeClr val="bg1"/>
+          </a:solidFill>
+          <a:ln>
+            <a:solidFill>
+              <a:srgbClr val="C00000"/>
+            </a:solidFill>
+          </a:ln>
+        </p:spPr>
+        <p:style>
+          <a:lnRef idx="2">
+            <a:schemeClr val="accent1">
+              <a:shade val="50000"/>
+            </a:schemeClr>
+          </a:lnRef>
+          <a:fillRef idx="1">
+            <a:schemeClr val="accent1"/>
+          </a:fillRef>
+          <a:effectRef idx="0">
+            <a:schemeClr val="accent1"/>
+          </a:effectRef>
+          <a:fontRef idx="minor">
+            <a:schemeClr val="lt1"/>
+          </a:fontRef>
+        </p:style>
+        <p:txBody>
+          <a:bodyPr rtlCol="0" anchor="ctr"/>
+          <a:lstStyle/>
+          <a:p>
+            <a:r>
+              <a:rPr kumimoji="1" lang="ja-JP" altLang="en-US" sz="1400" dirty="0" smtClean="0">
+                <a:solidFill>
+                  <a:schemeClr val="tx1"/>
+                </a:solidFill>
+              </a:rPr>
+              <a:t>指定した日以前の質問を検索</a:t>
+            </a:r>
+            <a:endParaRPr kumimoji="1" lang="ja-JP" altLang="en-US" sz="1400" dirty="0">
+              <a:solidFill>
+                <a:schemeClr val="tx1"/>
+              </a:solidFill>
+            </a:endParaRPr>
+          </a:p>
+        </p:txBody>
+      </p:sp>
     </p:spTree>
     <p:extLst>
       <p:ext uri="{BB962C8B-B14F-4D97-AF65-F5344CB8AC3E}">
@@ -4151,6 +4282,13 @@
   <p:clrMapOvr>
     <a:masterClrMapping/>
   </p:clrMapOvr>
+  <p:timing>
+    <p:tnLst>
+      <p:par>
+        <p:cTn id="1" dur="indefinite" restart="never" nodeType="tmRoot"/>
+      </p:par>
+    </p:tnLst>
+  </p:timing>
 </p:sld>
 </file>
 
@@ -4179,7 +4317,7 @@
         </p:nvSpPr>
         <p:spPr>
           <a:xfrm>
-            <a:off x="467544" y="404664"/>
+            <a:off x="403927" y="35332"/>
             <a:ext cx="1512168" cy="369332"/>
           </a:xfrm>
           <a:prstGeom prst="rect">
@@ -4209,8 +4347,8 @@
         </p:nvSpPr>
         <p:spPr>
           <a:xfrm>
-            <a:off x="467544" y="868070"/>
-            <a:ext cx="2376264" cy="369332"/>
+            <a:off x="464550" y="404664"/>
+            <a:ext cx="1622759" cy="369332"/>
           </a:xfrm>
           <a:prstGeom prst="rect">
             <a:avLst/>
@@ -4239,7 +4377,7 @@
         </p:nvSpPr>
         <p:spPr>
           <a:xfrm>
-            <a:off x="887041" y="1375555"/>
+            <a:off x="887041" y="908720"/>
             <a:ext cx="1224136" cy="369332"/>
           </a:xfrm>
           <a:prstGeom prst="rect">
@@ -4269,7 +4407,7 @@
         </p:nvSpPr>
         <p:spPr>
           <a:xfrm>
-            <a:off x="2123728" y="1453684"/>
+            <a:off x="2072672" y="947784"/>
             <a:ext cx="1800200" cy="291203"/>
           </a:xfrm>
           <a:prstGeom prst="rect">
@@ -4317,7 +4455,7 @@
         </p:nvSpPr>
         <p:spPr>
           <a:xfrm>
-            <a:off x="971600" y="1835532"/>
+            <a:off x="948966" y="1330311"/>
             <a:ext cx="936104" cy="369332"/>
           </a:xfrm>
           <a:prstGeom prst="rect">
@@ -4347,7 +4485,7 @@
         </p:nvSpPr>
         <p:spPr>
           <a:xfrm>
-            <a:off x="2101094" y="1876182"/>
+            <a:off x="2078460" y="1370961"/>
             <a:ext cx="3312368" cy="288032"/>
           </a:xfrm>
           <a:prstGeom prst="rect">
@@ -4395,7 +4533,7 @@
         </p:nvSpPr>
         <p:spPr>
           <a:xfrm>
-            <a:off x="827584" y="2452246"/>
+            <a:off x="804950" y="1947025"/>
             <a:ext cx="1152128" cy="369332"/>
           </a:xfrm>
           <a:prstGeom prst="rect">
@@ -4425,7 +4563,7 @@
         </p:nvSpPr>
         <p:spPr>
           <a:xfrm>
-            <a:off x="2123728" y="2452246"/>
+            <a:off x="2101094" y="1947025"/>
             <a:ext cx="5256584" cy="1872208"/>
           </a:xfrm>
           <a:prstGeom prst="rect">
@@ -4473,7 +4611,7 @@
         </p:nvSpPr>
         <p:spPr>
           <a:xfrm>
-            <a:off x="1077523" y="5021332"/>
+            <a:off x="1097181" y="4392759"/>
             <a:ext cx="902189" cy="369332"/>
           </a:xfrm>
           <a:prstGeom prst="rect">
@@ -4503,7 +4641,7 @@
         </p:nvSpPr>
         <p:spPr>
           <a:xfrm>
-            <a:off x="1223628" y="4605526"/>
+            <a:off x="1243286" y="3976953"/>
             <a:ext cx="756084" cy="369332"/>
           </a:xfrm>
           <a:prstGeom prst="rect">
@@ -4533,7 +4671,7 @@
         </p:nvSpPr>
         <p:spPr>
           <a:xfrm>
-            <a:off x="2087309" y="4646176"/>
+            <a:off x="2106967" y="4017603"/>
             <a:ext cx="1405830" cy="288032"/>
           </a:xfrm>
           <a:prstGeom prst="rect">
@@ -4581,7 +4719,7 @@
         </p:nvSpPr>
         <p:spPr>
           <a:xfrm>
-            <a:off x="2101094" y="5052690"/>
+            <a:off x="2120752" y="4424117"/>
             <a:ext cx="1116124" cy="306616"/>
           </a:xfrm>
           <a:prstGeom prst="rect">
@@ -4629,7 +4767,7 @@
         </p:nvSpPr>
         <p:spPr>
           <a:xfrm>
-            <a:off x="863173" y="5476582"/>
+            <a:off x="882831" y="4848009"/>
             <a:ext cx="1224136" cy="369332"/>
           </a:xfrm>
           <a:prstGeom prst="rect">
@@ -4659,8 +4797,8 @@
         </p:nvSpPr>
         <p:spPr>
           <a:xfrm>
-            <a:off x="2111177" y="5495299"/>
-            <a:ext cx="1138758" cy="369332"/>
+            <a:off x="2120752" y="4868334"/>
+            <a:ext cx="1392045" cy="288858"/>
           </a:xfrm>
           <a:prstGeom prst="rect">
             <a:avLst/>
@@ -4764,6 +4902,355 @@
           </a:p>
         </p:txBody>
       </p:sp>
+      <p:sp>
+        <p:nvSpPr>
+          <p:cNvPr id="18" name="テキスト ボックス 17"/>
+          <p:cNvSpPr txBox="1"/>
+          <p:nvPr/>
+        </p:nvSpPr>
+        <p:spPr>
+          <a:xfrm>
+            <a:off x="3266722" y="4028636"/>
+            <a:ext cx="246075" cy="276999"/>
+          </a:xfrm>
+          <a:prstGeom prst="rect">
+            <a:avLst/>
+          </a:prstGeom>
+          <a:noFill/>
+        </p:spPr>
+        <p:txBody>
+          <a:bodyPr wrap="square" rtlCol="0">
+            <a:spAutoFit/>
+          </a:bodyPr>
+          <a:lstStyle/>
+          <a:p>
+            <a:r>
+              <a:rPr kumimoji="1" lang="ja-JP" altLang="en-US" sz="1200" dirty="0" smtClean="0"/>
+              <a:t>▼</a:t>
+            </a:r>
+            <a:endParaRPr kumimoji="1" lang="ja-JP" altLang="en-US" sz="1200" dirty="0"/>
+          </a:p>
+        </p:txBody>
+      </p:sp>
+      <p:cxnSp>
+        <p:nvCxnSpPr>
+          <p:cNvPr id="19" name="直線コネクタ 18"/>
+          <p:cNvCxnSpPr/>
+          <p:nvPr/>
+        </p:nvCxnSpPr>
+        <p:spPr>
+          <a:xfrm>
+            <a:off x="3266722" y="4028979"/>
+            <a:ext cx="0" cy="263919"/>
+          </a:xfrm>
+          <a:prstGeom prst="line">
+            <a:avLst/>
+          </a:prstGeom>
+          <a:ln>
+            <a:solidFill>
+              <a:schemeClr val="tx1"/>
+            </a:solidFill>
+          </a:ln>
+        </p:spPr>
+        <p:style>
+          <a:lnRef idx="1">
+            <a:schemeClr val="accent1"/>
+          </a:lnRef>
+          <a:fillRef idx="0">
+            <a:schemeClr val="accent1"/>
+          </a:fillRef>
+          <a:effectRef idx="0">
+            <a:schemeClr val="accent1"/>
+          </a:effectRef>
+          <a:fontRef idx="minor">
+            <a:schemeClr val="tx1"/>
+          </a:fontRef>
+        </p:style>
+      </p:cxnSp>
+      <p:sp>
+        <p:nvSpPr>
+          <p:cNvPr id="20" name="テキスト ボックス 19"/>
+          <p:cNvSpPr txBox="1"/>
+          <p:nvPr/>
+        </p:nvSpPr>
+        <p:spPr>
+          <a:xfrm>
+            <a:off x="2992430" y="4425984"/>
+            <a:ext cx="246075" cy="276999"/>
+          </a:xfrm>
+          <a:prstGeom prst="rect">
+            <a:avLst/>
+          </a:prstGeom>
+          <a:noFill/>
+        </p:spPr>
+        <p:txBody>
+          <a:bodyPr wrap="square" rtlCol="0">
+            <a:spAutoFit/>
+          </a:bodyPr>
+          <a:lstStyle/>
+          <a:p>
+            <a:r>
+              <a:rPr kumimoji="1" lang="ja-JP" altLang="en-US" sz="1200" dirty="0" smtClean="0"/>
+              <a:t>▼</a:t>
+            </a:r>
+            <a:endParaRPr kumimoji="1" lang="ja-JP" altLang="en-US" sz="1200" dirty="0"/>
+          </a:p>
+        </p:txBody>
+      </p:sp>
+      <p:cxnSp>
+        <p:nvCxnSpPr>
+          <p:cNvPr id="21" name="直線コネクタ 20"/>
+          <p:cNvCxnSpPr/>
+          <p:nvPr/>
+        </p:nvCxnSpPr>
+        <p:spPr>
+          <a:xfrm>
+            <a:off x="2992430" y="4426327"/>
+            <a:ext cx="0" cy="304406"/>
+          </a:xfrm>
+          <a:prstGeom prst="line">
+            <a:avLst/>
+          </a:prstGeom>
+          <a:ln>
+            <a:solidFill>
+              <a:schemeClr val="tx1"/>
+            </a:solidFill>
+          </a:ln>
+        </p:spPr>
+        <p:style>
+          <a:lnRef idx="1">
+            <a:schemeClr val="accent1"/>
+          </a:lnRef>
+          <a:fillRef idx="0">
+            <a:schemeClr val="accent1"/>
+          </a:fillRef>
+          <a:effectRef idx="0">
+            <a:schemeClr val="accent1"/>
+          </a:effectRef>
+          <a:fontRef idx="minor">
+            <a:schemeClr val="tx1"/>
+          </a:fontRef>
+        </p:style>
+      </p:cxnSp>
+      <p:sp>
+        <p:nvSpPr>
+          <p:cNvPr id="25" name="テキスト ボックス 24"/>
+          <p:cNvSpPr txBox="1"/>
+          <p:nvPr/>
+        </p:nvSpPr>
+        <p:spPr>
+          <a:xfrm>
+            <a:off x="712640" y="5445224"/>
+            <a:ext cx="1462794" cy="369332"/>
+          </a:xfrm>
+          <a:prstGeom prst="rect">
+            <a:avLst/>
+          </a:prstGeom>
+          <a:noFill/>
+        </p:spPr>
+        <p:txBody>
+          <a:bodyPr wrap="square" rtlCol="0">
+            <a:spAutoFit/>
+          </a:bodyPr>
+          <a:lstStyle/>
+          <a:p>
+            <a:r>
+              <a:rPr kumimoji="1" lang="ja-JP" altLang="en-US" dirty="0" smtClean="0"/>
+              <a:t>添付ファイル</a:t>
+            </a:r>
+            <a:endParaRPr kumimoji="1" lang="ja-JP" altLang="en-US" dirty="0"/>
+          </a:p>
+        </p:txBody>
+      </p:sp>
+      <p:sp>
+        <p:nvSpPr>
+          <p:cNvPr id="26" name="正方形/長方形 25"/>
+          <p:cNvSpPr/>
+          <p:nvPr/>
+        </p:nvSpPr>
+        <p:spPr>
+          <a:xfrm>
+            <a:off x="2120752" y="5445224"/>
+            <a:ext cx="1947192" cy="369332"/>
+          </a:xfrm>
+          <a:prstGeom prst="rect">
+            <a:avLst/>
+          </a:prstGeom>
+          <a:solidFill>
+            <a:schemeClr val="bg1"/>
+          </a:solidFill>
+          <a:ln w="12700">
+            <a:solidFill>
+              <a:schemeClr val="tx1"/>
+            </a:solidFill>
+          </a:ln>
+        </p:spPr>
+        <p:style>
+          <a:lnRef idx="2">
+            <a:schemeClr val="accent1">
+              <a:shade val="50000"/>
+            </a:schemeClr>
+          </a:lnRef>
+          <a:fillRef idx="1">
+            <a:schemeClr val="accent1"/>
+          </a:fillRef>
+          <a:effectRef idx="0">
+            <a:schemeClr val="accent1"/>
+          </a:effectRef>
+          <a:fontRef idx="minor">
+            <a:schemeClr val="lt1"/>
+          </a:fontRef>
+        </p:style>
+        <p:txBody>
+          <a:bodyPr rtlCol="0" anchor="ctr"/>
+          <a:lstStyle/>
+          <a:p>
+            <a:pPr algn="ctr"/>
+            <a:endParaRPr kumimoji="1" lang="ja-JP" altLang="en-US"/>
+          </a:p>
+        </p:txBody>
+      </p:sp>
+      <p:sp>
+        <p:nvSpPr>
+          <p:cNvPr id="29" name="テキスト ボックス 28"/>
+          <p:cNvSpPr txBox="1"/>
+          <p:nvPr/>
+        </p:nvSpPr>
+        <p:spPr>
+          <a:xfrm>
+            <a:off x="4283968" y="5459055"/>
+            <a:ext cx="695394" cy="369332"/>
+          </a:xfrm>
+          <a:prstGeom prst="rect">
+            <a:avLst/>
+          </a:prstGeom>
+          <a:solidFill>
+            <a:schemeClr val="tx2">
+              <a:lumMod val="20000"/>
+              <a:lumOff val="80000"/>
+            </a:schemeClr>
+          </a:solidFill>
+          <a:ln>
+            <a:solidFill>
+              <a:schemeClr val="tx1"/>
+            </a:solidFill>
+          </a:ln>
+        </p:spPr>
+        <p:txBody>
+          <a:bodyPr wrap="square" rtlCol="0">
+            <a:spAutoFit/>
+          </a:bodyPr>
+          <a:lstStyle/>
+          <a:p>
+            <a:r>
+              <a:rPr kumimoji="1" lang="ja-JP" altLang="en-US" smtClean="0"/>
+              <a:t>添付</a:t>
+            </a:r>
+            <a:endParaRPr kumimoji="1" lang="ja-JP" altLang="en-US"/>
+          </a:p>
+        </p:txBody>
+      </p:sp>
+      <p:sp>
+        <p:nvSpPr>
+          <p:cNvPr id="30" name="四角形吹き出し 29"/>
+          <p:cNvSpPr/>
+          <p:nvPr/>
+        </p:nvSpPr>
+        <p:spPr>
+          <a:xfrm>
+            <a:off x="4283968" y="4762091"/>
+            <a:ext cx="1512168" cy="455250"/>
+          </a:xfrm>
+          <a:prstGeom prst="wedgeRectCallout">
+            <a:avLst>
+              <a:gd name="adj1" fmla="val -69964"/>
+              <a:gd name="adj2" fmla="val 89699"/>
+            </a:avLst>
+          </a:prstGeom>
+          <a:solidFill>
+            <a:schemeClr val="bg1"/>
+          </a:solidFill>
+          <a:ln>
+            <a:solidFill>
+              <a:srgbClr val="C00000"/>
+            </a:solidFill>
+          </a:ln>
+        </p:spPr>
+        <p:style>
+          <a:lnRef idx="2">
+            <a:schemeClr val="accent1">
+              <a:shade val="50000"/>
+            </a:schemeClr>
+          </a:lnRef>
+          <a:fillRef idx="1">
+            <a:schemeClr val="accent1"/>
+          </a:fillRef>
+          <a:effectRef idx="0">
+            <a:schemeClr val="accent1"/>
+          </a:effectRef>
+          <a:fontRef idx="minor">
+            <a:schemeClr val="lt1"/>
+          </a:fontRef>
+        </p:style>
+        <p:txBody>
+          <a:bodyPr rtlCol="0" anchor="ctr"/>
+          <a:lstStyle/>
+          <a:p>
+            <a:pPr algn="ctr"/>
+            <a:r>
+              <a:rPr kumimoji="1" lang="ja-JP" altLang="en-US" sz="1100" dirty="0" smtClean="0">
+                <a:solidFill>
+                  <a:schemeClr val="tx1"/>
+                </a:solidFill>
+              </a:rPr>
+              <a:t>ファイルを選択</a:t>
+            </a:r>
+            <a:endParaRPr kumimoji="1" lang="ja-JP" altLang="en-US" sz="1100" dirty="0">
+              <a:solidFill>
+                <a:schemeClr val="tx1"/>
+              </a:solidFill>
+            </a:endParaRPr>
+          </a:p>
+        </p:txBody>
+      </p:sp>
+      <p:sp>
+        <p:nvSpPr>
+          <p:cNvPr id="31" name="テキスト ボックス 30"/>
+          <p:cNvSpPr txBox="1"/>
+          <p:nvPr/>
+        </p:nvSpPr>
+        <p:spPr>
+          <a:xfrm>
+            <a:off x="6012160" y="219998"/>
+            <a:ext cx="2664296" cy="276999"/>
+          </a:xfrm>
+          <a:prstGeom prst="rect">
+            <a:avLst/>
+          </a:prstGeom>
+          <a:noFill/>
+        </p:spPr>
+        <p:txBody>
+          <a:bodyPr wrap="square" rtlCol="0">
+            <a:spAutoFit/>
+          </a:bodyPr>
+          <a:lstStyle/>
+          <a:p>
+            <a:r>
+              <a:rPr kumimoji="1" lang="ja-JP" altLang="en-US" sz="1200" dirty="0" smtClean="0">
+                <a:solidFill>
+                  <a:srgbClr val="FF0000"/>
+                </a:solidFill>
+              </a:rPr>
+              <a:t>・添付ファイルはファイルに保存</a:t>
+            </a:r>
+            <a:endParaRPr kumimoji="1" lang="ja-JP" altLang="en-US" sz="1200" dirty="0">
+              <a:solidFill>
+                <a:srgbClr val="FF0000"/>
+              </a:solidFill>
+            </a:endParaRPr>
+          </a:p>
+        </p:txBody>
+      </p:sp>
     </p:spTree>
     <p:extLst>
       <p:ext uri="{BB962C8B-B14F-4D97-AF65-F5344CB8AC3E}">
@@ -4774,6 +5261,13 @@
   <p:clrMapOvr>
     <a:masterClrMapping/>
   </p:clrMapOvr>
+  <p:timing>
+    <p:tnLst>
+      <p:par>
+        <p:cTn id="1" dur="indefinite" restart="never" nodeType="tmRoot"/>
+      </p:par>
+    </p:tnLst>
+  </p:timing>
 </p:sld>
 </file>
 
@@ -4907,25 +5401,25 @@
           <p:nvPr>
             <p:extLst>
               <p:ext uri="{D42A27DB-BD31-4B8C-83A1-F6EECF244321}">
-                <p14:modId xmlns:p14="http://schemas.microsoft.com/office/powerpoint/2010/main" val="3086187153"/>
+                <p14:modId xmlns:p14="http://schemas.microsoft.com/office/powerpoint/2010/main" val="440682370"/>
               </p:ext>
             </p:extLst>
           </p:nvPr>
         </p:nvGraphicFramePr>
         <p:xfrm>
-          <a:off x="1403648" y="1340768"/>
-          <a:ext cx="6305550" cy="2162175"/>
+          <a:off x="1403350" y="1341438"/>
+          <a:ext cx="6305550" cy="2486025"/>
         </p:xfrm>
         <a:graphic>
           <a:graphicData uri="http://schemas.openxmlformats.org/presentationml/2006/ole">
             <mc:AlternateContent xmlns:mc="http://schemas.openxmlformats.org/markup-compatibility/2006">
               <mc:Choice xmlns:v="urn:schemas-microsoft-com:vml" Requires="v">
-                <p:oleObj spid="_x0000_s2064" name="ワークシート" r:id="rId3" imgW="6305443" imgH="2162160" progId="Excel.Sheet.12">
+                <p:oleObj spid="_x0000_s2074" name="ワークシート" r:id="rId3" imgW="6305443" imgH="2486160" progId="Excel.Sheet.12">
                   <p:embed/>
                 </p:oleObj>
               </mc:Choice>
               <mc:Fallback>
-                <p:oleObj name="ワークシート" r:id="rId3" imgW="6305443" imgH="2162160" progId="Excel.Sheet.12">
+                <p:oleObj name="ワークシート" r:id="rId3" imgW="6305443" imgH="2486160" progId="Excel.Sheet.12">
                   <p:embed/>
                   <p:pic>
                     <p:nvPicPr>
@@ -4941,8 +5435,8 @@
                     </p:blipFill>
                     <p:spPr>
                       <a:xfrm>
-                        <a:off x="1403648" y="1340768"/>
-                        <a:ext cx="6305550" cy="2162175"/>
+                        <a:off x="1403350" y="1341438"/>
+                        <a:ext cx="6305550" cy="2486025"/>
                       </a:xfrm>
                       <a:prstGeom prst="rect">
                         <a:avLst/>
@@ -5041,25 +5535,25 @@
           <p:nvPr>
             <p:extLst>
               <p:ext uri="{D42A27DB-BD31-4B8C-83A1-F6EECF244321}">
-                <p14:modId xmlns:p14="http://schemas.microsoft.com/office/powerpoint/2010/main" val="38046181"/>
+                <p14:modId xmlns:p14="http://schemas.microsoft.com/office/powerpoint/2010/main" val="209470242"/>
               </p:ext>
             </p:extLst>
           </p:nvPr>
         </p:nvGraphicFramePr>
         <p:xfrm>
-          <a:off x="1379538" y="4386263"/>
-          <a:ext cx="6791325" cy="1009650"/>
+          <a:off x="1206500" y="4360863"/>
+          <a:ext cx="7239000" cy="1009650"/>
         </p:xfrm>
         <a:graphic>
           <a:graphicData uri="http://schemas.openxmlformats.org/presentationml/2006/ole">
             <mc:AlternateContent xmlns:mc="http://schemas.openxmlformats.org/markup-compatibility/2006">
               <mc:Choice xmlns:v="urn:schemas-microsoft-com:vml" Requires="v">
-                <p:oleObj spid="_x0000_s2065" name="ワークシート" r:id="rId5" imgW="6791412" imgH="1009530" progId="Excel.Sheet.12">
+                <p:oleObj spid="_x0000_s2075" name="ワークシート" r:id="rId5" imgW="7239023" imgH="1009530" progId="Excel.Sheet.12">
                   <p:embed/>
                 </p:oleObj>
               </mc:Choice>
               <mc:Fallback>
-                <p:oleObj name="ワークシート" r:id="rId5" imgW="6791412" imgH="1009530" progId="Excel.Sheet.12">
+                <p:oleObj name="ワークシート" r:id="rId5" imgW="7239023" imgH="1009530" progId="Excel.Sheet.12">
                   <p:embed/>
                   <p:pic>
                     <p:nvPicPr>
@@ -5075,8 +5569,8 @@
                     </p:blipFill>
                     <p:spPr>
                       <a:xfrm>
-                        <a:off x="1379538" y="4386263"/>
-                        <a:ext cx="6791325" cy="1009650"/>
+                        <a:off x="1206500" y="4360863"/>
+                        <a:ext cx="7239000" cy="1009650"/>
                       </a:xfrm>
                       <a:prstGeom prst="rect">
                         <a:avLst/>
@@ -5127,7 +5621,7 @@
         </p:nvSpPr>
         <p:spPr>
           <a:xfrm>
-            <a:off x="7128284" y="4646637"/>
+            <a:off x="7408779" y="4650968"/>
             <a:ext cx="432047" cy="215444"/>
           </a:xfrm>
           <a:prstGeom prst="rect">
@@ -5167,7 +5661,7 @@
         </p:nvSpPr>
         <p:spPr>
           <a:xfrm>
-            <a:off x="7668344" y="4646637"/>
+            <a:off x="7900445" y="4646637"/>
             <a:ext cx="432047" cy="215444"/>
           </a:xfrm>
           <a:prstGeom prst="rect">
@@ -5234,6 +5728,220 @@
           </a:p>
         </p:txBody>
       </p:sp>
+      <p:sp>
+        <p:nvSpPr>
+          <p:cNvPr id="13" name="テキスト ボックス 12"/>
+          <p:cNvSpPr txBox="1"/>
+          <p:nvPr/>
+        </p:nvSpPr>
+        <p:spPr>
+          <a:xfrm>
+            <a:off x="6516216" y="4646636"/>
+            <a:ext cx="756082" cy="219775"/>
+          </a:xfrm>
+          <a:prstGeom prst="rect">
+            <a:avLst/>
+          </a:prstGeom>
+          <a:solidFill>
+            <a:schemeClr val="accent1">
+              <a:lumMod val="20000"/>
+              <a:lumOff val="80000"/>
+            </a:schemeClr>
+          </a:solidFill>
+          <a:ln>
+            <a:solidFill>
+              <a:schemeClr val="tx1"/>
+            </a:solidFill>
+          </a:ln>
+        </p:spPr>
+        <p:txBody>
+          <a:bodyPr wrap="square" rtlCol="0">
+            <a:spAutoFit/>
+          </a:bodyPr>
+          <a:lstStyle/>
+          <a:p>
+            <a:r>
+              <a:rPr lang="ja-JP" altLang="en-US" sz="800" dirty="0"/>
+              <a:t>ダウンロード</a:t>
+            </a:r>
+            <a:endParaRPr kumimoji="1" lang="ja-JP" altLang="en-US" sz="800" dirty="0"/>
+          </a:p>
+        </p:txBody>
+      </p:sp>
+      <p:sp>
+        <p:nvSpPr>
+          <p:cNvPr id="14" name="テキスト ボックス 13"/>
+          <p:cNvSpPr txBox="1"/>
+          <p:nvPr/>
+        </p:nvSpPr>
+        <p:spPr>
+          <a:xfrm>
+            <a:off x="2411760" y="3550252"/>
+            <a:ext cx="756082" cy="219775"/>
+          </a:xfrm>
+          <a:prstGeom prst="rect">
+            <a:avLst/>
+          </a:prstGeom>
+          <a:solidFill>
+            <a:schemeClr val="accent1">
+              <a:lumMod val="20000"/>
+              <a:lumOff val="80000"/>
+            </a:schemeClr>
+          </a:solidFill>
+          <a:ln>
+            <a:solidFill>
+              <a:schemeClr val="tx1"/>
+            </a:solidFill>
+          </a:ln>
+        </p:spPr>
+        <p:txBody>
+          <a:bodyPr wrap="square" rtlCol="0">
+            <a:spAutoFit/>
+          </a:bodyPr>
+          <a:lstStyle/>
+          <a:p>
+            <a:r>
+              <a:rPr lang="ja-JP" altLang="en-US" sz="800" dirty="0"/>
+              <a:t>ダウンロード</a:t>
+            </a:r>
+            <a:endParaRPr kumimoji="1" lang="ja-JP" altLang="en-US" sz="800" dirty="0"/>
+          </a:p>
+        </p:txBody>
+      </p:sp>
+      <p:sp>
+        <p:nvSpPr>
+          <p:cNvPr id="15" name="テキスト ボックス 14"/>
+          <p:cNvSpPr txBox="1"/>
+          <p:nvPr/>
+        </p:nvSpPr>
+        <p:spPr>
+          <a:xfrm>
+            <a:off x="7408778" y="5027474"/>
+            <a:ext cx="432047" cy="215444"/>
+          </a:xfrm>
+          <a:prstGeom prst="rect">
+            <a:avLst/>
+          </a:prstGeom>
+          <a:solidFill>
+            <a:schemeClr val="accent1">
+              <a:lumMod val="20000"/>
+              <a:lumOff val="80000"/>
+            </a:schemeClr>
+          </a:solidFill>
+          <a:ln>
+            <a:solidFill>
+              <a:schemeClr val="tx1"/>
+            </a:solidFill>
+          </a:ln>
+        </p:spPr>
+        <p:txBody>
+          <a:bodyPr wrap="square" rtlCol="0">
+            <a:spAutoFit/>
+          </a:bodyPr>
+          <a:lstStyle/>
+          <a:p>
+            <a:r>
+              <a:rPr lang="ja-JP" altLang="en-US" sz="800" dirty="0"/>
+              <a:t>編集</a:t>
+            </a:r>
+            <a:endParaRPr kumimoji="1" lang="ja-JP" altLang="en-US" sz="800" dirty="0"/>
+          </a:p>
+        </p:txBody>
+      </p:sp>
+      <p:sp>
+        <p:nvSpPr>
+          <p:cNvPr id="16" name="テキスト ボックス 15"/>
+          <p:cNvSpPr txBox="1"/>
+          <p:nvPr/>
+        </p:nvSpPr>
+        <p:spPr>
+          <a:xfrm>
+            <a:off x="7900444" y="5023143"/>
+            <a:ext cx="432047" cy="215444"/>
+          </a:xfrm>
+          <a:prstGeom prst="rect">
+            <a:avLst/>
+          </a:prstGeom>
+          <a:solidFill>
+            <a:schemeClr val="accent1">
+              <a:lumMod val="20000"/>
+              <a:lumOff val="80000"/>
+            </a:schemeClr>
+          </a:solidFill>
+          <a:ln>
+            <a:solidFill>
+              <a:schemeClr val="tx1"/>
+            </a:solidFill>
+          </a:ln>
+        </p:spPr>
+        <p:txBody>
+          <a:bodyPr wrap="square" rtlCol="0">
+            <a:spAutoFit/>
+          </a:bodyPr>
+          <a:lstStyle/>
+          <a:p>
+            <a:r>
+              <a:rPr kumimoji="1" lang="ja-JP" altLang="en-US" sz="800" dirty="0" smtClean="0"/>
+              <a:t>削除</a:t>
+            </a:r>
+            <a:endParaRPr kumimoji="1" lang="ja-JP" altLang="en-US" sz="800" dirty="0"/>
+          </a:p>
+        </p:txBody>
+      </p:sp>
+      <p:sp>
+        <p:nvSpPr>
+          <p:cNvPr id="17" name="テキスト ボックス 16"/>
+          <p:cNvSpPr txBox="1"/>
+          <p:nvPr/>
+        </p:nvSpPr>
+        <p:spPr>
+          <a:xfrm>
+            <a:off x="6012160" y="219998"/>
+            <a:ext cx="2664296" cy="461665"/>
+          </a:xfrm>
+          <a:prstGeom prst="rect">
+            <a:avLst/>
+          </a:prstGeom>
+          <a:noFill/>
+        </p:spPr>
+        <p:txBody>
+          <a:bodyPr wrap="square" rtlCol="0">
+            <a:spAutoFit/>
+          </a:bodyPr>
+          <a:lstStyle/>
+          <a:p>
+            <a:r>
+              <a:rPr kumimoji="1" lang="ja-JP" altLang="en-US" sz="1200" dirty="0" smtClean="0">
+                <a:solidFill>
+                  <a:srgbClr val="FF0000"/>
+                </a:solidFill>
+              </a:rPr>
+              <a:t>・ステータスの変更は「質問の編集」</a:t>
+            </a:r>
+            <a:r>
+              <a:rPr kumimoji="1" lang="en-US" altLang="ja-JP" sz="1200" dirty="0" smtClean="0">
+                <a:solidFill>
+                  <a:srgbClr val="FF0000"/>
+                </a:solidFill>
+              </a:rPr>
+              <a:t>or</a:t>
+            </a:r>
+            <a:r>
+              <a:rPr kumimoji="1" lang="ja-JP" altLang="en-US" sz="1200" dirty="0" smtClean="0">
+                <a:solidFill>
+                  <a:srgbClr val="FF0000"/>
+                </a:solidFill>
+              </a:rPr>
+              <a:t>「回答の編集」から行う</a:t>
+            </a:r>
+            <a:endParaRPr kumimoji="1" lang="ja-JP" altLang="en-US" sz="1200" dirty="0">
+              <a:solidFill>
+                <a:srgbClr val="FF0000"/>
+              </a:solidFill>
+            </a:endParaRPr>
+          </a:p>
+        </p:txBody>
+      </p:sp>
     </p:spTree>
     <p:extLst>
       <p:ext uri="{BB962C8B-B14F-4D97-AF65-F5344CB8AC3E}">
@@ -5244,6 +5952,13 @@
   <p:clrMapOvr>
     <a:masterClrMapping/>
   </p:clrMapOvr>
+  <p:timing>
+    <p:tnLst>
+      <p:par>
+        <p:cTn id="1" dur="indefinite" restart="never" nodeType="tmRoot"/>
+      </p:par>
+    </p:tnLst>
+  </p:timing>
 </p:sld>
 </file>
 
@@ -5272,7 +5987,7 @@
         </p:nvSpPr>
         <p:spPr>
           <a:xfrm>
-            <a:off x="467544" y="404664"/>
+            <a:off x="459099" y="68521"/>
             <a:ext cx="1512168" cy="369332"/>
           </a:xfrm>
           <a:prstGeom prst="rect">
@@ -5302,7 +6017,7 @@
         </p:nvSpPr>
         <p:spPr>
           <a:xfrm>
-            <a:off x="467544" y="868070"/>
+            <a:off x="459099" y="531927"/>
             <a:ext cx="2376264" cy="369332"/>
           </a:xfrm>
           <a:prstGeom prst="rect">
@@ -5332,7 +6047,7 @@
         </p:nvSpPr>
         <p:spPr>
           <a:xfrm>
-            <a:off x="887041" y="1375555"/>
+            <a:off x="878596" y="1039412"/>
             <a:ext cx="1224136" cy="369332"/>
           </a:xfrm>
           <a:prstGeom prst="rect">
@@ -5362,7 +6077,7 @@
         </p:nvSpPr>
         <p:spPr>
           <a:xfrm>
-            <a:off x="2123728" y="1453684"/>
+            <a:off x="2115283" y="1117541"/>
             <a:ext cx="1800200" cy="291203"/>
           </a:xfrm>
           <a:prstGeom prst="rect">
@@ -5410,7 +6125,7 @@
         </p:nvSpPr>
         <p:spPr>
           <a:xfrm>
-            <a:off x="971600" y="1835532"/>
+            <a:off x="963155" y="1499389"/>
             <a:ext cx="936104" cy="369332"/>
           </a:xfrm>
           <a:prstGeom prst="rect">
@@ -5440,7 +6155,7 @@
         </p:nvSpPr>
         <p:spPr>
           <a:xfrm>
-            <a:off x="2101094" y="1876182"/>
+            <a:off x="2092649" y="1540039"/>
             <a:ext cx="3312368" cy="288032"/>
           </a:xfrm>
           <a:prstGeom prst="rect">
@@ -5488,7 +6203,7 @@
         </p:nvSpPr>
         <p:spPr>
           <a:xfrm>
-            <a:off x="827584" y="2452246"/>
+            <a:off x="819139" y="2116103"/>
             <a:ext cx="1152128" cy="369332"/>
           </a:xfrm>
           <a:prstGeom prst="rect">
@@ -5518,7 +6233,7 @@
         </p:nvSpPr>
         <p:spPr>
           <a:xfrm>
-            <a:off x="2123728" y="2452246"/>
+            <a:off x="2115283" y="2116103"/>
             <a:ext cx="5256584" cy="1408802"/>
           </a:xfrm>
           <a:prstGeom prst="rect">
@@ -5566,7 +6281,7 @@
         </p:nvSpPr>
         <p:spPr>
           <a:xfrm>
-            <a:off x="1077523" y="5021332"/>
+            <a:off x="1069078" y="4685189"/>
             <a:ext cx="902189" cy="369332"/>
           </a:xfrm>
           <a:prstGeom prst="rect">
@@ -5596,7 +6311,7 @@
         </p:nvSpPr>
         <p:spPr>
           <a:xfrm>
-            <a:off x="1211846" y="4036422"/>
+            <a:off x="1203401" y="3700279"/>
             <a:ext cx="756084" cy="369332"/>
           </a:xfrm>
           <a:prstGeom prst="rect">
@@ -5626,7 +6341,7 @@
         </p:nvSpPr>
         <p:spPr>
           <a:xfrm>
-            <a:off x="2075527" y="4077072"/>
+            <a:off x="2067082" y="3740929"/>
             <a:ext cx="1405830" cy="288032"/>
           </a:xfrm>
           <a:prstGeom prst="rect">
@@ -5674,7 +6389,7 @@
         </p:nvSpPr>
         <p:spPr>
           <a:xfrm>
-            <a:off x="2101094" y="5052690"/>
+            <a:off x="2092649" y="4716547"/>
             <a:ext cx="1116124" cy="306616"/>
           </a:xfrm>
           <a:prstGeom prst="rect">
@@ -5722,7 +6437,7 @@
         </p:nvSpPr>
         <p:spPr>
           <a:xfrm>
-            <a:off x="863173" y="5476582"/>
+            <a:off x="854728" y="5140439"/>
             <a:ext cx="1224136" cy="369332"/>
           </a:xfrm>
           <a:prstGeom prst="rect">
@@ -5752,8 +6467,8 @@
         </p:nvSpPr>
         <p:spPr>
           <a:xfrm>
-            <a:off x="2111177" y="5495299"/>
-            <a:ext cx="1138758" cy="369332"/>
+            <a:off x="2102732" y="5159156"/>
+            <a:ext cx="1381962" cy="350615"/>
           </a:xfrm>
           <a:prstGeom prst="rect">
             <a:avLst/>
@@ -5783,7 +6498,7 @@
         </p:nvSpPr>
         <p:spPr>
           <a:xfrm>
-            <a:off x="4752020" y="6093296"/>
+            <a:off x="4743575" y="6309320"/>
             <a:ext cx="1260140" cy="369332"/>
           </a:xfrm>
           <a:prstGeom prst="rect">
@@ -5824,7 +6539,7 @@
         </p:nvSpPr>
         <p:spPr>
           <a:xfrm>
-            <a:off x="3354549" y="6094283"/>
+            <a:off x="3346104" y="6310307"/>
             <a:ext cx="1138757" cy="369332"/>
           </a:xfrm>
           <a:prstGeom prst="rect">
@@ -5865,7 +6580,7 @@
         </p:nvSpPr>
         <p:spPr>
           <a:xfrm>
-            <a:off x="747131" y="4552295"/>
+            <a:off x="738686" y="4216152"/>
             <a:ext cx="1224136" cy="369332"/>
           </a:xfrm>
           <a:prstGeom prst="rect">
@@ -5895,7 +6610,7 @@
         </p:nvSpPr>
         <p:spPr>
           <a:xfrm>
-            <a:off x="2087309" y="4581128"/>
+            <a:off x="2078864" y="4244985"/>
             <a:ext cx="1405830" cy="288032"/>
           </a:xfrm>
           <a:prstGeom prst="rect">
@@ -5935,6 +6650,432 @@
           </a:p>
         </p:txBody>
       </p:sp>
+      <p:sp>
+        <p:nvSpPr>
+          <p:cNvPr id="20" name="テキスト ボックス 19"/>
+          <p:cNvSpPr txBox="1"/>
+          <p:nvPr/>
+        </p:nvSpPr>
+        <p:spPr>
+          <a:xfrm>
+            <a:off x="3238619" y="4262318"/>
+            <a:ext cx="246075" cy="276999"/>
+          </a:xfrm>
+          <a:prstGeom prst="rect">
+            <a:avLst/>
+          </a:prstGeom>
+          <a:noFill/>
+        </p:spPr>
+        <p:txBody>
+          <a:bodyPr wrap="square" rtlCol="0">
+            <a:spAutoFit/>
+          </a:bodyPr>
+          <a:lstStyle/>
+          <a:p>
+            <a:r>
+              <a:rPr kumimoji="1" lang="ja-JP" altLang="en-US" sz="1200" dirty="0" smtClean="0"/>
+              <a:t>▼</a:t>
+            </a:r>
+            <a:endParaRPr kumimoji="1" lang="ja-JP" altLang="en-US" sz="1200" dirty="0"/>
+          </a:p>
+        </p:txBody>
+      </p:sp>
+      <p:cxnSp>
+        <p:nvCxnSpPr>
+          <p:cNvPr id="21" name="直線コネクタ 20"/>
+          <p:cNvCxnSpPr/>
+          <p:nvPr/>
+        </p:nvCxnSpPr>
+        <p:spPr>
+          <a:xfrm flipH="1">
+            <a:off x="3238619" y="4244985"/>
+            <a:ext cx="2871" cy="281595"/>
+          </a:xfrm>
+          <a:prstGeom prst="line">
+            <a:avLst/>
+          </a:prstGeom>
+          <a:ln>
+            <a:solidFill>
+              <a:schemeClr val="tx1"/>
+            </a:solidFill>
+          </a:ln>
+        </p:spPr>
+        <p:style>
+          <a:lnRef idx="1">
+            <a:schemeClr val="accent1"/>
+          </a:lnRef>
+          <a:fillRef idx="0">
+            <a:schemeClr val="accent1"/>
+          </a:fillRef>
+          <a:effectRef idx="0">
+            <a:schemeClr val="accent1"/>
+          </a:effectRef>
+          <a:fontRef idx="minor">
+            <a:schemeClr val="tx1"/>
+          </a:fontRef>
+        </p:style>
+      </p:cxnSp>
+      <p:sp>
+        <p:nvSpPr>
+          <p:cNvPr id="25" name="テキスト ボックス 24"/>
+          <p:cNvSpPr txBox="1"/>
+          <p:nvPr/>
+        </p:nvSpPr>
+        <p:spPr>
+          <a:xfrm>
+            <a:off x="2962698" y="4723118"/>
+            <a:ext cx="246075" cy="276999"/>
+          </a:xfrm>
+          <a:prstGeom prst="rect">
+            <a:avLst/>
+          </a:prstGeom>
+          <a:noFill/>
+        </p:spPr>
+        <p:txBody>
+          <a:bodyPr wrap="square" rtlCol="0">
+            <a:spAutoFit/>
+          </a:bodyPr>
+          <a:lstStyle/>
+          <a:p>
+            <a:r>
+              <a:rPr kumimoji="1" lang="ja-JP" altLang="en-US" sz="1200" dirty="0" smtClean="0"/>
+              <a:t>▼</a:t>
+            </a:r>
+            <a:endParaRPr kumimoji="1" lang="ja-JP" altLang="en-US" sz="1200" dirty="0"/>
+          </a:p>
+        </p:txBody>
+      </p:sp>
+      <p:cxnSp>
+        <p:nvCxnSpPr>
+          <p:cNvPr id="26" name="直線コネクタ 25"/>
+          <p:cNvCxnSpPr/>
+          <p:nvPr/>
+        </p:nvCxnSpPr>
+        <p:spPr>
+          <a:xfrm>
+            <a:off x="2962698" y="4723461"/>
+            <a:ext cx="0" cy="299702"/>
+          </a:xfrm>
+          <a:prstGeom prst="line">
+            <a:avLst/>
+          </a:prstGeom>
+          <a:ln>
+            <a:solidFill>
+              <a:schemeClr val="tx1"/>
+            </a:solidFill>
+          </a:ln>
+        </p:spPr>
+        <p:style>
+          <a:lnRef idx="1">
+            <a:schemeClr val="accent1"/>
+          </a:lnRef>
+          <a:fillRef idx="0">
+            <a:schemeClr val="accent1"/>
+          </a:fillRef>
+          <a:effectRef idx="0">
+            <a:schemeClr val="accent1"/>
+          </a:effectRef>
+          <a:fontRef idx="minor">
+            <a:schemeClr val="tx1"/>
+          </a:fontRef>
+        </p:style>
+      </p:cxnSp>
+      <p:sp>
+        <p:nvSpPr>
+          <p:cNvPr id="28" name="テキスト ボックス 27"/>
+          <p:cNvSpPr txBox="1"/>
+          <p:nvPr/>
+        </p:nvSpPr>
+        <p:spPr>
+          <a:xfrm>
+            <a:off x="684537" y="5643721"/>
+            <a:ext cx="1462794" cy="369332"/>
+          </a:xfrm>
+          <a:prstGeom prst="rect">
+            <a:avLst/>
+          </a:prstGeom>
+          <a:noFill/>
+        </p:spPr>
+        <p:txBody>
+          <a:bodyPr wrap="square" rtlCol="0">
+            <a:spAutoFit/>
+          </a:bodyPr>
+          <a:lstStyle/>
+          <a:p>
+            <a:r>
+              <a:rPr kumimoji="1" lang="ja-JP" altLang="en-US" dirty="0" smtClean="0"/>
+              <a:t>添付ファイル</a:t>
+            </a:r>
+            <a:endParaRPr kumimoji="1" lang="ja-JP" altLang="en-US" dirty="0"/>
+          </a:p>
+        </p:txBody>
+      </p:sp>
+      <p:sp>
+        <p:nvSpPr>
+          <p:cNvPr id="29" name="正方形/長方形 28"/>
+          <p:cNvSpPr/>
+          <p:nvPr/>
+        </p:nvSpPr>
+        <p:spPr>
+          <a:xfrm>
+            <a:off x="2092649" y="5643721"/>
+            <a:ext cx="1947192" cy="369332"/>
+          </a:xfrm>
+          <a:prstGeom prst="rect">
+            <a:avLst/>
+          </a:prstGeom>
+          <a:solidFill>
+            <a:schemeClr val="bg1"/>
+          </a:solidFill>
+          <a:ln w="12700">
+            <a:solidFill>
+              <a:schemeClr val="tx1"/>
+            </a:solidFill>
+          </a:ln>
+        </p:spPr>
+        <p:style>
+          <a:lnRef idx="2">
+            <a:schemeClr val="accent1">
+              <a:shade val="50000"/>
+            </a:schemeClr>
+          </a:lnRef>
+          <a:fillRef idx="1">
+            <a:schemeClr val="accent1"/>
+          </a:fillRef>
+          <a:effectRef idx="0">
+            <a:schemeClr val="accent1"/>
+          </a:effectRef>
+          <a:fontRef idx="minor">
+            <a:schemeClr val="lt1"/>
+          </a:fontRef>
+        </p:style>
+        <p:txBody>
+          <a:bodyPr rtlCol="0" anchor="ctr"/>
+          <a:lstStyle/>
+          <a:p>
+            <a:pPr algn="ctr"/>
+            <a:endParaRPr kumimoji="1" lang="ja-JP" altLang="en-US"/>
+          </a:p>
+        </p:txBody>
+      </p:sp>
+      <p:sp>
+        <p:nvSpPr>
+          <p:cNvPr id="30" name="テキスト ボックス 29"/>
+          <p:cNvSpPr txBox="1"/>
+          <p:nvPr/>
+        </p:nvSpPr>
+        <p:spPr>
+          <a:xfrm>
+            <a:off x="4255865" y="5657552"/>
+            <a:ext cx="695394" cy="369332"/>
+          </a:xfrm>
+          <a:prstGeom prst="rect">
+            <a:avLst/>
+          </a:prstGeom>
+          <a:solidFill>
+            <a:schemeClr val="tx2">
+              <a:lumMod val="20000"/>
+              <a:lumOff val="80000"/>
+            </a:schemeClr>
+          </a:solidFill>
+          <a:ln>
+            <a:solidFill>
+              <a:schemeClr val="tx1"/>
+            </a:solidFill>
+          </a:ln>
+        </p:spPr>
+        <p:txBody>
+          <a:bodyPr wrap="square" rtlCol="0">
+            <a:spAutoFit/>
+          </a:bodyPr>
+          <a:lstStyle/>
+          <a:p>
+            <a:r>
+              <a:rPr kumimoji="1" lang="ja-JP" altLang="en-US" dirty="0" smtClean="0"/>
+              <a:t>添付</a:t>
+            </a:r>
+            <a:endParaRPr kumimoji="1" lang="ja-JP" altLang="en-US" dirty="0"/>
+          </a:p>
+        </p:txBody>
+      </p:sp>
+      <p:sp>
+        <p:nvSpPr>
+          <p:cNvPr id="31" name="四角形吹き出し 30"/>
+          <p:cNvSpPr/>
+          <p:nvPr/>
+        </p:nvSpPr>
+        <p:spPr>
+          <a:xfrm>
+            <a:off x="5132512" y="4205119"/>
+            <a:ext cx="2270584" cy="760730"/>
+          </a:xfrm>
+          <a:prstGeom prst="wedgeRectCallout">
+            <a:avLst>
+              <a:gd name="adj1" fmla="val -114800"/>
+              <a:gd name="adj2" fmla="val -28902"/>
+            </a:avLst>
+          </a:prstGeom>
+          <a:solidFill>
+            <a:schemeClr val="bg1"/>
+          </a:solidFill>
+          <a:ln>
+            <a:solidFill>
+              <a:srgbClr val="C00000"/>
+            </a:solidFill>
+          </a:ln>
+        </p:spPr>
+        <p:style>
+          <a:lnRef idx="2">
+            <a:schemeClr val="accent1">
+              <a:shade val="50000"/>
+            </a:schemeClr>
+          </a:lnRef>
+          <a:fillRef idx="1">
+            <a:schemeClr val="accent1"/>
+          </a:fillRef>
+          <a:effectRef idx="0">
+            <a:schemeClr val="accent1"/>
+          </a:effectRef>
+          <a:fontRef idx="minor">
+            <a:schemeClr val="lt1"/>
+          </a:fontRef>
+        </p:style>
+        <p:txBody>
+          <a:bodyPr rtlCol="0" anchor="ctr"/>
+          <a:lstStyle/>
+          <a:p>
+            <a:r>
+              <a:rPr kumimoji="1" lang="ja-JP" altLang="en-US" sz="1400" dirty="0" smtClean="0">
+                <a:solidFill>
+                  <a:schemeClr val="tx1"/>
+                </a:solidFill>
+              </a:rPr>
+              <a:t>ステータスを変更する場合は質問更新画面から行う</a:t>
+            </a:r>
+            <a:endParaRPr kumimoji="1" lang="ja-JP" altLang="en-US" sz="1400" dirty="0">
+              <a:solidFill>
+                <a:schemeClr val="tx1"/>
+              </a:solidFill>
+            </a:endParaRPr>
+          </a:p>
+        </p:txBody>
+      </p:sp>
+      <p:sp>
+        <p:nvSpPr>
+          <p:cNvPr id="34" name="テキスト ボックス 33"/>
+          <p:cNvSpPr txBox="1"/>
+          <p:nvPr/>
+        </p:nvSpPr>
+        <p:spPr>
+          <a:xfrm>
+            <a:off x="5057177" y="5650805"/>
+            <a:ext cx="695394" cy="369332"/>
+          </a:xfrm>
+          <a:prstGeom prst="rect">
+            <a:avLst/>
+          </a:prstGeom>
+          <a:solidFill>
+            <a:schemeClr val="tx2">
+              <a:lumMod val="20000"/>
+              <a:lumOff val="80000"/>
+            </a:schemeClr>
+          </a:solidFill>
+          <a:ln>
+            <a:solidFill>
+              <a:schemeClr val="tx1"/>
+            </a:solidFill>
+          </a:ln>
+        </p:spPr>
+        <p:txBody>
+          <a:bodyPr wrap="square" rtlCol="0">
+            <a:spAutoFit/>
+          </a:bodyPr>
+          <a:lstStyle/>
+          <a:p>
+            <a:r>
+              <a:rPr lang="ja-JP" altLang="en-US" dirty="0"/>
+              <a:t>削除</a:t>
+            </a:r>
+            <a:endParaRPr kumimoji="1" lang="ja-JP" altLang="en-US" dirty="0"/>
+          </a:p>
+        </p:txBody>
+      </p:sp>
+      <p:sp>
+        <p:nvSpPr>
+          <p:cNvPr id="35" name="テキスト ボックス 34"/>
+          <p:cNvSpPr txBox="1"/>
+          <p:nvPr/>
+        </p:nvSpPr>
+        <p:spPr>
+          <a:xfrm>
+            <a:off x="6012160" y="219998"/>
+            <a:ext cx="2664296" cy="1200329"/>
+          </a:xfrm>
+          <a:prstGeom prst="rect">
+            <a:avLst/>
+          </a:prstGeom>
+          <a:noFill/>
+        </p:spPr>
+        <p:txBody>
+          <a:bodyPr wrap="square" rtlCol="0">
+            <a:spAutoFit/>
+          </a:bodyPr>
+          <a:lstStyle/>
+          <a:p>
+            <a:r>
+              <a:rPr kumimoji="1" lang="ja-JP" altLang="en-US" sz="1200" dirty="0" smtClean="0">
+                <a:solidFill>
+                  <a:srgbClr val="FF0000"/>
+                </a:solidFill>
+              </a:rPr>
+              <a:t>・添付ファイルはファイルに保存</a:t>
+            </a:r>
+            <a:endParaRPr kumimoji="1" lang="en-US" altLang="ja-JP" sz="1200" dirty="0" smtClean="0">
+              <a:solidFill>
+                <a:srgbClr val="FF0000"/>
+              </a:solidFill>
+            </a:endParaRPr>
+          </a:p>
+          <a:p>
+            <a:r>
+              <a:rPr lang="ja-JP" altLang="en-US" sz="1200" dirty="0" smtClean="0">
+                <a:solidFill>
+                  <a:srgbClr val="FF0000"/>
+                </a:solidFill>
+              </a:rPr>
+              <a:t>・既に添付ファイルが存在する場合は削除ボタンのみ有効</a:t>
+            </a:r>
+            <a:endParaRPr lang="en-US" altLang="ja-JP" sz="1200" dirty="0" smtClean="0">
+              <a:solidFill>
+                <a:srgbClr val="FF0000"/>
+              </a:solidFill>
+            </a:endParaRPr>
+          </a:p>
+          <a:p>
+            <a:r>
+              <a:rPr kumimoji="1" lang="ja-JP" altLang="en-US" sz="1200" dirty="0" smtClean="0">
+                <a:solidFill>
+                  <a:srgbClr val="FF0000"/>
+                </a:solidFill>
+              </a:rPr>
+              <a:t>・添付ファイルを更新する場合は</a:t>
+            </a:r>
+            <a:r>
+              <a:rPr lang="ja-JP" altLang="en-US" sz="1200" dirty="0" smtClean="0">
+                <a:solidFill>
+                  <a:srgbClr val="FF0000"/>
+                </a:solidFill>
+              </a:rPr>
+              <a:t>既存のファイルを削除の後、新たなファイルを添付する</a:t>
+            </a:r>
+            <a:endParaRPr kumimoji="1" lang="en-US" altLang="ja-JP" sz="1200" dirty="0" smtClean="0">
+              <a:solidFill>
+                <a:srgbClr val="FF0000"/>
+              </a:solidFill>
+            </a:endParaRPr>
+          </a:p>
+        </p:txBody>
+      </p:sp>
     </p:spTree>
     <p:extLst>
       <p:ext uri="{BB962C8B-B14F-4D97-AF65-F5344CB8AC3E}">
@@ -5945,6 +7086,13 @@
   <p:clrMapOvr>
     <a:masterClrMapping/>
   </p:clrMapOvr>
+  <p:timing>
+    <p:tnLst>
+      <p:par>
+        <p:cTn id="1" dur="indefinite" restart="never" nodeType="tmRoot"/>
+      </p:par>
+    </p:tnLst>
+  </p:timing>
 </p:sld>
 </file>
 
@@ -6205,7 +7353,7 @@
         </p:nvSpPr>
         <p:spPr>
           <a:xfrm>
-            <a:off x="4427984" y="4421202"/>
+            <a:off x="4439022" y="5301208"/>
             <a:ext cx="1296144" cy="369332"/>
           </a:xfrm>
           <a:prstGeom prst="rect">
@@ -6246,7 +7394,7 @@
         </p:nvSpPr>
         <p:spPr>
           <a:xfrm>
-            <a:off x="2847628" y="4433431"/>
+            <a:off x="2858666" y="5313437"/>
             <a:ext cx="1224136" cy="369332"/>
           </a:xfrm>
           <a:prstGeom prst="rect">
@@ -6357,6 +7505,304 @@
           </a:p>
         </p:txBody>
       </p:sp>
+      <p:sp>
+        <p:nvSpPr>
+          <p:cNvPr id="12" name="テキスト ボックス 11"/>
+          <p:cNvSpPr txBox="1"/>
+          <p:nvPr/>
+        </p:nvSpPr>
+        <p:spPr>
+          <a:xfrm>
+            <a:off x="3260849" y="3967405"/>
+            <a:ext cx="246075" cy="276999"/>
+          </a:xfrm>
+          <a:prstGeom prst="rect">
+            <a:avLst/>
+          </a:prstGeom>
+          <a:noFill/>
+        </p:spPr>
+        <p:txBody>
+          <a:bodyPr wrap="square" rtlCol="0">
+            <a:spAutoFit/>
+          </a:bodyPr>
+          <a:lstStyle/>
+          <a:p>
+            <a:r>
+              <a:rPr kumimoji="1" lang="ja-JP" altLang="en-US" sz="1200" dirty="0" smtClean="0"/>
+              <a:t>▼</a:t>
+            </a:r>
+            <a:endParaRPr kumimoji="1" lang="ja-JP" altLang="en-US" sz="1200" dirty="0"/>
+          </a:p>
+        </p:txBody>
+      </p:sp>
+      <p:cxnSp>
+        <p:nvCxnSpPr>
+          <p:cNvPr id="13" name="直線コネクタ 12"/>
+          <p:cNvCxnSpPr/>
+          <p:nvPr/>
+        </p:nvCxnSpPr>
+        <p:spPr>
+          <a:xfrm flipH="1">
+            <a:off x="3260849" y="3950072"/>
+            <a:ext cx="2871" cy="281595"/>
+          </a:xfrm>
+          <a:prstGeom prst="line">
+            <a:avLst/>
+          </a:prstGeom>
+          <a:ln>
+            <a:solidFill>
+              <a:schemeClr val="tx1"/>
+            </a:solidFill>
+          </a:ln>
+        </p:spPr>
+        <p:style>
+          <a:lnRef idx="1">
+            <a:schemeClr val="accent1"/>
+          </a:lnRef>
+          <a:fillRef idx="0">
+            <a:schemeClr val="accent1"/>
+          </a:fillRef>
+          <a:effectRef idx="0">
+            <a:schemeClr val="accent1"/>
+          </a:effectRef>
+          <a:fontRef idx="minor">
+            <a:schemeClr val="tx1"/>
+          </a:fontRef>
+        </p:style>
+      </p:cxnSp>
+      <p:sp>
+        <p:nvSpPr>
+          <p:cNvPr id="14" name="テキスト ボックス 13"/>
+          <p:cNvSpPr txBox="1"/>
+          <p:nvPr/>
+        </p:nvSpPr>
+        <p:spPr>
+          <a:xfrm>
+            <a:off x="684537" y="4509120"/>
+            <a:ext cx="1462794" cy="369332"/>
+          </a:xfrm>
+          <a:prstGeom prst="rect">
+            <a:avLst/>
+          </a:prstGeom>
+          <a:noFill/>
+        </p:spPr>
+        <p:txBody>
+          <a:bodyPr wrap="square" rtlCol="0">
+            <a:spAutoFit/>
+          </a:bodyPr>
+          <a:lstStyle/>
+          <a:p>
+            <a:r>
+              <a:rPr kumimoji="1" lang="ja-JP" altLang="en-US" dirty="0" smtClean="0"/>
+              <a:t>添付ファイル</a:t>
+            </a:r>
+            <a:endParaRPr kumimoji="1" lang="ja-JP" altLang="en-US" dirty="0"/>
+          </a:p>
+        </p:txBody>
+      </p:sp>
+      <p:sp>
+        <p:nvSpPr>
+          <p:cNvPr id="15" name="正方形/長方形 14"/>
+          <p:cNvSpPr/>
+          <p:nvPr/>
+        </p:nvSpPr>
+        <p:spPr>
+          <a:xfrm>
+            <a:off x="2092649" y="4509120"/>
+            <a:ext cx="1947192" cy="369332"/>
+          </a:xfrm>
+          <a:prstGeom prst="rect">
+            <a:avLst/>
+          </a:prstGeom>
+          <a:solidFill>
+            <a:schemeClr val="bg1"/>
+          </a:solidFill>
+          <a:ln w="12700">
+            <a:solidFill>
+              <a:schemeClr val="tx1"/>
+            </a:solidFill>
+          </a:ln>
+        </p:spPr>
+        <p:style>
+          <a:lnRef idx="2">
+            <a:schemeClr val="accent1">
+              <a:shade val="50000"/>
+            </a:schemeClr>
+          </a:lnRef>
+          <a:fillRef idx="1">
+            <a:schemeClr val="accent1"/>
+          </a:fillRef>
+          <a:effectRef idx="0">
+            <a:schemeClr val="accent1"/>
+          </a:effectRef>
+          <a:fontRef idx="minor">
+            <a:schemeClr val="lt1"/>
+          </a:fontRef>
+        </p:style>
+        <p:txBody>
+          <a:bodyPr rtlCol="0" anchor="ctr"/>
+          <a:lstStyle/>
+          <a:p>
+            <a:pPr algn="ctr"/>
+            <a:endParaRPr kumimoji="1" lang="ja-JP" altLang="en-US"/>
+          </a:p>
+        </p:txBody>
+      </p:sp>
+      <p:sp>
+        <p:nvSpPr>
+          <p:cNvPr id="18" name="テキスト ボックス 17"/>
+          <p:cNvSpPr txBox="1"/>
+          <p:nvPr/>
+        </p:nvSpPr>
+        <p:spPr>
+          <a:xfrm>
+            <a:off x="4255865" y="4522951"/>
+            <a:ext cx="695394" cy="369332"/>
+          </a:xfrm>
+          <a:prstGeom prst="rect">
+            <a:avLst/>
+          </a:prstGeom>
+          <a:solidFill>
+            <a:schemeClr val="tx2">
+              <a:lumMod val="20000"/>
+              <a:lumOff val="80000"/>
+            </a:schemeClr>
+          </a:solidFill>
+          <a:ln>
+            <a:solidFill>
+              <a:schemeClr val="tx1"/>
+            </a:solidFill>
+          </a:ln>
+        </p:spPr>
+        <p:txBody>
+          <a:bodyPr wrap="square" rtlCol="0">
+            <a:spAutoFit/>
+          </a:bodyPr>
+          <a:lstStyle/>
+          <a:p>
+            <a:r>
+              <a:rPr kumimoji="1" lang="ja-JP" altLang="en-US" smtClean="0"/>
+              <a:t>添付</a:t>
+            </a:r>
+            <a:endParaRPr kumimoji="1" lang="ja-JP" altLang="en-US"/>
+          </a:p>
+        </p:txBody>
+      </p:sp>
+      <p:sp>
+        <p:nvSpPr>
+          <p:cNvPr id="6" name="四角形吹き出し 5"/>
+          <p:cNvSpPr/>
+          <p:nvPr/>
+        </p:nvSpPr>
+        <p:spPr>
+          <a:xfrm>
+            <a:off x="6516216" y="3950072"/>
+            <a:ext cx="2270584" cy="760730"/>
+          </a:xfrm>
+          <a:prstGeom prst="wedgeRectCallout">
+            <a:avLst>
+              <a:gd name="adj1" fmla="val -175627"/>
+              <a:gd name="adj2" fmla="val -30154"/>
+            </a:avLst>
+          </a:prstGeom>
+          <a:solidFill>
+            <a:schemeClr val="bg1"/>
+          </a:solidFill>
+          <a:ln>
+            <a:solidFill>
+              <a:srgbClr val="C00000"/>
+            </a:solidFill>
+          </a:ln>
+        </p:spPr>
+        <p:style>
+          <a:lnRef idx="2">
+            <a:schemeClr val="accent1">
+              <a:shade val="50000"/>
+            </a:schemeClr>
+          </a:lnRef>
+          <a:fillRef idx="1">
+            <a:schemeClr val="accent1"/>
+          </a:fillRef>
+          <a:effectRef idx="0">
+            <a:schemeClr val="accent1"/>
+          </a:effectRef>
+          <a:fontRef idx="minor">
+            <a:schemeClr val="lt1"/>
+          </a:fontRef>
+        </p:style>
+        <p:txBody>
+          <a:bodyPr rtlCol="0" anchor="ctr"/>
+          <a:lstStyle/>
+          <a:p>
+            <a:r>
+              <a:rPr kumimoji="1" lang="ja-JP" altLang="en-US" sz="1400" dirty="0" smtClean="0">
+                <a:solidFill>
+                  <a:schemeClr val="tx1"/>
+                </a:solidFill>
+              </a:rPr>
+              <a:t>回答時にもステータスを</a:t>
+            </a:r>
+            <a:endParaRPr kumimoji="1" lang="en-US" altLang="ja-JP" sz="1400" dirty="0" smtClean="0">
+              <a:solidFill>
+                <a:schemeClr val="tx1"/>
+              </a:solidFill>
+            </a:endParaRPr>
+          </a:p>
+          <a:p>
+            <a:r>
+              <a:rPr kumimoji="1" lang="ja-JP" altLang="en-US" sz="1400" dirty="0" smtClean="0">
+                <a:solidFill>
+                  <a:schemeClr val="tx1"/>
+                </a:solidFill>
+              </a:rPr>
+              <a:t>変更可能</a:t>
+            </a:r>
+            <a:endParaRPr kumimoji="1" lang="ja-JP" altLang="en-US" sz="1400" dirty="0">
+              <a:solidFill>
+                <a:schemeClr val="tx1"/>
+              </a:solidFill>
+            </a:endParaRPr>
+          </a:p>
+        </p:txBody>
+      </p:sp>
+      <p:sp>
+        <p:nvSpPr>
+          <p:cNvPr id="19" name="テキスト ボックス 18"/>
+          <p:cNvSpPr txBox="1"/>
+          <p:nvPr/>
+        </p:nvSpPr>
+        <p:spPr>
+          <a:xfrm>
+            <a:off x="6012160" y="219998"/>
+            <a:ext cx="2664296" cy="276999"/>
+          </a:xfrm>
+          <a:prstGeom prst="rect">
+            <a:avLst/>
+          </a:prstGeom>
+          <a:noFill/>
+        </p:spPr>
+        <p:txBody>
+          <a:bodyPr wrap="square" rtlCol="0">
+            <a:spAutoFit/>
+          </a:bodyPr>
+          <a:lstStyle/>
+          <a:p>
+            <a:r>
+              <a:rPr kumimoji="1" lang="ja-JP" altLang="en-US" sz="1200" dirty="0" smtClean="0">
+                <a:solidFill>
+                  <a:srgbClr val="FF0000"/>
+                </a:solidFill>
+              </a:rPr>
+              <a:t>・添付ファイルはファイルに保存</a:t>
+            </a:r>
+            <a:endParaRPr kumimoji="1" lang="en-US" altLang="ja-JP" sz="1200" dirty="0" smtClean="0">
+              <a:solidFill>
+                <a:srgbClr val="FF0000"/>
+              </a:solidFill>
+            </a:endParaRPr>
+          </a:p>
+        </p:txBody>
+      </p:sp>
     </p:spTree>
     <p:extLst>
       <p:ext uri="{BB962C8B-B14F-4D97-AF65-F5344CB8AC3E}">
@@ -6367,6 +7813,13 @@
   <p:clrMapOvr>
     <a:masterClrMapping/>
   </p:clrMapOvr>
+  <p:timing>
+    <p:tnLst>
+      <p:par>
+        <p:cTn id="1" dur="indefinite" restart="never" nodeType="tmRoot"/>
+      </p:par>
+    </p:tnLst>
+  </p:timing>
 </p:sld>
 </file>
 
@@ -6541,7 +7994,7 @@
         </p:nvSpPr>
         <p:spPr>
           <a:xfrm>
-            <a:off x="4355976" y="4530641"/>
+            <a:off x="4385480" y="5445224"/>
             <a:ext cx="1224136" cy="369332"/>
           </a:xfrm>
           <a:prstGeom prst="rect">
@@ -6582,7 +8035,7 @@
         </p:nvSpPr>
         <p:spPr>
           <a:xfrm>
-            <a:off x="2843809" y="4546432"/>
+            <a:off x="2873313" y="5461015"/>
             <a:ext cx="1296144" cy="369332"/>
           </a:xfrm>
           <a:prstGeom prst="rect">
@@ -6775,6 +8228,390 @@
           </a:p>
         </p:txBody>
       </p:sp>
+      <p:sp>
+        <p:nvSpPr>
+          <p:cNvPr id="14" name="テキスト ボックス 13"/>
+          <p:cNvSpPr txBox="1"/>
+          <p:nvPr/>
+        </p:nvSpPr>
+        <p:spPr>
+          <a:xfrm>
+            <a:off x="3260849" y="4034854"/>
+            <a:ext cx="246075" cy="276999"/>
+          </a:xfrm>
+          <a:prstGeom prst="rect">
+            <a:avLst/>
+          </a:prstGeom>
+          <a:noFill/>
+        </p:spPr>
+        <p:txBody>
+          <a:bodyPr wrap="square" rtlCol="0">
+            <a:spAutoFit/>
+          </a:bodyPr>
+          <a:lstStyle/>
+          <a:p>
+            <a:r>
+              <a:rPr kumimoji="1" lang="ja-JP" altLang="en-US" sz="1200" dirty="0" smtClean="0"/>
+              <a:t>▼</a:t>
+            </a:r>
+            <a:endParaRPr kumimoji="1" lang="ja-JP" altLang="en-US" sz="1200" dirty="0"/>
+          </a:p>
+        </p:txBody>
+      </p:sp>
+      <p:cxnSp>
+        <p:nvCxnSpPr>
+          <p:cNvPr id="15" name="直線コネクタ 14"/>
+          <p:cNvCxnSpPr/>
+          <p:nvPr/>
+        </p:nvCxnSpPr>
+        <p:spPr>
+          <a:xfrm flipH="1">
+            <a:off x="3260849" y="4017521"/>
+            <a:ext cx="2871" cy="281595"/>
+          </a:xfrm>
+          <a:prstGeom prst="line">
+            <a:avLst/>
+          </a:prstGeom>
+          <a:ln>
+            <a:solidFill>
+              <a:schemeClr val="tx1"/>
+            </a:solidFill>
+          </a:ln>
+        </p:spPr>
+        <p:style>
+          <a:lnRef idx="1">
+            <a:schemeClr val="accent1"/>
+          </a:lnRef>
+          <a:fillRef idx="0">
+            <a:schemeClr val="accent1"/>
+          </a:fillRef>
+          <a:effectRef idx="0">
+            <a:schemeClr val="accent1"/>
+          </a:effectRef>
+          <a:fontRef idx="minor">
+            <a:schemeClr val="tx1"/>
+          </a:fontRef>
+        </p:style>
+      </p:cxnSp>
+      <p:sp>
+        <p:nvSpPr>
+          <p:cNvPr id="18" name="テキスト ボックス 17"/>
+          <p:cNvSpPr txBox="1"/>
+          <p:nvPr/>
+        </p:nvSpPr>
+        <p:spPr>
+          <a:xfrm>
+            <a:off x="684537" y="4509120"/>
+            <a:ext cx="1462794" cy="369332"/>
+          </a:xfrm>
+          <a:prstGeom prst="rect">
+            <a:avLst/>
+          </a:prstGeom>
+          <a:noFill/>
+        </p:spPr>
+        <p:txBody>
+          <a:bodyPr wrap="square" rtlCol="0">
+            <a:spAutoFit/>
+          </a:bodyPr>
+          <a:lstStyle/>
+          <a:p>
+            <a:r>
+              <a:rPr kumimoji="1" lang="ja-JP" altLang="en-US" dirty="0" smtClean="0"/>
+              <a:t>添付ファイル</a:t>
+            </a:r>
+            <a:endParaRPr kumimoji="1" lang="ja-JP" altLang="en-US" dirty="0"/>
+          </a:p>
+        </p:txBody>
+      </p:sp>
+      <p:sp>
+        <p:nvSpPr>
+          <p:cNvPr id="19" name="正方形/長方形 18"/>
+          <p:cNvSpPr/>
+          <p:nvPr/>
+        </p:nvSpPr>
+        <p:spPr>
+          <a:xfrm>
+            <a:off x="2123728" y="4509120"/>
+            <a:ext cx="1947192" cy="369332"/>
+          </a:xfrm>
+          <a:prstGeom prst="rect">
+            <a:avLst/>
+          </a:prstGeom>
+          <a:solidFill>
+            <a:schemeClr val="bg1"/>
+          </a:solidFill>
+          <a:ln w="12700">
+            <a:solidFill>
+              <a:schemeClr val="tx1"/>
+            </a:solidFill>
+          </a:ln>
+        </p:spPr>
+        <p:style>
+          <a:lnRef idx="2">
+            <a:schemeClr val="accent1">
+              <a:shade val="50000"/>
+            </a:schemeClr>
+          </a:lnRef>
+          <a:fillRef idx="1">
+            <a:schemeClr val="accent1"/>
+          </a:fillRef>
+          <a:effectRef idx="0">
+            <a:schemeClr val="accent1"/>
+          </a:effectRef>
+          <a:fontRef idx="minor">
+            <a:schemeClr val="lt1"/>
+          </a:fontRef>
+        </p:style>
+        <p:txBody>
+          <a:bodyPr rtlCol="0" anchor="ctr"/>
+          <a:lstStyle/>
+          <a:p>
+            <a:pPr algn="ctr"/>
+            <a:endParaRPr kumimoji="1" lang="ja-JP" altLang="en-US"/>
+          </a:p>
+        </p:txBody>
+      </p:sp>
+      <p:sp>
+        <p:nvSpPr>
+          <p:cNvPr id="20" name="テキスト ボックス 19"/>
+          <p:cNvSpPr txBox="1"/>
+          <p:nvPr/>
+        </p:nvSpPr>
+        <p:spPr>
+          <a:xfrm>
+            <a:off x="4255865" y="4522951"/>
+            <a:ext cx="695394" cy="369332"/>
+          </a:xfrm>
+          <a:prstGeom prst="rect">
+            <a:avLst/>
+          </a:prstGeom>
+          <a:solidFill>
+            <a:schemeClr val="tx2">
+              <a:lumMod val="20000"/>
+              <a:lumOff val="80000"/>
+            </a:schemeClr>
+          </a:solidFill>
+          <a:ln>
+            <a:solidFill>
+              <a:schemeClr val="tx1"/>
+            </a:solidFill>
+          </a:ln>
+        </p:spPr>
+        <p:txBody>
+          <a:bodyPr wrap="square" rtlCol="0">
+            <a:spAutoFit/>
+          </a:bodyPr>
+          <a:lstStyle/>
+          <a:p>
+            <a:r>
+              <a:rPr kumimoji="1" lang="ja-JP" altLang="en-US" dirty="0" smtClean="0"/>
+              <a:t>添付</a:t>
+            </a:r>
+            <a:endParaRPr kumimoji="1" lang="ja-JP" altLang="en-US" dirty="0"/>
+          </a:p>
+        </p:txBody>
+      </p:sp>
+      <p:sp>
+        <p:nvSpPr>
+          <p:cNvPr id="21" name="四角形吹き出し 20"/>
+          <p:cNvSpPr/>
+          <p:nvPr/>
+        </p:nvSpPr>
+        <p:spPr>
+          <a:xfrm>
+            <a:off x="6300192" y="3992434"/>
+            <a:ext cx="2653258" cy="760730"/>
+          </a:xfrm>
+          <a:prstGeom prst="wedgeRectCallout">
+            <a:avLst>
+              <a:gd name="adj1" fmla="val -148545"/>
+              <a:gd name="adj2" fmla="val -31406"/>
+            </a:avLst>
+          </a:prstGeom>
+          <a:solidFill>
+            <a:schemeClr val="bg1"/>
+          </a:solidFill>
+          <a:ln>
+            <a:solidFill>
+              <a:srgbClr val="C00000"/>
+            </a:solidFill>
+          </a:ln>
+        </p:spPr>
+        <p:style>
+          <a:lnRef idx="2">
+            <a:schemeClr val="accent1">
+              <a:shade val="50000"/>
+            </a:schemeClr>
+          </a:lnRef>
+          <a:fillRef idx="1">
+            <a:schemeClr val="accent1"/>
+          </a:fillRef>
+          <a:effectRef idx="0">
+            <a:schemeClr val="accent1"/>
+          </a:effectRef>
+          <a:fontRef idx="minor">
+            <a:schemeClr val="lt1"/>
+          </a:fontRef>
+        </p:style>
+        <p:txBody>
+          <a:bodyPr rtlCol="0" anchor="ctr"/>
+          <a:lstStyle/>
+          <a:p>
+            <a:r>
+              <a:rPr lang="ja-JP" altLang="en-US" sz="1400" dirty="0" smtClean="0">
+                <a:solidFill>
+                  <a:schemeClr val="tx1"/>
+                </a:solidFill>
+              </a:rPr>
+              <a:t>回答の更新からも</a:t>
+            </a:r>
+            <a:r>
+              <a:rPr kumimoji="1" lang="ja-JP" altLang="en-US" sz="1400" dirty="0" smtClean="0">
+                <a:solidFill>
+                  <a:schemeClr val="tx1"/>
+                </a:solidFill>
+              </a:rPr>
+              <a:t>ステータスを</a:t>
+            </a:r>
+            <a:endParaRPr kumimoji="1" lang="en-US" altLang="ja-JP" sz="1400" dirty="0" smtClean="0">
+              <a:solidFill>
+                <a:schemeClr val="tx1"/>
+              </a:solidFill>
+            </a:endParaRPr>
+          </a:p>
+          <a:p>
+            <a:r>
+              <a:rPr kumimoji="1" lang="ja-JP" altLang="en-US" sz="1400" dirty="0" smtClean="0">
+                <a:solidFill>
+                  <a:schemeClr val="tx1"/>
+                </a:solidFill>
+              </a:rPr>
+              <a:t>変更可能</a:t>
+            </a:r>
+            <a:endParaRPr kumimoji="1" lang="ja-JP" altLang="en-US" sz="1400" dirty="0">
+              <a:solidFill>
+                <a:schemeClr val="tx1"/>
+              </a:solidFill>
+            </a:endParaRPr>
+          </a:p>
+        </p:txBody>
+      </p:sp>
+      <p:sp>
+        <p:nvSpPr>
+          <p:cNvPr id="22" name="テキスト ボックス 21"/>
+          <p:cNvSpPr txBox="1"/>
+          <p:nvPr/>
+        </p:nvSpPr>
+        <p:spPr>
+          <a:xfrm>
+            <a:off x="6012160" y="219998"/>
+            <a:ext cx="2664296" cy="1200329"/>
+          </a:xfrm>
+          <a:prstGeom prst="rect">
+            <a:avLst/>
+          </a:prstGeom>
+          <a:noFill/>
+        </p:spPr>
+        <p:txBody>
+          <a:bodyPr wrap="square" rtlCol="0">
+            <a:spAutoFit/>
+          </a:bodyPr>
+          <a:lstStyle/>
+          <a:p>
+            <a:r>
+              <a:rPr kumimoji="1" lang="ja-JP" altLang="en-US" sz="1200" dirty="0" smtClean="0">
+                <a:solidFill>
+                  <a:srgbClr val="FF0000"/>
+                </a:solidFill>
+              </a:rPr>
+              <a:t>・添付ファイルはファイルに保存</a:t>
+            </a:r>
+            <a:endParaRPr kumimoji="1" lang="en-US" altLang="ja-JP" sz="1200" dirty="0" smtClean="0">
+              <a:solidFill>
+                <a:srgbClr val="FF0000"/>
+              </a:solidFill>
+            </a:endParaRPr>
+          </a:p>
+          <a:p>
+            <a:r>
+              <a:rPr lang="ja-JP" altLang="en-US" sz="1200" dirty="0" smtClean="0">
+                <a:solidFill>
+                  <a:srgbClr val="FF0000"/>
+                </a:solidFill>
+              </a:rPr>
+              <a:t>・既に添付ファイルが存在する場合は削除ボタンのみ有効</a:t>
+            </a:r>
+            <a:endParaRPr lang="en-US" altLang="ja-JP" sz="1200" dirty="0" smtClean="0">
+              <a:solidFill>
+                <a:srgbClr val="FF0000"/>
+              </a:solidFill>
+            </a:endParaRPr>
+          </a:p>
+          <a:p>
+            <a:r>
+              <a:rPr kumimoji="1" lang="ja-JP" altLang="en-US" sz="1200" dirty="0" smtClean="0">
+                <a:solidFill>
+                  <a:srgbClr val="FF0000"/>
+                </a:solidFill>
+              </a:rPr>
+              <a:t>・添付ファイルを更新する場合は</a:t>
+            </a:r>
+            <a:r>
+              <a:rPr lang="ja-JP" altLang="en-US" sz="1200" dirty="0" smtClean="0">
+                <a:solidFill>
+                  <a:srgbClr val="FF0000"/>
+                </a:solidFill>
+              </a:rPr>
+              <a:t>既存のファイルを削除の後、新たなファイルを添付する</a:t>
+            </a:r>
+            <a:endParaRPr kumimoji="1" lang="en-US" altLang="ja-JP" sz="1200" dirty="0" smtClean="0">
+              <a:solidFill>
+                <a:srgbClr val="FF0000"/>
+              </a:solidFill>
+            </a:endParaRPr>
+          </a:p>
+        </p:txBody>
+      </p:sp>
+      <p:sp>
+        <p:nvSpPr>
+          <p:cNvPr id="23" name="テキスト ボックス 22"/>
+          <p:cNvSpPr txBox="1"/>
+          <p:nvPr/>
+        </p:nvSpPr>
+        <p:spPr>
+          <a:xfrm>
+            <a:off x="4997548" y="4515693"/>
+            <a:ext cx="695394" cy="369332"/>
+          </a:xfrm>
+          <a:prstGeom prst="rect">
+            <a:avLst/>
+          </a:prstGeom>
+          <a:solidFill>
+            <a:schemeClr val="tx2">
+              <a:lumMod val="20000"/>
+              <a:lumOff val="80000"/>
+            </a:schemeClr>
+          </a:solidFill>
+          <a:ln>
+            <a:solidFill>
+              <a:schemeClr val="tx1"/>
+            </a:solidFill>
+          </a:ln>
+        </p:spPr>
+        <p:txBody>
+          <a:bodyPr wrap="square" rtlCol="0">
+            <a:spAutoFit/>
+          </a:bodyPr>
+          <a:lstStyle/>
+          <a:p>
+            <a:r>
+              <a:rPr lang="ja-JP" altLang="en-US" dirty="0"/>
+              <a:t>削除</a:t>
+            </a:r>
+            <a:endParaRPr kumimoji="1" lang="ja-JP" altLang="en-US" dirty="0"/>
+          </a:p>
+        </p:txBody>
+      </p:sp>
     </p:spTree>
     <p:extLst>
       <p:ext uri="{BB962C8B-B14F-4D97-AF65-F5344CB8AC3E}">
@@ -6785,6 +8622,13 @@
   <p:clrMapOvr>
     <a:masterClrMapping/>
   </p:clrMapOvr>
+  <p:timing>
+    <p:tnLst>
+      <p:par>
+        <p:cTn id="1" dur="indefinite" restart="never" nodeType="tmRoot"/>
+      </p:par>
+    </p:tnLst>
+  </p:timing>
 </p:sld>
 </file>
 
@@ -6848,25 +8692,25 @@
           <p:nvPr>
             <p:extLst>
               <p:ext uri="{D42A27DB-BD31-4B8C-83A1-F6EECF244321}">
-                <p14:modId xmlns:p14="http://schemas.microsoft.com/office/powerpoint/2010/main" val="242393204"/>
+                <p14:modId xmlns:p14="http://schemas.microsoft.com/office/powerpoint/2010/main" val="4260925296"/>
               </p:ext>
             </p:extLst>
           </p:nvPr>
         </p:nvGraphicFramePr>
         <p:xfrm>
-          <a:off x="395536" y="1052736"/>
-          <a:ext cx="8391525" cy="2324100"/>
+          <a:off x="395288" y="1052513"/>
+          <a:ext cx="8391525" cy="1885950"/>
         </p:xfrm>
         <a:graphic>
           <a:graphicData uri="http://schemas.openxmlformats.org/presentationml/2006/ole">
             <mc:AlternateContent xmlns:mc="http://schemas.openxmlformats.org/markup-compatibility/2006">
               <mc:Choice xmlns:v="urn:schemas-microsoft-com:vml" Requires="v">
-                <p:oleObj spid="_x0000_s3080" name="ワークシート" r:id="rId3" imgW="8391410" imgH="2324160" progId="Excel.Sheet.12">
+                <p:oleObj spid="_x0000_s3084" name="ワークシート" r:id="rId3" imgW="8391410" imgH="1885950" progId="Excel.Sheet.12">
                   <p:embed/>
                 </p:oleObj>
               </mc:Choice>
               <mc:Fallback>
-                <p:oleObj name="ワークシート" r:id="rId3" imgW="8391410" imgH="2324160" progId="Excel.Sheet.12">
+                <p:oleObj name="ワークシート" r:id="rId3" imgW="8391410" imgH="1885950" progId="Excel.Sheet.12">
                   <p:embed/>
                   <p:pic>
                     <p:nvPicPr>
@@ -6882,8 +8726,8 @@
                     </p:blipFill>
                     <p:spPr>
                       <a:xfrm>
-                        <a:off x="395536" y="1052736"/>
-                        <a:ext cx="8391525" cy="2324100"/>
+                        <a:off x="395288" y="1052513"/>
+                        <a:ext cx="8391525" cy="1885950"/>
                       </a:xfrm>
                       <a:prstGeom prst="rect">
                         <a:avLst/>
@@ -6896,6 +8740,79 @@
           </a:graphicData>
         </a:graphic>
       </p:graphicFrame>
+      <p:sp>
+        <p:nvSpPr>
+          <p:cNvPr id="4" name="左中かっこ 3"/>
+          <p:cNvSpPr/>
+          <p:nvPr/>
+        </p:nvSpPr>
+        <p:spPr>
+          <a:xfrm>
+            <a:off x="179512" y="1052736"/>
+            <a:ext cx="144016" cy="1440160"/>
+          </a:xfrm>
+          <a:prstGeom prst="leftBrace">
+            <a:avLst/>
+          </a:prstGeom>
+          <a:ln>
+            <a:solidFill>
+              <a:srgbClr val="C00000"/>
+            </a:solidFill>
+          </a:ln>
+        </p:spPr>
+        <p:style>
+          <a:lnRef idx="1">
+            <a:schemeClr val="accent1"/>
+          </a:lnRef>
+          <a:fillRef idx="0">
+            <a:schemeClr val="accent1"/>
+          </a:fillRef>
+          <a:effectRef idx="0">
+            <a:schemeClr val="accent1"/>
+          </a:effectRef>
+          <a:fontRef idx="minor">
+            <a:schemeClr val="tx1"/>
+          </a:fontRef>
+        </p:style>
+        <p:txBody>
+          <a:bodyPr rtlCol="0" anchor="ctr"/>
+          <a:lstStyle/>
+          <a:p>
+            <a:pPr algn="ctr"/>
+            <a:endParaRPr kumimoji="1" lang="ja-JP" altLang="en-US"/>
+          </a:p>
+        </p:txBody>
+      </p:sp>
+      <p:sp>
+        <p:nvSpPr>
+          <p:cNvPr id="5" name="テキスト ボックス 4"/>
+          <p:cNvSpPr txBox="1"/>
+          <p:nvPr/>
+        </p:nvSpPr>
+        <p:spPr>
+          <a:xfrm>
+            <a:off x="-282153" y="1412776"/>
+            <a:ext cx="461665" cy="1200329"/>
+          </a:xfrm>
+          <a:prstGeom prst="rect">
+            <a:avLst/>
+          </a:prstGeom>
+          <a:noFill/>
+        </p:spPr>
+        <p:txBody>
+          <a:bodyPr vert="eaVert" wrap="square" rtlCol="0">
+            <a:spAutoFit/>
+          </a:bodyPr>
+          <a:lstStyle/>
+          <a:p>
+            <a:r>
+              <a:rPr kumimoji="1" lang="ja-JP" altLang="en-US" dirty="0" smtClean="0"/>
+              <a:t>同じ質問</a:t>
+            </a:r>
+            <a:endParaRPr kumimoji="1" lang="ja-JP" altLang="en-US" dirty="0"/>
+          </a:p>
+        </p:txBody>
+      </p:sp>
     </p:spTree>
     <p:extLst>
       <p:ext uri="{BB962C8B-B14F-4D97-AF65-F5344CB8AC3E}">
@@ -6906,6 +8823,13 @@
   <p:clrMapOvr>
     <a:masterClrMapping/>
   </p:clrMapOvr>
+  <p:timing>
+    <p:tnLst>
+      <p:par>
+        <p:cTn id="1" dur="indefinite" restart="never" nodeType="tmRoot"/>
+      </p:par>
+    </p:tnLst>
+  </p:timing>
 </p:sld>
 </file>
 

--- a/画面一覧.pptx
+++ b/画面一覧.pptx
@@ -3458,25 +3458,25 @@
           <p:nvPr>
             <p:extLst>
               <p:ext uri="{D42A27DB-BD31-4B8C-83A1-F6EECF244321}">
-                <p14:modId xmlns:p14="http://schemas.microsoft.com/office/powerpoint/2010/main" val="2354261740"/>
+                <p14:modId xmlns:p14="http://schemas.microsoft.com/office/powerpoint/2010/main" val="710695663"/>
               </p:ext>
             </p:extLst>
           </p:nvPr>
         </p:nvGraphicFramePr>
         <p:xfrm>
-          <a:off x="1003822" y="4345449"/>
+          <a:off x="1003822" y="3836693"/>
           <a:ext cx="7085012" cy="1355725"/>
         </p:xfrm>
         <a:graphic>
           <a:graphicData uri="http://schemas.openxmlformats.org/presentationml/2006/ole">
             <mc:AlternateContent xmlns:mc="http://schemas.openxmlformats.org/markup-compatibility/2006">
               <mc:Choice xmlns:v="urn:schemas-microsoft-com:vml" Requires="v">
-                <p:oleObj spid="_x0000_s1045" name="ワークシート" r:id="rId3" imgW="5629300" imgH="1076220" progId="Excel.Sheet.12">
+                <p:oleObj spid="_x0000_s1047" name="ワークシート" r:id="rId4" imgW="5629300" imgH="1076220" progId="Excel.Sheet.12">
                   <p:embed/>
                 </p:oleObj>
               </mc:Choice>
               <mc:Fallback>
-                <p:oleObj name="ワークシート" r:id="rId3" imgW="5629300" imgH="1076220" progId="Excel.Sheet.12">
+                <p:oleObj name="ワークシート" r:id="rId4" imgW="5629300" imgH="1076220" progId="Excel.Sheet.12">
                   <p:embed/>
                   <p:pic>
                     <p:nvPicPr>
@@ -3485,14 +3485,14 @@
                       <p:nvPr/>
                     </p:nvPicPr>
                     <p:blipFill>
-                      <a:blip r:embed="rId4"/>
+                      <a:blip r:embed="rId5"/>
                       <a:stretch>
                         <a:fillRect/>
                       </a:stretch>
                     </p:blipFill>
                     <p:spPr>
                       <a:xfrm>
-                        <a:off x="1003822" y="4345449"/>
+                        <a:off x="1003822" y="3836693"/>
                         <a:ext cx="7085012" cy="1355725"/>
                       </a:xfrm>
                       <a:prstGeom prst="rect">
@@ -3514,7 +3514,7 @@
         </p:nvSpPr>
         <p:spPr>
           <a:xfrm>
-            <a:off x="107504" y="1844824"/>
+            <a:off x="97543" y="1933502"/>
             <a:ext cx="8856984" cy="792088"/>
           </a:xfrm>
           <a:prstGeom prst="roundRect">
@@ -3562,7 +3562,7 @@
         </p:nvSpPr>
         <p:spPr>
           <a:xfrm>
-            <a:off x="5196593" y="2116290"/>
+            <a:off x="5186632" y="2204968"/>
             <a:ext cx="1083407" cy="338554"/>
           </a:xfrm>
           <a:prstGeom prst="rect">
@@ -3596,7 +3596,7 @@
         </p:nvSpPr>
         <p:spPr>
           <a:xfrm>
-            <a:off x="6247357" y="2162665"/>
+            <a:off x="6237396" y="2251343"/>
             <a:ext cx="916931" cy="237856"/>
           </a:xfrm>
           <a:prstGeom prst="rect">
@@ -3644,7 +3644,7 @@
         </p:nvSpPr>
         <p:spPr>
           <a:xfrm>
-            <a:off x="139205" y="2106959"/>
+            <a:off x="129244" y="2195637"/>
             <a:ext cx="864096" cy="338554"/>
           </a:xfrm>
           <a:prstGeom prst="rect">
@@ -3674,7 +3674,7 @@
         </p:nvSpPr>
         <p:spPr>
           <a:xfrm>
-            <a:off x="954796" y="2165940"/>
+            <a:off x="944835" y="2254618"/>
             <a:ext cx="1024916" cy="272816"/>
           </a:xfrm>
           <a:prstGeom prst="rect">
@@ -3722,7 +3722,7 @@
         </p:nvSpPr>
         <p:spPr>
           <a:xfrm>
-            <a:off x="8199262" y="2116646"/>
+            <a:off x="8189301" y="2205324"/>
             <a:ext cx="648072" cy="307777"/>
           </a:xfrm>
           <a:prstGeom prst="rect">
@@ -3762,7 +3762,7 @@
         </p:nvSpPr>
         <p:spPr>
           <a:xfrm>
-            <a:off x="7260343" y="2116646"/>
+            <a:off x="7250382" y="2205324"/>
             <a:ext cx="811504" cy="307777"/>
           </a:xfrm>
           <a:prstGeom prst="rect">
@@ -3802,7 +3802,7 @@
         </p:nvSpPr>
         <p:spPr>
           <a:xfrm>
-            <a:off x="3341254" y="2120500"/>
+            <a:off x="3331293" y="2209178"/>
             <a:ext cx="1096634" cy="338554"/>
           </a:xfrm>
           <a:prstGeom prst="rect">
@@ -3832,7 +3832,7 @@
         </p:nvSpPr>
         <p:spPr>
           <a:xfrm>
-            <a:off x="4349366" y="2166875"/>
+            <a:off x="4339405" y="2255553"/>
             <a:ext cx="864096" cy="272816"/>
           </a:xfrm>
           <a:prstGeom prst="rect">
@@ -3880,7 +3880,7 @@
         </p:nvSpPr>
         <p:spPr>
           <a:xfrm>
-            <a:off x="6990131" y="3253626"/>
+            <a:off x="6839629" y="1395125"/>
             <a:ext cx="1116124" cy="369332"/>
           </a:xfrm>
           <a:prstGeom prst="rect">
@@ -3920,7 +3920,7 @@
         </p:nvSpPr>
         <p:spPr>
           <a:xfrm>
-            <a:off x="871880" y="5909310"/>
+            <a:off x="871880" y="5400554"/>
             <a:ext cx="1899919" cy="369332"/>
           </a:xfrm>
           <a:prstGeom prst="rect">
@@ -3960,7 +3960,7 @@
         </p:nvSpPr>
         <p:spPr>
           <a:xfrm>
-            <a:off x="7015026" y="4653136"/>
+            <a:off x="7015026" y="4144380"/>
             <a:ext cx="432047" cy="215444"/>
           </a:xfrm>
           <a:prstGeom prst="rect">
@@ -4000,7 +4000,7 @@
         </p:nvSpPr>
         <p:spPr>
           <a:xfrm>
-            <a:off x="7548193" y="4653136"/>
+            <a:off x="7548193" y="4144380"/>
             <a:ext cx="432047" cy="215444"/>
           </a:xfrm>
           <a:prstGeom prst="rect">
@@ -4040,7 +4040,7 @@
         </p:nvSpPr>
         <p:spPr>
           <a:xfrm>
-            <a:off x="1981705" y="2129121"/>
+            <a:off x="1971744" y="2217799"/>
             <a:ext cx="656202" cy="338554"/>
           </a:xfrm>
           <a:prstGeom prst="rect">
@@ -4070,7 +4070,7 @@
         </p:nvSpPr>
         <p:spPr>
           <a:xfrm>
-            <a:off x="2473735" y="2156010"/>
+            <a:off x="2463774" y="2244688"/>
             <a:ext cx="864096" cy="272816"/>
           </a:xfrm>
           <a:prstGeom prst="rect">
@@ -4118,7 +4118,7 @@
         </p:nvSpPr>
         <p:spPr>
           <a:xfrm>
-            <a:off x="6561930" y="3940431"/>
+            <a:off x="6561930" y="3431675"/>
             <a:ext cx="1544325" cy="307777"/>
           </a:xfrm>
           <a:prstGeom prst="rect">
@@ -4153,7 +4153,7 @@
         </p:nvSpPr>
         <p:spPr>
           <a:xfrm>
-            <a:off x="4967386" y="2173744"/>
+            <a:off x="4957425" y="2262422"/>
             <a:ext cx="246075" cy="276999"/>
           </a:xfrm>
           <a:prstGeom prst="rect">
@@ -4183,7 +4183,7 @@
         </p:nvCxnSpPr>
         <p:spPr>
           <a:xfrm>
-            <a:off x="4967386" y="2174087"/>
+            <a:off x="4957425" y="2262765"/>
             <a:ext cx="0" cy="263919"/>
           </a:xfrm>
           <a:prstGeom prst="line">
@@ -4218,13 +4218,13 @@
         </p:nvSpPr>
         <p:spPr>
           <a:xfrm>
-            <a:off x="5898079" y="1237402"/>
+            <a:off x="5877782" y="2822819"/>
             <a:ext cx="2184104" cy="535414"/>
           </a:xfrm>
           <a:prstGeom prst="wedgeRectCallout">
             <a:avLst>
-              <a:gd name="adj1" fmla="val -17781"/>
-              <a:gd name="adj2" fmla="val 108754"/>
+              <a:gd name="adj1" fmla="val -16472"/>
+              <a:gd name="adj2" fmla="val -102947"/>
             </a:avLst>
           </a:prstGeom>
           <a:solidFill>
@@ -4265,6 +4265,116 @@
               <a:t>指定した日以前の質問を検索</a:t>
             </a:r>
             <a:endParaRPr kumimoji="1" lang="ja-JP" altLang="en-US" sz="1400" dirty="0">
+              <a:solidFill>
+                <a:schemeClr val="tx1"/>
+              </a:solidFill>
+            </a:endParaRPr>
+          </a:p>
+        </p:txBody>
+      </p:sp>
+      <p:sp>
+        <p:nvSpPr>
+          <p:cNvPr id="25" name="四角形吹き出し 24"/>
+          <p:cNvSpPr/>
+          <p:nvPr/>
+        </p:nvSpPr>
+        <p:spPr>
+          <a:xfrm>
+            <a:off x="448586" y="2904119"/>
+            <a:ext cx="3038236" cy="535414"/>
+          </a:xfrm>
+          <a:prstGeom prst="wedgeRectCallout">
+            <a:avLst>
+              <a:gd name="adj1" fmla="val -25932"/>
+              <a:gd name="adj2" fmla="val 112312"/>
+            </a:avLst>
+          </a:prstGeom>
+          <a:solidFill>
+            <a:schemeClr val="bg1"/>
+          </a:solidFill>
+          <a:ln>
+            <a:solidFill>
+              <a:srgbClr val="C00000"/>
+            </a:solidFill>
+          </a:ln>
+        </p:spPr>
+        <p:style>
+          <a:lnRef idx="2">
+            <a:schemeClr val="accent1">
+              <a:shade val="50000"/>
+            </a:schemeClr>
+          </a:lnRef>
+          <a:fillRef idx="1">
+            <a:schemeClr val="accent1"/>
+          </a:fillRef>
+          <a:effectRef idx="0">
+            <a:schemeClr val="accent1"/>
+          </a:effectRef>
+          <a:fontRef idx="minor">
+            <a:schemeClr val="lt1"/>
+          </a:fontRef>
+        </p:style>
+        <p:txBody>
+          <a:bodyPr rtlCol="0" anchor="ctr"/>
+          <a:lstStyle/>
+          <a:p>
+            <a:r>
+              <a:rPr lang="en-US" altLang="ja-JP" sz="1400" dirty="0" smtClean="0">
+                <a:solidFill>
+                  <a:schemeClr val="tx1"/>
+                </a:solidFill>
+              </a:rPr>
+              <a:t>No.</a:t>
+            </a:r>
+            <a:r>
+              <a:rPr lang="ja-JP" altLang="en-US" sz="1400" dirty="0" smtClean="0">
+                <a:solidFill>
+                  <a:schemeClr val="tx1"/>
+                </a:solidFill>
+              </a:rPr>
+              <a:t>は質問</a:t>
+            </a:r>
+            <a:r>
+              <a:rPr lang="en-US" altLang="ja-JP" sz="1400" dirty="0" smtClean="0">
+                <a:solidFill>
+                  <a:schemeClr val="tx1"/>
+                </a:solidFill>
+              </a:rPr>
+              <a:t>ID</a:t>
+            </a:r>
+            <a:r>
+              <a:rPr lang="ja-JP" altLang="en-US" sz="1400" dirty="0" err="1" smtClean="0">
+                <a:solidFill>
+                  <a:schemeClr val="tx1"/>
+                </a:solidFill>
+              </a:rPr>
+              <a:t>、</a:t>
+            </a:r>
+            <a:r>
+              <a:rPr lang="ja-JP" altLang="en-US" sz="1400" dirty="0" smtClean="0">
+                <a:solidFill>
+                  <a:schemeClr val="tx1"/>
+                </a:solidFill>
+              </a:rPr>
+              <a:t>一覧は</a:t>
+            </a:r>
+            <a:r>
+              <a:rPr lang="en-US" altLang="ja-JP" sz="1400" dirty="0" smtClean="0">
+                <a:solidFill>
+                  <a:schemeClr val="tx1"/>
+                </a:solidFill>
+              </a:rPr>
+              <a:t>ID</a:t>
+            </a:r>
+            <a:r>
+              <a:rPr lang="ja-JP" altLang="en-US" sz="1400" dirty="0" smtClean="0">
+                <a:solidFill>
+                  <a:schemeClr val="tx1"/>
+                </a:solidFill>
+              </a:rPr>
+              <a:t>順にソートする</a:t>
+            </a:r>
+            <a:endParaRPr lang="en-US" altLang="ja-JP" sz="1400" dirty="0" smtClean="0">
               <a:solidFill>
                 <a:schemeClr val="tx1"/>
               </a:solidFill>
@@ -4904,71 +5014,6 @@
       </p:sp>
       <p:sp>
         <p:nvSpPr>
-          <p:cNvPr id="18" name="テキスト ボックス 17"/>
-          <p:cNvSpPr txBox="1"/>
-          <p:nvPr/>
-        </p:nvSpPr>
-        <p:spPr>
-          <a:xfrm>
-            <a:off x="3266722" y="4028636"/>
-            <a:ext cx="246075" cy="276999"/>
-          </a:xfrm>
-          <a:prstGeom prst="rect">
-            <a:avLst/>
-          </a:prstGeom>
-          <a:noFill/>
-        </p:spPr>
-        <p:txBody>
-          <a:bodyPr wrap="square" rtlCol="0">
-            <a:spAutoFit/>
-          </a:bodyPr>
-          <a:lstStyle/>
-          <a:p>
-            <a:r>
-              <a:rPr kumimoji="1" lang="ja-JP" altLang="en-US" sz="1200" dirty="0" smtClean="0"/>
-              <a:t>▼</a:t>
-            </a:r>
-            <a:endParaRPr kumimoji="1" lang="ja-JP" altLang="en-US" sz="1200" dirty="0"/>
-          </a:p>
-        </p:txBody>
-      </p:sp>
-      <p:cxnSp>
-        <p:nvCxnSpPr>
-          <p:cNvPr id="19" name="直線コネクタ 18"/>
-          <p:cNvCxnSpPr/>
-          <p:nvPr/>
-        </p:nvCxnSpPr>
-        <p:spPr>
-          <a:xfrm>
-            <a:off x="3266722" y="4028979"/>
-            <a:ext cx="0" cy="263919"/>
-          </a:xfrm>
-          <a:prstGeom prst="line">
-            <a:avLst/>
-          </a:prstGeom>
-          <a:ln>
-            <a:solidFill>
-              <a:schemeClr val="tx1"/>
-            </a:solidFill>
-          </a:ln>
-        </p:spPr>
-        <p:style>
-          <a:lnRef idx="1">
-            <a:schemeClr val="accent1"/>
-          </a:lnRef>
-          <a:fillRef idx="0">
-            <a:schemeClr val="accent1"/>
-          </a:fillRef>
-          <a:effectRef idx="0">
-            <a:schemeClr val="accent1"/>
-          </a:effectRef>
-          <a:fontRef idx="minor">
-            <a:schemeClr val="tx1"/>
-          </a:fontRef>
-        </p:style>
-      </p:cxnSp>
-      <p:sp>
-        <p:nvSpPr>
           <p:cNvPr id="20" name="テキスト ボックス 19"/>
           <p:cNvSpPr txBox="1"/>
           <p:nvPr/>
@@ -5414,12 +5459,12 @@
           <a:graphicData uri="http://schemas.openxmlformats.org/presentationml/2006/ole">
             <mc:AlternateContent xmlns:mc="http://schemas.openxmlformats.org/markup-compatibility/2006">
               <mc:Choice xmlns:v="urn:schemas-microsoft-com:vml" Requires="v">
-                <p:oleObj spid="_x0000_s2074" name="ワークシート" r:id="rId3" imgW="6305443" imgH="2486160" progId="Excel.Sheet.12">
+                <p:oleObj spid="_x0000_s2078" name="ワークシート" r:id="rId4" imgW="6305443" imgH="2486160" progId="Excel.Sheet.12">
                   <p:embed/>
                 </p:oleObj>
               </mc:Choice>
               <mc:Fallback>
-                <p:oleObj name="ワークシート" r:id="rId3" imgW="6305443" imgH="2486160" progId="Excel.Sheet.12">
+                <p:oleObj name="ワークシート" r:id="rId4" imgW="6305443" imgH="2486160" progId="Excel.Sheet.12">
                   <p:embed/>
                   <p:pic>
                     <p:nvPicPr>
@@ -5428,7 +5473,7 @@
                       <p:nvPr/>
                     </p:nvPicPr>
                     <p:blipFill>
-                      <a:blip r:embed="rId4"/>
+                      <a:blip r:embed="rId5"/>
                       <a:stretch>
                         <a:fillRect/>
                       </a:stretch>
@@ -5548,12 +5593,12 @@
           <a:graphicData uri="http://schemas.openxmlformats.org/presentationml/2006/ole">
             <mc:AlternateContent xmlns:mc="http://schemas.openxmlformats.org/markup-compatibility/2006">
               <mc:Choice xmlns:v="urn:schemas-microsoft-com:vml" Requires="v">
-                <p:oleObj spid="_x0000_s2075" name="ワークシート" r:id="rId5" imgW="7239023" imgH="1009530" progId="Excel.Sheet.12">
+                <p:oleObj spid="_x0000_s2079" name="ワークシート" r:id="rId7" imgW="7239023" imgH="1009530" progId="Excel.Sheet.12">
                   <p:embed/>
                 </p:oleObj>
               </mc:Choice>
               <mc:Fallback>
-                <p:oleObj name="ワークシート" r:id="rId5" imgW="7239023" imgH="1009530" progId="Excel.Sheet.12">
+                <p:oleObj name="ワークシート" r:id="rId7" imgW="7239023" imgH="1009530" progId="Excel.Sheet.12">
                   <p:embed/>
                   <p:pic>
                     <p:nvPicPr>
@@ -5562,7 +5607,7 @@
                       <p:nvPr/>
                     </p:nvPicPr>
                     <p:blipFill>
-                      <a:blip r:embed="rId6"/>
+                      <a:blip r:embed="rId8"/>
                       <a:stretch>
                         <a:fillRect/>
                       </a:stretch>
@@ -7435,8 +7480,8 @@
         </p:nvSpPr>
         <p:spPr>
           <a:xfrm>
-            <a:off x="760916" y="3933056"/>
-            <a:ext cx="1224136" cy="369332"/>
+            <a:off x="251520" y="3933056"/>
+            <a:ext cx="2016224" cy="369332"/>
           </a:xfrm>
           <a:prstGeom prst="rect">
             <a:avLst/>
@@ -7450,8 +7495,8 @@
           <a:lstStyle/>
           <a:p>
             <a:r>
-              <a:rPr lang="ja-JP" altLang="en-US" dirty="0"/>
-              <a:t>ステータス</a:t>
+              <a:rPr lang="ja-JP" altLang="en-US" dirty="0" smtClean="0"/>
+              <a:t>質問のステータス</a:t>
             </a:r>
             <a:endParaRPr kumimoji="1" lang="ja-JP" altLang="en-US" dirty="0"/>
           </a:p>
@@ -8158,8 +8203,8 @@
         </p:nvSpPr>
         <p:spPr>
           <a:xfrm>
-            <a:off x="783550" y="3992434"/>
-            <a:ext cx="1224136" cy="369332"/>
+            <a:off x="139763" y="3992434"/>
+            <a:ext cx="1900182" cy="369332"/>
           </a:xfrm>
           <a:prstGeom prst="rect">
             <a:avLst/>
@@ -8173,8 +8218,8 @@
           <a:lstStyle/>
           <a:p>
             <a:r>
-              <a:rPr lang="ja-JP" altLang="en-US" dirty="0"/>
-              <a:t>ステータス</a:t>
+              <a:rPr lang="ja-JP" altLang="en-US" dirty="0" smtClean="0"/>
+              <a:t>質問のステータス</a:t>
             </a:r>
             <a:endParaRPr kumimoji="1" lang="ja-JP" altLang="en-US" dirty="0"/>
           </a:p>
@@ -8705,12 +8750,12 @@
           <a:graphicData uri="http://schemas.openxmlformats.org/presentationml/2006/ole">
             <mc:AlternateContent xmlns:mc="http://schemas.openxmlformats.org/markup-compatibility/2006">
               <mc:Choice xmlns:v="urn:schemas-microsoft-com:vml" Requires="v">
-                <p:oleObj spid="_x0000_s3084" name="ワークシート" r:id="rId3" imgW="8391410" imgH="1885950" progId="Excel.Sheet.12">
+                <p:oleObj spid="_x0000_s3086" name="ワークシート" r:id="rId4" imgW="8391410" imgH="1885950" progId="Excel.Sheet.12">
                   <p:embed/>
                 </p:oleObj>
               </mc:Choice>
               <mc:Fallback>
-                <p:oleObj name="ワークシート" r:id="rId3" imgW="8391410" imgH="1885950" progId="Excel.Sheet.12">
+                <p:oleObj name="ワークシート" r:id="rId4" imgW="8391410" imgH="1885950" progId="Excel.Sheet.12">
                   <p:embed/>
                   <p:pic>
                     <p:nvPicPr>
@@ -8719,7 +8764,7 @@
                       <p:nvPr/>
                     </p:nvPicPr>
                     <p:blipFill>
-                      <a:blip r:embed="rId4"/>
+                      <a:blip r:embed="rId5"/>
                       <a:stretch>
                         <a:fillRect/>
                       </a:stretch>

--- a/画面一覧.pptx
+++ b/画面一覧.pptx
@@ -12,6 +12,10 @@
     <p:sldId id="259" r:id="rId6"/>
     <p:sldId id="260" r:id="rId7"/>
     <p:sldId id="262" r:id="rId8"/>
+    <p:sldId id="263" r:id="rId9"/>
+    <p:sldId id="264" r:id="rId10"/>
+    <p:sldId id="265" r:id="rId11"/>
+    <p:sldId id="266" r:id="rId12"/>
   </p:sldIdLst>
   <p:sldSz cx="9144000" cy="6858000" type="screen4x3"/>
   <p:notesSz cx="6858000" cy="9144000"/>
@@ -294,7 +298,7 @@
           <a:p>
             <a:fld id="{E2878988-D8A0-41FC-BFAE-62C0E9D186B2}" type="datetimeFigureOut">
               <a:rPr kumimoji="1" lang="ja-JP" altLang="en-US" smtClean="0"/>
-              <a:t>2015/3/2</a:t>
+              <a:t>2015/4/2</a:t>
             </a:fld>
             <a:endParaRPr kumimoji="1" lang="ja-JP" altLang="en-US"/>
           </a:p>
@@ -496,7 +500,7 @@
           <a:p>
             <a:fld id="{E2878988-D8A0-41FC-BFAE-62C0E9D186B2}" type="datetimeFigureOut">
               <a:rPr kumimoji="1" lang="ja-JP" altLang="en-US" smtClean="0"/>
-              <a:t>2015/3/2</a:t>
+              <a:t>2015/4/2</a:t>
             </a:fld>
             <a:endParaRPr kumimoji="1" lang="ja-JP" altLang="en-US"/>
           </a:p>
@@ -708,7 +712,7 @@
           <a:p>
             <a:fld id="{E2878988-D8A0-41FC-BFAE-62C0E9D186B2}" type="datetimeFigureOut">
               <a:rPr kumimoji="1" lang="ja-JP" altLang="en-US" smtClean="0"/>
-              <a:t>2015/3/2</a:t>
+              <a:t>2015/4/2</a:t>
             </a:fld>
             <a:endParaRPr kumimoji="1" lang="ja-JP" altLang="en-US"/>
           </a:p>
@@ -910,7 +914,7 @@
           <a:p>
             <a:fld id="{E2878988-D8A0-41FC-BFAE-62C0E9D186B2}" type="datetimeFigureOut">
               <a:rPr kumimoji="1" lang="ja-JP" altLang="en-US" smtClean="0"/>
-              <a:t>2015/3/2</a:t>
+              <a:t>2015/4/2</a:t>
             </a:fld>
             <a:endParaRPr kumimoji="1" lang="ja-JP" altLang="en-US"/>
           </a:p>
@@ -1156,7 +1160,7 @@
           <a:p>
             <a:fld id="{E2878988-D8A0-41FC-BFAE-62C0E9D186B2}" type="datetimeFigureOut">
               <a:rPr kumimoji="1" lang="ja-JP" altLang="en-US" smtClean="0"/>
-              <a:t>2015/3/2</a:t>
+              <a:t>2015/4/2</a:t>
             </a:fld>
             <a:endParaRPr kumimoji="1" lang="ja-JP" altLang="en-US"/>
           </a:p>
@@ -1508,7 +1512,7 @@
           <a:p>
             <a:fld id="{E2878988-D8A0-41FC-BFAE-62C0E9D186B2}" type="datetimeFigureOut">
               <a:rPr kumimoji="1" lang="ja-JP" altLang="en-US" smtClean="0"/>
-              <a:t>2015/3/2</a:t>
+              <a:t>2015/4/2</a:t>
             </a:fld>
             <a:endParaRPr kumimoji="1" lang="ja-JP" altLang="en-US"/>
           </a:p>
@@ -1994,7 +1998,7 @@
           <a:p>
             <a:fld id="{E2878988-D8A0-41FC-BFAE-62C0E9D186B2}" type="datetimeFigureOut">
               <a:rPr kumimoji="1" lang="ja-JP" altLang="en-US" smtClean="0"/>
-              <a:t>2015/3/2</a:t>
+              <a:t>2015/4/2</a:t>
             </a:fld>
             <a:endParaRPr kumimoji="1" lang="ja-JP" altLang="en-US"/>
           </a:p>
@@ -2112,7 +2116,7 @@
           <a:p>
             <a:fld id="{E2878988-D8A0-41FC-BFAE-62C0E9D186B2}" type="datetimeFigureOut">
               <a:rPr kumimoji="1" lang="ja-JP" altLang="en-US" smtClean="0"/>
-              <a:t>2015/3/2</a:t>
+              <a:t>2015/4/2</a:t>
             </a:fld>
             <a:endParaRPr kumimoji="1" lang="ja-JP" altLang="en-US"/>
           </a:p>
@@ -2207,7 +2211,7 @@
           <a:p>
             <a:fld id="{E2878988-D8A0-41FC-BFAE-62C0E9D186B2}" type="datetimeFigureOut">
               <a:rPr kumimoji="1" lang="ja-JP" altLang="en-US" smtClean="0"/>
-              <a:t>2015/3/2</a:t>
+              <a:t>2015/4/2</a:t>
             </a:fld>
             <a:endParaRPr kumimoji="1" lang="ja-JP" altLang="en-US"/>
           </a:p>
@@ -2516,7 +2520,7 @@
           <a:p>
             <a:fld id="{E2878988-D8A0-41FC-BFAE-62C0E9D186B2}" type="datetimeFigureOut">
               <a:rPr kumimoji="1" lang="ja-JP" altLang="en-US" smtClean="0"/>
-              <a:t>2015/3/2</a:t>
+              <a:t>2015/4/2</a:t>
             </a:fld>
             <a:endParaRPr kumimoji="1" lang="ja-JP" altLang="en-US"/>
           </a:p>
@@ -2769,7 +2773,7 @@
           <a:p>
             <a:fld id="{E2878988-D8A0-41FC-BFAE-62C0E9D186B2}" type="datetimeFigureOut">
               <a:rPr kumimoji="1" lang="ja-JP" altLang="en-US" smtClean="0"/>
-              <a:t>2015/3/2</a:t>
+              <a:t>2015/4/2</a:t>
             </a:fld>
             <a:endParaRPr kumimoji="1" lang="ja-JP" altLang="en-US"/>
           </a:p>
@@ -3014,7 +3018,7 @@
           <a:p>
             <a:fld id="{E2878988-D8A0-41FC-BFAE-62C0E9D186B2}" type="datetimeFigureOut">
               <a:rPr kumimoji="1" lang="ja-JP" altLang="en-US" smtClean="0"/>
-              <a:t>2015/3/2</a:t>
+              <a:t>2015/4/2</a:t>
             </a:fld>
             <a:endParaRPr kumimoji="1" lang="ja-JP" altLang="en-US"/>
           </a:p>
@@ -3471,12 +3475,12 @@
           <a:graphicData uri="http://schemas.openxmlformats.org/presentationml/2006/ole">
             <mc:AlternateContent xmlns:mc="http://schemas.openxmlformats.org/markup-compatibility/2006">
               <mc:Choice xmlns:v="urn:schemas-microsoft-com:vml" Requires="v">
-                <p:oleObj spid="_x0000_s1047" name="ワークシート" r:id="rId4" imgW="5629300" imgH="1076220" progId="Excel.Sheet.12">
+                <p:oleObj spid="_x0000_s1050" name="ワークシート" r:id="rId3" imgW="5629300" imgH="1076220" progId="Excel.Sheet.12">
                   <p:embed/>
                 </p:oleObj>
               </mc:Choice>
               <mc:Fallback>
-                <p:oleObj name="ワークシート" r:id="rId4" imgW="5629300" imgH="1076220" progId="Excel.Sheet.12">
+                <p:oleObj name="ワークシート" r:id="rId3" imgW="5629300" imgH="1076220" progId="Excel.Sheet.12">
                   <p:embed/>
                   <p:pic>
                     <p:nvPicPr>
@@ -3485,7 +3489,7 @@
                       <p:nvPr/>
                     </p:nvPicPr>
                     <p:blipFill>
-                      <a:blip r:embed="rId5"/>
+                      <a:blip r:embed="rId4"/>
                       <a:stretch>
                         <a:fillRect/>
                       </a:stretch>
@@ -4386,6 +4390,1413 @@
     <p:extLst>
       <p:ext uri="{BB962C8B-B14F-4D97-AF65-F5344CB8AC3E}">
         <p14:creationId xmlns:p14="http://schemas.microsoft.com/office/powerpoint/2010/main" val="3875576620"/>
+      </p:ext>
+    </p:extLst>
+  </p:cSld>
+  <p:clrMapOvr>
+    <a:masterClrMapping/>
+  </p:clrMapOvr>
+  <p:timing>
+    <p:tnLst>
+      <p:par>
+        <p:cTn id="1" dur="indefinite" restart="never" nodeType="tmRoot"/>
+      </p:par>
+    </p:tnLst>
+  </p:timing>
+</p:sld>
+</file>
+
+<file path=ppt/slides/slide10.xml><?xml version="1.0" encoding="utf-8"?>
+<p:sld xmlns:a="http://schemas.openxmlformats.org/drawingml/2006/main" xmlns:r="http://schemas.openxmlformats.org/officeDocument/2006/relationships" xmlns:p="http://schemas.openxmlformats.org/presentationml/2006/main">
+  <p:cSld>
+    <p:spTree>
+      <p:nvGrpSpPr>
+        <p:cNvPr id="1" name=""/>
+        <p:cNvGrpSpPr/>
+        <p:nvPr/>
+      </p:nvGrpSpPr>
+      <p:grpSpPr>
+        <a:xfrm>
+          <a:off x="0" y="0"/>
+          <a:ext cx="0" cy="0"/>
+          <a:chOff x="0" y="0"/>
+          <a:chExt cx="0" cy="0"/>
+        </a:xfrm>
+      </p:grpSpPr>
+      <p:sp>
+        <p:nvSpPr>
+          <p:cNvPr id="2" name="テキスト ボックス 1"/>
+          <p:cNvSpPr txBox="1"/>
+          <p:nvPr/>
+        </p:nvSpPr>
+        <p:spPr>
+          <a:xfrm>
+            <a:off x="107504" y="115412"/>
+            <a:ext cx="2736304" cy="369332"/>
+          </a:xfrm>
+          <a:prstGeom prst="rect">
+            <a:avLst/>
+          </a:prstGeom>
+          <a:noFill/>
+        </p:spPr>
+        <p:txBody>
+          <a:bodyPr wrap="square" rtlCol="0">
+            <a:spAutoFit/>
+          </a:bodyPr>
+          <a:lstStyle/>
+          <a:p>
+            <a:r>
+              <a:rPr kumimoji="1" lang="ja-JP" altLang="en-US" dirty="0" smtClean="0"/>
+              <a:t>質問管理表</a:t>
+            </a:r>
+            <a:endParaRPr kumimoji="1" lang="ja-JP" altLang="en-US" dirty="0"/>
+          </a:p>
+        </p:txBody>
+      </p:sp>
+      <p:sp>
+        <p:nvSpPr>
+          <p:cNvPr id="6" name="テキスト ボックス 5"/>
+          <p:cNvSpPr txBox="1"/>
+          <p:nvPr/>
+        </p:nvSpPr>
+        <p:spPr>
+          <a:xfrm>
+            <a:off x="683568" y="2160544"/>
+            <a:ext cx="1224136" cy="369332"/>
+          </a:xfrm>
+          <a:prstGeom prst="rect">
+            <a:avLst/>
+          </a:prstGeom>
+          <a:noFill/>
+        </p:spPr>
+        <p:txBody>
+          <a:bodyPr wrap="square" rtlCol="0">
+            <a:spAutoFit/>
+          </a:bodyPr>
+          <a:lstStyle/>
+          <a:p>
+            <a:r>
+              <a:rPr kumimoji="1" lang="ja-JP" altLang="en-US" dirty="0" smtClean="0"/>
+              <a:t>ログイン</a:t>
+            </a:r>
+            <a:r>
+              <a:rPr kumimoji="1" lang="en-US" altLang="ja-JP" dirty="0" smtClean="0"/>
+              <a:t>ID</a:t>
+            </a:r>
+            <a:endParaRPr kumimoji="1" lang="ja-JP" altLang="en-US" dirty="0"/>
+          </a:p>
+        </p:txBody>
+      </p:sp>
+      <p:sp>
+        <p:nvSpPr>
+          <p:cNvPr id="7" name="テキスト ボックス 6"/>
+          <p:cNvSpPr txBox="1"/>
+          <p:nvPr/>
+        </p:nvSpPr>
+        <p:spPr>
+          <a:xfrm>
+            <a:off x="695078" y="2664600"/>
+            <a:ext cx="1224136" cy="369332"/>
+          </a:xfrm>
+          <a:prstGeom prst="rect">
+            <a:avLst/>
+          </a:prstGeom>
+          <a:noFill/>
+        </p:spPr>
+        <p:txBody>
+          <a:bodyPr wrap="square" rtlCol="0">
+            <a:spAutoFit/>
+          </a:bodyPr>
+          <a:lstStyle/>
+          <a:p>
+            <a:r>
+              <a:rPr kumimoji="1" lang="ja-JP" altLang="en-US" dirty="0" smtClean="0"/>
+              <a:t>パスワード</a:t>
+            </a:r>
+            <a:endParaRPr kumimoji="1" lang="ja-JP" altLang="en-US" dirty="0"/>
+          </a:p>
+        </p:txBody>
+      </p:sp>
+      <p:sp>
+        <p:nvSpPr>
+          <p:cNvPr id="8" name="正方形/長方形 7"/>
+          <p:cNvSpPr/>
+          <p:nvPr/>
+        </p:nvSpPr>
+        <p:spPr>
+          <a:xfrm>
+            <a:off x="2698948" y="2146037"/>
+            <a:ext cx="2088232" cy="369332"/>
+          </a:xfrm>
+          <a:prstGeom prst="rect">
+            <a:avLst/>
+          </a:prstGeom>
+          <a:solidFill>
+            <a:schemeClr val="bg1"/>
+          </a:solidFill>
+          <a:ln w="12700">
+            <a:solidFill>
+              <a:schemeClr val="tx1"/>
+            </a:solidFill>
+          </a:ln>
+        </p:spPr>
+        <p:style>
+          <a:lnRef idx="2">
+            <a:schemeClr val="accent1">
+              <a:shade val="50000"/>
+            </a:schemeClr>
+          </a:lnRef>
+          <a:fillRef idx="1">
+            <a:schemeClr val="accent1"/>
+          </a:fillRef>
+          <a:effectRef idx="0">
+            <a:schemeClr val="accent1"/>
+          </a:effectRef>
+          <a:fontRef idx="minor">
+            <a:schemeClr val="lt1"/>
+          </a:fontRef>
+        </p:style>
+        <p:txBody>
+          <a:bodyPr rtlCol="0" anchor="ctr"/>
+          <a:lstStyle/>
+          <a:p>
+            <a:pPr algn="ctr"/>
+            <a:endParaRPr kumimoji="1" lang="ja-JP" altLang="en-US"/>
+          </a:p>
+        </p:txBody>
+      </p:sp>
+      <p:sp>
+        <p:nvSpPr>
+          <p:cNvPr id="9" name="正方形/長方形 8"/>
+          <p:cNvSpPr/>
+          <p:nvPr/>
+        </p:nvSpPr>
+        <p:spPr>
+          <a:xfrm>
+            <a:off x="2682627" y="2664600"/>
+            <a:ext cx="2088232" cy="369332"/>
+          </a:xfrm>
+          <a:prstGeom prst="rect">
+            <a:avLst/>
+          </a:prstGeom>
+          <a:solidFill>
+            <a:schemeClr val="bg1"/>
+          </a:solidFill>
+          <a:ln w="12700">
+            <a:solidFill>
+              <a:schemeClr val="tx1"/>
+            </a:solidFill>
+          </a:ln>
+        </p:spPr>
+        <p:style>
+          <a:lnRef idx="2">
+            <a:schemeClr val="accent1">
+              <a:shade val="50000"/>
+            </a:schemeClr>
+          </a:lnRef>
+          <a:fillRef idx="1">
+            <a:schemeClr val="accent1"/>
+          </a:fillRef>
+          <a:effectRef idx="0">
+            <a:schemeClr val="accent1"/>
+          </a:effectRef>
+          <a:fontRef idx="minor">
+            <a:schemeClr val="lt1"/>
+          </a:fontRef>
+        </p:style>
+        <p:txBody>
+          <a:bodyPr rtlCol="0" anchor="ctr"/>
+          <a:lstStyle/>
+          <a:p>
+            <a:pPr algn="ctr"/>
+            <a:endParaRPr kumimoji="1" lang="ja-JP" altLang="en-US"/>
+          </a:p>
+        </p:txBody>
+      </p:sp>
+      <p:sp>
+        <p:nvSpPr>
+          <p:cNvPr id="12" name="テキスト ボックス 11"/>
+          <p:cNvSpPr txBox="1"/>
+          <p:nvPr/>
+        </p:nvSpPr>
+        <p:spPr>
+          <a:xfrm>
+            <a:off x="719572" y="1134172"/>
+            <a:ext cx="1224136" cy="369332"/>
+          </a:xfrm>
+          <a:prstGeom prst="rect">
+            <a:avLst/>
+          </a:prstGeom>
+          <a:noFill/>
+        </p:spPr>
+        <p:txBody>
+          <a:bodyPr wrap="square" rtlCol="0">
+            <a:spAutoFit/>
+          </a:bodyPr>
+          <a:lstStyle/>
+          <a:p>
+            <a:r>
+              <a:rPr lang="ja-JP" altLang="en-US" dirty="0"/>
+              <a:t>氏名</a:t>
+            </a:r>
+            <a:endParaRPr kumimoji="1" lang="ja-JP" altLang="en-US" dirty="0"/>
+          </a:p>
+        </p:txBody>
+      </p:sp>
+      <p:sp>
+        <p:nvSpPr>
+          <p:cNvPr id="16" name="テキスト ボックス 15"/>
+          <p:cNvSpPr txBox="1"/>
+          <p:nvPr/>
+        </p:nvSpPr>
+        <p:spPr>
+          <a:xfrm>
+            <a:off x="719572" y="1634222"/>
+            <a:ext cx="1224136" cy="369332"/>
+          </a:xfrm>
+          <a:prstGeom prst="rect">
+            <a:avLst/>
+          </a:prstGeom>
+          <a:noFill/>
+        </p:spPr>
+        <p:txBody>
+          <a:bodyPr wrap="square" rtlCol="0">
+            <a:spAutoFit/>
+          </a:bodyPr>
+          <a:lstStyle/>
+          <a:p>
+            <a:r>
+              <a:rPr lang="ja-JP" altLang="en-US" dirty="0" smtClean="0"/>
+              <a:t>氏名</a:t>
+            </a:r>
+            <a:r>
+              <a:rPr lang="en-US" altLang="ja-JP" dirty="0" smtClean="0"/>
+              <a:t>(</a:t>
+            </a:r>
+            <a:r>
+              <a:rPr lang="ja-JP" altLang="en-US" dirty="0" smtClean="0"/>
+              <a:t>カナ</a:t>
+            </a:r>
+            <a:r>
+              <a:rPr lang="en-US" altLang="ja-JP" dirty="0" smtClean="0"/>
+              <a:t>)</a:t>
+            </a:r>
+            <a:endParaRPr kumimoji="1" lang="ja-JP" altLang="en-US" dirty="0"/>
+          </a:p>
+        </p:txBody>
+      </p:sp>
+      <p:sp>
+        <p:nvSpPr>
+          <p:cNvPr id="17" name="正方形/長方形 16"/>
+          <p:cNvSpPr/>
+          <p:nvPr/>
+        </p:nvSpPr>
+        <p:spPr>
+          <a:xfrm>
+            <a:off x="2682627" y="1092139"/>
+            <a:ext cx="2088232" cy="369332"/>
+          </a:xfrm>
+          <a:prstGeom prst="rect">
+            <a:avLst/>
+          </a:prstGeom>
+          <a:solidFill>
+            <a:schemeClr val="bg1"/>
+          </a:solidFill>
+          <a:ln w="12700">
+            <a:solidFill>
+              <a:schemeClr val="tx1"/>
+            </a:solidFill>
+          </a:ln>
+        </p:spPr>
+        <p:style>
+          <a:lnRef idx="2">
+            <a:schemeClr val="accent1">
+              <a:shade val="50000"/>
+            </a:schemeClr>
+          </a:lnRef>
+          <a:fillRef idx="1">
+            <a:schemeClr val="accent1"/>
+          </a:fillRef>
+          <a:effectRef idx="0">
+            <a:schemeClr val="accent1"/>
+          </a:effectRef>
+          <a:fontRef idx="minor">
+            <a:schemeClr val="lt1"/>
+          </a:fontRef>
+        </p:style>
+        <p:txBody>
+          <a:bodyPr rtlCol="0" anchor="ctr"/>
+          <a:lstStyle/>
+          <a:p>
+            <a:pPr algn="ctr"/>
+            <a:endParaRPr kumimoji="1" lang="ja-JP" altLang="en-US"/>
+          </a:p>
+        </p:txBody>
+      </p:sp>
+      <p:sp>
+        <p:nvSpPr>
+          <p:cNvPr id="18" name="正方形/長方形 17"/>
+          <p:cNvSpPr/>
+          <p:nvPr/>
+        </p:nvSpPr>
+        <p:spPr>
+          <a:xfrm>
+            <a:off x="2698948" y="1619646"/>
+            <a:ext cx="2088232" cy="369332"/>
+          </a:xfrm>
+          <a:prstGeom prst="rect">
+            <a:avLst/>
+          </a:prstGeom>
+          <a:solidFill>
+            <a:schemeClr val="bg1"/>
+          </a:solidFill>
+          <a:ln w="12700">
+            <a:solidFill>
+              <a:schemeClr val="tx1"/>
+            </a:solidFill>
+          </a:ln>
+        </p:spPr>
+        <p:style>
+          <a:lnRef idx="2">
+            <a:schemeClr val="accent1">
+              <a:shade val="50000"/>
+            </a:schemeClr>
+          </a:lnRef>
+          <a:fillRef idx="1">
+            <a:schemeClr val="accent1"/>
+          </a:fillRef>
+          <a:effectRef idx="0">
+            <a:schemeClr val="accent1"/>
+          </a:effectRef>
+          <a:fontRef idx="minor">
+            <a:schemeClr val="lt1"/>
+          </a:fontRef>
+        </p:style>
+        <p:txBody>
+          <a:bodyPr rtlCol="0" anchor="ctr"/>
+          <a:lstStyle/>
+          <a:p>
+            <a:pPr algn="ctr"/>
+            <a:endParaRPr kumimoji="1" lang="ja-JP" altLang="en-US"/>
+          </a:p>
+        </p:txBody>
+      </p:sp>
+      <p:sp>
+        <p:nvSpPr>
+          <p:cNvPr id="3" name="テキスト ボックス 2"/>
+          <p:cNvSpPr txBox="1"/>
+          <p:nvPr/>
+        </p:nvSpPr>
+        <p:spPr>
+          <a:xfrm>
+            <a:off x="323528" y="620688"/>
+            <a:ext cx="2232248" cy="369332"/>
+          </a:xfrm>
+          <a:prstGeom prst="rect">
+            <a:avLst/>
+          </a:prstGeom>
+          <a:noFill/>
+        </p:spPr>
+        <p:txBody>
+          <a:bodyPr wrap="square" rtlCol="0">
+            <a:spAutoFit/>
+          </a:bodyPr>
+          <a:lstStyle/>
+          <a:p>
+            <a:r>
+              <a:rPr kumimoji="1" lang="ja-JP" altLang="en-US" dirty="0" smtClean="0"/>
+              <a:t>利用者更新</a:t>
+            </a:r>
+            <a:endParaRPr kumimoji="1" lang="ja-JP" altLang="en-US" dirty="0"/>
+          </a:p>
+        </p:txBody>
+      </p:sp>
+      <p:sp>
+        <p:nvSpPr>
+          <p:cNvPr id="19" name="テキスト ボックス 18"/>
+          <p:cNvSpPr txBox="1"/>
+          <p:nvPr/>
+        </p:nvSpPr>
+        <p:spPr>
+          <a:xfrm>
+            <a:off x="664940" y="3200013"/>
+            <a:ext cx="1872208" cy="369332"/>
+          </a:xfrm>
+          <a:prstGeom prst="rect">
+            <a:avLst/>
+          </a:prstGeom>
+          <a:noFill/>
+        </p:spPr>
+        <p:txBody>
+          <a:bodyPr wrap="square" rtlCol="0">
+            <a:spAutoFit/>
+          </a:bodyPr>
+          <a:lstStyle/>
+          <a:p>
+            <a:r>
+              <a:rPr kumimoji="1" lang="ja-JP" altLang="en-US" dirty="0" smtClean="0"/>
+              <a:t>パスワード</a:t>
+            </a:r>
+            <a:r>
+              <a:rPr kumimoji="1" lang="en-US" altLang="ja-JP" dirty="0" smtClean="0"/>
+              <a:t>(</a:t>
+            </a:r>
+            <a:r>
+              <a:rPr kumimoji="1" lang="ja-JP" altLang="en-US" dirty="0" smtClean="0"/>
+              <a:t>確認</a:t>
+            </a:r>
+            <a:r>
+              <a:rPr kumimoji="1" lang="en-US" altLang="ja-JP" dirty="0" smtClean="0"/>
+              <a:t>)</a:t>
+            </a:r>
+            <a:endParaRPr kumimoji="1" lang="ja-JP" altLang="en-US" dirty="0"/>
+          </a:p>
+        </p:txBody>
+      </p:sp>
+      <p:sp>
+        <p:nvSpPr>
+          <p:cNvPr id="20" name="正方形/長方形 19"/>
+          <p:cNvSpPr/>
+          <p:nvPr/>
+        </p:nvSpPr>
+        <p:spPr>
+          <a:xfrm>
+            <a:off x="2688332" y="3191753"/>
+            <a:ext cx="2088232" cy="369332"/>
+          </a:xfrm>
+          <a:prstGeom prst="rect">
+            <a:avLst/>
+          </a:prstGeom>
+          <a:solidFill>
+            <a:schemeClr val="bg1"/>
+          </a:solidFill>
+          <a:ln w="12700">
+            <a:solidFill>
+              <a:schemeClr val="tx1"/>
+            </a:solidFill>
+          </a:ln>
+        </p:spPr>
+        <p:style>
+          <a:lnRef idx="2">
+            <a:schemeClr val="accent1">
+              <a:shade val="50000"/>
+            </a:schemeClr>
+          </a:lnRef>
+          <a:fillRef idx="1">
+            <a:schemeClr val="accent1"/>
+          </a:fillRef>
+          <a:effectRef idx="0">
+            <a:schemeClr val="accent1"/>
+          </a:effectRef>
+          <a:fontRef idx="minor">
+            <a:schemeClr val="lt1"/>
+          </a:fontRef>
+        </p:style>
+        <p:txBody>
+          <a:bodyPr rtlCol="0" anchor="ctr"/>
+          <a:lstStyle/>
+          <a:p>
+            <a:pPr algn="ctr"/>
+            <a:endParaRPr kumimoji="1" lang="ja-JP" altLang="en-US"/>
+          </a:p>
+        </p:txBody>
+      </p:sp>
+      <p:sp>
+        <p:nvSpPr>
+          <p:cNvPr id="4" name="角丸四角形 3"/>
+          <p:cNvSpPr/>
+          <p:nvPr/>
+        </p:nvSpPr>
+        <p:spPr>
+          <a:xfrm>
+            <a:off x="3186683" y="3789040"/>
+            <a:ext cx="1080120" cy="432048"/>
+          </a:xfrm>
+          <a:prstGeom prst="roundRect">
+            <a:avLst/>
+          </a:prstGeom>
+          <a:solidFill>
+            <a:schemeClr val="tx2">
+              <a:lumMod val="20000"/>
+              <a:lumOff val="80000"/>
+            </a:schemeClr>
+          </a:solidFill>
+          <a:ln w="12700">
+            <a:solidFill>
+              <a:schemeClr val="tx1"/>
+            </a:solidFill>
+          </a:ln>
+        </p:spPr>
+        <p:style>
+          <a:lnRef idx="2">
+            <a:schemeClr val="accent1">
+              <a:shade val="50000"/>
+            </a:schemeClr>
+          </a:lnRef>
+          <a:fillRef idx="1">
+            <a:schemeClr val="accent1"/>
+          </a:fillRef>
+          <a:effectRef idx="0">
+            <a:schemeClr val="accent1"/>
+          </a:effectRef>
+          <a:fontRef idx="minor">
+            <a:schemeClr val="lt1"/>
+          </a:fontRef>
+        </p:style>
+        <p:txBody>
+          <a:bodyPr rtlCol="0" anchor="ctr"/>
+          <a:lstStyle/>
+          <a:p>
+            <a:pPr algn="ctr"/>
+            <a:r>
+              <a:rPr kumimoji="1" lang="ja-JP" altLang="en-US" dirty="0" smtClean="0">
+                <a:solidFill>
+                  <a:schemeClr val="tx1"/>
+                </a:solidFill>
+              </a:rPr>
+              <a:t>登録</a:t>
+            </a:r>
+            <a:endParaRPr kumimoji="1" lang="ja-JP" altLang="en-US" dirty="0">
+              <a:solidFill>
+                <a:schemeClr val="tx1"/>
+              </a:solidFill>
+            </a:endParaRPr>
+          </a:p>
+        </p:txBody>
+      </p:sp>
+      <p:sp>
+        <p:nvSpPr>
+          <p:cNvPr id="21" name="角丸四角形 20"/>
+          <p:cNvSpPr/>
+          <p:nvPr/>
+        </p:nvSpPr>
+        <p:spPr>
+          <a:xfrm>
+            <a:off x="1691680" y="3790553"/>
+            <a:ext cx="1385528" cy="432048"/>
+          </a:xfrm>
+          <a:prstGeom prst="roundRect">
+            <a:avLst/>
+          </a:prstGeom>
+          <a:solidFill>
+            <a:schemeClr val="tx2">
+              <a:lumMod val="20000"/>
+              <a:lumOff val="80000"/>
+            </a:schemeClr>
+          </a:solidFill>
+          <a:ln w="12700">
+            <a:solidFill>
+              <a:schemeClr val="tx1"/>
+            </a:solidFill>
+          </a:ln>
+        </p:spPr>
+        <p:style>
+          <a:lnRef idx="2">
+            <a:schemeClr val="accent1">
+              <a:shade val="50000"/>
+            </a:schemeClr>
+          </a:lnRef>
+          <a:fillRef idx="1">
+            <a:schemeClr val="accent1"/>
+          </a:fillRef>
+          <a:effectRef idx="0">
+            <a:schemeClr val="accent1"/>
+          </a:effectRef>
+          <a:fontRef idx="minor">
+            <a:schemeClr val="lt1"/>
+          </a:fontRef>
+        </p:style>
+        <p:txBody>
+          <a:bodyPr rtlCol="0" anchor="ctr"/>
+          <a:lstStyle/>
+          <a:p>
+            <a:pPr algn="ctr"/>
+            <a:r>
+              <a:rPr lang="ja-JP" altLang="en-US" dirty="0">
+                <a:solidFill>
+                  <a:schemeClr val="tx1"/>
+                </a:solidFill>
+              </a:rPr>
+              <a:t>キャンセル</a:t>
+            </a:r>
+            <a:endParaRPr kumimoji="1" lang="ja-JP" altLang="en-US" dirty="0">
+              <a:solidFill>
+                <a:schemeClr val="tx1"/>
+              </a:solidFill>
+            </a:endParaRPr>
+          </a:p>
+        </p:txBody>
+      </p:sp>
+    </p:spTree>
+    <p:extLst>
+      <p:ext uri="{BB962C8B-B14F-4D97-AF65-F5344CB8AC3E}">
+        <p14:creationId xmlns:p14="http://schemas.microsoft.com/office/powerpoint/2010/main" val="3616932247"/>
+      </p:ext>
+    </p:extLst>
+  </p:cSld>
+  <p:clrMapOvr>
+    <a:masterClrMapping/>
+  </p:clrMapOvr>
+  <p:timing>
+    <p:tnLst>
+      <p:par>
+        <p:cTn id="1" dur="indefinite" restart="never" nodeType="tmRoot"/>
+      </p:par>
+    </p:tnLst>
+  </p:timing>
+</p:sld>
+</file>
+
+<file path=ppt/slides/slide11.xml><?xml version="1.0" encoding="utf-8"?>
+<p:sld xmlns:a="http://schemas.openxmlformats.org/drawingml/2006/main" xmlns:r="http://schemas.openxmlformats.org/officeDocument/2006/relationships" xmlns:p="http://schemas.openxmlformats.org/presentationml/2006/main">
+  <p:cSld>
+    <p:spTree>
+      <p:nvGrpSpPr>
+        <p:cNvPr id="1" name=""/>
+        <p:cNvGrpSpPr/>
+        <p:nvPr/>
+      </p:nvGrpSpPr>
+      <p:grpSpPr>
+        <a:xfrm>
+          <a:off x="0" y="0"/>
+          <a:ext cx="0" cy="0"/>
+          <a:chOff x="0" y="0"/>
+          <a:chExt cx="0" cy="0"/>
+        </a:xfrm>
+      </p:grpSpPr>
+      <p:sp>
+        <p:nvSpPr>
+          <p:cNvPr id="2" name="テキスト ボックス 1"/>
+          <p:cNvSpPr txBox="1"/>
+          <p:nvPr/>
+        </p:nvSpPr>
+        <p:spPr>
+          <a:xfrm>
+            <a:off x="107504" y="115412"/>
+            <a:ext cx="2736304" cy="369332"/>
+          </a:xfrm>
+          <a:prstGeom prst="rect">
+            <a:avLst/>
+          </a:prstGeom>
+          <a:noFill/>
+        </p:spPr>
+        <p:txBody>
+          <a:bodyPr wrap="square" rtlCol="0">
+            <a:spAutoFit/>
+          </a:bodyPr>
+          <a:lstStyle/>
+          <a:p>
+            <a:r>
+              <a:rPr kumimoji="1" lang="ja-JP" altLang="en-US" dirty="0" smtClean="0"/>
+              <a:t>質問管理表</a:t>
+            </a:r>
+            <a:endParaRPr kumimoji="1" lang="ja-JP" altLang="en-US" dirty="0"/>
+          </a:p>
+        </p:txBody>
+      </p:sp>
+      <p:sp>
+        <p:nvSpPr>
+          <p:cNvPr id="3" name="テキスト ボックス 2"/>
+          <p:cNvSpPr txBox="1"/>
+          <p:nvPr/>
+        </p:nvSpPr>
+        <p:spPr>
+          <a:xfrm>
+            <a:off x="323528" y="620688"/>
+            <a:ext cx="2232248" cy="369332"/>
+          </a:xfrm>
+          <a:prstGeom prst="rect">
+            <a:avLst/>
+          </a:prstGeom>
+          <a:noFill/>
+        </p:spPr>
+        <p:txBody>
+          <a:bodyPr wrap="square" rtlCol="0">
+            <a:spAutoFit/>
+          </a:bodyPr>
+          <a:lstStyle/>
+          <a:p>
+            <a:r>
+              <a:rPr kumimoji="1" lang="ja-JP" altLang="en-US" dirty="0" smtClean="0"/>
+              <a:t>利用者一覧</a:t>
+            </a:r>
+            <a:endParaRPr kumimoji="1" lang="ja-JP" altLang="en-US" dirty="0"/>
+          </a:p>
+        </p:txBody>
+      </p:sp>
+      <p:sp>
+        <p:nvSpPr>
+          <p:cNvPr id="5" name="角丸四角形 4"/>
+          <p:cNvSpPr/>
+          <p:nvPr/>
+        </p:nvSpPr>
+        <p:spPr>
+          <a:xfrm>
+            <a:off x="1043608" y="1268760"/>
+            <a:ext cx="7200800" cy="864096"/>
+          </a:xfrm>
+          <a:prstGeom prst="roundRect">
+            <a:avLst/>
+          </a:prstGeom>
+          <a:solidFill>
+            <a:schemeClr val="bg1"/>
+          </a:solidFill>
+          <a:ln w="12700">
+            <a:solidFill>
+              <a:schemeClr val="tx1"/>
+            </a:solidFill>
+          </a:ln>
+        </p:spPr>
+        <p:style>
+          <a:lnRef idx="2">
+            <a:schemeClr val="accent1">
+              <a:shade val="50000"/>
+            </a:schemeClr>
+          </a:lnRef>
+          <a:fillRef idx="1">
+            <a:schemeClr val="accent1"/>
+          </a:fillRef>
+          <a:effectRef idx="0">
+            <a:schemeClr val="accent1"/>
+          </a:effectRef>
+          <a:fontRef idx="minor">
+            <a:schemeClr val="lt1"/>
+          </a:fontRef>
+        </p:style>
+        <p:txBody>
+          <a:bodyPr rtlCol="0" anchor="ctr"/>
+          <a:lstStyle/>
+          <a:p>
+            <a:pPr algn="ctr"/>
+            <a:endParaRPr kumimoji="1" lang="ja-JP" altLang="en-US"/>
+          </a:p>
+        </p:txBody>
+      </p:sp>
+      <p:sp>
+        <p:nvSpPr>
+          <p:cNvPr id="10" name="テキスト ボックス 9"/>
+          <p:cNvSpPr txBox="1"/>
+          <p:nvPr/>
+        </p:nvSpPr>
+        <p:spPr>
+          <a:xfrm>
+            <a:off x="1187624" y="1356792"/>
+            <a:ext cx="936104" cy="307777"/>
+          </a:xfrm>
+          <a:prstGeom prst="rect">
+            <a:avLst/>
+          </a:prstGeom>
+          <a:noFill/>
+        </p:spPr>
+        <p:txBody>
+          <a:bodyPr wrap="square" rtlCol="0">
+            <a:spAutoFit/>
+          </a:bodyPr>
+          <a:lstStyle/>
+          <a:p>
+            <a:r>
+              <a:rPr kumimoji="1" lang="ja-JP" altLang="en-US" sz="1400" dirty="0" smtClean="0"/>
+              <a:t>検索項目</a:t>
+            </a:r>
+            <a:endParaRPr kumimoji="1" lang="ja-JP" altLang="en-US" sz="1400" dirty="0"/>
+          </a:p>
+        </p:txBody>
+      </p:sp>
+      <p:sp>
+        <p:nvSpPr>
+          <p:cNvPr id="13" name="テキスト ボックス 12"/>
+          <p:cNvSpPr txBox="1"/>
+          <p:nvPr/>
+        </p:nvSpPr>
+        <p:spPr>
+          <a:xfrm>
+            <a:off x="1259632" y="1700808"/>
+            <a:ext cx="1584176" cy="307777"/>
+          </a:xfrm>
+          <a:prstGeom prst="rect">
+            <a:avLst/>
+          </a:prstGeom>
+          <a:noFill/>
+        </p:spPr>
+        <p:txBody>
+          <a:bodyPr wrap="square" rtlCol="0">
+            <a:spAutoFit/>
+          </a:bodyPr>
+          <a:lstStyle/>
+          <a:p>
+            <a:r>
+              <a:rPr kumimoji="1" lang="ja-JP" altLang="en-US" sz="1400" dirty="0" smtClean="0"/>
+              <a:t>氏名</a:t>
+            </a:r>
+            <a:endParaRPr kumimoji="1" lang="ja-JP" altLang="en-US" sz="1400" dirty="0"/>
+          </a:p>
+        </p:txBody>
+      </p:sp>
+      <p:sp>
+        <p:nvSpPr>
+          <p:cNvPr id="14" name="正方形/長方形 13"/>
+          <p:cNvSpPr/>
+          <p:nvPr/>
+        </p:nvSpPr>
+        <p:spPr>
+          <a:xfrm>
+            <a:off x="1763688" y="1682688"/>
+            <a:ext cx="1584176" cy="356674"/>
+          </a:xfrm>
+          <a:prstGeom prst="rect">
+            <a:avLst/>
+          </a:prstGeom>
+          <a:solidFill>
+            <a:schemeClr val="bg1"/>
+          </a:solidFill>
+          <a:ln w="12700">
+            <a:solidFill>
+              <a:schemeClr val="tx1"/>
+            </a:solidFill>
+          </a:ln>
+        </p:spPr>
+        <p:style>
+          <a:lnRef idx="2">
+            <a:schemeClr val="accent1">
+              <a:shade val="50000"/>
+            </a:schemeClr>
+          </a:lnRef>
+          <a:fillRef idx="1">
+            <a:schemeClr val="accent1"/>
+          </a:fillRef>
+          <a:effectRef idx="0">
+            <a:schemeClr val="accent1"/>
+          </a:effectRef>
+          <a:fontRef idx="minor">
+            <a:schemeClr val="lt1"/>
+          </a:fontRef>
+        </p:style>
+        <p:txBody>
+          <a:bodyPr rtlCol="0" anchor="ctr"/>
+          <a:lstStyle/>
+          <a:p>
+            <a:pPr algn="ctr"/>
+            <a:endParaRPr kumimoji="1" lang="ja-JP" altLang="en-US"/>
+          </a:p>
+        </p:txBody>
+      </p:sp>
+      <p:sp>
+        <p:nvSpPr>
+          <p:cNvPr id="15" name="テキスト ボックス 14"/>
+          <p:cNvSpPr txBox="1"/>
+          <p:nvPr/>
+        </p:nvSpPr>
+        <p:spPr>
+          <a:xfrm>
+            <a:off x="3556298" y="1702020"/>
+            <a:ext cx="1296144" cy="307777"/>
+          </a:xfrm>
+          <a:prstGeom prst="rect">
+            <a:avLst/>
+          </a:prstGeom>
+          <a:noFill/>
+        </p:spPr>
+        <p:txBody>
+          <a:bodyPr wrap="square" rtlCol="0">
+            <a:spAutoFit/>
+          </a:bodyPr>
+          <a:lstStyle/>
+          <a:p>
+            <a:r>
+              <a:rPr kumimoji="1" lang="ja-JP" altLang="en-US" sz="1400" dirty="0" smtClean="0"/>
+              <a:t>氏名（カナ）</a:t>
+            </a:r>
+            <a:endParaRPr kumimoji="1" lang="ja-JP" altLang="en-US" sz="1400" dirty="0"/>
+          </a:p>
+        </p:txBody>
+      </p:sp>
+      <p:sp>
+        <p:nvSpPr>
+          <p:cNvPr id="22" name="正方形/長方形 21"/>
+          <p:cNvSpPr/>
+          <p:nvPr/>
+        </p:nvSpPr>
+        <p:spPr>
+          <a:xfrm>
+            <a:off x="4572000" y="1664569"/>
+            <a:ext cx="1440160" cy="369332"/>
+          </a:xfrm>
+          <a:prstGeom prst="rect">
+            <a:avLst/>
+          </a:prstGeom>
+          <a:solidFill>
+            <a:schemeClr val="bg1"/>
+          </a:solidFill>
+          <a:ln w="12700">
+            <a:solidFill>
+              <a:schemeClr val="tx1"/>
+            </a:solidFill>
+          </a:ln>
+        </p:spPr>
+        <p:style>
+          <a:lnRef idx="2">
+            <a:schemeClr val="accent1">
+              <a:shade val="50000"/>
+            </a:schemeClr>
+          </a:lnRef>
+          <a:fillRef idx="1">
+            <a:schemeClr val="accent1"/>
+          </a:fillRef>
+          <a:effectRef idx="0">
+            <a:schemeClr val="accent1"/>
+          </a:effectRef>
+          <a:fontRef idx="minor">
+            <a:schemeClr val="lt1"/>
+          </a:fontRef>
+        </p:style>
+        <p:txBody>
+          <a:bodyPr rtlCol="0" anchor="ctr"/>
+          <a:lstStyle/>
+          <a:p>
+            <a:pPr algn="ctr"/>
+            <a:endParaRPr kumimoji="1" lang="ja-JP" altLang="en-US"/>
+          </a:p>
+        </p:txBody>
+      </p:sp>
+      <p:sp>
+        <p:nvSpPr>
+          <p:cNvPr id="23" name="角丸四角形 22"/>
+          <p:cNvSpPr/>
+          <p:nvPr/>
+        </p:nvSpPr>
+        <p:spPr>
+          <a:xfrm>
+            <a:off x="6372200" y="1705624"/>
+            <a:ext cx="792088" cy="339871"/>
+          </a:xfrm>
+          <a:prstGeom prst="roundRect">
+            <a:avLst/>
+          </a:prstGeom>
+          <a:solidFill>
+            <a:schemeClr val="tx2">
+              <a:lumMod val="20000"/>
+              <a:lumOff val="80000"/>
+            </a:schemeClr>
+          </a:solidFill>
+          <a:ln w="12700">
+            <a:solidFill>
+              <a:schemeClr val="tx1"/>
+            </a:solidFill>
+          </a:ln>
+        </p:spPr>
+        <p:style>
+          <a:lnRef idx="2">
+            <a:schemeClr val="accent1">
+              <a:shade val="50000"/>
+            </a:schemeClr>
+          </a:lnRef>
+          <a:fillRef idx="1">
+            <a:schemeClr val="accent1"/>
+          </a:fillRef>
+          <a:effectRef idx="0">
+            <a:schemeClr val="accent1"/>
+          </a:effectRef>
+          <a:fontRef idx="minor">
+            <a:schemeClr val="lt1"/>
+          </a:fontRef>
+        </p:style>
+        <p:txBody>
+          <a:bodyPr rtlCol="0" anchor="ctr"/>
+          <a:lstStyle/>
+          <a:p>
+            <a:pPr algn="ctr"/>
+            <a:r>
+              <a:rPr kumimoji="1" lang="ja-JP" altLang="en-US" sz="1400" dirty="0" smtClean="0">
+                <a:solidFill>
+                  <a:schemeClr val="tx1"/>
+                </a:solidFill>
+              </a:rPr>
+              <a:t>検索</a:t>
+            </a:r>
+            <a:endParaRPr kumimoji="1" lang="ja-JP" altLang="en-US" sz="1400" dirty="0">
+              <a:solidFill>
+                <a:schemeClr val="tx1"/>
+              </a:solidFill>
+            </a:endParaRPr>
+          </a:p>
+        </p:txBody>
+      </p:sp>
+      <p:sp>
+        <p:nvSpPr>
+          <p:cNvPr id="24" name="角丸四角形 23"/>
+          <p:cNvSpPr/>
+          <p:nvPr/>
+        </p:nvSpPr>
+        <p:spPr>
+          <a:xfrm>
+            <a:off x="7308304" y="1697713"/>
+            <a:ext cx="720080" cy="341649"/>
+          </a:xfrm>
+          <a:prstGeom prst="roundRect">
+            <a:avLst/>
+          </a:prstGeom>
+          <a:solidFill>
+            <a:schemeClr val="tx2">
+              <a:lumMod val="20000"/>
+              <a:lumOff val="80000"/>
+            </a:schemeClr>
+          </a:solidFill>
+          <a:ln w="12700">
+            <a:solidFill>
+              <a:schemeClr val="tx1"/>
+            </a:solidFill>
+          </a:ln>
+        </p:spPr>
+        <p:style>
+          <a:lnRef idx="2">
+            <a:schemeClr val="accent1">
+              <a:shade val="50000"/>
+            </a:schemeClr>
+          </a:lnRef>
+          <a:fillRef idx="1">
+            <a:schemeClr val="accent1"/>
+          </a:fillRef>
+          <a:effectRef idx="0">
+            <a:schemeClr val="accent1"/>
+          </a:effectRef>
+          <a:fontRef idx="minor">
+            <a:schemeClr val="lt1"/>
+          </a:fontRef>
+        </p:style>
+        <p:txBody>
+          <a:bodyPr rtlCol="0" anchor="ctr"/>
+          <a:lstStyle/>
+          <a:p>
+            <a:pPr algn="ctr"/>
+            <a:r>
+              <a:rPr lang="ja-JP" altLang="en-US" sz="1400" dirty="0">
+                <a:solidFill>
+                  <a:schemeClr val="tx1"/>
+                </a:solidFill>
+              </a:rPr>
+              <a:t>クリア</a:t>
+            </a:r>
+            <a:endParaRPr kumimoji="1" lang="ja-JP" altLang="en-US" sz="1400" dirty="0">
+              <a:solidFill>
+                <a:schemeClr val="tx1"/>
+              </a:solidFill>
+            </a:endParaRPr>
+          </a:p>
+        </p:txBody>
+      </p:sp>
+      <p:graphicFrame>
+        <p:nvGraphicFramePr>
+          <p:cNvPr id="25" name="オブジェクト 24"/>
+          <p:cNvGraphicFramePr>
+            <a:graphicFrameLocks noChangeAspect="1"/>
+          </p:cNvGraphicFramePr>
+          <p:nvPr>
+            <p:extLst>
+              <p:ext uri="{D42A27DB-BD31-4B8C-83A1-F6EECF244321}">
+                <p14:modId xmlns:p14="http://schemas.microsoft.com/office/powerpoint/2010/main" val="1535292453"/>
+              </p:ext>
+            </p:extLst>
+          </p:nvPr>
+        </p:nvGraphicFramePr>
+        <p:xfrm>
+          <a:off x="1189509" y="3356992"/>
+          <a:ext cx="6861175" cy="1208087"/>
+        </p:xfrm>
+        <a:graphic>
+          <a:graphicData uri="http://schemas.openxmlformats.org/presentationml/2006/ole">
+            <mc:AlternateContent xmlns:mc="http://schemas.openxmlformats.org/markup-compatibility/2006">
+              <mc:Choice xmlns:v="urn:schemas-microsoft-com:vml" Requires="v">
+                <p:oleObj spid="_x0000_s5123" name="ワークシート" r:id="rId3" imgW="3219444" imgH="676350" progId="Excel.Sheet.12">
+                  <p:embed/>
+                </p:oleObj>
+              </mc:Choice>
+              <mc:Fallback>
+                <p:oleObj name="ワークシート" r:id="rId3" imgW="3219444" imgH="676350" progId="Excel.Sheet.12">
+                  <p:embed/>
+                  <p:pic>
+                    <p:nvPicPr>
+                      <p:cNvPr id="0" name=""/>
+                      <p:cNvPicPr/>
+                      <p:nvPr/>
+                    </p:nvPicPr>
+                    <p:blipFill>
+                      <a:blip r:embed="rId4"/>
+                      <a:stretch>
+                        <a:fillRect/>
+                      </a:stretch>
+                    </p:blipFill>
+                    <p:spPr>
+                      <a:xfrm>
+                        <a:off x="1189509" y="3356992"/>
+                        <a:ext cx="6861175" cy="1208087"/>
+                      </a:xfrm>
+                      <a:prstGeom prst="rect">
+                        <a:avLst/>
+                      </a:prstGeom>
+                    </p:spPr>
+                  </p:pic>
+                </p:oleObj>
+              </mc:Fallback>
+            </mc:AlternateContent>
+          </a:graphicData>
+        </a:graphic>
+      </p:graphicFrame>
+      <p:sp>
+        <p:nvSpPr>
+          <p:cNvPr id="26" name="角丸四角形 25"/>
+          <p:cNvSpPr/>
+          <p:nvPr/>
+        </p:nvSpPr>
+        <p:spPr>
+          <a:xfrm>
+            <a:off x="6228184" y="3717032"/>
+            <a:ext cx="720080" cy="360040"/>
+          </a:xfrm>
+          <a:prstGeom prst="roundRect">
+            <a:avLst/>
+          </a:prstGeom>
+          <a:solidFill>
+            <a:schemeClr val="tx2">
+              <a:lumMod val="20000"/>
+              <a:lumOff val="80000"/>
+            </a:schemeClr>
+          </a:solidFill>
+          <a:ln w="12700">
+            <a:solidFill>
+              <a:schemeClr val="tx1"/>
+            </a:solidFill>
+          </a:ln>
+        </p:spPr>
+        <p:style>
+          <a:lnRef idx="2">
+            <a:schemeClr val="accent1">
+              <a:shade val="50000"/>
+            </a:schemeClr>
+          </a:lnRef>
+          <a:fillRef idx="1">
+            <a:schemeClr val="accent1"/>
+          </a:fillRef>
+          <a:effectRef idx="0">
+            <a:schemeClr val="accent1"/>
+          </a:effectRef>
+          <a:fontRef idx="minor">
+            <a:schemeClr val="lt1"/>
+          </a:fontRef>
+        </p:style>
+        <p:txBody>
+          <a:bodyPr rtlCol="0" anchor="ctr"/>
+          <a:lstStyle/>
+          <a:p>
+            <a:pPr algn="ctr"/>
+            <a:r>
+              <a:rPr kumimoji="1" lang="ja-JP" altLang="en-US" sz="1400" dirty="0" smtClean="0">
+                <a:solidFill>
+                  <a:schemeClr val="tx1"/>
+                </a:solidFill>
+              </a:rPr>
+              <a:t>編集</a:t>
+            </a:r>
+            <a:endParaRPr kumimoji="1" lang="ja-JP" altLang="en-US" sz="1400" dirty="0">
+              <a:solidFill>
+                <a:schemeClr val="tx1"/>
+              </a:solidFill>
+            </a:endParaRPr>
+          </a:p>
+        </p:txBody>
+      </p:sp>
+      <p:sp>
+        <p:nvSpPr>
+          <p:cNvPr id="27" name="角丸四角形 26"/>
+          <p:cNvSpPr/>
+          <p:nvPr/>
+        </p:nvSpPr>
+        <p:spPr>
+          <a:xfrm>
+            <a:off x="7118920" y="3718359"/>
+            <a:ext cx="720080" cy="360040"/>
+          </a:xfrm>
+          <a:prstGeom prst="roundRect">
+            <a:avLst/>
+          </a:prstGeom>
+          <a:solidFill>
+            <a:schemeClr val="tx2">
+              <a:lumMod val="20000"/>
+              <a:lumOff val="80000"/>
+            </a:schemeClr>
+          </a:solidFill>
+          <a:ln w="12700">
+            <a:solidFill>
+              <a:schemeClr val="tx1"/>
+            </a:solidFill>
+          </a:ln>
+        </p:spPr>
+        <p:style>
+          <a:lnRef idx="2">
+            <a:schemeClr val="accent1">
+              <a:shade val="50000"/>
+            </a:schemeClr>
+          </a:lnRef>
+          <a:fillRef idx="1">
+            <a:schemeClr val="accent1"/>
+          </a:fillRef>
+          <a:effectRef idx="0">
+            <a:schemeClr val="accent1"/>
+          </a:effectRef>
+          <a:fontRef idx="minor">
+            <a:schemeClr val="lt1"/>
+          </a:fontRef>
+        </p:style>
+        <p:txBody>
+          <a:bodyPr rtlCol="0" anchor="ctr"/>
+          <a:lstStyle/>
+          <a:p>
+            <a:pPr algn="ctr"/>
+            <a:r>
+              <a:rPr lang="ja-JP" altLang="en-US" sz="1400" dirty="0">
+                <a:solidFill>
+                  <a:schemeClr val="tx1"/>
+                </a:solidFill>
+              </a:rPr>
+              <a:t>削除</a:t>
+            </a:r>
+            <a:endParaRPr kumimoji="1" lang="ja-JP" altLang="en-US" sz="1400" dirty="0">
+              <a:solidFill>
+                <a:schemeClr val="tx1"/>
+              </a:solidFill>
+            </a:endParaRPr>
+          </a:p>
+        </p:txBody>
+      </p:sp>
+      <p:sp>
+        <p:nvSpPr>
+          <p:cNvPr id="28" name="角丸四角形 27"/>
+          <p:cNvSpPr/>
+          <p:nvPr/>
+        </p:nvSpPr>
+        <p:spPr>
+          <a:xfrm>
+            <a:off x="6228184" y="4147753"/>
+            <a:ext cx="720080" cy="360040"/>
+          </a:xfrm>
+          <a:prstGeom prst="roundRect">
+            <a:avLst/>
+          </a:prstGeom>
+          <a:solidFill>
+            <a:schemeClr val="tx2">
+              <a:lumMod val="20000"/>
+              <a:lumOff val="80000"/>
+            </a:schemeClr>
+          </a:solidFill>
+          <a:ln w="12700">
+            <a:solidFill>
+              <a:schemeClr val="tx1"/>
+            </a:solidFill>
+          </a:ln>
+        </p:spPr>
+        <p:style>
+          <a:lnRef idx="2">
+            <a:schemeClr val="accent1">
+              <a:shade val="50000"/>
+            </a:schemeClr>
+          </a:lnRef>
+          <a:fillRef idx="1">
+            <a:schemeClr val="accent1"/>
+          </a:fillRef>
+          <a:effectRef idx="0">
+            <a:schemeClr val="accent1"/>
+          </a:effectRef>
+          <a:fontRef idx="minor">
+            <a:schemeClr val="lt1"/>
+          </a:fontRef>
+        </p:style>
+        <p:txBody>
+          <a:bodyPr rtlCol="0" anchor="ctr"/>
+          <a:lstStyle/>
+          <a:p>
+            <a:pPr algn="ctr"/>
+            <a:r>
+              <a:rPr kumimoji="1" lang="ja-JP" altLang="en-US" sz="1400" dirty="0" smtClean="0">
+                <a:solidFill>
+                  <a:schemeClr val="tx1"/>
+                </a:solidFill>
+              </a:rPr>
+              <a:t>編集</a:t>
+            </a:r>
+            <a:endParaRPr kumimoji="1" lang="ja-JP" altLang="en-US" sz="1400" dirty="0">
+              <a:solidFill>
+                <a:schemeClr val="tx1"/>
+              </a:solidFill>
+            </a:endParaRPr>
+          </a:p>
+        </p:txBody>
+      </p:sp>
+      <p:sp>
+        <p:nvSpPr>
+          <p:cNvPr id="29" name="角丸四角形 28"/>
+          <p:cNvSpPr/>
+          <p:nvPr/>
+        </p:nvSpPr>
+        <p:spPr>
+          <a:xfrm>
+            <a:off x="7118920" y="4149080"/>
+            <a:ext cx="720080" cy="360040"/>
+          </a:xfrm>
+          <a:prstGeom prst="roundRect">
+            <a:avLst/>
+          </a:prstGeom>
+          <a:solidFill>
+            <a:schemeClr val="tx2">
+              <a:lumMod val="20000"/>
+              <a:lumOff val="80000"/>
+            </a:schemeClr>
+          </a:solidFill>
+          <a:ln w="12700">
+            <a:solidFill>
+              <a:schemeClr val="tx1"/>
+            </a:solidFill>
+          </a:ln>
+        </p:spPr>
+        <p:style>
+          <a:lnRef idx="2">
+            <a:schemeClr val="accent1">
+              <a:shade val="50000"/>
+            </a:schemeClr>
+          </a:lnRef>
+          <a:fillRef idx="1">
+            <a:schemeClr val="accent1"/>
+          </a:fillRef>
+          <a:effectRef idx="0">
+            <a:schemeClr val="accent1"/>
+          </a:effectRef>
+          <a:fontRef idx="minor">
+            <a:schemeClr val="lt1"/>
+          </a:fontRef>
+        </p:style>
+        <p:txBody>
+          <a:bodyPr rtlCol="0" anchor="ctr"/>
+          <a:lstStyle/>
+          <a:p>
+            <a:pPr algn="ctr"/>
+            <a:r>
+              <a:rPr lang="ja-JP" altLang="en-US" sz="1400" dirty="0">
+                <a:solidFill>
+                  <a:schemeClr val="tx1"/>
+                </a:solidFill>
+              </a:rPr>
+              <a:t>削除</a:t>
+            </a:r>
+            <a:endParaRPr kumimoji="1" lang="ja-JP" altLang="en-US" sz="1400" dirty="0">
+              <a:solidFill>
+                <a:schemeClr val="tx1"/>
+              </a:solidFill>
+            </a:endParaRPr>
+          </a:p>
+        </p:txBody>
+      </p:sp>
+    </p:spTree>
+    <p:extLst>
+      <p:ext uri="{BB962C8B-B14F-4D97-AF65-F5344CB8AC3E}">
+        <p14:creationId xmlns:p14="http://schemas.microsoft.com/office/powerpoint/2010/main" val="3445773502"/>
       </p:ext>
     </p:extLst>
   </p:cSld>
@@ -5459,12 +6870,12 @@
           <a:graphicData uri="http://schemas.openxmlformats.org/presentationml/2006/ole">
             <mc:AlternateContent xmlns:mc="http://schemas.openxmlformats.org/markup-compatibility/2006">
               <mc:Choice xmlns:v="urn:schemas-microsoft-com:vml" Requires="v">
-                <p:oleObj spid="_x0000_s2078" name="ワークシート" r:id="rId4" imgW="6305443" imgH="2486160" progId="Excel.Sheet.12">
+                <p:oleObj spid="_x0000_s2084" name="ワークシート" r:id="rId3" imgW="6305443" imgH="2486160" progId="Excel.Sheet.12">
                   <p:embed/>
                 </p:oleObj>
               </mc:Choice>
               <mc:Fallback>
-                <p:oleObj name="ワークシート" r:id="rId4" imgW="6305443" imgH="2486160" progId="Excel.Sheet.12">
+                <p:oleObj name="ワークシート" r:id="rId3" imgW="6305443" imgH="2486160" progId="Excel.Sheet.12">
                   <p:embed/>
                   <p:pic>
                     <p:nvPicPr>
@@ -5473,7 +6884,7 @@
                       <p:nvPr/>
                     </p:nvPicPr>
                     <p:blipFill>
-                      <a:blip r:embed="rId5"/>
+                      <a:blip r:embed="rId4"/>
                       <a:stretch>
                         <a:fillRect/>
                       </a:stretch>
@@ -5593,12 +7004,12 @@
           <a:graphicData uri="http://schemas.openxmlformats.org/presentationml/2006/ole">
             <mc:AlternateContent xmlns:mc="http://schemas.openxmlformats.org/markup-compatibility/2006">
               <mc:Choice xmlns:v="urn:schemas-microsoft-com:vml" Requires="v">
-                <p:oleObj spid="_x0000_s2079" name="ワークシート" r:id="rId7" imgW="7239023" imgH="1009530" progId="Excel.Sheet.12">
+                <p:oleObj spid="_x0000_s2085" name="ワークシート" r:id="rId5" imgW="7239023" imgH="1009530" progId="Excel.Sheet.12">
                   <p:embed/>
                 </p:oleObj>
               </mc:Choice>
               <mc:Fallback>
-                <p:oleObj name="ワークシート" r:id="rId7" imgW="7239023" imgH="1009530" progId="Excel.Sheet.12">
+                <p:oleObj name="ワークシート" r:id="rId5" imgW="7239023" imgH="1009530" progId="Excel.Sheet.12">
                   <p:embed/>
                   <p:pic>
                     <p:nvPicPr>
@@ -5607,7 +7018,7 @@
                       <p:nvPr/>
                     </p:nvPicPr>
                     <p:blipFill>
-                      <a:blip r:embed="rId8"/>
+                      <a:blip r:embed="rId6"/>
                       <a:stretch>
                         <a:fillRect/>
                       </a:stretch>
@@ -8750,12 +10161,12 @@
           <a:graphicData uri="http://schemas.openxmlformats.org/presentationml/2006/ole">
             <mc:AlternateContent xmlns:mc="http://schemas.openxmlformats.org/markup-compatibility/2006">
               <mc:Choice xmlns:v="urn:schemas-microsoft-com:vml" Requires="v">
-                <p:oleObj spid="_x0000_s3086" name="ワークシート" r:id="rId4" imgW="8391410" imgH="1885950" progId="Excel.Sheet.12">
+                <p:oleObj spid="_x0000_s3089" name="ワークシート" r:id="rId3" imgW="8391410" imgH="1885950" progId="Excel.Sheet.12">
                   <p:embed/>
                 </p:oleObj>
               </mc:Choice>
               <mc:Fallback>
-                <p:oleObj name="ワークシート" r:id="rId4" imgW="8391410" imgH="1885950" progId="Excel.Sheet.12">
+                <p:oleObj name="ワークシート" r:id="rId3" imgW="8391410" imgH="1885950" progId="Excel.Sheet.12">
                   <p:embed/>
                   <p:pic>
                     <p:nvPicPr>
@@ -8764,7 +10175,7 @@
                       <p:nvPr/>
                     </p:nvPicPr>
                     <p:blipFill>
-                      <a:blip r:embed="rId5"/>
+                      <a:blip r:embed="rId4"/>
                       <a:stretch>
                         <a:fillRect/>
                       </a:stretch>
@@ -8862,6 +10273,1150 @@
     <p:extLst>
       <p:ext uri="{BB962C8B-B14F-4D97-AF65-F5344CB8AC3E}">
         <p14:creationId xmlns:p14="http://schemas.microsoft.com/office/powerpoint/2010/main" val="696887086"/>
+      </p:ext>
+    </p:extLst>
+  </p:cSld>
+  <p:clrMapOvr>
+    <a:masterClrMapping/>
+  </p:clrMapOvr>
+  <p:timing>
+    <p:tnLst>
+      <p:par>
+        <p:cTn id="1" dur="indefinite" restart="never" nodeType="tmRoot"/>
+      </p:par>
+    </p:tnLst>
+  </p:timing>
+</p:sld>
+</file>
+
+<file path=ppt/slides/slide8.xml><?xml version="1.0" encoding="utf-8"?>
+<p:sld xmlns:a="http://schemas.openxmlformats.org/drawingml/2006/main" xmlns:r="http://schemas.openxmlformats.org/officeDocument/2006/relationships" xmlns:p="http://schemas.openxmlformats.org/presentationml/2006/main">
+  <p:cSld>
+    <p:spTree>
+      <p:nvGrpSpPr>
+        <p:cNvPr id="1" name=""/>
+        <p:cNvGrpSpPr/>
+        <p:nvPr/>
+      </p:nvGrpSpPr>
+      <p:grpSpPr>
+        <a:xfrm>
+          <a:off x="0" y="0"/>
+          <a:ext cx="0" cy="0"/>
+          <a:chOff x="0" y="0"/>
+          <a:chExt cx="0" cy="0"/>
+        </a:xfrm>
+      </p:grpSpPr>
+      <p:sp>
+        <p:nvSpPr>
+          <p:cNvPr id="2" name="テキスト ボックス 1"/>
+          <p:cNvSpPr txBox="1"/>
+          <p:nvPr/>
+        </p:nvSpPr>
+        <p:spPr>
+          <a:xfrm>
+            <a:off x="107504" y="115412"/>
+            <a:ext cx="2736304" cy="369332"/>
+          </a:xfrm>
+          <a:prstGeom prst="rect">
+            <a:avLst/>
+          </a:prstGeom>
+          <a:noFill/>
+        </p:spPr>
+        <p:txBody>
+          <a:bodyPr wrap="square" rtlCol="0">
+            <a:spAutoFit/>
+          </a:bodyPr>
+          <a:lstStyle/>
+          <a:p>
+            <a:r>
+              <a:rPr kumimoji="1" lang="ja-JP" altLang="en-US" dirty="0" smtClean="0"/>
+              <a:t>質問管理表</a:t>
+            </a:r>
+            <a:endParaRPr kumimoji="1" lang="ja-JP" altLang="en-US" dirty="0"/>
+          </a:p>
+        </p:txBody>
+      </p:sp>
+      <p:sp>
+        <p:nvSpPr>
+          <p:cNvPr id="6" name="テキスト ボックス 5"/>
+          <p:cNvSpPr txBox="1"/>
+          <p:nvPr/>
+        </p:nvSpPr>
+        <p:spPr>
+          <a:xfrm>
+            <a:off x="611560" y="836712"/>
+            <a:ext cx="1224136" cy="369332"/>
+          </a:xfrm>
+          <a:prstGeom prst="rect">
+            <a:avLst/>
+          </a:prstGeom>
+          <a:noFill/>
+        </p:spPr>
+        <p:txBody>
+          <a:bodyPr wrap="square" rtlCol="0">
+            <a:spAutoFit/>
+          </a:bodyPr>
+          <a:lstStyle/>
+          <a:p>
+            <a:r>
+              <a:rPr kumimoji="1" lang="ja-JP" altLang="en-US" dirty="0" smtClean="0"/>
+              <a:t>ログイン</a:t>
+            </a:r>
+            <a:r>
+              <a:rPr kumimoji="1" lang="en-US" altLang="ja-JP" dirty="0" smtClean="0"/>
+              <a:t>ID</a:t>
+            </a:r>
+            <a:endParaRPr kumimoji="1" lang="ja-JP" altLang="en-US" dirty="0"/>
+          </a:p>
+        </p:txBody>
+      </p:sp>
+      <p:sp>
+        <p:nvSpPr>
+          <p:cNvPr id="7" name="テキスト ボックス 6"/>
+          <p:cNvSpPr txBox="1"/>
+          <p:nvPr/>
+        </p:nvSpPr>
+        <p:spPr>
+          <a:xfrm>
+            <a:off x="611560" y="1340768"/>
+            <a:ext cx="1224136" cy="369332"/>
+          </a:xfrm>
+          <a:prstGeom prst="rect">
+            <a:avLst/>
+          </a:prstGeom>
+          <a:noFill/>
+        </p:spPr>
+        <p:txBody>
+          <a:bodyPr wrap="square" rtlCol="0">
+            <a:spAutoFit/>
+          </a:bodyPr>
+          <a:lstStyle/>
+          <a:p>
+            <a:r>
+              <a:rPr kumimoji="1" lang="ja-JP" altLang="en-US" dirty="0" smtClean="0"/>
+              <a:t>パスワード</a:t>
+            </a:r>
+            <a:endParaRPr kumimoji="1" lang="ja-JP" altLang="en-US" dirty="0"/>
+          </a:p>
+        </p:txBody>
+      </p:sp>
+      <p:sp>
+        <p:nvSpPr>
+          <p:cNvPr id="8" name="正方形/長方形 7"/>
+          <p:cNvSpPr/>
+          <p:nvPr/>
+        </p:nvSpPr>
+        <p:spPr>
+          <a:xfrm>
+            <a:off x="1979712" y="836712"/>
+            <a:ext cx="2088232" cy="369332"/>
+          </a:xfrm>
+          <a:prstGeom prst="rect">
+            <a:avLst/>
+          </a:prstGeom>
+          <a:solidFill>
+            <a:schemeClr val="bg1"/>
+          </a:solidFill>
+          <a:ln w="12700">
+            <a:solidFill>
+              <a:schemeClr val="tx1"/>
+            </a:solidFill>
+          </a:ln>
+        </p:spPr>
+        <p:style>
+          <a:lnRef idx="2">
+            <a:schemeClr val="accent1">
+              <a:shade val="50000"/>
+            </a:schemeClr>
+          </a:lnRef>
+          <a:fillRef idx="1">
+            <a:schemeClr val="accent1"/>
+          </a:fillRef>
+          <a:effectRef idx="0">
+            <a:schemeClr val="accent1"/>
+          </a:effectRef>
+          <a:fontRef idx="minor">
+            <a:schemeClr val="lt1"/>
+          </a:fontRef>
+        </p:style>
+        <p:txBody>
+          <a:bodyPr rtlCol="0" anchor="ctr"/>
+          <a:lstStyle/>
+          <a:p>
+            <a:pPr algn="ctr"/>
+            <a:endParaRPr kumimoji="1" lang="ja-JP" altLang="en-US"/>
+          </a:p>
+        </p:txBody>
+      </p:sp>
+      <p:sp>
+        <p:nvSpPr>
+          <p:cNvPr id="9" name="正方形/長方形 8"/>
+          <p:cNvSpPr/>
+          <p:nvPr/>
+        </p:nvSpPr>
+        <p:spPr>
+          <a:xfrm>
+            <a:off x="1979712" y="1358444"/>
+            <a:ext cx="2088232" cy="369332"/>
+          </a:xfrm>
+          <a:prstGeom prst="rect">
+            <a:avLst/>
+          </a:prstGeom>
+          <a:solidFill>
+            <a:schemeClr val="bg1"/>
+          </a:solidFill>
+          <a:ln w="12700">
+            <a:solidFill>
+              <a:schemeClr val="tx1"/>
+            </a:solidFill>
+          </a:ln>
+        </p:spPr>
+        <p:style>
+          <a:lnRef idx="2">
+            <a:schemeClr val="accent1">
+              <a:shade val="50000"/>
+            </a:schemeClr>
+          </a:lnRef>
+          <a:fillRef idx="1">
+            <a:schemeClr val="accent1"/>
+          </a:fillRef>
+          <a:effectRef idx="0">
+            <a:schemeClr val="accent1"/>
+          </a:effectRef>
+          <a:fontRef idx="minor">
+            <a:schemeClr val="lt1"/>
+          </a:fontRef>
+        </p:style>
+        <p:txBody>
+          <a:bodyPr rtlCol="0" anchor="ctr"/>
+          <a:lstStyle/>
+          <a:p>
+            <a:pPr algn="ctr"/>
+            <a:endParaRPr kumimoji="1" lang="ja-JP" altLang="en-US"/>
+          </a:p>
+        </p:txBody>
+      </p:sp>
+      <p:sp>
+        <p:nvSpPr>
+          <p:cNvPr id="11" name="角丸四角形 10"/>
+          <p:cNvSpPr/>
+          <p:nvPr/>
+        </p:nvSpPr>
+        <p:spPr>
+          <a:xfrm>
+            <a:off x="2123728" y="2002979"/>
+            <a:ext cx="1152128" cy="432048"/>
+          </a:xfrm>
+          <a:prstGeom prst="roundRect">
+            <a:avLst/>
+          </a:prstGeom>
+          <a:solidFill>
+            <a:schemeClr val="tx2">
+              <a:lumMod val="20000"/>
+              <a:lumOff val="80000"/>
+            </a:schemeClr>
+          </a:solidFill>
+          <a:ln w="12700">
+            <a:solidFill>
+              <a:schemeClr val="tx1"/>
+            </a:solidFill>
+          </a:ln>
+        </p:spPr>
+        <p:style>
+          <a:lnRef idx="2">
+            <a:schemeClr val="accent1">
+              <a:shade val="50000"/>
+            </a:schemeClr>
+          </a:lnRef>
+          <a:fillRef idx="1">
+            <a:schemeClr val="accent1"/>
+          </a:fillRef>
+          <a:effectRef idx="0">
+            <a:schemeClr val="accent1"/>
+          </a:effectRef>
+          <a:fontRef idx="minor">
+            <a:schemeClr val="lt1"/>
+          </a:fontRef>
+        </p:style>
+        <p:txBody>
+          <a:bodyPr rtlCol="0" anchor="ctr"/>
+          <a:lstStyle/>
+          <a:p>
+            <a:pPr algn="ctr"/>
+            <a:r>
+              <a:rPr kumimoji="1" lang="ja-JP" altLang="en-US" dirty="0" smtClean="0">
+                <a:solidFill>
+                  <a:schemeClr val="tx1"/>
+                </a:solidFill>
+              </a:rPr>
+              <a:t>ログイン</a:t>
+            </a:r>
+            <a:endParaRPr kumimoji="1" lang="ja-JP" altLang="en-US" dirty="0">
+              <a:solidFill>
+                <a:schemeClr val="tx1"/>
+              </a:solidFill>
+            </a:endParaRPr>
+          </a:p>
+        </p:txBody>
+      </p:sp>
+      <p:sp>
+        <p:nvSpPr>
+          <p:cNvPr id="13" name="角丸四角形 12"/>
+          <p:cNvSpPr/>
+          <p:nvPr/>
+        </p:nvSpPr>
+        <p:spPr>
+          <a:xfrm>
+            <a:off x="395536" y="2002979"/>
+            <a:ext cx="1368152" cy="432048"/>
+          </a:xfrm>
+          <a:prstGeom prst="roundRect">
+            <a:avLst/>
+          </a:prstGeom>
+          <a:solidFill>
+            <a:schemeClr val="tx2">
+              <a:lumMod val="20000"/>
+              <a:lumOff val="80000"/>
+            </a:schemeClr>
+          </a:solidFill>
+          <a:ln w="12700">
+            <a:solidFill>
+              <a:schemeClr val="tx1"/>
+            </a:solidFill>
+          </a:ln>
+        </p:spPr>
+        <p:style>
+          <a:lnRef idx="2">
+            <a:schemeClr val="accent1">
+              <a:shade val="50000"/>
+            </a:schemeClr>
+          </a:lnRef>
+          <a:fillRef idx="1">
+            <a:schemeClr val="accent1"/>
+          </a:fillRef>
+          <a:effectRef idx="0">
+            <a:schemeClr val="accent1"/>
+          </a:effectRef>
+          <a:fontRef idx="minor">
+            <a:schemeClr val="lt1"/>
+          </a:fontRef>
+        </p:style>
+        <p:txBody>
+          <a:bodyPr rtlCol="0" anchor="ctr"/>
+          <a:lstStyle/>
+          <a:p>
+            <a:pPr algn="ctr"/>
+            <a:r>
+              <a:rPr lang="ja-JP" altLang="en-US" dirty="0">
+                <a:solidFill>
+                  <a:schemeClr val="tx1"/>
+                </a:solidFill>
+              </a:rPr>
+              <a:t>利用者</a:t>
+            </a:r>
+            <a:r>
+              <a:rPr lang="ja-JP" altLang="en-US" dirty="0" smtClean="0">
+                <a:solidFill>
+                  <a:schemeClr val="tx1"/>
+                </a:solidFill>
+              </a:rPr>
+              <a:t>登録</a:t>
+            </a:r>
+            <a:endParaRPr kumimoji="1" lang="ja-JP" altLang="en-US" dirty="0">
+              <a:solidFill>
+                <a:schemeClr val="tx1"/>
+              </a:solidFill>
+            </a:endParaRPr>
+          </a:p>
+        </p:txBody>
+      </p:sp>
+      <p:sp>
+        <p:nvSpPr>
+          <p:cNvPr id="14" name="四角形吹き出し 13"/>
+          <p:cNvSpPr/>
+          <p:nvPr/>
+        </p:nvSpPr>
+        <p:spPr>
+          <a:xfrm>
+            <a:off x="3923928" y="2636912"/>
+            <a:ext cx="1872208" cy="936104"/>
+          </a:xfrm>
+          <a:prstGeom prst="wedgeRectCallout">
+            <a:avLst>
+              <a:gd name="adj1" fmla="val -94094"/>
+              <a:gd name="adj2" fmla="val -63671"/>
+            </a:avLst>
+          </a:prstGeom>
+          <a:solidFill>
+            <a:schemeClr val="bg1"/>
+          </a:solidFill>
+          <a:ln>
+            <a:solidFill>
+              <a:srgbClr val="FF0000"/>
+            </a:solidFill>
+          </a:ln>
+        </p:spPr>
+        <p:style>
+          <a:lnRef idx="2">
+            <a:schemeClr val="accent1">
+              <a:shade val="50000"/>
+            </a:schemeClr>
+          </a:lnRef>
+          <a:fillRef idx="1">
+            <a:schemeClr val="accent1"/>
+          </a:fillRef>
+          <a:effectRef idx="0">
+            <a:schemeClr val="accent1"/>
+          </a:effectRef>
+          <a:fontRef idx="minor">
+            <a:schemeClr val="lt1"/>
+          </a:fontRef>
+        </p:style>
+        <p:txBody>
+          <a:bodyPr rtlCol="0" anchor="ctr"/>
+          <a:lstStyle/>
+          <a:p>
+            <a:pPr algn="ctr"/>
+            <a:r>
+              <a:rPr kumimoji="1" lang="ja-JP" altLang="en-US" dirty="0" smtClean="0">
+                <a:solidFill>
+                  <a:schemeClr val="tx1"/>
+                </a:solidFill>
+              </a:rPr>
+              <a:t>質問一覧画面へ</a:t>
+            </a:r>
+            <a:endParaRPr kumimoji="1" lang="ja-JP" altLang="en-US" dirty="0">
+              <a:solidFill>
+                <a:schemeClr val="tx1"/>
+              </a:solidFill>
+            </a:endParaRPr>
+          </a:p>
+        </p:txBody>
+      </p:sp>
+      <p:sp>
+        <p:nvSpPr>
+          <p:cNvPr id="15" name="四角形吹き出し 14"/>
+          <p:cNvSpPr/>
+          <p:nvPr/>
+        </p:nvSpPr>
+        <p:spPr>
+          <a:xfrm>
+            <a:off x="1079612" y="3239455"/>
+            <a:ext cx="1872208" cy="936104"/>
+          </a:xfrm>
+          <a:prstGeom prst="wedgeRectCallout">
+            <a:avLst>
+              <a:gd name="adj1" fmla="val -39657"/>
+              <a:gd name="adj2" fmla="val -119634"/>
+            </a:avLst>
+          </a:prstGeom>
+          <a:solidFill>
+            <a:schemeClr val="bg1"/>
+          </a:solidFill>
+          <a:ln>
+            <a:solidFill>
+              <a:srgbClr val="FF0000"/>
+            </a:solidFill>
+          </a:ln>
+        </p:spPr>
+        <p:style>
+          <a:lnRef idx="2">
+            <a:schemeClr val="accent1">
+              <a:shade val="50000"/>
+            </a:schemeClr>
+          </a:lnRef>
+          <a:fillRef idx="1">
+            <a:schemeClr val="accent1"/>
+          </a:fillRef>
+          <a:effectRef idx="0">
+            <a:schemeClr val="accent1"/>
+          </a:effectRef>
+          <a:fontRef idx="minor">
+            <a:schemeClr val="lt1"/>
+          </a:fontRef>
+        </p:style>
+        <p:txBody>
+          <a:bodyPr rtlCol="0" anchor="ctr"/>
+          <a:lstStyle/>
+          <a:p>
+            <a:pPr algn="ctr"/>
+            <a:r>
+              <a:rPr lang="ja-JP" altLang="en-US" dirty="0">
+                <a:solidFill>
+                  <a:schemeClr val="tx1"/>
+                </a:solidFill>
+              </a:rPr>
+              <a:t>利用者</a:t>
+            </a:r>
+            <a:r>
+              <a:rPr lang="ja-JP" altLang="en-US" dirty="0" smtClean="0">
+                <a:solidFill>
+                  <a:schemeClr val="tx1"/>
+                </a:solidFill>
+              </a:rPr>
+              <a:t>新規登録</a:t>
+            </a:r>
+            <a:r>
+              <a:rPr kumimoji="1" lang="ja-JP" altLang="en-US" dirty="0" smtClean="0">
+                <a:solidFill>
+                  <a:schemeClr val="tx1"/>
+                </a:solidFill>
+              </a:rPr>
+              <a:t>画面へ</a:t>
+            </a:r>
+            <a:endParaRPr kumimoji="1" lang="ja-JP" altLang="en-US" dirty="0">
+              <a:solidFill>
+                <a:schemeClr val="tx1"/>
+              </a:solidFill>
+            </a:endParaRPr>
+          </a:p>
+        </p:txBody>
+      </p:sp>
+    </p:spTree>
+    <p:extLst>
+      <p:ext uri="{BB962C8B-B14F-4D97-AF65-F5344CB8AC3E}">
+        <p14:creationId xmlns:p14="http://schemas.microsoft.com/office/powerpoint/2010/main" val="2938334449"/>
+      </p:ext>
+    </p:extLst>
+  </p:cSld>
+  <p:clrMapOvr>
+    <a:masterClrMapping/>
+  </p:clrMapOvr>
+  <p:timing>
+    <p:tnLst>
+      <p:par>
+        <p:cTn id="1" dur="indefinite" restart="never" nodeType="tmRoot"/>
+      </p:par>
+    </p:tnLst>
+  </p:timing>
+</p:sld>
+</file>
+
+<file path=ppt/slides/slide9.xml><?xml version="1.0" encoding="utf-8"?>
+<p:sld xmlns:a="http://schemas.openxmlformats.org/drawingml/2006/main" xmlns:r="http://schemas.openxmlformats.org/officeDocument/2006/relationships" xmlns:p="http://schemas.openxmlformats.org/presentationml/2006/main">
+  <p:cSld>
+    <p:spTree>
+      <p:nvGrpSpPr>
+        <p:cNvPr id="1" name=""/>
+        <p:cNvGrpSpPr/>
+        <p:nvPr/>
+      </p:nvGrpSpPr>
+      <p:grpSpPr>
+        <a:xfrm>
+          <a:off x="0" y="0"/>
+          <a:ext cx="0" cy="0"/>
+          <a:chOff x="0" y="0"/>
+          <a:chExt cx="0" cy="0"/>
+        </a:xfrm>
+      </p:grpSpPr>
+      <p:sp>
+        <p:nvSpPr>
+          <p:cNvPr id="2" name="テキスト ボックス 1"/>
+          <p:cNvSpPr txBox="1"/>
+          <p:nvPr/>
+        </p:nvSpPr>
+        <p:spPr>
+          <a:xfrm>
+            <a:off x="107504" y="115412"/>
+            <a:ext cx="2736304" cy="369332"/>
+          </a:xfrm>
+          <a:prstGeom prst="rect">
+            <a:avLst/>
+          </a:prstGeom>
+          <a:noFill/>
+        </p:spPr>
+        <p:txBody>
+          <a:bodyPr wrap="square" rtlCol="0">
+            <a:spAutoFit/>
+          </a:bodyPr>
+          <a:lstStyle/>
+          <a:p>
+            <a:r>
+              <a:rPr kumimoji="1" lang="ja-JP" altLang="en-US" dirty="0" smtClean="0"/>
+              <a:t>質問管理表</a:t>
+            </a:r>
+            <a:endParaRPr kumimoji="1" lang="ja-JP" altLang="en-US" dirty="0"/>
+          </a:p>
+        </p:txBody>
+      </p:sp>
+      <p:sp>
+        <p:nvSpPr>
+          <p:cNvPr id="6" name="テキスト ボックス 5"/>
+          <p:cNvSpPr txBox="1"/>
+          <p:nvPr/>
+        </p:nvSpPr>
+        <p:spPr>
+          <a:xfrm>
+            <a:off x="683568" y="2160544"/>
+            <a:ext cx="1224136" cy="369332"/>
+          </a:xfrm>
+          <a:prstGeom prst="rect">
+            <a:avLst/>
+          </a:prstGeom>
+          <a:noFill/>
+        </p:spPr>
+        <p:txBody>
+          <a:bodyPr wrap="square" rtlCol="0">
+            <a:spAutoFit/>
+          </a:bodyPr>
+          <a:lstStyle/>
+          <a:p>
+            <a:r>
+              <a:rPr kumimoji="1" lang="ja-JP" altLang="en-US" dirty="0" smtClean="0"/>
+              <a:t>ログイン</a:t>
+            </a:r>
+            <a:r>
+              <a:rPr kumimoji="1" lang="en-US" altLang="ja-JP" dirty="0" smtClean="0"/>
+              <a:t>ID</a:t>
+            </a:r>
+            <a:endParaRPr kumimoji="1" lang="ja-JP" altLang="en-US" dirty="0"/>
+          </a:p>
+        </p:txBody>
+      </p:sp>
+      <p:sp>
+        <p:nvSpPr>
+          <p:cNvPr id="7" name="テキスト ボックス 6"/>
+          <p:cNvSpPr txBox="1"/>
+          <p:nvPr/>
+        </p:nvSpPr>
+        <p:spPr>
+          <a:xfrm>
+            <a:off x="695078" y="2664600"/>
+            <a:ext cx="1224136" cy="369332"/>
+          </a:xfrm>
+          <a:prstGeom prst="rect">
+            <a:avLst/>
+          </a:prstGeom>
+          <a:noFill/>
+        </p:spPr>
+        <p:txBody>
+          <a:bodyPr wrap="square" rtlCol="0">
+            <a:spAutoFit/>
+          </a:bodyPr>
+          <a:lstStyle/>
+          <a:p>
+            <a:r>
+              <a:rPr kumimoji="1" lang="ja-JP" altLang="en-US" dirty="0" smtClean="0"/>
+              <a:t>パスワード</a:t>
+            </a:r>
+            <a:endParaRPr kumimoji="1" lang="ja-JP" altLang="en-US" dirty="0"/>
+          </a:p>
+        </p:txBody>
+      </p:sp>
+      <p:sp>
+        <p:nvSpPr>
+          <p:cNvPr id="8" name="正方形/長方形 7"/>
+          <p:cNvSpPr/>
+          <p:nvPr/>
+        </p:nvSpPr>
+        <p:spPr>
+          <a:xfrm>
+            <a:off x="2698948" y="2146037"/>
+            <a:ext cx="2088232" cy="369332"/>
+          </a:xfrm>
+          <a:prstGeom prst="rect">
+            <a:avLst/>
+          </a:prstGeom>
+          <a:solidFill>
+            <a:schemeClr val="bg1"/>
+          </a:solidFill>
+          <a:ln w="12700">
+            <a:solidFill>
+              <a:schemeClr val="tx1"/>
+            </a:solidFill>
+          </a:ln>
+        </p:spPr>
+        <p:style>
+          <a:lnRef idx="2">
+            <a:schemeClr val="accent1">
+              <a:shade val="50000"/>
+            </a:schemeClr>
+          </a:lnRef>
+          <a:fillRef idx="1">
+            <a:schemeClr val="accent1"/>
+          </a:fillRef>
+          <a:effectRef idx="0">
+            <a:schemeClr val="accent1"/>
+          </a:effectRef>
+          <a:fontRef idx="minor">
+            <a:schemeClr val="lt1"/>
+          </a:fontRef>
+        </p:style>
+        <p:txBody>
+          <a:bodyPr rtlCol="0" anchor="ctr"/>
+          <a:lstStyle/>
+          <a:p>
+            <a:pPr algn="ctr"/>
+            <a:endParaRPr kumimoji="1" lang="ja-JP" altLang="en-US"/>
+          </a:p>
+        </p:txBody>
+      </p:sp>
+      <p:sp>
+        <p:nvSpPr>
+          <p:cNvPr id="9" name="正方形/長方形 8"/>
+          <p:cNvSpPr/>
+          <p:nvPr/>
+        </p:nvSpPr>
+        <p:spPr>
+          <a:xfrm>
+            <a:off x="2682627" y="2664600"/>
+            <a:ext cx="2088232" cy="369332"/>
+          </a:xfrm>
+          <a:prstGeom prst="rect">
+            <a:avLst/>
+          </a:prstGeom>
+          <a:solidFill>
+            <a:schemeClr val="bg1"/>
+          </a:solidFill>
+          <a:ln w="12700">
+            <a:solidFill>
+              <a:schemeClr val="tx1"/>
+            </a:solidFill>
+          </a:ln>
+        </p:spPr>
+        <p:style>
+          <a:lnRef idx="2">
+            <a:schemeClr val="accent1">
+              <a:shade val="50000"/>
+            </a:schemeClr>
+          </a:lnRef>
+          <a:fillRef idx="1">
+            <a:schemeClr val="accent1"/>
+          </a:fillRef>
+          <a:effectRef idx="0">
+            <a:schemeClr val="accent1"/>
+          </a:effectRef>
+          <a:fontRef idx="minor">
+            <a:schemeClr val="lt1"/>
+          </a:fontRef>
+        </p:style>
+        <p:txBody>
+          <a:bodyPr rtlCol="0" anchor="ctr"/>
+          <a:lstStyle/>
+          <a:p>
+            <a:pPr algn="ctr"/>
+            <a:endParaRPr kumimoji="1" lang="ja-JP" altLang="en-US"/>
+          </a:p>
+        </p:txBody>
+      </p:sp>
+      <p:sp>
+        <p:nvSpPr>
+          <p:cNvPr id="12" name="テキスト ボックス 11"/>
+          <p:cNvSpPr txBox="1"/>
+          <p:nvPr/>
+        </p:nvSpPr>
+        <p:spPr>
+          <a:xfrm>
+            <a:off x="719572" y="1134172"/>
+            <a:ext cx="1224136" cy="369332"/>
+          </a:xfrm>
+          <a:prstGeom prst="rect">
+            <a:avLst/>
+          </a:prstGeom>
+          <a:noFill/>
+        </p:spPr>
+        <p:txBody>
+          <a:bodyPr wrap="square" rtlCol="0">
+            <a:spAutoFit/>
+          </a:bodyPr>
+          <a:lstStyle/>
+          <a:p>
+            <a:r>
+              <a:rPr lang="ja-JP" altLang="en-US" dirty="0"/>
+              <a:t>氏名</a:t>
+            </a:r>
+            <a:endParaRPr kumimoji="1" lang="ja-JP" altLang="en-US" dirty="0"/>
+          </a:p>
+        </p:txBody>
+      </p:sp>
+      <p:sp>
+        <p:nvSpPr>
+          <p:cNvPr id="16" name="テキスト ボックス 15"/>
+          <p:cNvSpPr txBox="1"/>
+          <p:nvPr/>
+        </p:nvSpPr>
+        <p:spPr>
+          <a:xfrm>
+            <a:off x="719572" y="1634222"/>
+            <a:ext cx="1224136" cy="369332"/>
+          </a:xfrm>
+          <a:prstGeom prst="rect">
+            <a:avLst/>
+          </a:prstGeom>
+          <a:noFill/>
+        </p:spPr>
+        <p:txBody>
+          <a:bodyPr wrap="square" rtlCol="0">
+            <a:spAutoFit/>
+          </a:bodyPr>
+          <a:lstStyle/>
+          <a:p>
+            <a:r>
+              <a:rPr lang="ja-JP" altLang="en-US" dirty="0" smtClean="0"/>
+              <a:t>氏名</a:t>
+            </a:r>
+            <a:r>
+              <a:rPr lang="en-US" altLang="ja-JP" dirty="0" smtClean="0"/>
+              <a:t>(</a:t>
+            </a:r>
+            <a:r>
+              <a:rPr lang="ja-JP" altLang="en-US" dirty="0" smtClean="0"/>
+              <a:t>カナ</a:t>
+            </a:r>
+            <a:r>
+              <a:rPr lang="en-US" altLang="ja-JP" dirty="0" smtClean="0"/>
+              <a:t>)</a:t>
+            </a:r>
+            <a:endParaRPr kumimoji="1" lang="ja-JP" altLang="en-US" dirty="0"/>
+          </a:p>
+        </p:txBody>
+      </p:sp>
+      <p:sp>
+        <p:nvSpPr>
+          <p:cNvPr id="17" name="正方形/長方形 16"/>
+          <p:cNvSpPr/>
+          <p:nvPr/>
+        </p:nvSpPr>
+        <p:spPr>
+          <a:xfrm>
+            <a:off x="2682627" y="1092139"/>
+            <a:ext cx="2088232" cy="369332"/>
+          </a:xfrm>
+          <a:prstGeom prst="rect">
+            <a:avLst/>
+          </a:prstGeom>
+          <a:solidFill>
+            <a:schemeClr val="bg1"/>
+          </a:solidFill>
+          <a:ln w="12700">
+            <a:solidFill>
+              <a:schemeClr val="tx1"/>
+            </a:solidFill>
+          </a:ln>
+        </p:spPr>
+        <p:style>
+          <a:lnRef idx="2">
+            <a:schemeClr val="accent1">
+              <a:shade val="50000"/>
+            </a:schemeClr>
+          </a:lnRef>
+          <a:fillRef idx="1">
+            <a:schemeClr val="accent1"/>
+          </a:fillRef>
+          <a:effectRef idx="0">
+            <a:schemeClr val="accent1"/>
+          </a:effectRef>
+          <a:fontRef idx="minor">
+            <a:schemeClr val="lt1"/>
+          </a:fontRef>
+        </p:style>
+        <p:txBody>
+          <a:bodyPr rtlCol="0" anchor="ctr"/>
+          <a:lstStyle/>
+          <a:p>
+            <a:pPr algn="ctr"/>
+            <a:endParaRPr kumimoji="1" lang="ja-JP" altLang="en-US"/>
+          </a:p>
+        </p:txBody>
+      </p:sp>
+      <p:sp>
+        <p:nvSpPr>
+          <p:cNvPr id="18" name="正方形/長方形 17"/>
+          <p:cNvSpPr/>
+          <p:nvPr/>
+        </p:nvSpPr>
+        <p:spPr>
+          <a:xfrm>
+            <a:off x="2698948" y="1619646"/>
+            <a:ext cx="2088232" cy="369332"/>
+          </a:xfrm>
+          <a:prstGeom prst="rect">
+            <a:avLst/>
+          </a:prstGeom>
+          <a:solidFill>
+            <a:schemeClr val="bg1"/>
+          </a:solidFill>
+          <a:ln w="12700">
+            <a:solidFill>
+              <a:schemeClr val="tx1"/>
+            </a:solidFill>
+          </a:ln>
+        </p:spPr>
+        <p:style>
+          <a:lnRef idx="2">
+            <a:schemeClr val="accent1">
+              <a:shade val="50000"/>
+            </a:schemeClr>
+          </a:lnRef>
+          <a:fillRef idx="1">
+            <a:schemeClr val="accent1"/>
+          </a:fillRef>
+          <a:effectRef idx="0">
+            <a:schemeClr val="accent1"/>
+          </a:effectRef>
+          <a:fontRef idx="minor">
+            <a:schemeClr val="lt1"/>
+          </a:fontRef>
+        </p:style>
+        <p:txBody>
+          <a:bodyPr rtlCol="0" anchor="ctr"/>
+          <a:lstStyle/>
+          <a:p>
+            <a:pPr algn="ctr"/>
+            <a:endParaRPr kumimoji="1" lang="ja-JP" altLang="en-US"/>
+          </a:p>
+        </p:txBody>
+      </p:sp>
+      <p:sp>
+        <p:nvSpPr>
+          <p:cNvPr id="3" name="テキスト ボックス 2"/>
+          <p:cNvSpPr txBox="1"/>
+          <p:nvPr/>
+        </p:nvSpPr>
+        <p:spPr>
+          <a:xfrm>
+            <a:off x="323528" y="620688"/>
+            <a:ext cx="2232248" cy="369332"/>
+          </a:xfrm>
+          <a:prstGeom prst="rect">
+            <a:avLst/>
+          </a:prstGeom>
+          <a:noFill/>
+        </p:spPr>
+        <p:txBody>
+          <a:bodyPr wrap="square" rtlCol="0">
+            <a:spAutoFit/>
+          </a:bodyPr>
+          <a:lstStyle/>
+          <a:p>
+            <a:r>
+              <a:rPr kumimoji="1" lang="ja-JP" altLang="en-US" dirty="0" smtClean="0"/>
+              <a:t>利用者新規登録</a:t>
+            </a:r>
+            <a:endParaRPr kumimoji="1" lang="ja-JP" altLang="en-US" dirty="0"/>
+          </a:p>
+        </p:txBody>
+      </p:sp>
+      <p:sp>
+        <p:nvSpPr>
+          <p:cNvPr id="19" name="テキスト ボックス 18"/>
+          <p:cNvSpPr txBox="1"/>
+          <p:nvPr/>
+        </p:nvSpPr>
+        <p:spPr>
+          <a:xfrm>
+            <a:off x="664940" y="3200013"/>
+            <a:ext cx="1872208" cy="369332"/>
+          </a:xfrm>
+          <a:prstGeom prst="rect">
+            <a:avLst/>
+          </a:prstGeom>
+          <a:noFill/>
+        </p:spPr>
+        <p:txBody>
+          <a:bodyPr wrap="square" rtlCol="0">
+            <a:spAutoFit/>
+          </a:bodyPr>
+          <a:lstStyle/>
+          <a:p>
+            <a:r>
+              <a:rPr kumimoji="1" lang="ja-JP" altLang="en-US" dirty="0" smtClean="0"/>
+              <a:t>パスワード</a:t>
+            </a:r>
+            <a:r>
+              <a:rPr kumimoji="1" lang="en-US" altLang="ja-JP" dirty="0" smtClean="0"/>
+              <a:t>(</a:t>
+            </a:r>
+            <a:r>
+              <a:rPr kumimoji="1" lang="ja-JP" altLang="en-US" dirty="0" smtClean="0"/>
+              <a:t>確認</a:t>
+            </a:r>
+            <a:r>
+              <a:rPr kumimoji="1" lang="en-US" altLang="ja-JP" dirty="0" smtClean="0"/>
+              <a:t>)</a:t>
+            </a:r>
+            <a:endParaRPr kumimoji="1" lang="ja-JP" altLang="en-US" dirty="0"/>
+          </a:p>
+        </p:txBody>
+      </p:sp>
+      <p:sp>
+        <p:nvSpPr>
+          <p:cNvPr id="20" name="正方形/長方形 19"/>
+          <p:cNvSpPr/>
+          <p:nvPr/>
+        </p:nvSpPr>
+        <p:spPr>
+          <a:xfrm>
+            <a:off x="2688332" y="3191753"/>
+            <a:ext cx="2088232" cy="369332"/>
+          </a:xfrm>
+          <a:prstGeom prst="rect">
+            <a:avLst/>
+          </a:prstGeom>
+          <a:solidFill>
+            <a:schemeClr val="bg1"/>
+          </a:solidFill>
+          <a:ln w="12700">
+            <a:solidFill>
+              <a:schemeClr val="tx1"/>
+            </a:solidFill>
+          </a:ln>
+        </p:spPr>
+        <p:style>
+          <a:lnRef idx="2">
+            <a:schemeClr val="accent1">
+              <a:shade val="50000"/>
+            </a:schemeClr>
+          </a:lnRef>
+          <a:fillRef idx="1">
+            <a:schemeClr val="accent1"/>
+          </a:fillRef>
+          <a:effectRef idx="0">
+            <a:schemeClr val="accent1"/>
+          </a:effectRef>
+          <a:fontRef idx="minor">
+            <a:schemeClr val="lt1"/>
+          </a:fontRef>
+        </p:style>
+        <p:txBody>
+          <a:bodyPr rtlCol="0" anchor="ctr"/>
+          <a:lstStyle/>
+          <a:p>
+            <a:pPr algn="ctr"/>
+            <a:endParaRPr kumimoji="1" lang="ja-JP" altLang="en-US"/>
+          </a:p>
+        </p:txBody>
+      </p:sp>
+      <p:sp>
+        <p:nvSpPr>
+          <p:cNvPr id="4" name="角丸四角形 3"/>
+          <p:cNvSpPr/>
+          <p:nvPr/>
+        </p:nvSpPr>
+        <p:spPr>
+          <a:xfrm>
+            <a:off x="3186683" y="3789040"/>
+            <a:ext cx="1080120" cy="432048"/>
+          </a:xfrm>
+          <a:prstGeom prst="roundRect">
+            <a:avLst/>
+          </a:prstGeom>
+          <a:solidFill>
+            <a:schemeClr val="tx2">
+              <a:lumMod val="20000"/>
+              <a:lumOff val="80000"/>
+            </a:schemeClr>
+          </a:solidFill>
+          <a:ln w="12700">
+            <a:solidFill>
+              <a:schemeClr val="tx1"/>
+            </a:solidFill>
+          </a:ln>
+        </p:spPr>
+        <p:style>
+          <a:lnRef idx="2">
+            <a:schemeClr val="accent1">
+              <a:shade val="50000"/>
+            </a:schemeClr>
+          </a:lnRef>
+          <a:fillRef idx="1">
+            <a:schemeClr val="accent1"/>
+          </a:fillRef>
+          <a:effectRef idx="0">
+            <a:schemeClr val="accent1"/>
+          </a:effectRef>
+          <a:fontRef idx="minor">
+            <a:schemeClr val="lt1"/>
+          </a:fontRef>
+        </p:style>
+        <p:txBody>
+          <a:bodyPr rtlCol="0" anchor="ctr"/>
+          <a:lstStyle/>
+          <a:p>
+            <a:pPr algn="ctr"/>
+            <a:r>
+              <a:rPr kumimoji="1" lang="ja-JP" altLang="en-US" dirty="0" smtClean="0">
+                <a:solidFill>
+                  <a:schemeClr val="tx1"/>
+                </a:solidFill>
+              </a:rPr>
+              <a:t>登録</a:t>
+            </a:r>
+            <a:endParaRPr kumimoji="1" lang="ja-JP" altLang="en-US" dirty="0">
+              <a:solidFill>
+                <a:schemeClr val="tx1"/>
+              </a:solidFill>
+            </a:endParaRPr>
+          </a:p>
+        </p:txBody>
+      </p:sp>
+      <p:sp>
+        <p:nvSpPr>
+          <p:cNvPr id="21" name="角丸四角形 20"/>
+          <p:cNvSpPr/>
+          <p:nvPr/>
+        </p:nvSpPr>
+        <p:spPr>
+          <a:xfrm>
+            <a:off x="1691680" y="3790553"/>
+            <a:ext cx="1385528" cy="432048"/>
+          </a:xfrm>
+          <a:prstGeom prst="roundRect">
+            <a:avLst/>
+          </a:prstGeom>
+          <a:solidFill>
+            <a:schemeClr val="tx2">
+              <a:lumMod val="20000"/>
+              <a:lumOff val="80000"/>
+            </a:schemeClr>
+          </a:solidFill>
+          <a:ln w="12700">
+            <a:solidFill>
+              <a:schemeClr val="tx1"/>
+            </a:solidFill>
+          </a:ln>
+        </p:spPr>
+        <p:style>
+          <a:lnRef idx="2">
+            <a:schemeClr val="accent1">
+              <a:shade val="50000"/>
+            </a:schemeClr>
+          </a:lnRef>
+          <a:fillRef idx="1">
+            <a:schemeClr val="accent1"/>
+          </a:fillRef>
+          <a:effectRef idx="0">
+            <a:schemeClr val="accent1"/>
+          </a:effectRef>
+          <a:fontRef idx="minor">
+            <a:schemeClr val="lt1"/>
+          </a:fontRef>
+        </p:style>
+        <p:txBody>
+          <a:bodyPr rtlCol="0" anchor="ctr"/>
+          <a:lstStyle/>
+          <a:p>
+            <a:pPr algn="ctr"/>
+            <a:r>
+              <a:rPr lang="ja-JP" altLang="en-US" dirty="0">
+                <a:solidFill>
+                  <a:schemeClr val="tx1"/>
+                </a:solidFill>
+              </a:rPr>
+              <a:t>キャンセル</a:t>
+            </a:r>
+            <a:endParaRPr kumimoji="1" lang="ja-JP" altLang="en-US" dirty="0">
+              <a:solidFill>
+                <a:schemeClr val="tx1"/>
+              </a:solidFill>
+            </a:endParaRPr>
+          </a:p>
+        </p:txBody>
+      </p:sp>
+    </p:spTree>
+    <p:extLst>
+      <p:ext uri="{BB962C8B-B14F-4D97-AF65-F5344CB8AC3E}">
+        <p14:creationId xmlns:p14="http://schemas.microsoft.com/office/powerpoint/2010/main" val="2507960428"/>
       </p:ext>
     </p:extLst>
   </p:cSld>

--- a/画面一覧.pptx
+++ b/画面一覧.pptx
@@ -16,6 +16,7 @@
     <p:sldId id="264" r:id="rId10"/>
     <p:sldId id="265" r:id="rId11"/>
     <p:sldId id="266" r:id="rId12"/>
+    <p:sldId id="267" r:id="rId13"/>
   </p:sldIdLst>
   <p:sldSz cx="9144000" cy="6858000" type="screen4x3"/>
   <p:notesSz cx="6858000" cy="9144000"/>
@@ -298,7 +299,7 @@
           <a:p>
             <a:fld id="{E2878988-D8A0-41FC-BFAE-62C0E9D186B2}" type="datetimeFigureOut">
               <a:rPr kumimoji="1" lang="ja-JP" altLang="en-US" smtClean="0"/>
-              <a:t>2015/4/2</a:t>
+              <a:t>2015/4/16</a:t>
             </a:fld>
             <a:endParaRPr kumimoji="1" lang="ja-JP" altLang="en-US"/>
           </a:p>
@@ -500,7 +501,7 @@
           <a:p>
             <a:fld id="{E2878988-D8A0-41FC-BFAE-62C0E9D186B2}" type="datetimeFigureOut">
               <a:rPr kumimoji="1" lang="ja-JP" altLang="en-US" smtClean="0"/>
-              <a:t>2015/4/2</a:t>
+              <a:t>2015/4/16</a:t>
             </a:fld>
             <a:endParaRPr kumimoji="1" lang="ja-JP" altLang="en-US"/>
           </a:p>
@@ -712,7 +713,7 @@
           <a:p>
             <a:fld id="{E2878988-D8A0-41FC-BFAE-62C0E9D186B2}" type="datetimeFigureOut">
               <a:rPr kumimoji="1" lang="ja-JP" altLang="en-US" smtClean="0"/>
-              <a:t>2015/4/2</a:t>
+              <a:t>2015/4/16</a:t>
             </a:fld>
             <a:endParaRPr kumimoji="1" lang="ja-JP" altLang="en-US"/>
           </a:p>
@@ -914,7 +915,7 @@
           <a:p>
             <a:fld id="{E2878988-D8A0-41FC-BFAE-62C0E9D186B2}" type="datetimeFigureOut">
               <a:rPr kumimoji="1" lang="ja-JP" altLang="en-US" smtClean="0"/>
-              <a:t>2015/4/2</a:t>
+              <a:t>2015/4/16</a:t>
             </a:fld>
             <a:endParaRPr kumimoji="1" lang="ja-JP" altLang="en-US"/>
           </a:p>
@@ -1160,7 +1161,7 @@
           <a:p>
             <a:fld id="{E2878988-D8A0-41FC-BFAE-62C0E9D186B2}" type="datetimeFigureOut">
               <a:rPr kumimoji="1" lang="ja-JP" altLang="en-US" smtClean="0"/>
-              <a:t>2015/4/2</a:t>
+              <a:t>2015/4/16</a:t>
             </a:fld>
             <a:endParaRPr kumimoji="1" lang="ja-JP" altLang="en-US"/>
           </a:p>
@@ -1512,7 +1513,7 @@
           <a:p>
             <a:fld id="{E2878988-D8A0-41FC-BFAE-62C0E9D186B2}" type="datetimeFigureOut">
               <a:rPr kumimoji="1" lang="ja-JP" altLang="en-US" smtClean="0"/>
-              <a:t>2015/4/2</a:t>
+              <a:t>2015/4/16</a:t>
             </a:fld>
             <a:endParaRPr kumimoji="1" lang="ja-JP" altLang="en-US"/>
           </a:p>
@@ -1998,7 +1999,7 @@
           <a:p>
             <a:fld id="{E2878988-D8A0-41FC-BFAE-62C0E9D186B2}" type="datetimeFigureOut">
               <a:rPr kumimoji="1" lang="ja-JP" altLang="en-US" smtClean="0"/>
-              <a:t>2015/4/2</a:t>
+              <a:t>2015/4/16</a:t>
             </a:fld>
             <a:endParaRPr kumimoji="1" lang="ja-JP" altLang="en-US"/>
           </a:p>
@@ -2116,7 +2117,7 @@
           <a:p>
             <a:fld id="{E2878988-D8A0-41FC-BFAE-62C0E9D186B2}" type="datetimeFigureOut">
               <a:rPr kumimoji="1" lang="ja-JP" altLang="en-US" smtClean="0"/>
-              <a:t>2015/4/2</a:t>
+              <a:t>2015/4/16</a:t>
             </a:fld>
             <a:endParaRPr kumimoji="1" lang="ja-JP" altLang="en-US"/>
           </a:p>
@@ -2211,7 +2212,7 @@
           <a:p>
             <a:fld id="{E2878988-D8A0-41FC-BFAE-62C0E9D186B2}" type="datetimeFigureOut">
               <a:rPr kumimoji="1" lang="ja-JP" altLang="en-US" smtClean="0"/>
-              <a:t>2015/4/2</a:t>
+              <a:t>2015/4/16</a:t>
             </a:fld>
             <a:endParaRPr kumimoji="1" lang="ja-JP" altLang="en-US"/>
           </a:p>
@@ -2520,7 +2521,7 @@
           <a:p>
             <a:fld id="{E2878988-D8A0-41FC-BFAE-62C0E9D186B2}" type="datetimeFigureOut">
               <a:rPr kumimoji="1" lang="ja-JP" altLang="en-US" smtClean="0"/>
-              <a:t>2015/4/2</a:t>
+              <a:t>2015/4/16</a:t>
             </a:fld>
             <a:endParaRPr kumimoji="1" lang="ja-JP" altLang="en-US"/>
           </a:p>
@@ -2773,7 +2774,7 @@
           <a:p>
             <a:fld id="{E2878988-D8A0-41FC-BFAE-62C0E9D186B2}" type="datetimeFigureOut">
               <a:rPr kumimoji="1" lang="ja-JP" altLang="en-US" smtClean="0"/>
-              <a:t>2015/4/2</a:t>
+              <a:t>2015/4/16</a:t>
             </a:fld>
             <a:endParaRPr kumimoji="1" lang="ja-JP" altLang="en-US"/>
           </a:p>
@@ -3018,7 +3019,7 @@
           <a:p>
             <a:fld id="{E2878988-D8A0-41FC-BFAE-62C0E9D186B2}" type="datetimeFigureOut">
               <a:rPr kumimoji="1" lang="ja-JP" altLang="en-US" smtClean="0"/>
-              <a:t>2015/4/2</a:t>
+              <a:t>2015/4/16</a:t>
             </a:fld>
             <a:endParaRPr kumimoji="1" lang="ja-JP" altLang="en-US"/>
           </a:p>
@@ -3475,12 +3476,12 @@
           <a:graphicData uri="http://schemas.openxmlformats.org/presentationml/2006/ole">
             <mc:AlternateContent xmlns:mc="http://schemas.openxmlformats.org/markup-compatibility/2006">
               <mc:Choice xmlns:v="urn:schemas-microsoft-com:vml" Requires="v">
-                <p:oleObj spid="_x0000_s1050" name="ワークシート" r:id="rId3" imgW="5629300" imgH="1076220" progId="Excel.Sheet.12">
+                <p:oleObj spid="_x0000_s1051" name="ワークシート" r:id="rId4" imgW="5629300" imgH="1076220" progId="Excel.Sheet.12">
                   <p:embed/>
                 </p:oleObj>
               </mc:Choice>
               <mc:Fallback>
-                <p:oleObj name="ワークシート" r:id="rId3" imgW="5629300" imgH="1076220" progId="Excel.Sheet.12">
+                <p:oleObj name="ワークシート" r:id="rId4" imgW="5629300" imgH="1076220" progId="Excel.Sheet.12">
                   <p:embed/>
                   <p:pic>
                     <p:nvPicPr>
@@ -3489,7 +3490,7 @@
                       <p:nvPr/>
                     </p:nvPicPr>
                     <p:blipFill>
-                      <a:blip r:embed="rId4"/>
+                      <a:blip r:embed="rId5"/>
                       <a:stretch>
                         <a:fillRect/>
                       </a:stretch>
@@ -5506,12 +5507,12 @@
           <a:graphicData uri="http://schemas.openxmlformats.org/presentationml/2006/ole">
             <mc:AlternateContent xmlns:mc="http://schemas.openxmlformats.org/markup-compatibility/2006">
               <mc:Choice xmlns:v="urn:schemas-microsoft-com:vml" Requires="v">
-                <p:oleObj spid="_x0000_s5123" name="ワークシート" r:id="rId3" imgW="3219444" imgH="676350" progId="Excel.Sheet.12">
+                <p:oleObj spid="_x0000_s5124" name="ワークシート" r:id="rId4" imgW="3219444" imgH="676350" progId="Excel.Sheet.12">
                   <p:embed/>
                 </p:oleObj>
               </mc:Choice>
               <mc:Fallback>
-                <p:oleObj name="ワークシート" r:id="rId3" imgW="3219444" imgH="676350" progId="Excel.Sheet.12">
+                <p:oleObj name="ワークシート" r:id="rId4" imgW="3219444" imgH="676350" progId="Excel.Sheet.12">
                   <p:embed/>
                   <p:pic>
                     <p:nvPicPr>
@@ -5520,7 +5521,7 @@
                       <p:nvPr/>
                     </p:nvPicPr>
                     <p:blipFill>
-                      <a:blip r:embed="rId4"/>
+                      <a:blip r:embed="rId5"/>
                       <a:stretch>
                         <a:fillRect/>
                       </a:stretch>
@@ -5594,7 +5595,7 @@
                   <a:schemeClr val="tx1"/>
                 </a:solidFill>
               </a:rPr>
-              <a:t>編集</a:t>
+              <a:t>詳細</a:t>
             </a:r>
             <a:endParaRPr kumimoji="1" lang="ja-JP" altLang="en-US" sz="1400" dirty="0">
               <a:solidFill>
@@ -5715,12 +5716,12 @@
           <a:p>
             <a:pPr algn="ctr"/>
             <a:r>
-              <a:rPr kumimoji="1" lang="ja-JP" altLang="en-US" sz="1400" dirty="0" smtClean="0">
+              <a:rPr lang="ja-JP" altLang="en-US" sz="1400" dirty="0">
                 <a:solidFill>
                   <a:schemeClr val="tx1"/>
                 </a:solidFill>
               </a:rPr>
-              <a:t>編集</a:t>
+              <a:t>詳細</a:t>
             </a:r>
             <a:endParaRPr kumimoji="1" lang="ja-JP" altLang="en-US" sz="1400" dirty="0">
               <a:solidFill>
@@ -5797,6 +5798,253 @@
     <p:extLst>
       <p:ext uri="{BB962C8B-B14F-4D97-AF65-F5344CB8AC3E}">
         <p14:creationId xmlns:p14="http://schemas.microsoft.com/office/powerpoint/2010/main" val="3445773502"/>
+      </p:ext>
+    </p:extLst>
+  </p:cSld>
+  <p:clrMapOvr>
+    <a:masterClrMapping/>
+  </p:clrMapOvr>
+  <p:timing>
+    <p:tnLst>
+      <p:par>
+        <p:cTn id="1" dur="indefinite" restart="never" nodeType="tmRoot"/>
+      </p:par>
+    </p:tnLst>
+  </p:timing>
+</p:sld>
+</file>
+
+<file path=ppt/slides/slide12.xml><?xml version="1.0" encoding="utf-8"?>
+<p:sld xmlns:a="http://schemas.openxmlformats.org/drawingml/2006/main" xmlns:r="http://schemas.openxmlformats.org/officeDocument/2006/relationships" xmlns:p="http://schemas.openxmlformats.org/presentationml/2006/main">
+  <p:cSld>
+    <p:spTree>
+      <p:nvGrpSpPr>
+        <p:cNvPr id="1" name=""/>
+        <p:cNvGrpSpPr/>
+        <p:nvPr/>
+      </p:nvGrpSpPr>
+      <p:grpSpPr>
+        <a:xfrm>
+          <a:off x="0" y="0"/>
+          <a:ext cx="0" cy="0"/>
+          <a:chOff x="0" y="0"/>
+          <a:chExt cx="0" cy="0"/>
+        </a:xfrm>
+      </p:grpSpPr>
+      <p:sp>
+        <p:nvSpPr>
+          <p:cNvPr id="2" name="テキスト ボックス 1"/>
+          <p:cNvSpPr txBox="1"/>
+          <p:nvPr/>
+        </p:nvSpPr>
+        <p:spPr>
+          <a:xfrm>
+            <a:off x="107504" y="115412"/>
+            <a:ext cx="2736304" cy="369332"/>
+          </a:xfrm>
+          <a:prstGeom prst="rect">
+            <a:avLst/>
+          </a:prstGeom>
+          <a:noFill/>
+        </p:spPr>
+        <p:txBody>
+          <a:bodyPr wrap="square" rtlCol="0">
+            <a:spAutoFit/>
+          </a:bodyPr>
+          <a:lstStyle/>
+          <a:p>
+            <a:r>
+              <a:rPr kumimoji="1" lang="ja-JP" altLang="en-US" dirty="0" smtClean="0"/>
+              <a:t>質問管理表</a:t>
+            </a:r>
+            <a:endParaRPr kumimoji="1" lang="ja-JP" altLang="en-US" dirty="0"/>
+          </a:p>
+        </p:txBody>
+      </p:sp>
+      <p:sp>
+        <p:nvSpPr>
+          <p:cNvPr id="3" name="テキスト ボックス 2"/>
+          <p:cNvSpPr txBox="1"/>
+          <p:nvPr/>
+        </p:nvSpPr>
+        <p:spPr>
+          <a:xfrm>
+            <a:off x="323528" y="620688"/>
+            <a:ext cx="2232248" cy="369332"/>
+          </a:xfrm>
+          <a:prstGeom prst="rect">
+            <a:avLst/>
+          </a:prstGeom>
+          <a:noFill/>
+        </p:spPr>
+        <p:txBody>
+          <a:bodyPr wrap="square" rtlCol="0">
+            <a:spAutoFit/>
+          </a:bodyPr>
+          <a:lstStyle/>
+          <a:p>
+            <a:r>
+              <a:rPr kumimoji="1" lang="ja-JP" altLang="en-US" dirty="0" smtClean="0"/>
+              <a:t>利用者詳細</a:t>
+            </a:r>
+            <a:endParaRPr kumimoji="1" lang="ja-JP" altLang="en-US" dirty="0"/>
+          </a:p>
+        </p:txBody>
+      </p:sp>
+      <p:sp>
+        <p:nvSpPr>
+          <p:cNvPr id="26" name="角丸四角形 25"/>
+          <p:cNvSpPr/>
+          <p:nvPr/>
+        </p:nvSpPr>
+        <p:spPr>
+          <a:xfrm>
+            <a:off x="539552" y="990020"/>
+            <a:ext cx="720080" cy="360040"/>
+          </a:xfrm>
+          <a:prstGeom prst="roundRect">
+            <a:avLst/>
+          </a:prstGeom>
+          <a:solidFill>
+            <a:schemeClr val="tx2">
+              <a:lumMod val="20000"/>
+              <a:lumOff val="80000"/>
+            </a:schemeClr>
+          </a:solidFill>
+          <a:ln w="12700">
+            <a:solidFill>
+              <a:schemeClr val="tx1"/>
+            </a:solidFill>
+          </a:ln>
+        </p:spPr>
+        <p:style>
+          <a:lnRef idx="2">
+            <a:schemeClr val="accent1">
+              <a:shade val="50000"/>
+            </a:schemeClr>
+          </a:lnRef>
+          <a:fillRef idx="1">
+            <a:schemeClr val="accent1"/>
+          </a:fillRef>
+          <a:effectRef idx="0">
+            <a:schemeClr val="accent1"/>
+          </a:effectRef>
+          <a:fontRef idx="minor">
+            <a:schemeClr val="lt1"/>
+          </a:fontRef>
+        </p:style>
+        <p:txBody>
+          <a:bodyPr rtlCol="0" anchor="ctr"/>
+          <a:lstStyle/>
+          <a:p>
+            <a:pPr algn="ctr"/>
+            <a:r>
+              <a:rPr kumimoji="1" lang="ja-JP" altLang="en-US" sz="1400" dirty="0" smtClean="0">
+                <a:solidFill>
+                  <a:schemeClr val="tx1"/>
+                </a:solidFill>
+              </a:rPr>
+              <a:t>編集</a:t>
+            </a:r>
+            <a:endParaRPr kumimoji="1" lang="ja-JP" altLang="en-US" sz="1400" dirty="0">
+              <a:solidFill>
+                <a:schemeClr val="tx1"/>
+              </a:solidFill>
+            </a:endParaRPr>
+          </a:p>
+        </p:txBody>
+      </p:sp>
+      <p:graphicFrame>
+        <p:nvGraphicFramePr>
+          <p:cNvPr id="4" name="オブジェクト 3"/>
+          <p:cNvGraphicFramePr>
+            <a:graphicFrameLocks noChangeAspect="1"/>
+          </p:cNvGraphicFramePr>
+          <p:nvPr>
+            <p:extLst>
+              <p:ext uri="{D42A27DB-BD31-4B8C-83A1-F6EECF244321}">
+                <p14:modId xmlns:p14="http://schemas.microsoft.com/office/powerpoint/2010/main" val="1957263128"/>
+              </p:ext>
+            </p:extLst>
+          </p:nvPr>
+        </p:nvGraphicFramePr>
+        <p:xfrm>
+          <a:off x="629816" y="1772816"/>
+          <a:ext cx="2209800" cy="723900"/>
+        </p:xfrm>
+        <a:graphic>
+          <a:graphicData uri="http://schemas.openxmlformats.org/presentationml/2006/ole">
+            <mc:AlternateContent xmlns:mc="http://schemas.openxmlformats.org/markup-compatibility/2006">
+              <mc:Choice xmlns:v="urn:schemas-microsoft-com:vml" Requires="v">
+                <p:oleObj spid="_x0000_s6147" name="ワークシート" r:id="rId3" imgW="2209687" imgH="723870" progId="Excel.Sheet.12">
+                  <p:embed/>
+                </p:oleObj>
+              </mc:Choice>
+              <mc:Fallback>
+                <p:oleObj name="ワークシート" r:id="rId3" imgW="2209687" imgH="723870" progId="Excel.Sheet.12">
+                  <p:embed/>
+                  <p:pic>
+                    <p:nvPicPr>
+                      <p:cNvPr id="0" name=""/>
+                      <p:cNvPicPr/>
+                      <p:nvPr/>
+                    </p:nvPicPr>
+                    <p:blipFill>
+                      <a:blip r:embed="rId4"/>
+                      <a:stretch>
+                        <a:fillRect/>
+                      </a:stretch>
+                    </p:blipFill>
+                    <p:spPr>
+                      <a:xfrm>
+                        <a:off x="629816" y="1772816"/>
+                        <a:ext cx="2209800" cy="723900"/>
+                      </a:xfrm>
+                      <a:prstGeom prst="rect">
+                        <a:avLst/>
+                      </a:prstGeom>
+                    </p:spPr>
+                  </p:pic>
+                </p:oleObj>
+              </mc:Fallback>
+            </mc:AlternateContent>
+          </a:graphicData>
+        </a:graphic>
+      </p:graphicFrame>
+      <p:sp>
+        <p:nvSpPr>
+          <p:cNvPr id="6" name="テキスト ボックス 5"/>
+          <p:cNvSpPr txBox="1"/>
+          <p:nvPr/>
+        </p:nvSpPr>
+        <p:spPr>
+          <a:xfrm>
+            <a:off x="395536" y="2708920"/>
+            <a:ext cx="648072" cy="369332"/>
+          </a:xfrm>
+          <a:prstGeom prst="rect">
+            <a:avLst/>
+          </a:prstGeom>
+          <a:noFill/>
+        </p:spPr>
+        <p:txBody>
+          <a:bodyPr wrap="square" rtlCol="0">
+            <a:spAutoFit/>
+          </a:bodyPr>
+          <a:lstStyle/>
+          <a:p>
+            <a:r>
+              <a:rPr kumimoji="1" lang="ja-JP" altLang="en-US" dirty="0" smtClean="0"/>
+              <a:t>戻る</a:t>
+            </a:r>
+            <a:endParaRPr kumimoji="1" lang="ja-JP" altLang="en-US" dirty="0"/>
+          </a:p>
+        </p:txBody>
+      </p:sp>
+    </p:spTree>
+    <p:extLst>
+      <p:ext uri="{BB962C8B-B14F-4D97-AF65-F5344CB8AC3E}">
+        <p14:creationId xmlns:p14="http://schemas.microsoft.com/office/powerpoint/2010/main" val="3751995326"/>
       </p:ext>
     </p:extLst>
   </p:cSld>
@@ -6870,12 +7118,12 @@
           <a:graphicData uri="http://schemas.openxmlformats.org/presentationml/2006/ole">
             <mc:AlternateContent xmlns:mc="http://schemas.openxmlformats.org/markup-compatibility/2006">
               <mc:Choice xmlns:v="urn:schemas-microsoft-com:vml" Requires="v">
-                <p:oleObj spid="_x0000_s2084" name="ワークシート" r:id="rId3" imgW="6305443" imgH="2486160" progId="Excel.Sheet.12">
+                <p:oleObj spid="_x0000_s2086" name="ワークシート" r:id="rId4" imgW="6305443" imgH="2486160" progId="Excel.Sheet.12">
                   <p:embed/>
                 </p:oleObj>
               </mc:Choice>
               <mc:Fallback>
-                <p:oleObj name="ワークシート" r:id="rId3" imgW="6305443" imgH="2486160" progId="Excel.Sheet.12">
+                <p:oleObj name="ワークシート" r:id="rId4" imgW="6305443" imgH="2486160" progId="Excel.Sheet.12">
                   <p:embed/>
                   <p:pic>
                     <p:nvPicPr>
@@ -6884,7 +7132,7 @@
                       <p:nvPr/>
                     </p:nvPicPr>
                     <p:blipFill>
-                      <a:blip r:embed="rId4"/>
+                      <a:blip r:embed="rId5"/>
                       <a:stretch>
                         <a:fillRect/>
                       </a:stretch>
@@ -7004,12 +7252,12 @@
           <a:graphicData uri="http://schemas.openxmlformats.org/presentationml/2006/ole">
             <mc:AlternateContent xmlns:mc="http://schemas.openxmlformats.org/markup-compatibility/2006">
               <mc:Choice xmlns:v="urn:schemas-microsoft-com:vml" Requires="v">
-                <p:oleObj spid="_x0000_s2085" name="ワークシート" r:id="rId5" imgW="7239023" imgH="1009530" progId="Excel.Sheet.12">
+                <p:oleObj spid="_x0000_s2087" name="ワークシート" r:id="rId7" imgW="7239023" imgH="1009530" progId="Excel.Sheet.12">
                   <p:embed/>
                 </p:oleObj>
               </mc:Choice>
               <mc:Fallback>
-                <p:oleObj name="ワークシート" r:id="rId5" imgW="7239023" imgH="1009530" progId="Excel.Sheet.12">
+                <p:oleObj name="ワークシート" r:id="rId7" imgW="7239023" imgH="1009530" progId="Excel.Sheet.12">
                   <p:embed/>
                   <p:pic>
                     <p:nvPicPr>
@@ -7018,7 +7266,7 @@
                       <p:nvPr/>
                     </p:nvPicPr>
                     <p:blipFill>
-                      <a:blip r:embed="rId6"/>
+                      <a:blip r:embed="rId8"/>
                       <a:stretch>
                         <a:fillRect/>
                       </a:stretch>
@@ -10161,12 +10409,12 @@
           <a:graphicData uri="http://schemas.openxmlformats.org/presentationml/2006/ole">
             <mc:AlternateContent xmlns:mc="http://schemas.openxmlformats.org/markup-compatibility/2006">
               <mc:Choice xmlns:v="urn:schemas-microsoft-com:vml" Requires="v">
-                <p:oleObj spid="_x0000_s3089" name="ワークシート" r:id="rId3" imgW="8391410" imgH="1885950" progId="Excel.Sheet.12">
+                <p:oleObj spid="_x0000_s3090" name="ワークシート" r:id="rId4" imgW="8391410" imgH="1885950" progId="Excel.Sheet.12">
                   <p:embed/>
                 </p:oleObj>
               </mc:Choice>
               <mc:Fallback>
-                <p:oleObj name="ワークシート" r:id="rId3" imgW="8391410" imgH="1885950" progId="Excel.Sheet.12">
+                <p:oleObj name="ワークシート" r:id="rId4" imgW="8391410" imgH="1885950" progId="Excel.Sheet.12">
                   <p:embed/>
                   <p:pic>
                     <p:nvPicPr>
@@ -10175,7 +10423,7 @@
                       <p:nvPr/>
                     </p:nvPicPr>
                     <p:blipFill>
-                      <a:blip r:embed="rId4"/>
+                      <a:blip r:embed="rId5"/>
                       <a:stretch>
                         <a:fillRect/>
                       </a:stretch>

--- a/画面一覧.pptx
+++ b/画面一覧.pptx
@@ -17,6 +17,12 @@
     <p:sldId id="265" r:id="rId11"/>
     <p:sldId id="266" r:id="rId12"/>
     <p:sldId id="267" r:id="rId13"/>
+    <p:sldId id="268" r:id="rId14"/>
+    <p:sldId id="269" r:id="rId15"/>
+    <p:sldId id="270" r:id="rId16"/>
+    <p:sldId id="271" r:id="rId17"/>
+    <p:sldId id="272" r:id="rId18"/>
+    <p:sldId id="273" r:id="rId19"/>
   </p:sldIdLst>
   <p:sldSz cx="9144000" cy="6858000" type="screen4x3"/>
   <p:notesSz cx="6858000" cy="9144000"/>
@@ -299,7 +305,7 @@
           <a:p>
             <a:fld id="{E2878988-D8A0-41FC-BFAE-62C0E9D186B2}" type="datetimeFigureOut">
               <a:rPr kumimoji="1" lang="ja-JP" altLang="en-US" smtClean="0"/>
-              <a:t>2015/4/16</a:t>
+              <a:t>2015/4/24</a:t>
             </a:fld>
             <a:endParaRPr kumimoji="1" lang="ja-JP" altLang="en-US"/>
           </a:p>
@@ -501,7 +507,7 @@
           <a:p>
             <a:fld id="{E2878988-D8A0-41FC-BFAE-62C0E9D186B2}" type="datetimeFigureOut">
               <a:rPr kumimoji="1" lang="ja-JP" altLang="en-US" smtClean="0"/>
-              <a:t>2015/4/16</a:t>
+              <a:t>2015/4/24</a:t>
             </a:fld>
             <a:endParaRPr kumimoji="1" lang="ja-JP" altLang="en-US"/>
           </a:p>
@@ -713,7 +719,7 @@
           <a:p>
             <a:fld id="{E2878988-D8A0-41FC-BFAE-62C0E9D186B2}" type="datetimeFigureOut">
               <a:rPr kumimoji="1" lang="ja-JP" altLang="en-US" smtClean="0"/>
-              <a:t>2015/4/16</a:t>
+              <a:t>2015/4/24</a:t>
             </a:fld>
             <a:endParaRPr kumimoji="1" lang="ja-JP" altLang="en-US"/>
           </a:p>
@@ -915,7 +921,7 @@
           <a:p>
             <a:fld id="{E2878988-D8A0-41FC-BFAE-62C0E9D186B2}" type="datetimeFigureOut">
               <a:rPr kumimoji="1" lang="ja-JP" altLang="en-US" smtClean="0"/>
-              <a:t>2015/4/16</a:t>
+              <a:t>2015/4/24</a:t>
             </a:fld>
             <a:endParaRPr kumimoji="1" lang="ja-JP" altLang="en-US"/>
           </a:p>
@@ -1161,7 +1167,7 @@
           <a:p>
             <a:fld id="{E2878988-D8A0-41FC-BFAE-62C0E9D186B2}" type="datetimeFigureOut">
               <a:rPr kumimoji="1" lang="ja-JP" altLang="en-US" smtClean="0"/>
-              <a:t>2015/4/16</a:t>
+              <a:t>2015/4/24</a:t>
             </a:fld>
             <a:endParaRPr kumimoji="1" lang="ja-JP" altLang="en-US"/>
           </a:p>
@@ -1513,7 +1519,7 @@
           <a:p>
             <a:fld id="{E2878988-D8A0-41FC-BFAE-62C0E9D186B2}" type="datetimeFigureOut">
               <a:rPr kumimoji="1" lang="ja-JP" altLang="en-US" smtClean="0"/>
-              <a:t>2015/4/16</a:t>
+              <a:t>2015/4/24</a:t>
             </a:fld>
             <a:endParaRPr kumimoji="1" lang="ja-JP" altLang="en-US"/>
           </a:p>
@@ -1999,7 +2005,7 @@
           <a:p>
             <a:fld id="{E2878988-D8A0-41FC-BFAE-62C0E9D186B2}" type="datetimeFigureOut">
               <a:rPr kumimoji="1" lang="ja-JP" altLang="en-US" smtClean="0"/>
-              <a:t>2015/4/16</a:t>
+              <a:t>2015/4/24</a:t>
             </a:fld>
             <a:endParaRPr kumimoji="1" lang="ja-JP" altLang="en-US"/>
           </a:p>
@@ -2117,7 +2123,7 @@
           <a:p>
             <a:fld id="{E2878988-D8A0-41FC-BFAE-62C0E9D186B2}" type="datetimeFigureOut">
               <a:rPr kumimoji="1" lang="ja-JP" altLang="en-US" smtClean="0"/>
-              <a:t>2015/4/16</a:t>
+              <a:t>2015/4/24</a:t>
             </a:fld>
             <a:endParaRPr kumimoji="1" lang="ja-JP" altLang="en-US"/>
           </a:p>
@@ -2212,7 +2218,7 @@
           <a:p>
             <a:fld id="{E2878988-D8A0-41FC-BFAE-62C0E9D186B2}" type="datetimeFigureOut">
               <a:rPr kumimoji="1" lang="ja-JP" altLang="en-US" smtClean="0"/>
-              <a:t>2015/4/16</a:t>
+              <a:t>2015/4/24</a:t>
             </a:fld>
             <a:endParaRPr kumimoji="1" lang="ja-JP" altLang="en-US"/>
           </a:p>
@@ -2521,7 +2527,7 @@
           <a:p>
             <a:fld id="{E2878988-D8A0-41FC-BFAE-62C0E9D186B2}" type="datetimeFigureOut">
               <a:rPr kumimoji="1" lang="ja-JP" altLang="en-US" smtClean="0"/>
-              <a:t>2015/4/16</a:t>
+              <a:t>2015/4/24</a:t>
             </a:fld>
             <a:endParaRPr kumimoji="1" lang="ja-JP" altLang="en-US"/>
           </a:p>
@@ -2774,7 +2780,7 @@
           <a:p>
             <a:fld id="{E2878988-D8A0-41FC-BFAE-62C0E9D186B2}" type="datetimeFigureOut">
               <a:rPr kumimoji="1" lang="ja-JP" altLang="en-US" smtClean="0"/>
-              <a:t>2015/4/16</a:t>
+              <a:t>2015/4/24</a:t>
             </a:fld>
             <a:endParaRPr kumimoji="1" lang="ja-JP" altLang="en-US"/>
           </a:p>
@@ -3019,7 +3025,7 @@
           <a:p>
             <a:fld id="{E2878988-D8A0-41FC-BFAE-62C0E9D186B2}" type="datetimeFigureOut">
               <a:rPr kumimoji="1" lang="ja-JP" altLang="en-US" smtClean="0"/>
-              <a:t>2015/4/16</a:t>
+              <a:t>2015/4/24</a:t>
             </a:fld>
             <a:endParaRPr kumimoji="1" lang="ja-JP" altLang="en-US"/>
           </a:p>
@@ -3476,12 +3482,12 @@
           <a:graphicData uri="http://schemas.openxmlformats.org/presentationml/2006/ole">
             <mc:AlternateContent xmlns:mc="http://schemas.openxmlformats.org/markup-compatibility/2006">
               <mc:Choice xmlns:v="urn:schemas-microsoft-com:vml" Requires="v">
-                <p:oleObj spid="_x0000_s1051" name="ワークシート" r:id="rId4" imgW="5629300" imgH="1076220" progId="Excel.Sheet.12">
+                <p:oleObj spid="_x0000_s1061" name="ワークシート" r:id="rId3" imgW="5629300" imgH="1076220" progId="Excel.Sheet.12">
                   <p:embed/>
                 </p:oleObj>
               </mc:Choice>
               <mc:Fallback>
-                <p:oleObj name="ワークシート" r:id="rId4" imgW="5629300" imgH="1076220" progId="Excel.Sheet.12">
+                <p:oleObj name="ワークシート" r:id="rId3" imgW="5629300" imgH="1076220" progId="Excel.Sheet.12">
                   <p:embed/>
                   <p:pic>
                     <p:nvPicPr>
@@ -3490,7 +3496,7 @@
                       <p:nvPr/>
                     </p:nvPicPr>
                     <p:blipFill>
-                      <a:blip r:embed="rId5"/>
+                      <a:blip r:embed="rId4"/>
                       <a:stretch>
                         <a:fillRect/>
                       </a:stretch>
@@ -5507,12 +5513,12 @@
           <a:graphicData uri="http://schemas.openxmlformats.org/presentationml/2006/ole">
             <mc:AlternateContent xmlns:mc="http://schemas.openxmlformats.org/markup-compatibility/2006">
               <mc:Choice xmlns:v="urn:schemas-microsoft-com:vml" Requires="v">
-                <p:oleObj spid="_x0000_s5124" name="ワークシート" r:id="rId4" imgW="3219444" imgH="676350" progId="Excel.Sheet.12">
+                <p:oleObj spid="_x0000_s5134" name="ワークシート" r:id="rId3" imgW="3219444" imgH="676350" progId="Excel.Sheet.12">
                   <p:embed/>
                 </p:oleObj>
               </mc:Choice>
               <mc:Fallback>
-                <p:oleObj name="ワークシート" r:id="rId4" imgW="3219444" imgH="676350" progId="Excel.Sheet.12">
+                <p:oleObj name="ワークシート" r:id="rId3" imgW="3219444" imgH="676350" progId="Excel.Sheet.12">
                   <p:embed/>
                   <p:pic>
                     <p:nvPicPr>
@@ -5521,7 +5527,7 @@
                       <p:nvPr/>
                     </p:nvPicPr>
                     <p:blipFill>
-                      <a:blip r:embed="rId5"/>
+                      <a:blip r:embed="rId4"/>
                       <a:stretch>
                         <a:fillRect/>
                       </a:stretch>
@@ -5976,7 +5982,7 @@
           <a:graphicData uri="http://schemas.openxmlformats.org/presentationml/2006/ole">
             <mc:AlternateContent xmlns:mc="http://schemas.openxmlformats.org/markup-compatibility/2006">
               <mc:Choice xmlns:v="urn:schemas-microsoft-com:vml" Requires="v">
-                <p:oleObj spid="_x0000_s6147" name="ワークシート" r:id="rId3" imgW="2209687" imgH="723870" progId="Excel.Sheet.12">
+                <p:oleObj spid="_x0000_s6157" name="ワークシート" r:id="rId3" imgW="2209687" imgH="723870" progId="Excel.Sheet.12">
                   <p:embed/>
                 </p:oleObj>
               </mc:Choice>
@@ -6045,6 +6051,2219 @@
     <p:extLst>
       <p:ext uri="{BB962C8B-B14F-4D97-AF65-F5344CB8AC3E}">
         <p14:creationId xmlns:p14="http://schemas.microsoft.com/office/powerpoint/2010/main" val="3751995326"/>
+      </p:ext>
+    </p:extLst>
+  </p:cSld>
+  <p:clrMapOvr>
+    <a:masterClrMapping/>
+  </p:clrMapOvr>
+  <p:timing>
+    <p:tnLst>
+      <p:par>
+        <p:cTn id="1" dur="indefinite" restart="never" nodeType="tmRoot"/>
+      </p:par>
+    </p:tnLst>
+  </p:timing>
+</p:sld>
+</file>
+
+<file path=ppt/slides/slide13.xml><?xml version="1.0" encoding="utf-8"?>
+<p:sld xmlns:a="http://schemas.openxmlformats.org/drawingml/2006/main" xmlns:r="http://schemas.openxmlformats.org/officeDocument/2006/relationships" xmlns:p="http://schemas.openxmlformats.org/presentationml/2006/main">
+  <p:cSld>
+    <p:spTree>
+      <p:nvGrpSpPr>
+        <p:cNvPr id="1" name=""/>
+        <p:cNvGrpSpPr/>
+        <p:nvPr/>
+      </p:nvGrpSpPr>
+      <p:grpSpPr>
+        <a:xfrm>
+          <a:off x="0" y="0"/>
+          <a:ext cx="0" cy="0"/>
+          <a:chOff x="0" y="0"/>
+          <a:chExt cx="0" cy="0"/>
+        </a:xfrm>
+      </p:grpSpPr>
+      <p:sp>
+        <p:nvSpPr>
+          <p:cNvPr id="2" name="テキスト ボックス 1"/>
+          <p:cNvSpPr txBox="1"/>
+          <p:nvPr/>
+        </p:nvSpPr>
+        <p:spPr>
+          <a:xfrm>
+            <a:off x="107504" y="115412"/>
+            <a:ext cx="2736304" cy="369332"/>
+          </a:xfrm>
+          <a:prstGeom prst="rect">
+            <a:avLst/>
+          </a:prstGeom>
+          <a:noFill/>
+        </p:spPr>
+        <p:txBody>
+          <a:bodyPr wrap="square" rtlCol="0">
+            <a:spAutoFit/>
+          </a:bodyPr>
+          <a:lstStyle/>
+          <a:p>
+            <a:r>
+              <a:rPr kumimoji="1" lang="ja-JP" altLang="en-US" dirty="0" smtClean="0"/>
+              <a:t>質問管理表</a:t>
+            </a:r>
+            <a:endParaRPr kumimoji="1" lang="ja-JP" altLang="en-US" dirty="0"/>
+          </a:p>
+        </p:txBody>
+      </p:sp>
+      <p:sp>
+        <p:nvSpPr>
+          <p:cNvPr id="3" name="テキスト ボックス 2"/>
+          <p:cNvSpPr txBox="1"/>
+          <p:nvPr/>
+        </p:nvSpPr>
+        <p:spPr>
+          <a:xfrm>
+            <a:off x="323528" y="620688"/>
+            <a:ext cx="2232248" cy="369332"/>
+          </a:xfrm>
+          <a:prstGeom prst="rect">
+            <a:avLst/>
+          </a:prstGeom>
+          <a:noFill/>
+        </p:spPr>
+        <p:txBody>
+          <a:bodyPr wrap="square" rtlCol="0">
+            <a:spAutoFit/>
+          </a:bodyPr>
+          <a:lstStyle/>
+          <a:p>
+            <a:r>
+              <a:rPr lang="ja-JP" altLang="en-US" dirty="0"/>
+              <a:t>メニュー</a:t>
+            </a:r>
+            <a:endParaRPr kumimoji="1" lang="ja-JP" altLang="en-US" dirty="0"/>
+          </a:p>
+        </p:txBody>
+      </p:sp>
+      <p:sp>
+        <p:nvSpPr>
+          <p:cNvPr id="6" name="テキスト ボックス 5"/>
+          <p:cNvSpPr txBox="1"/>
+          <p:nvPr/>
+        </p:nvSpPr>
+        <p:spPr>
+          <a:xfrm>
+            <a:off x="395536" y="2708920"/>
+            <a:ext cx="648072" cy="369332"/>
+          </a:xfrm>
+          <a:prstGeom prst="rect">
+            <a:avLst/>
+          </a:prstGeom>
+          <a:noFill/>
+        </p:spPr>
+        <p:txBody>
+          <a:bodyPr wrap="square" rtlCol="0">
+            <a:spAutoFit/>
+          </a:bodyPr>
+          <a:lstStyle/>
+          <a:p>
+            <a:r>
+              <a:rPr kumimoji="1" lang="ja-JP" altLang="en-US" dirty="0" smtClean="0"/>
+              <a:t>戻る</a:t>
+            </a:r>
+            <a:endParaRPr kumimoji="1" lang="ja-JP" altLang="en-US" dirty="0"/>
+          </a:p>
+        </p:txBody>
+      </p:sp>
+      <p:sp>
+        <p:nvSpPr>
+          <p:cNvPr id="5" name="テキスト ボックス 4"/>
+          <p:cNvSpPr txBox="1"/>
+          <p:nvPr/>
+        </p:nvSpPr>
+        <p:spPr>
+          <a:xfrm>
+            <a:off x="539552" y="1196752"/>
+            <a:ext cx="2160240" cy="369332"/>
+          </a:xfrm>
+          <a:prstGeom prst="rect">
+            <a:avLst/>
+          </a:prstGeom>
+          <a:noFill/>
+        </p:spPr>
+        <p:txBody>
+          <a:bodyPr wrap="square" rtlCol="0">
+            <a:spAutoFit/>
+          </a:bodyPr>
+          <a:lstStyle/>
+          <a:p>
+            <a:r>
+              <a:rPr kumimoji="1" lang="ja-JP" altLang="en-US" dirty="0" smtClean="0"/>
+              <a:t>利用者管理</a:t>
+            </a:r>
+            <a:endParaRPr kumimoji="1" lang="ja-JP" altLang="en-US" dirty="0"/>
+          </a:p>
+        </p:txBody>
+      </p:sp>
+      <p:sp>
+        <p:nvSpPr>
+          <p:cNvPr id="7" name="テキスト ボックス 6"/>
+          <p:cNvSpPr txBox="1"/>
+          <p:nvPr/>
+        </p:nvSpPr>
+        <p:spPr>
+          <a:xfrm>
+            <a:off x="539552" y="1772816"/>
+            <a:ext cx="1584176" cy="369332"/>
+          </a:xfrm>
+          <a:prstGeom prst="rect">
+            <a:avLst/>
+          </a:prstGeom>
+          <a:noFill/>
+        </p:spPr>
+        <p:txBody>
+          <a:bodyPr wrap="square" rtlCol="0">
+            <a:spAutoFit/>
+          </a:bodyPr>
+          <a:lstStyle/>
+          <a:p>
+            <a:r>
+              <a:rPr lang="ja-JP" altLang="en-US" dirty="0" smtClean="0"/>
+              <a:t>案件</a:t>
+            </a:r>
+            <a:r>
+              <a:rPr lang="ja-JP" altLang="en-US" dirty="0"/>
+              <a:t>選択</a:t>
+            </a:r>
+            <a:endParaRPr kumimoji="1" lang="ja-JP" altLang="en-US" dirty="0"/>
+          </a:p>
+        </p:txBody>
+      </p:sp>
+    </p:spTree>
+    <p:extLst>
+      <p:ext uri="{BB962C8B-B14F-4D97-AF65-F5344CB8AC3E}">
+        <p14:creationId xmlns:p14="http://schemas.microsoft.com/office/powerpoint/2010/main" val="154297598"/>
+      </p:ext>
+    </p:extLst>
+  </p:cSld>
+  <p:clrMapOvr>
+    <a:masterClrMapping/>
+  </p:clrMapOvr>
+  <p:timing>
+    <p:tnLst>
+      <p:par>
+        <p:cTn id="1" dur="indefinite" restart="never" nodeType="tmRoot"/>
+      </p:par>
+    </p:tnLst>
+  </p:timing>
+</p:sld>
+</file>
+
+<file path=ppt/slides/slide14.xml><?xml version="1.0" encoding="utf-8"?>
+<p:sld xmlns:a="http://schemas.openxmlformats.org/drawingml/2006/main" xmlns:r="http://schemas.openxmlformats.org/officeDocument/2006/relationships" xmlns:p="http://schemas.openxmlformats.org/presentationml/2006/main">
+  <p:cSld>
+    <p:spTree>
+      <p:nvGrpSpPr>
+        <p:cNvPr id="1" name=""/>
+        <p:cNvGrpSpPr/>
+        <p:nvPr/>
+      </p:nvGrpSpPr>
+      <p:grpSpPr>
+        <a:xfrm>
+          <a:off x="0" y="0"/>
+          <a:ext cx="0" cy="0"/>
+          <a:chOff x="0" y="0"/>
+          <a:chExt cx="0" cy="0"/>
+        </a:xfrm>
+      </p:grpSpPr>
+      <p:sp>
+        <p:nvSpPr>
+          <p:cNvPr id="2" name="テキスト ボックス 1"/>
+          <p:cNvSpPr txBox="1"/>
+          <p:nvPr/>
+        </p:nvSpPr>
+        <p:spPr>
+          <a:xfrm>
+            <a:off x="107504" y="115412"/>
+            <a:ext cx="2736304" cy="369332"/>
+          </a:xfrm>
+          <a:prstGeom prst="rect">
+            <a:avLst/>
+          </a:prstGeom>
+          <a:noFill/>
+        </p:spPr>
+        <p:txBody>
+          <a:bodyPr wrap="square" rtlCol="0">
+            <a:spAutoFit/>
+          </a:bodyPr>
+          <a:lstStyle/>
+          <a:p>
+            <a:r>
+              <a:rPr kumimoji="1" lang="ja-JP" altLang="en-US" dirty="0" smtClean="0"/>
+              <a:t>質問管理表</a:t>
+            </a:r>
+            <a:endParaRPr kumimoji="1" lang="ja-JP" altLang="en-US" dirty="0"/>
+          </a:p>
+        </p:txBody>
+      </p:sp>
+      <p:sp>
+        <p:nvSpPr>
+          <p:cNvPr id="3" name="テキスト ボックス 2"/>
+          <p:cNvSpPr txBox="1"/>
+          <p:nvPr/>
+        </p:nvSpPr>
+        <p:spPr>
+          <a:xfrm>
+            <a:off x="323528" y="620688"/>
+            <a:ext cx="2232248" cy="369332"/>
+          </a:xfrm>
+          <a:prstGeom prst="rect">
+            <a:avLst/>
+          </a:prstGeom>
+          <a:noFill/>
+        </p:spPr>
+        <p:txBody>
+          <a:bodyPr wrap="square" rtlCol="0">
+            <a:spAutoFit/>
+          </a:bodyPr>
+          <a:lstStyle/>
+          <a:p>
+            <a:r>
+              <a:rPr lang="ja-JP" altLang="en-US" dirty="0" smtClean="0"/>
+              <a:t>案件一覧</a:t>
+            </a:r>
+            <a:endParaRPr kumimoji="1" lang="ja-JP" altLang="en-US" dirty="0"/>
+          </a:p>
+        </p:txBody>
+      </p:sp>
+      <p:sp>
+        <p:nvSpPr>
+          <p:cNvPr id="6" name="テキスト ボックス 5"/>
+          <p:cNvSpPr txBox="1"/>
+          <p:nvPr/>
+        </p:nvSpPr>
+        <p:spPr>
+          <a:xfrm>
+            <a:off x="539552" y="3861048"/>
+            <a:ext cx="648072" cy="369332"/>
+          </a:xfrm>
+          <a:prstGeom prst="rect">
+            <a:avLst/>
+          </a:prstGeom>
+          <a:noFill/>
+        </p:spPr>
+        <p:txBody>
+          <a:bodyPr wrap="square" rtlCol="0">
+            <a:spAutoFit/>
+          </a:bodyPr>
+          <a:lstStyle/>
+          <a:p>
+            <a:r>
+              <a:rPr kumimoji="1" lang="ja-JP" altLang="en-US" dirty="0" smtClean="0"/>
+              <a:t>戻る</a:t>
+            </a:r>
+            <a:endParaRPr kumimoji="1" lang="ja-JP" altLang="en-US" dirty="0"/>
+          </a:p>
+        </p:txBody>
+      </p:sp>
+      <p:sp>
+        <p:nvSpPr>
+          <p:cNvPr id="4" name="四角形吹き出し 3"/>
+          <p:cNvSpPr/>
+          <p:nvPr/>
+        </p:nvSpPr>
+        <p:spPr>
+          <a:xfrm>
+            <a:off x="1907704" y="3501008"/>
+            <a:ext cx="3528392" cy="864096"/>
+          </a:xfrm>
+          <a:prstGeom prst="wedgeRectCallout">
+            <a:avLst>
+              <a:gd name="adj1" fmla="val -53980"/>
+              <a:gd name="adj2" fmla="val -171179"/>
+            </a:avLst>
+          </a:prstGeom>
+          <a:solidFill>
+            <a:schemeClr val="bg1"/>
+          </a:solidFill>
+        </p:spPr>
+        <p:style>
+          <a:lnRef idx="2">
+            <a:schemeClr val="accent1">
+              <a:shade val="50000"/>
+            </a:schemeClr>
+          </a:lnRef>
+          <a:fillRef idx="1">
+            <a:schemeClr val="accent1"/>
+          </a:fillRef>
+          <a:effectRef idx="0">
+            <a:schemeClr val="accent1"/>
+          </a:effectRef>
+          <a:fontRef idx="minor">
+            <a:schemeClr val="lt1"/>
+          </a:fontRef>
+        </p:style>
+        <p:txBody>
+          <a:bodyPr rtlCol="0" anchor="ctr"/>
+          <a:lstStyle/>
+          <a:p>
+            <a:r>
+              <a:rPr lang="ja-JP" altLang="en-US" dirty="0">
+                <a:solidFill>
+                  <a:schemeClr val="tx1"/>
+                </a:solidFill>
+              </a:rPr>
+              <a:t>案件</a:t>
+            </a:r>
+            <a:r>
+              <a:rPr lang="ja-JP" altLang="en-US" dirty="0" smtClean="0">
+                <a:solidFill>
+                  <a:schemeClr val="tx1"/>
+                </a:solidFill>
+              </a:rPr>
+              <a:t>のタイトルをクリックすることで案件別の質問一覧画面へ遷移</a:t>
+            </a:r>
+            <a:endParaRPr kumimoji="1" lang="ja-JP" altLang="en-US" dirty="0">
+              <a:solidFill>
+                <a:schemeClr val="tx1"/>
+              </a:solidFill>
+            </a:endParaRPr>
+          </a:p>
+        </p:txBody>
+      </p:sp>
+      <p:sp>
+        <p:nvSpPr>
+          <p:cNvPr id="9" name="角丸四角形 8"/>
+          <p:cNvSpPr/>
+          <p:nvPr/>
+        </p:nvSpPr>
+        <p:spPr>
+          <a:xfrm>
+            <a:off x="539552" y="1182187"/>
+            <a:ext cx="1296144" cy="350748"/>
+          </a:xfrm>
+          <a:prstGeom prst="roundRect">
+            <a:avLst/>
+          </a:prstGeom>
+          <a:solidFill>
+            <a:schemeClr val="tx2">
+              <a:lumMod val="20000"/>
+              <a:lumOff val="80000"/>
+            </a:schemeClr>
+          </a:solidFill>
+          <a:ln w="12700">
+            <a:solidFill>
+              <a:schemeClr val="tx1"/>
+            </a:solidFill>
+          </a:ln>
+        </p:spPr>
+        <p:style>
+          <a:lnRef idx="2">
+            <a:schemeClr val="accent1">
+              <a:shade val="50000"/>
+            </a:schemeClr>
+          </a:lnRef>
+          <a:fillRef idx="1">
+            <a:schemeClr val="accent1"/>
+          </a:fillRef>
+          <a:effectRef idx="0">
+            <a:schemeClr val="accent1"/>
+          </a:effectRef>
+          <a:fontRef idx="minor">
+            <a:schemeClr val="lt1"/>
+          </a:fontRef>
+        </p:style>
+        <p:txBody>
+          <a:bodyPr rtlCol="0" anchor="ctr"/>
+          <a:lstStyle/>
+          <a:p>
+            <a:pPr algn="ctr"/>
+            <a:r>
+              <a:rPr kumimoji="1" lang="ja-JP" altLang="en-US" dirty="0" smtClean="0">
+                <a:solidFill>
+                  <a:schemeClr val="tx1"/>
+                </a:solidFill>
+              </a:rPr>
+              <a:t>新規登録</a:t>
+            </a:r>
+            <a:endParaRPr kumimoji="1" lang="ja-JP" altLang="en-US" dirty="0">
+              <a:solidFill>
+                <a:schemeClr val="tx1"/>
+              </a:solidFill>
+            </a:endParaRPr>
+          </a:p>
+        </p:txBody>
+      </p:sp>
+      <p:graphicFrame>
+        <p:nvGraphicFramePr>
+          <p:cNvPr id="10" name="オブジェクト 9"/>
+          <p:cNvGraphicFramePr>
+            <a:graphicFrameLocks noChangeAspect="1"/>
+          </p:cNvGraphicFramePr>
+          <p:nvPr>
+            <p:extLst>
+              <p:ext uri="{D42A27DB-BD31-4B8C-83A1-F6EECF244321}">
+                <p14:modId xmlns:p14="http://schemas.microsoft.com/office/powerpoint/2010/main" val="842224493"/>
+              </p:ext>
+            </p:extLst>
+          </p:nvPr>
+        </p:nvGraphicFramePr>
+        <p:xfrm>
+          <a:off x="557213" y="1916113"/>
+          <a:ext cx="5819775" cy="1295400"/>
+        </p:xfrm>
+        <a:graphic>
+          <a:graphicData uri="http://schemas.openxmlformats.org/presentationml/2006/ole">
+            <mc:AlternateContent xmlns:mc="http://schemas.openxmlformats.org/markup-compatibility/2006">
+              <mc:Choice xmlns:v="urn:schemas-microsoft-com:vml" Requires="v">
+                <p:oleObj spid="_x0000_s8201" name="ワークシート" r:id="rId3" imgW="5819744" imgH="1295460" progId="Excel.Sheet.12">
+                  <p:embed/>
+                </p:oleObj>
+              </mc:Choice>
+              <mc:Fallback>
+                <p:oleObj name="ワークシート" r:id="rId3" imgW="5819744" imgH="1295460" progId="Excel.Sheet.12">
+                  <p:embed/>
+                  <p:pic>
+                    <p:nvPicPr>
+                      <p:cNvPr id="0" name=""/>
+                      <p:cNvPicPr/>
+                      <p:nvPr/>
+                    </p:nvPicPr>
+                    <p:blipFill>
+                      <a:blip r:embed="rId4"/>
+                      <a:stretch>
+                        <a:fillRect/>
+                      </a:stretch>
+                    </p:blipFill>
+                    <p:spPr>
+                      <a:xfrm>
+                        <a:off x="557213" y="1916113"/>
+                        <a:ext cx="5819775" cy="1295400"/>
+                      </a:xfrm>
+                      <a:prstGeom prst="rect">
+                        <a:avLst/>
+                      </a:prstGeom>
+                    </p:spPr>
+                  </p:pic>
+                </p:oleObj>
+              </mc:Fallback>
+            </mc:AlternateContent>
+          </a:graphicData>
+        </a:graphic>
+      </p:graphicFrame>
+      <p:sp>
+        <p:nvSpPr>
+          <p:cNvPr id="11" name="角丸四角形 10"/>
+          <p:cNvSpPr/>
+          <p:nvPr/>
+        </p:nvSpPr>
+        <p:spPr>
+          <a:xfrm>
+            <a:off x="4644008" y="2218395"/>
+            <a:ext cx="720080" cy="360040"/>
+          </a:xfrm>
+          <a:prstGeom prst="roundRect">
+            <a:avLst/>
+          </a:prstGeom>
+          <a:solidFill>
+            <a:schemeClr val="tx2">
+              <a:lumMod val="20000"/>
+              <a:lumOff val="80000"/>
+            </a:schemeClr>
+          </a:solidFill>
+          <a:ln w="12700">
+            <a:solidFill>
+              <a:schemeClr val="tx1"/>
+            </a:solidFill>
+          </a:ln>
+        </p:spPr>
+        <p:style>
+          <a:lnRef idx="2">
+            <a:schemeClr val="accent1">
+              <a:shade val="50000"/>
+            </a:schemeClr>
+          </a:lnRef>
+          <a:fillRef idx="1">
+            <a:schemeClr val="accent1"/>
+          </a:fillRef>
+          <a:effectRef idx="0">
+            <a:schemeClr val="accent1"/>
+          </a:effectRef>
+          <a:fontRef idx="minor">
+            <a:schemeClr val="lt1"/>
+          </a:fontRef>
+        </p:style>
+        <p:txBody>
+          <a:bodyPr rtlCol="0" anchor="ctr"/>
+          <a:lstStyle/>
+          <a:p>
+            <a:pPr algn="ctr"/>
+            <a:r>
+              <a:rPr lang="ja-JP" altLang="en-US" sz="1400" dirty="0">
+                <a:solidFill>
+                  <a:schemeClr val="tx1"/>
+                </a:solidFill>
+              </a:rPr>
+              <a:t>詳細</a:t>
+            </a:r>
+            <a:endParaRPr kumimoji="1" lang="ja-JP" altLang="en-US" sz="1400" dirty="0">
+              <a:solidFill>
+                <a:schemeClr val="tx1"/>
+              </a:solidFill>
+            </a:endParaRPr>
+          </a:p>
+        </p:txBody>
+      </p:sp>
+      <p:sp>
+        <p:nvSpPr>
+          <p:cNvPr id="12" name="角丸四角形 11"/>
+          <p:cNvSpPr/>
+          <p:nvPr/>
+        </p:nvSpPr>
+        <p:spPr>
+          <a:xfrm>
+            <a:off x="5534744" y="2219722"/>
+            <a:ext cx="720080" cy="360040"/>
+          </a:xfrm>
+          <a:prstGeom prst="roundRect">
+            <a:avLst/>
+          </a:prstGeom>
+          <a:solidFill>
+            <a:schemeClr val="tx2">
+              <a:lumMod val="20000"/>
+              <a:lumOff val="80000"/>
+            </a:schemeClr>
+          </a:solidFill>
+          <a:ln w="12700">
+            <a:solidFill>
+              <a:schemeClr val="tx1"/>
+            </a:solidFill>
+          </a:ln>
+        </p:spPr>
+        <p:style>
+          <a:lnRef idx="2">
+            <a:schemeClr val="accent1">
+              <a:shade val="50000"/>
+            </a:schemeClr>
+          </a:lnRef>
+          <a:fillRef idx="1">
+            <a:schemeClr val="accent1"/>
+          </a:fillRef>
+          <a:effectRef idx="0">
+            <a:schemeClr val="accent1"/>
+          </a:effectRef>
+          <a:fontRef idx="minor">
+            <a:schemeClr val="lt1"/>
+          </a:fontRef>
+        </p:style>
+        <p:txBody>
+          <a:bodyPr rtlCol="0" anchor="ctr"/>
+          <a:lstStyle/>
+          <a:p>
+            <a:pPr algn="ctr"/>
+            <a:r>
+              <a:rPr lang="ja-JP" altLang="en-US" sz="1400" dirty="0">
+                <a:solidFill>
+                  <a:schemeClr val="tx1"/>
+                </a:solidFill>
+              </a:rPr>
+              <a:t>削除</a:t>
+            </a:r>
+            <a:endParaRPr kumimoji="1" lang="ja-JP" altLang="en-US" sz="1400" dirty="0">
+              <a:solidFill>
+                <a:schemeClr val="tx1"/>
+              </a:solidFill>
+            </a:endParaRPr>
+          </a:p>
+        </p:txBody>
+      </p:sp>
+      <p:sp>
+        <p:nvSpPr>
+          <p:cNvPr id="13" name="角丸四角形 12"/>
+          <p:cNvSpPr/>
+          <p:nvPr/>
+        </p:nvSpPr>
+        <p:spPr>
+          <a:xfrm>
+            <a:off x="4644008" y="2732162"/>
+            <a:ext cx="720080" cy="360040"/>
+          </a:xfrm>
+          <a:prstGeom prst="roundRect">
+            <a:avLst/>
+          </a:prstGeom>
+          <a:solidFill>
+            <a:schemeClr val="tx2">
+              <a:lumMod val="20000"/>
+              <a:lumOff val="80000"/>
+            </a:schemeClr>
+          </a:solidFill>
+          <a:ln w="12700">
+            <a:solidFill>
+              <a:schemeClr val="tx1"/>
+            </a:solidFill>
+          </a:ln>
+        </p:spPr>
+        <p:style>
+          <a:lnRef idx="2">
+            <a:schemeClr val="accent1">
+              <a:shade val="50000"/>
+            </a:schemeClr>
+          </a:lnRef>
+          <a:fillRef idx="1">
+            <a:schemeClr val="accent1"/>
+          </a:fillRef>
+          <a:effectRef idx="0">
+            <a:schemeClr val="accent1"/>
+          </a:effectRef>
+          <a:fontRef idx="minor">
+            <a:schemeClr val="lt1"/>
+          </a:fontRef>
+        </p:style>
+        <p:txBody>
+          <a:bodyPr rtlCol="0" anchor="ctr"/>
+          <a:lstStyle/>
+          <a:p>
+            <a:pPr algn="ctr"/>
+            <a:r>
+              <a:rPr lang="ja-JP" altLang="en-US" sz="1400" dirty="0">
+                <a:solidFill>
+                  <a:schemeClr val="tx1"/>
+                </a:solidFill>
+              </a:rPr>
+              <a:t>詳細</a:t>
+            </a:r>
+            <a:endParaRPr kumimoji="1" lang="ja-JP" altLang="en-US" sz="1400" dirty="0">
+              <a:solidFill>
+                <a:schemeClr val="tx1"/>
+              </a:solidFill>
+            </a:endParaRPr>
+          </a:p>
+        </p:txBody>
+      </p:sp>
+      <p:sp>
+        <p:nvSpPr>
+          <p:cNvPr id="14" name="角丸四角形 13"/>
+          <p:cNvSpPr/>
+          <p:nvPr/>
+        </p:nvSpPr>
+        <p:spPr>
+          <a:xfrm>
+            <a:off x="5534744" y="2733489"/>
+            <a:ext cx="720080" cy="360040"/>
+          </a:xfrm>
+          <a:prstGeom prst="roundRect">
+            <a:avLst/>
+          </a:prstGeom>
+          <a:solidFill>
+            <a:schemeClr val="tx2">
+              <a:lumMod val="20000"/>
+              <a:lumOff val="80000"/>
+            </a:schemeClr>
+          </a:solidFill>
+          <a:ln w="12700">
+            <a:solidFill>
+              <a:schemeClr val="tx1"/>
+            </a:solidFill>
+          </a:ln>
+        </p:spPr>
+        <p:style>
+          <a:lnRef idx="2">
+            <a:schemeClr val="accent1">
+              <a:shade val="50000"/>
+            </a:schemeClr>
+          </a:lnRef>
+          <a:fillRef idx="1">
+            <a:schemeClr val="accent1"/>
+          </a:fillRef>
+          <a:effectRef idx="0">
+            <a:schemeClr val="accent1"/>
+          </a:effectRef>
+          <a:fontRef idx="minor">
+            <a:schemeClr val="lt1"/>
+          </a:fontRef>
+        </p:style>
+        <p:txBody>
+          <a:bodyPr rtlCol="0" anchor="ctr"/>
+          <a:lstStyle/>
+          <a:p>
+            <a:pPr algn="ctr"/>
+            <a:r>
+              <a:rPr lang="ja-JP" altLang="en-US" sz="1400" dirty="0">
+                <a:solidFill>
+                  <a:schemeClr val="tx1"/>
+                </a:solidFill>
+              </a:rPr>
+              <a:t>削除</a:t>
+            </a:r>
+            <a:endParaRPr kumimoji="1" lang="ja-JP" altLang="en-US" sz="1400" dirty="0">
+              <a:solidFill>
+                <a:schemeClr val="tx1"/>
+              </a:solidFill>
+            </a:endParaRPr>
+          </a:p>
+        </p:txBody>
+      </p:sp>
+      <p:sp>
+        <p:nvSpPr>
+          <p:cNvPr id="15" name="四角形吹き出し 14"/>
+          <p:cNvSpPr/>
+          <p:nvPr/>
+        </p:nvSpPr>
+        <p:spPr>
+          <a:xfrm>
+            <a:off x="5796136" y="678131"/>
+            <a:ext cx="2565648" cy="854804"/>
+          </a:xfrm>
+          <a:prstGeom prst="wedgeRectCallout">
+            <a:avLst>
+              <a:gd name="adj1" fmla="val -49541"/>
+              <a:gd name="adj2" fmla="val 118132"/>
+            </a:avLst>
+          </a:prstGeom>
+          <a:solidFill>
+            <a:schemeClr val="bg1"/>
+          </a:solidFill>
+        </p:spPr>
+        <p:style>
+          <a:lnRef idx="2">
+            <a:schemeClr val="accent1">
+              <a:shade val="50000"/>
+            </a:schemeClr>
+          </a:lnRef>
+          <a:fillRef idx="1">
+            <a:schemeClr val="accent1"/>
+          </a:fillRef>
+          <a:effectRef idx="0">
+            <a:schemeClr val="accent1"/>
+          </a:effectRef>
+          <a:fontRef idx="minor">
+            <a:schemeClr val="lt1"/>
+          </a:fontRef>
+        </p:style>
+        <p:txBody>
+          <a:bodyPr rtlCol="0" anchor="ctr"/>
+          <a:lstStyle/>
+          <a:p>
+            <a:r>
+              <a:rPr lang="ja-JP" altLang="en-US" dirty="0" smtClean="0">
+                <a:solidFill>
+                  <a:schemeClr val="tx1"/>
+                </a:solidFill>
+              </a:rPr>
+              <a:t>管理者権限のある利用者のみ表示させる</a:t>
+            </a:r>
+            <a:endParaRPr kumimoji="1" lang="ja-JP" altLang="en-US" dirty="0">
+              <a:solidFill>
+                <a:schemeClr val="tx1"/>
+              </a:solidFill>
+            </a:endParaRPr>
+          </a:p>
+        </p:txBody>
+      </p:sp>
+      <p:sp>
+        <p:nvSpPr>
+          <p:cNvPr id="16" name="四角形吹き出し 15"/>
+          <p:cNvSpPr/>
+          <p:nvPr/>
+        </p:nvSpPr>
+        <p:spPr>
+          <a:xfrm>
+            <a:off x="2969096" y="562618"/>
+            <a:ext cx="2565648" cy="854804"/>
+          </a:xfrm>
+          <a:prstGeom prst="wedgeRectCallout">
+            <a:avLst>
+              <a:gd name="adj1" fmla="val -91492"/>
+              <a:gd name="adj2" fmla="val 36788"/>
+            </a:avLst>
+          </a:prstGeom>
+          <a:solidFill>
+            <a:schemeClr val="bg1"/>
+          </a:solidFill>
+        </p:spPr>
+        <p:style>
+          <a:lnRef idx="2">
+            <a:schemeClr val="accent1">
+              <a:shade val="50000"/>
+            </a:schemeClr>
+          </a:lnRef>
+          <a:fillRef idx="1">
+            <a:schemeClr val="accent1"/>
+          </a:fillRef>
+          <a:effectRef idx="0">
+            <a:schemeClr val="accent1"/>
+          </a:effectRef>
+          <a:fontRef idx="minor">
+            <a:schemeClr val="lt1"/>
+          </a:fontRef>
+        </p:style>
+        <p:txBody>
+          <a:bodyPr rtlCol="0" anchor="ctr"/>
+          <a:lstStyle/>
+          <a:p>
+            <a:r>
+              <a:rPr lang="ja-JP" altLang="en-US" dirty="0" smtClean="0">
+                <a:solidFill>
+                  <a:schemeClr val="tx1"/>
+                </a:solidFill>
+              </a:rPr>
+              <a:t>管理者権限のある利用者のみ表示させる</a:t>
+            </a:r>
+            <a:endParaRPr kumimoji="1" lang="ja-JP" altLang="en-US" dirty="0">
+              <a:solidFill>
+                <a:schemeClr val="tx1"/>
+              </a:solidFill>
+            </a:endParaRPr>
+          </a:p>
+        </p:txBody>
+      </p:sp>
+    </p:spTree>
+    <p:extLst>
+      <p:ext uri="{BB962C8B-B14F-4D97-AF65-F5344CB8AC3E}">
+        <p14:creationId xmlns:p14="http://schemas.microsoft.com/office/powerpoint/2010/main" val="1037202205"/>
+      </p:ext>
+    </p:extLst>
+  </p:cSld>
+  <p:clrMapOvr>
+    <a:masterClrMapping/>
+  </p:clrMapOvr>
+  <p:timing>
+    <p:tnLst>
+      <p:par>
+        <p:cTn id="1" dur="indefinite" restart="never" nodeType="tmRoot"/>
+      </p:par>
+    </p:tnLst>
+  </p:timing>
+</p:sld>
+</file>
+
+<file path=ppt/slides/slide15.xml><?xml version="1.0" encoding="utf-8"?>
+<p:sld xmlns:a="http://schemas.openxmlformats.org/drawingml/2006/main" xmlns:r="http://schemas.openxmlformats.org/officeDocument/2006/relationships" xmlns:p="http://schemas.openxmlformats.org/presentationml/2006/main">
+  <p:cSld>
+    <p:spTree>
+      <p:nvGrpSpPr>
+        <p:cNvPr id="1" name=""/>
+        <p:cNvGrpSpPr/>
+        <p:nvPr/>
+      </p:nvGrpSpPr>
+      <p:grpSpPr>
+        <a:xfrm>
+          <a:off x="0" y="0"/>
+          <a:ext cx="0" cy="0"/>
+          <a:chOff x="0" y="0"/>
+          <a:chExt cx="0" cy="0"/>
+        </a:xfrm>
+      </p:grpSpPr>
+      <p:sp>
+        <p:nvSpPr>
+          <p:cNvPr id="2" name="テキスト ボックス 1"/>
+          <p:cNvSpPr txBox="1"/>
+          <p:nvPr/>
+        </p:nvSpPr>
+        <p:spPr>
+          <a:xfrm>
+            <a:off x="107504" y="115412"/>
+            <a:ext cx="2736304" cy="369332"/>
+          </a:xfrm>
+          <a:prstGeom prst="rect">
+            <a:avLst/>
+          </a:prstGeom>
+          <a:noFill/>
+        </p:spPr>
+        <p:txBody>
+          <a:bodyPr wrap="square" rtlCol="0">
+            <a:spAutoFit/>
+          </a:bodyPr>
+          <a:lstStyle/>
+          <a:p>
+            <a:r>
+              <a:rPr kumimoji="1" lang="ja-JP" altLang="en-US" dirty="0" smtClean="0"/>
+              <a:t>質問管理表</a:t>
+            </a:r>
+            <a:endParaRPr kumimoji="1" lang="ja-JP" altLang="en-US" dirty="0"/>
+          </a:p>
+        </p:txBody>
+      </p:sp>
+      <p:sp>
+        <p:nvSpPr>
+          <p:cNvPr id="12" name="テキスト ボックス 11"/>
+          <p:cNvSpPr txBox="1"/>
+          <p:nvPr/>
+        </p:nvSpPr>
+        <p:spPr>
+          <a:xfrm>
+            <a:off x="719572" y="1134172"/>
+            <a:ext cx="1224136" cy="369332"/>
+          </a:xfrm>
+          <a:prstGeom prst="rect">
+            <a:avLst/>
+          </a:prstGeom>
+          <a:noFill/>
+        </p:spPr>
+        <p:txBody>
+          <a:bodyPr wrap="square" rtlCol="0">
+            <a:spAutoFit/>
+          </a:bodyPr>
+          <a:lstStyle/>
+          <a:p>
+            <a:r>
+              <a:rPr lang="ja-JP" altLang="en-US" dirty="0"/>
+              <a:t>タイトル</a:t>
+            </a:r>
+            <a:endParaRPr kumimoji="1" lang="ja-JP" altLang="en-US" dirty="0"/>
+          </a:p>
+        </p:txBody>
+      </p:sp>
+      <p:sp>
+        <p:nvSpPr>
+          <p:cNvPr id="17" name="正方形/長方形 16"/>
+          <p:cNvSpPr/>
+          <p:nvPr/>
+        </p:nvSpPr>
+        <p:spPr>
+          <a:xfrm>
+            <a:off x="1763688" y="1092139"/>
+            <a:ext cx="3007171" cy="369332"/>
+          </a:xfrm>
+          <a:prstGeom prst="rect">
+            <a:avLst/>
+          </a:prstGeom>
+          <a:solidFill>
+            <a:schemeClr val="bg1"/>
+          </a:solidFill>
+          <a:ln w="12700">
+            <a:solidFill>
+              <a:schemeClr val="tx1"/>
+            </a:solidFill>
+          </a:ln>
+        </p:spPr>
+        <p:style>
+          <a:lnRef idx="2">
+            <a:schemeClr val="accent1">
+              <a:shade val="50000"/>
+            </a:schemeClr>
+          </a:lnRef>
+          <a:fillRef idx="1">
+            <a:schemeClr val="accent1"/>
+          </a:fillRef>
+          <a:effectRef idx="0">
+            <a:schemeClr val="accent1"/>
+          </a:effectRef>
+          <a:fontRef idx="minor">
+            <a:schemeClr val="lt1"/>
+          </a:fontRef>
+        </p:style>
+        <p:txBody>
+          <a:bodyPr rtlCol="0" anchor="ctr"/>
+          <a:lstStyle/>
+          <a:p>
+            <a:pPr algn="ctr"/>
+            <a:endParaRPr kumimoji="1" lang="ja-JP" altLang="en-US"/>
+          </a:p>
+        </p:txBody>
+      </p:sp>
+      <p:sp>
+        <p:nvSpPr>
+          <p:cNvPr id="3" name="テキスト ボックス 2"/>
+          <p:cNvSpPr txBox="1"/>
+          <p:nvPr/>
+        </p:nvSpPr>
+        <p:spPr>
+          <a:xfrm>
+            <a:off x="323528" y="620688"/>
+            <a:ext cx="2232248" cy="369332"/>
+          </a:xfrm>
+          <a:prstGeom prst="rect">
+            <a:avLst/>
+          </a:prstGeom>
+          <a:noFill/>
+        </p:spPr>
+        <p:txBody>
+          <a:bodyPr wrap="square" rtlCol="0">
+            <a:spAutoFit/>
+          </a:bodyPr>
+          <a:lstStyle/>
+          <a:p>
+            <a:r>
+              <a:rPr lang="ja-JP" altLang="en-US" dirty="0" smtClean="0"/>
+              <a:t>案件新規</a:t>
+            </a:r>
+            <a:r>
+              <a:rPr lang="ja-JP" altLang="en-US" dirty="0"/>
+              <a:t>登録</a:t>
+            </a:r>
+            <a:endParaRPr kumimoji="1" lang="ja-JP" altLang="en-US" dirty="0"/>
+          </a:p>
+        </p:txBody>
+      </p:sp>
+      <p:sp>
+        <p:nvSpPr>
+          <p:cNvPr id="4" name="角丸四角形 3"/>
+          <p:cNvSpPr/>
+          <p:nvPr/>
+        </p:nvSpPr>
+        <p:spPr>
+          <a:xfrm>
+            <a:off x="2303748" y="1844824"/>
+            <a:ext cx="1080120" cy="432048"/>
+          </a:xfrm>
+          <a:prstGeom prst="roundRect">
+            <a:avLst/>
+          </a:prstGeom>
+          <a:solidFill>
+            <a:schemeClr val="tx2">
+              <a:lumMod val="20000"/>
+              <a:lumOff val="80000"/>
+            </a:schemeClr>
+          </a:solidFill>
+          <a:ln w="12700">
+            <a:solidFill>
+              <a:schemeClr val="tx1"/>
+            </a:solidFill>
+          </a:ln>
+        </p:spPr>
+        <p:style>
+          <a:lnRef idx="2">
+            <a:schemeClr val="accent1">
+              <a:shade val="50000"/>
+            </a:schemeClr>
+          </a:lnRef>
+          <a:fillRef idx="1">
+            <a:schemeClr val="accent1"/>
+          </a:fillRef>
+          <a:effectRef idx="0">
+            <a:schemeClr val="accent1"/>
+          </a:effectRef>
+          <a:fontRef idx="minor">
+            <a:schemeClr val="lt1"/>
+          </a:fontRef>
+        </p:style>
+        <p:txBody>
+          <a:bodyPr rtlCol="0" anchor="ctr"/>
+          <a:lstStyle/>
+          <a:p>
+            <a:pPr algn="ctr"/>
+            <a:r>
+              <a:rPr kumimoji="1" lang="ja-JP" altLang="en-US" dirty="0" smtClean="0">
+                <a:solidFill>
+                  <a:schemeClr val="tx1"/>
+                </a:solidFill>
+              </a:rPr>
+              <a:t>登録</a:t>
+            </a:r>
+            <a:endParaRPr kumimoji="1" lang="ja-JP" altLang="en-US" dirty="0">
+              <a:solidFill>
+                <a:schemeClr val="tx1"/>
+              </a:solidFill>
+            </a:endParaRPr>
+          </a:p>
+        </p:txBody>
+      </p:sp>
+      <p:sp>
+        <p:nvSpPr>
+          <p:cNvPr id="21" name="角丸四角形 20"/>
+          <p:cNvSpPr/>
+          <p:nvPr/>
+        </p:nvSpPr>
+        <p:spPr>
+          <a:xfrm>
+            <a:off x="808745" y="1846337"/>
+            <a:ext cx="1385528" cy="432048"/>
+          </a:xfrm>
+          <a:prstGeom prst="roundRect">
+            <a:avLst/>
+          </a:prstGeom>
+          <a:solidFill>
+            <a:schemeClr val="tx2">
+              <a:lumMod val="20000"/>
+              <a:lumOff val="80000"/>
+            </a:schemeClr>
+          </a:solidFill>
+          <a:ln w="12700">
+            <a:solidFill>
+              <a:schemeClr val="tx1"/>
+            </a:solidFill>
+          </a:ln>
+        </p:spPr>
+        <p:style>
+          <a:lnRef idx="2">
+            <a:schemeClr val="accent1">
+              <a:shade val="50000"/>
+            </a:schemeClr>
+          </a:lnRef>
+          <a:fillRef idx="1">
+            <a:schemeClr val="accent1"/>
+          </a:fillRef>
+          <a:effectRef idx="0">
+            <a:schemeClr val="accent1"/>
+          </a:effectRef>
+          <a:fontRef idx="minor">
+            <a:schemeClr val="lt1"/>
+          </a:fontRef>
+        </p:style>
+        <p:txBody>
+          <a:bodyPr rtlCol="0" anchor="ctr"/>
+          <a:lstStyle/>
+          <a:p>
+            <a:pPr algn="ctr"/>
+            <a:r>
+              <a:rPr lang="ja-JP" altLang="en-US" dirty="0">
+                <a:solidFill>
+                  <a:schemeClr val="tx1"/>
+                </a:solidFill>
+              </a:rPr>
+              <a:t>キャンセル</a:t>
+            </a:r>
+            <a:endParaRPr kumimoji="1" lang="ja-JP" altLang="en-US" dirty="0">
+              <a:solidFill>
+                <a:schemeClr val="tx1"/>
+              </a:solidFill>
+            </a:endParaRPr>
+          </a:p>
+        </p:txBody>
+      </p:sp>
+    </p:spTree>
+    <p:extLst>
+      <p:ext uri="{BB962C8B-B14F-4D97-AF65-F5344CB8AC3E}">
+        <p14:creationId xmlns:p14="http://schemas.microsoft.com/office/powerpoint/2010/main" val="1201117679"/>
+      </p:ext>
+    </p:extLst>
+  </p:cSld>
+  <p:clrMapOvr>
+    <a:masterClrMapping/>
+  </p:clrMapOvr>
+  <p:timing>
+    <p:tnLst>
+      <p:par>
+        <p:cTn id="1" dur="indefinite" restart="never" nodeType="tmRoot"/>
+      </p:par>
+    </p:tnLst>
+  </p:timing>
+</p:sld>
+</file>
+
+<file path=ppt/slides/slide16.xml><?xml version="1.0" encoding="utf-8"?>
+<p:sld xmlns:a="http://schemas.openxmlformats.org/drawingml/2006/main" xmlns:r="http://schemas.openxmlformats.org/officeDocument/2006/relationships" xmlns:p="http://schemas.openxmlformats.org/presentationml/2006/main">
+  <p:cSld>
+    <p:spTree>
+      <p:nvGrpSpPr>
+        <p:cNvPr id="1" name=""/>
+        <p:cNvGrpSpPr/>
+        <p:nvPr/>
+      </p:nvGrpSpPr>
+      <p:grpSpPr>
+        <a:xfrm>
+          <a:off x="0" y="0"/>
+          <a:ext cx="0" cy="0"/>
+          <a:chOff x="0" y="0"/>
+          <a:chExt cx="0" cy="0"/>
+        </a:xfrm>
+      </p:grpSpPr>
+      <p:sp>
+        <p:nvSpPr>
+          <p:cNvPr id="2" name="テキスト ボックス 1"/>
+          <p:cNvSpPr txBox="1"/>
+          <p:nvPr/>
+        </p:nvSpPr>
+        <p:spPr>
+          <a:xfrm>
+            <a:off x="107504" y="115412"/>
+            <a:ext cx="2736304" cy="369332"/>
+          </a:xfrm>
+          <a:prstGeom prst="rect">
+            <a:avLst/>
+          </a:prstGeom>
+          <a:noFill/>
+        </p:spPr>
+        <p:txBody>
+          <a:bodyPr wrap="square" rtlCol="0">
+            <a:spAutoFit/>
+          </a:bodyPr>
+          <a:lstStyle/>
+          <a:p>
+            <a:r>
+              <a:rPr kumimoji="1" lang="ja-JP" altLang="en-US" dirty="0" smtClean="0"/>
+              <a:t>質問管理表</a:t>
+            </a:r>
+            <a:endParaRPr kumimoji="1" lang="ja-JP" altLang="en-US" dirty="0"/>
+          </a:p>
+        </p:txBody>
+      </p:sp>
+      <p:sp>
+        <p:nvSpPr>
+          <p:cNvPr id="12" name="テキスト ボックス 11"/>
+          <p:cNvSpPr txBox="1"/>
+          <p:nvPr/>
+        </p:nvSpPr>
+        <p:spPr>
+          <a:xfrm>
+            <a:off x="719572" y="1134172"/>
+            <a:ext cx="1224136" cy="369332"/>
+          </a:xfrm>
+          <a:prstGeom prst="rect">
+            <a:avLst/>
+          </a:prstGeom>
+          <a:noFill/>
+        </p:spPr>
+        <p:txBody>
+          <a:bodyPr wrap="square" rtlCol="0">
+            <a:spAutoFit/>
+          </a:bodyPr>
+          <a:lstStyle/>
+          <a:p>
+            <a:r>
+              <a:rPr lang="ja-JP" altLang="en-US" dirty="0"/>
+              <a:t>タイトル</a:t>
+            </a:r>
+            <a:endParaRPr kumimoji="1" lang="ja-JP" altLang="en-US" dirty="0"/>
+          </a:p>
+        </p:txBody>
+      </p:sp>
+      <p:sp>
+        <p:nvSpPr>
+          <p:cNvPr id="17" name="正方形/長方形 16"/>
+          <p:cNvSpPr/>
+          <p:nvPr/>
+        </p:nvSpPr>
+        <p:spPr>
+          <a:xfrm>
+            <a:off x="1763688" y="1092139"/>
+            <a:ext cx="3007171" cy="369332"/>
+          </a:xfrm>
+          <a:prstGeom prst="rect">
+            <a:avLst/>
+          </a:prstGeom>
+          <a:solidFill>
+            <a:schemeClr val="bg1"/>
+          </a:solidFill>
+          <a:ln w="12700">
+            <a:solidFill>
+              <a:schemeClr val="tx1"/>
+            </a:solidFill>
+          </a:ln>
+        </p:spPr>
+        <p:style>
+          <a:lnRef idx="2">
+            <a:schemeClr val="accent1">
+              <a:shade val="50000"/>
+            </a:schemeClr>
+          </a:lnRef>
+          <a:fillRef idx="1">
+            <a:schemeClr val="accent1"/>
+          </a:fillRef>
+          <a:effectRef idx="0">
+            <a:schemeClr val="accent1"/>
+          </a:effectRef>
+          <a:fontRef idx="minor">
+            <a:schemeClr val="lt1"/>
+          </a:fontRef>
+        </p:style>
+        <p:txBody>
+          <a:bodyPr rtlCol="0" anchor="ctr"/>
+          <a:lstStyle/>
+          <a:p>
+            <a:pPr algn="ctr"/>
+            <a:endParaRPr kumimoji="1" lang="ja-JP" altLang="en-US"/>
+          </a:p>
+        </p:txBody>
+      </p:sp>
+      <p:sp>
+        <p:nvSpPr>
+          <p:cNvPr id="3" name="テキスト ボックス 2"/>
+          <p:cNvSpPr txBox="1"/>
+          <p:nvPr/>
+        </p:nvSpPr>
+        <p:spPr>
+          <a:xfrm>
+            <a:off x="323528" y="620688"/>
+            <a:ext cx="2232248" cy="369332"/>
+          </a:xfrm>
+          <a:prstGeom prst="rect">
+            <a:avLst/>
+          </a:prstGeom>
+          <a:noFill/>
+        </p:spPr>
+        <p:txBody>
+          <a:bodyPr wrap="square" rtlCol="0">
+            <a:spAutoFit/>
+          </a:bodyPr>
+          <a:lstStyle/>
+          <a:p>
+            <a:r>
+              <a:rPr lang="ja-JP" altLang="en-US" dirty="0" smtClean="0"/>
+              <a:t>案件更新</a:t>
+            </a:r>
+            <a:endParaRPr kumimoji="1" lang="ja-JP" altLang="en-US" dirty="0"/>
+          </a:p>
+        </p:txBody>
+      </p:sp>
+      <p:sp>
+        <p:nvSpPr>
+          <p:cNvPr id="4" name="角丸四角形 3"/>
+          <p:cNvSpPr/>
+          <p:nvPr/>
+        </p:nvSpPr>
+        <p:spPr>
+          <a:xfrm>
+            <a:off x="2303748" y="1844824"/>
+            <a:ext cx="1080120" cy="432048"/>
+          </a:xfrm>
+          <a:prstGeom prst="roundRect">
+            <a:avLst/>
+          </a:prstGeom>
+          <a:solidFill>
+            <a:schemeClr val="tx2">
+              <a:lumMod val="20000"/>
+              <a:lumOff val="80000"/>
+            </a:schemeClr>
+          </a:solidFill>
+          <a:ln w="12700">
+            <a:solidFill>
+              <a:schemeClr val="tx1"/>
+            </a:solidFill>
+          </a:ln>
+        </p:spPr>
+        <p:style>
+          <a:lnRef idx="2">
+            <a:schemeClr val="accent1">
+              <a:shade val="50000"/>
+            </a:schemeClr>
+          </a:lnRef>
+          <a:fillRef idx="1">
+            <a:schemeClr val="accent1"/>
+          </a:fillRef>
+          <a:effectRef idx="0">
+            <a:schemeClr val="accent1"/>
+          </a:effectRef>
+          <a:fontRef idx="minor">
+            <a:schemeClr val="lt1"/>
+          </a:fontRef>
+        </p:style>
+        <p:txBody>
+          <a:bodyPr rtlCol="0" anchor="ctr"/>
+          <a:lstStyle/>
+          <a:p>
+            <a:pPr algn="ctr"/>
+            <a:r>
+              <a:rPr lang="ja-JP" altLang="en-US" dirty="0">
+                <a:solidFill>
+                  <a:schemeClr val="tx1"/>
+                </a:solidFill>
+              </a:rPr>
+              <a:t>更新</a:t>
+            </a:r>
+            <a:endParaRPr kumimoji="1" lang="ja-JP" altLang="en-US" dirty="0">
+              <a:solidFill>
+                <a:schemeClr val="tx1"/>
+              </a:solidFill>
+            </a:endParaRPr>
+          </a:p>
+        </p:txBody>
+      </p:sp>
+      <p:sp>
+        <p:nvSpPr>
+          <p:cNvPr id="21" name="角丸四角形 20"/>
+          <p:cNvSpPr/>
+          <p:nvPr/>
+        </p:nvSpPr>
+        <p:spPr>
+          <a:xfrm>
+            <a:off x="808745" y="1846337"/>
+            <a:ext cx="1385528" cy="432048"/>
+          </a:xfrm>
+          <a:prstGeom prst="roundRect">
+            <a:avLst/>
+          </a:prstGeom>
+          <a:solidFill>
+            <a:schemeClr val="tx2">
+              <a:lumMod val="20000"/>
+              <a:lumOff val="80000"/>
+            </a:schemeClr>
+          </a:solidFill>
+          <a:ln w="12700">
+            <a:solidFill>
+              <a:schemeClr val="tx1"/>
+            </a:solidFill>
+          </a:ln>
+        </p:spPr>
+        <p:style>
+          <a:lnRef idx="2">
+            <a:schemeClr val="accent1">
+              <a:shade val="50000"/>
+            </a:schemeClr>
+          </a:lnRef>
+          <a:fillRef idx="1">
+            <a:schemeClr val="accent1"/>
+          </a:fillRef>
+          <a:effectRef idx="0">
+            <a:schemeClr val="accent1"/>
+          </a:effectRef>
+          <a:fontRef idx="minor">
+            <a:schemeClr val="lt1"/>
+          </a:fontRef>
+        </p:style>
+        <p:txBody>
+          <a:bodyPr rtlCol="0" anchor="ctr"/>
+          <a:lstStyle/>
+          <a:p>
+            <a:pPr algn="ctr"/>
+            <a:r>
+              <a:rPr lang="ja-JP" altLang="en-US" dirty="0">
+                <a:solidFill>
+                  <a:schemeClr val="tx1"/>
+                </a:solidFill>
+              </a:rPr>
+              <a:t>キャンセル</a:t>
+            </a:r>
+            <a:endParaRPr kumimoji="1" lang="ja-JP" altLang="en-US" dirty="0">
+              <a:solidFill>
+                <a:schemeClr val="tx1"/>
+              </a:solidFill>
+            </a:endParaRPr>
+          </a:p>
+        </p:txBody>
+      </p:sp>
+    </p:spTree>
+    <p:extLst>
+      <p:ext uri="{BB962C8B-B14F-4D97-AF65-F5344CB8AC3E}">
+        <p14:creationId xmlns:p14="http://schemas.microsoft.com/office/powerpoint/2010/main" val="3391313191"/>
+      </p:ext>
+    </p:extLst>
+  </p:cSld>
+  <p:clrMapOvr>
+    <a:masterClrMapping/>
+  </p:clrMapOvr>
+  <p:timing>
+    <p:tnLst>
+      <p:par>
+        <p:cTn id="1" dur="indefinite" restart="never" nodeType="tmRoot"/>
+      </p:par>
+    </p:tnLst>
+  </p:timing>
+</p:sld>
+</file>
+
+<file path=ppt/slides/slide17.xml><?xml version="1.0" encoding="utf-8"?>
+<p:sld xmlns:a="http://schemas.openxmlformats.org/drawingml/2006/main" xmlns:r="http://schemas.openxmlformats.org/officeDocument/2006/relationships" xmlns:p="http://schemas.openxmlformats.org/presentationml/2006/main">
+  <p:cSld>
+    <p:spTree>
+      <p:nvGrpSpPr>
+        <p:cNvPr id="1" name=""/>
+        <p:cNvGrpSpPr/>
+        <p:nvPr/>
+      </p:nvGrpSpPr>
+      <p:grpSpPr>
+        <a:xfrm>
+          <a:off x="0" y="0"/>
+          <a:ext cx="0" cy="0"/>
+          <a:chOff x="0" y="0"/>
+          <a:chExt cx="0" cy="0"/>
+        </a:xfrm>
+      </p:grpSpPr>
+      <p:sp>
+        <p:nvSpPr>
+          <p:cNvPr id="2" name="テキスト ボックス 1"/>
+          <p:cNvSpPr txBox="1"/>
+          <p:nvPr/>
+        </p:nvSpPr>
+        <p:spPr>
+          <a:xfrm>
+            <a:off x="107504" y="115412"/>
+            <a:ext cx="2736304" cy="369332"/>
+          </a:xfrm>
+          <a:prstGeom prst="rect">
+            <a:avLst/>
+          </a:prstGeom>
+          <a:noFill/>
+        </p:spPr>
+        <p:txBody>
+          <a:bodyPr wrap="square" rtlCol="0">
+            <a:spAutoFit/>
+          </a:bodyPr>
+          <a:lstStyle/>
+          <a:p>
+            <a:r>
+              <a:rPr kumimoji="1" lang="ja-JP" altLang="en-US" dirty="0" smtClean="0"/>
+              <a:t>質問管理表</a:t>
+            </a:r>
+            <a:endParaRPr kumimoji="1" lang="ja-JP" altLang="en-US" dirty="0"/>
+          </a:p>
+        </p:txBody>
+      </p:sp>
+      <p:sp>
+        <p:nvSpPr>
+          <p:cNvPr id="12" name="テキスト ボックス 11"/>
+          <p:cNvSpPr txBox="1"/>
+          <p:nvPr/>
+        </p:nvSpPr>
+        <p:spPr>
+          <a:xfrm>
+            <a:off x="719572" y="1134172"/>
+            <a:ext cx="2412268" cy="369332"/>
+          </a:xfrm>
+          <a:prstGeom prst="rect">
+            <a:avLst/>
+          </a:prstGeom>
+          <a:noFill/>
+        </p:spPr>
+        <p:txBody>
+          <a:bodyPr wrap="square" rtlCol="0">
+            <a:spAutoFit/>
+          </a:bodyPr>
+          <a:lstStyle/>
+          <a:p>
+            <a:r>
+              <a:rPr kumimoji="1" lang="ja-JP" altLang="en-US" dirty="0" smtClean="0"/>
+              <a:t>案件タイトル１</a:t>
+            </a:r>
+            <a:endParaRPr kumimoji="1" lang="ja-JP" altLang="en-US" dirty="0"/>
+          </a:p>
+        </p:txBody>
+      </p:sp>
+      <p:sp>
+        <p:nvSpPr>
+          <p:cNvPr id="3" name="テキスト ボックス 2"/>
+          <p:cNvSpPr txBox="1"/>
+          <p:nvPr/>
+        </p:nvSpPr>
+        <p:spPr>
+          <a:xfrm>
+            <a:off x="323528" y="620688"/>
+            <a:ext cx="2232248" cy="369332"/>
+          </a:xfrm>
+          <a:prstGeom prst="rect">
+            <a:avLst/>
+          </a:prstGeom>
+          <a:noFill/>
+        </p:spPr>
+        <p:txBody>
+          <a:bodyPr wrap="square" rtlCol="0">
+            <a:spAutoFit/>
+          </a:bodyPr>
+          <a:lstStyle/>
+          <a:p>
+            <a:r>
+              <a:rPr lang="ja-JP" altLang="en-US" dirty="0" smtClean="0"/>
+              <a:t>案件詳細</a:t>
+            </a:r>
+            <a:endParaRPr kumimoji="1" lang="ja-JP" altLang="en-US" dirty="0"/>
+          </a:p>
+        </p:txBody>
+      </p:sp>
+      <p:sp>
+        <p:nvSpPr>
+          <p:cNvPr id="5" name="テキスト ボックス 4"/>
+          <p:cNvSpPr txBox="1"/>
+          <p:nvPr/>
+        </p:nvSpPr>
+        <p:spPr>
+          <a:xfrm>
+            <a:off x="395536" y="5229200"/>
+            <a:ext cx="684076" cy="369332"/>
+          </a:xfrm>
+          <a:prstGeom prst="rect">
+            <a:avLst/>
+          </a:prstGeom>
+          <a:noFill/>
+        </p:spPr>
+        <p:txBody>
+          <a:bodyPr wrap="square" rtlCol="0">
+            <a:spAutoFit/>
+          </a:bodyPr>
+          <a:lstStyle/>
+          <a:p>
+            <a:r>
+              <a:rPr kumimoji="1" lang="ja-JP" altLang="en-US" dirty="0" smtClean="0"/>
+              <a:t>戻る</a:t>
+            </a:r>
+            <a:endParaRPr kumimoji="1" lang="ja-JP" altLang="en-US" dirty="0"/>
+          </a:p>
+        </p:txBody>
+      </p:sp>
+      <p:sp>
+        <p:nvSpPr>
+          <p:cNvPr id="6" name="テキスト ボックス 5"/>
+          <p:cNvSpPr txBox="1"/>
+          <p:nvPr/>
+        </p:nvSpPr>
+        <p:spPr>
+          <a:xfrm>
+            <a:off x="611560" y="2060848"/>
+            <a:ext cx="1656184" cy="369332"/>
+          </a:xfrm>
+          <a:prstGeom prst="rect">
+            <a:avLst/>
+          </a:prstGeom>
+          <a:noFill/>
+        </p:spPr>
+        <p:txBody>
+          <a:bodyPr wrap="square" rtlCol="0">
+            <a:spAutoFit/>
+          </a:bodyPr>
+          <a:lstStyle/>
+          <a:p>
+            <a:r>
+              <a:rPr kumimoji="1" lang="ja-JP" altLang="en-US" dirty="0" smtClean="0"/>
+              <a:t>利用者一覧</a:t>
+            </a:r>
+            <a:endParaRPr kumimoji="1" lang="ja-JP" altLang="en-US" dirty="0"/>
+          </a:p>
+        </p:txBody>
+      </p:sp>
+      <p:graphicFrame>
+        <p:nvGraphicFramePr>
+          <p:cNvPr id="7" name="オブジェクト 6"/>
+          <p:cNvGraphicFramePr>
+            <a:graphicFrameLocks noChangeAspect="1"/>
+          </p:cNvGraphicFramePr>
+          <p:nvPr>
+            <p:extLst>
+              <p:ext uri="{D42A27DB-BD31-4B8C-83A1-F6EECF244321}">
+                <p14:modId xmlns:p14="http://schemas.microsoft.com/office/powerpoint/2010/main" val="816837703"/>
+              </p:ext>
+            </p:extLst>
+          </p:nvPr>
+        </p:nvGraphicFramePr>
+        <p:xfrm>
+          <a:off x="719572" y="2755205"/>
+          <a:ext cx="2752725" cy="1076325"/>
+        </p:xfrm>
+        <a:graphic>
+          <a:graphicData uri="http://schemas.openxmlformats.org/presentationml/2006/ole">
+            <mc:AlternateContent xmlns:mc="http://schemas.openxmlformats.org/markup-compatibility/2006">
+              <mc:Choice xmlns:v="urn:schemas-microsoft-com:vml" Requires="v">
+                <p:oleObj spid="_x0000_s9222" name="ワークシート" r:id="rId3" imgW="2752655" imgH="1076220" progId="Excel.Sheet.12">
+                  <p:embed/>
+                </p:oleObj>
+              </mc:Choice>
+              <mc:Fallback>
+                <p:oleObj name="ワークシート" r:id="rId3" imgW="2752655" imgH="1076220" progId="Excel.Sheet.12">
+                  <p:embed/>
+                  <p:pic>
+                    <p:nvPicPr>
+                      <p:cNvPr id="0" name=""/>
+                      <p:cNvPicPr/>
+                      <p:nvPr/>
+                    </p:nvPicPr>
+                    <p:blipFill>
+                      <a:blip r:embed="rId4"/>
+                      <a:stretch>
+                        <a:fillRect/>
+                      </a:stretch>
+                    </p:blipFill>
+                    <p:spPr>
+                      <a:xfrm>
+                        <a:off x="719572" y="2755205"/>
+                        <a:ext cx="2752725" cy="1076325"/>
+                      </a:xfrm>
+                      <a:prstGeom prst="rect">
+                        <a:avLst/>
+                      </a:prstGeom>
+                    </p:spPr>
+                  </p:pic>
+                </p:oleObj>
+              </mc:Fallback>
+            </mc:AlternateContent>
+          </a:graphicData>
+        </a:graphic>
+      </p:graphicFrame>
+      <p:sp>
+        <p:nvSpPr>
+          <p:cNvPr id="13" name="角丸四角形 12"/>
+          <p:cNvSpPr/>
+          <p:nvPr/>
+        </p:nvSpPr>
+        <p:spPr>
+          <a:xfrm>
+            <a:off x="2528950" y="3050281"/>
+            <a:ext cx="684076" cy="288032"/>
+          </a:xfrm>
+          <a:prstGeom prst="roundRect">
+            <a:avLst/>
+          </a:prstGeom>
+          <a:solidFill>
+            <a:schemeClr val="tx2">
+              <a:lumMod val="20000"/>
+              <a:lumOff val="80000"/>
+            </a:schemeClr>
+          </a:solidFill>
+          <a:ln w="12700">
+            <a:solidFill>
+              <a:schemeClr val="tx1"/>
+            </a:solidFill>
+          </a:ln>
+        </p:spPr>
+        <p:style>
+          <a:lnRef idx="2">
+            <a:schemeClr val="accent1">
+              <a:shade val="50000"/>
+            </a:schemeClr>
+          </a:lnRef>
+          <a:fillRef idx="1">
+            <a:schemeClr val="accent1"/>
+          </a:fillRef>
+          <a:effectRef idx="0">
+            <a:schemeClr val="accent1"/>
+          </a:effectRef>
+          <a:fontRef idx="minor">
+            <a:schemeClr val="lt1"/>
+          </a:fontRef>
+        </p:style>
+        <p:txBody>
+          <a:bodyPr rtlCol="0" anchor="ctr"/>
+          <a:lstStyle/>
+          <a:p>
+            <a:pPr algn="ctr"/>
+            <a:r>
+              <a:rPr lang="ja-JP" altLang="en-US" dirty="0">
+                <a:solidFill>
+                  <a:schemeClr val="tx1"/>
+                </a:solidFill>
+              </a:rPr>
+              <a:t>削除</a:t>
+            </a:r>
+            <a:endParaRPr kumimoji="1" lang="ja-JP" altLang="en-US" dirty="0">
+              <a:solidFill>
+                <a:schemeClr val="tx1"/>
+              </a:solidFill>
+            </a:endParaRPr>
+          </a:p>
+        </p:txBody>
+      </p:sp>
+      <p:sp>
+        <p:nvSpPr>
+          <p:cNvPr id="14" name="角丸四角形 13"/>
+          <p:cNvSpPr/>
+          <p:nvPr/>
+        </p:nvSpPr>
+        <p:spPr>
+          <a:xfrm>
+            <a:off x="2528950" y="3483669"/>
+            <a:ext cx="684076" cy="288032"/>
+          </a:xfrm>
+          <a:prstGeom prst="roundRect">
+            <a:avLst/>
+          </a:prstGeom>
+          <a:solidFill>
+            <a:schemeClr val="tx2">
+              <a:lumMod val="20000"/>
+              <a:lumOff val="80000"/>
+            </a:schemeClr>
+          </a:solidFill>
+          <a:ln w="12700">
+            <a:solidFill>
+              <a:schemeClr val="tx1"/>
+            </a:solidFill>
+          </a:ln>
+        </p:spPr>
+        <p:style>
+          <a:lnRef idx="2">
+            <a:schemeClr val="accent1">
+              <a:shade val="50000"/>
+            </a:schemeClr>
+          </a:lnRef>
+          <a:fillRef idx="1">
+            <a:schemeClr val="accent1"/>
+          </a:fillRef>
+          <a:effectRef idx="0">
+            <a:schemeClr val="accent1"/>
+          </a:effectRef>
+          <a:fontRef idx="minor">
+            <a:schemeClr val="lt1"/>
+          </a:fontRef>
+        </p:style>
+        <p:txBody>
+          <a:bodyPr rtlCol="0" anchor="ctr"/>
+          <a:lstStyle/>
+          <a:p>
+            <a:pPr algn="ctr"/>
+            <a:r>
+              <a:rPr lang="ja-JP" altLang="en-US" dirty="0">
+                <a:solidFill>
+                  <a:schemeClr val="tx1"/>
+                </a:solidFill>
+              </a:rPr>
+              <a:t>削除</a:t>
+            </a:r>
+            <a:endParaRPr kumimoji="1" lang="ja-JP" altLang="en-US" dirty="0">
+              <a:solidFill>
+                <a:schemeClr val="tx1"/>
+              </a:solidFill>
+            </a:endParaRPr>
+          </a:p>
+        </p:txBody>
+      </p:sp>
+      <p:sp>
+        <p:nvSpPr>
+          <p:cNvPr id="8" name="角丸四角形 7"/>
+          <p:cNvSpPr/>
+          <p:nvPr/>
+        </p:nvSpPr>
+        <p:spPr>
+          <a:xfrm>
+            <a:off x="2123728" y="2062153"/>
+            <a:ext cx="1629004" cy="432048"/>
+          </a:xfrm>
+          <a:prstGeom prst="roundRect">
+            <a:avLst/>
+          </a:prstGeom>
+          <a:solidFill>
+            <a:schemeClr val="tx2">
+              <a:lumMod val="20000"/>
+              <a:lumOff val="80000"/>
+            </a:schemeClr>
+          </a:solidFill>
+          <a:ln w="12700">
+            <a:solidFill>
+              <a:schemeClr val="tx1"/>
+            </a:solidFill>
+          </a:ln>
+        </p:spPr>
+        <p:style>
+          <a:lnRef idx="2">
+            <a:schemeClr val="accent1">
+              <a:shade val="50000"/>
+            </a:schemeClr>
+          </a:lnRef>
+          <a:fillRef idx="1">
+            <a:schemeClr val="accent1"/>
+          </a:fillRef>
+          <a:effectRef idx="0">
+            <a:schemeClr val="accent1"/>
+          </a:effectRef>
+          <a:fontRef idx="minor">
+            <a:schemeClr val="lt1"/>
+          </a:fontRef>
+        </p:style>
+        <p:txBody>
+          <a:bodyPr rtlCol="0" anchor="ctr"/>
+          <a:lstStyle/>
+          <a:p>
+            <a:pPr algn="ctr"/>
+            <a:r>
+              <a:rPr kumimoji="1" lang="ja-JP" altLang="en-US" dirty="0" smtClean="0">
+                <a:solidFill>
+                  <a:schemeClr val="tx1"/>
+                </a:solidFill>
+              </a:rPr>
+              <a:t>利用者追加</a:t>
+            </a:r>
+            <a:endParaRPr kumimoji="1" lang="ja-JP" altLang="en-US" dirty="0">
+              <a:solidFill>
+                <a:schemeClr val="tx1"/>
+              </a:solidFill>
+            </a:endParaRPr>
+          </a:p>
+        </p:txBody>
+      </p:sp>
+    </p:spTree>
+    <p:extLst>
+      <p:ext uri="{BB962C8B-B14F-4D97-AF65-F5344CB8AC3E}">
+        <p14:creationId xmlns:p14="http://schemas.microsoft.com/office/powerpoint/2010/main" val="1846205959"/>
+      </p:ext>
+    </p:extLst>
+  </p:cSld>
+  <p:clrMapOvr>
+    <a:masterClrMapping/>
+  </p:clrMapOvr>
+  <p:timing>
+    <p:tnLst>
+      <p:par>
+        <p:cTn id="1" dur="indefinite" restart="never" nodeType="tmRoot"/>
+      </p:par>
+    </p:tnLst>
+  </p:timing>
+</p:sld>
+</file>
+
+<file path=ppt/slides/slide18.xml><?xml version="1.0" encoding="utf-8"?>
+<p:sld xmlns:a="http://schemas.openxmlformats.org/drawingml/2006/main" xmlns:r="http://schemas.openxmlformats.org/officeDocument/2006/relationships" xmlns:p="http://schemas.openxmlformats.org/presentationml/2006/main">
+  <p:cSld>
+    <p:spTree>
+      <p:nvGrpSpPr>
+        <p:cNvPr id="1" name=""/>
+        <p:cNvGrpSpPr/>
+        <p:nvPr/>
+      </p:nvGrpSpPr>
+      <p:grpSpPr>
+        <a:xfrm>
+          <a:off x="0" y="0"/>
+          <a:ext cx="0" cy="0"/>
+          <a:chOff x="0" y="0"/>
+          <a:chExt cx="0" cy="0"/>
+        </a:xfrm>
+      </p:grpSpPr>
+      <p:sp>
+        <p:nvSpPr>
+          <p:cNvPr id="2" name="テキスト ボックス 1"/>
+          <p:cNvSpPr txBox="1"/>
+          <p:nvPr/>
+        </p:nvSpPr>
+        <p:spPr>
+          <a:xfrm>
+            <a:off x="107504" y="115412"/>
+            <a:ext cx="2736304" cy="369332"/>
+          </a:xfrm>
+          <a:prstGeom prst="rect">
+            <a:avLst/>
+          </a:prstGeom>
+          <a:noFill/>
+        </p:spPr>
+        <p:txBody>
+          <a:bodyPr wrap="square" rtlCol="0">
+            <a:spAutoFit/>
+          </a:bodyPr>
+          <a:lstStyle/>
+          <a:p>
+            <a:r>
+              <a:rPr kumimoji="1" lang="ja-JP" altLang="en-US" dirty="0" smtClean="0"/>
+              <a:t>質問管理表</a:t>
+            </a:r>
+            <a:endParaRPr kumimoji="1" lang="ja-JP" altLang="en-US" dirty="0"/>
+          </a:p>
+        </p:txBody>
+      </p:sp>
+      <p:sp>
+        <p:nvSpPr>
+          <p:cNvPr id="12" name="テキスト ボックス 11"/>
+          <p:cNvSpPr txBox="1"/>
+          <p:nvPr/>
+        </p:nvSpPr>
+        <p:spPr>
+          <a:xfrm>
+            <a:off x="719572" y="1134172"/>
+            <a:ext cx="1224136" cy="369332"/>
+          </a:xfrm>
+          <a:prstGeom prst="rect">
+            <a:avLst/>
+          </a:prstGeom>
+          <a:noFill/>
+        </p:spPr>
+        <p:txBody>
+          <a:bodyPr wrap="square" rtlCol="0">
+            <a:spAutoFit/>
+          </a:bodyPr>
+          <a:lstStyle/>
+          <a:p>
+            <a:r>
+              <a:rPr lang="ja-JP" altLang="en-US" dirty="0"/>
+              <a:t>氏名</a:t>
+            </a:r>
+            <a:endParaRPr kumimoji="1" lang="ja-JP" altLang="en-US" dirty="0"/>
+          </a:p>
+        </p:txBody>
+      </p:sp>
+      <p:sp>
+        <p:nvSpPr>
+          <p:cNvPr id="17" name="正方形/長方形 16"/>
+          <p:cNvSpPr/>
+          <p:nvPr/>
+        </p:nvSpPr>
+        <p:spPr>
+          <a:xfrm>
+            <a:off x="1763688" y="1092139"/>
+            <a:ext cx="1503585" cy="369332"/>
+          </a:xfrm>
+          <a:prstGeom prst="rect">
+            <a:avLst/>
+          </a:prstGeom>
+          <a:solidFill>
+            <a:schemeClr val="bg1"/>
+          </a:solidFill>
+          <a:ln w="12700">
+            <a:solidFill>
+              <a:schemeClr val="tx1"/>
+            </a:solidFill>
+          </a:ln>
+        </p:spPr>
+        <p:style>
+          <a:lnRef idx="2">
+            <a:schemeClr val="accent1">
+              <a:shade val="50000"/>
+            </a:schemeClr>
+          </a:lnRef>
+          <a:fillRef idx="1">
+            <a:schemeClr val="accent1"/>
+          </a:fillRef>
+          <a:effectRef idx="0">
+            <a:schemeClr val="accent1"/>
+          </a:effectRef>
+          <a:fontRef idx="minor">
+            <a:schemeClr val="lt1"/>
+          </a:fontRef>
+        </p:style>
+        <p:txBody>
+          <a:bodyPr rtlCol="0" anchor="ctr"/>
+          <a:lstStyle/>
+          <a:p>
+            <a:pPr algn="ctr"/>
+            <a:endParaRPr kumimoji="1" lang="ja-JP" altLang="en-US"/>
+          </a:p>
+        </p:txBody>
+      </p:sp>
+      <p:sp>
+        <p:nvSpPr>
+          <p:cNvPr id="3" name="テキスト ボックス 2"/>
+          <p:cNvSpPr txBox="1"/>
+          <p:nvPr/>
+        </p:nvSpPr>
+        <p:spPr>
+          <a:xfrm>
+            <a:off x="323528" y="620688"/>
+            <a:ext cx="2232248" cy="369332"/>
+          </a:xfrm>
+          <a:prstGeom prst="rect">
+            <a:avLst/>
+          </a:prstGeom>
+          <a:noFill/>
+        </p:spPr>
+        <p:txBody>
+          <a:bodyPr wrap="square" rtlCol="0">
+            <a:spAutoFit/>
+          </a:bodyPr>
+          <a:lstStyle/>
+          <a:p>
+            <a:r>
+              <a:rPr lang="ja-JP" altLang="en-US" dirty="0" smtClean="0"/>
+              <a:t>利用者</a:t>
+            </a:r>
+            <a:r>
+              <a:rPr lang="ja-JP" altLang="en-US" dirty="0"/>
+              <a:t>追加</a:t>
+            </a:r>
+            <a:endParaRPr kumimoji="1" lang="ja-JP" altLang="en-US" dirty="0"/>
+          </a:p>
+        </p:txBody>
+      </p:sp>
+      <p:sp>
+        <p:nvSpPr>
+          <p:cNvPr id="4" name="角丸四角形 3"/>
+          <p:cNvSpPr/>
+          <p:nvPr/>
+        </p:nvSpPr>
+        <p:spPr>
+          <a:xfrm>
+            <a:off x="2303748" y="1844824"/>
+            <a:ext cx="1080120" cy="432048"/>
+          </a:xfrm>
+          <a:prstGeom prst="roundRect">
+            <a:avLst/>
+          </a:prstGeom>
+          <a:solidFill>
+            <a:schemeClr val="tx2">
+              <a:lumMod val="20000"/>
+              <a:lumOff val="80000"/>
+            </a:schemeClr>
+          </a:solidFill>
+          <a:ln w="12700">
+            <a:solidFill>
+              <a:schemeClr val="tx1"/>
+            </a:solidFill>
+          </a:ln>
+        </p:spPr>
+        <p:style>
+          <a:lnRef idx="2">
+            <a:schemeClr val="accent1">
+              <a:shade val="50000"/>
+            </a:schemeClr>
+          </a:lnRef>
+          <a:fillRef idx="1">
+            <a:schemeClr val="accent1"/>
+          </a:fillRef>
+          <a:effectRef idx="0">
+            <a:schemeClr val="accent1"/>
+          </a:effectRef>
+          <a:fontRef idx="minor">
+            <a:schemeClr val="lt1"/>
+          </a:fontRef>
+        </p:style>
+        <p:txBody>
+          <a:bodyPr rtlCol="0" anchor="ctr"/>
+          <a:lstStyle/>
+          <a:p>
+            <a:pPr algn="ctr"/>
+            <a:r>
+              <a:rPr lang="ja-JP" altLang="en-US" dirty="0">
+                <a:solidFill>
+                  <a:schemeClr val="tx1"/>
+                </a:solidFill>
+              </a:rPr>
+              <a:t>追加</a:t>
+            </a:r>
+            <a:endParaRPr kumimoji="1" lang="ja-JP" altLang="en-US" dirty="0">
+              <a:solidFill>
+                <a:schemeClr val="tx1"/>
+              </a:solidFill>
+            </a:endParaRPr>
+          </a:p>
+        </p:txBody>
+      </p:sp>
+      <p:sp>
+        <p:nvSpPr>
+          <p:cNvPr id="21" name="角丸四角形 20"/>
+          <p:cNvSpPr/>
+          <p:nvPr/>
+        </p:nvSpPr>
+        <p:spPr>
+          <a:xfrm>
+            <a:off x="808745" y="1846337"/>
+            <a:ext cx="1385528" cy="432048"/>
+          </a:xfrm>
+          <a:prstGeom prst="roundRect">
+            <a:avLst/>
+          </a:prstGeom>
+          <a:solidFill>
+            <a:schemeClr val="tx2">
+              <a:lumMod val="20000"/>
+              <a:lumOff val="80000"/>
+            </a:schemeClr>
+          </a:solidFill>
+          <a:ln w="12700">
+            <a:solidFill>
+              <a:schemeClr val="tx1"/>
+            </a:solidFill>
+          </a:ln>
+        </p:spPr>
+        <p:style>
+          <a:lnRef idx="2">
+            <a:schemeClr val="accent1">
+              <a:shade val="50000"/>
+            </a:schemeClr>
+          </a:lnRef>
+          <a:fillRef idx="1">
+            <a:schemeClr val="accent1"/>
+          </a:fillRef>
+          <a:effectRef idx="0">
+            <a:schemeClr val="accent1"/>
+          </a:effectRef>
+          <a:fontRef idx="minor">
+            <a:schemeClr val="lt1"/>
+          </a:fontRef>
+        </p:style>
+        <p:txBody>
+          <a:bodyPr rtlCol="0" anchor="ctr"/>
+          <a:lstStyle/>
+          <a:p>
+            <a:pPr algn="ctr"/>
+            <a:r>
+              <a:rPr lang="ja-JP" altLang="en-US" dirty="0">
+                <a:solidFill>
+                  <a:schemeClr val="tx1"/>
+                </a:solidFill>
+              </a:rPr>
+              <a:t>キャンセル</a:t>
+            </a:r>
+            <a:endParaRPr kumimoji="1" lang="ja-JP" altLang="en-US" dirty="0">
+              <a:solidFill>
+                <a:schemeClr val="tx1"/>
+              </a:solidFill>
+            </a:endParaRPr>
+          </a:p>
+        </p:txBody>
+      </p:sp>
+    </p:spTree>
+    <p:extLst>
+      <p:ext uri="{BB962C8B-B14F-4D97-AF65-F5344CB8AC3E}">
+        <p14:creationId xmlns:p14="http://schemas.microsoft.com/office/powerpoint/2010/main" val="203921277"/>
       </p:ext>
     </p:extLst>
   </p:cSld>
@@ -7118,12 +9337,12 @@
           <a:graphicData uri="http://schemas.openxmlformats.org/presentationml/2006/ole">
             <mc:AlternateContent xmlns:mc="http://schemas.openxmlformats.org/markup-compatibility/2006">
               <mc:Choice xmlns:v="urn:schemas-microsoft-com:vml" Requires="v">
-                <p:oleObj spid="_x0000_s2086" name="ワークシート" r:id="rId4" imgW="6305443" imgH="2486160" progId="Excel.Sheet.12">
+                <p:oleObj spid="_x0000_s2106" name="ワークシート" r:id="rId3" imgW="6305443" imgH="2486160" progId="Excel.Sheet.12">
                   <p:embed/>
                 </p:oleObj>
               </mc:Choice>
               <mc:Fallback>
-                <p:oleObj name="ワークシート" r:id="rId4" imgW="6305443" imgH="2486160" progId="Excel.Sheet.12">
+                <p:oleObj name="ワークシート" r:id="rId3" imgW="6305443" imgH="2486160" progId="Excel.Sheet.12">
                   <p:embed/>
                   <p:pic>
                     <p:nvPicPr>
@@ -7132,7 +9351,7 @@
                       <p:nvPr/>
                     </p:nvPicPr>
                     <p:blipFill>
-                      <a:blip r:embed="rId5"/>
+                      <a:blip r:embed="rId4"/>
                       <a:stretch>
                         <a:fillRect/>
                       </a:stretch>
@@ -7252,12 +9471,12 @@
           <a:graphicData uri="http://schemas.openxmlformats.org/presentationml/2006/ole">
             <mc:AlternateContent xmlns:mc="http://schemas.openxmlformats.org/markup-compatibility/2006">
               <mc:Choice xmlns:v="urn:schemas-microsoft-com:vml" Requires="v">
-                <p:oleObj spid="_x0000_s2087" name="ワークシート" r:id="rId7" imgW="7239023" imgH="1009530" progId="Excel.Sheet.12">
+                <p:oleObj spid="_x0000_s2107" name="ワークシート" r:id="rId5" imgW="7239023" imgH="1009530" progId="Excel.Sheet.12">
                   <p:embed/>
                 </p:oleObj>
               </mc:Choice>
               <mc:Fallback>
-                <p:oleObj name="ワークシート" r:id="rId7" imgW="7239023" imgH="1009530" progId="Excel.Sheet.12">
+                <p:oleObj name="ワークシート" r:id="rId5" imgW="7239023" imgH="1009530" progId="Excel.Sheet.12">
                   <p:embed/>
                   <p:pic>
                     <p:nvPicPr>
@@ -7266,7 +9485,7 @@
                       <p:nvPr/>
                     </p:nvPicPr>
                     <p:blipFill>
-                      <a:blip r:embed="rId8"/>
+                      <a:blip r:embed="rId6"/>
                       <a:stretch>
                         <a:fillRect/>
                       </a:stretch>
@@ -10409,12 +12628,12 @@
           <a:graphicData uri="http://schemas.openxmlformats.org/presentationml/2006/ole">
             <mc:AlternateContent xmlns:mc="http://schemas.openxmlformats.org/markup-compatibility/2006">
               <mc:Choice xmlns:v="urn:schemas-microsoft-com:vml" Requires="v">
-                <p:oleObj spid="_x0000_s3090" name="ワークシート" r:id="rId4" imgW="8391410" imgH="1885950" progId="Excel.Sheet.12">
+                <p:oleObj spid="_x0000_s3100" name="ワークシート" r:id="rId3" imgW="8391410" imgH="1885950" progId="Excel.Sheet.12">
                   <p:embed/>
                 </p:oleObj>
               </mc:Choice>
               <mc:Fallback>
-                <p:oleObj name="ワークシート" r:id="rId4" imgW="8391410" imgH="1885950" progId="Excel.Sheet.12">
+                <p:oleObj name="ワークシート" r:id="rId3" imgW="8391410" imgH="1885950" progId="Excel.Sheet.12">
                   <p:embed/>
                   <p:pic>
                     <p:nvPicPr>
@@ -10423,7 +12642,7 @@
                       <p:nvPr/>
                     </p:nvPicPr>
                     <p:blipFill>
-                      <a:blip r:embed="rId5"/>
+                      <a:blip r:embed="rId4"/>
                       <a:stretch>
                         <a:fillRect/>
                       </a:stretch>

--- a/画面一覧.pptx
+++ b/画面一覧.pptx
@@ -305,7 +305,7 @@
           <a:p>
             <a:fld id="{E2878988-D8A0-41FC-BFAE-62C0E9D186B2}" type="datetimeFigureOut">
               <a:rPr kumimoji="1" lang="ja-JP" altLang="en-US" smtClean="0"/>
-              <a:t>2015/4/24</a:t>
+              <a:t>2015/4/28</a:t>
             </a:fld>
             <a:endParaRPr kumimoji="1" lang="ja-JP" altLang="en-US"/>
           </a:p>
@@ -507,7 +507,7 @@
           <a:p>
             <a:fld id="{E2878988-D8A0-41FC-BFAE-62C0E9D186B2}" type="datetimeFigureOut">
               <a:rPr kumimoji="1" lang="ja-JP" altLang="en-US" smtClean="0"/>
-              <a:t>2015/4/24</a:t>
+              <a:t>2015/4/28</a:t>
             </a:fld>
             <a:endParaRPr kumimoji="1" lang="ja-JP" altLang="en-US"/>
           </a:p>
@@ -719,7 +719,7 @@
           <a:p>
             <a:fld id="{E2878988-D8A0-41FC-BFAE-62C0E9D186B2}" type="datetimeFigureOut">
               <a:rPr kumimoji="1" lang="ja-JP" altLang="en-US" smtClean="0"/>
-              <a:t>2015/4/24</a:t>
+              <a:t>2015/4/28</a:t>
             </a:fld>
             <a:endParaRPr kumimoji="1" lang="ja-JP" altLang="en-US"/>
           </a:p>
@@ -921,7 +921,7 @@
           <a:p>
             <a:fld id="{E2878988-D8A0-41FC-BFAE-62C0E9D186B2}" type="datetimeFigureOut">
               <a:rPr kumimoji="1" lang="ja-JP" altLang="en-US" smtClean="0"/>
-              <a:t>2015/4/24</a:t>
+              <a:t>2015/4/28</a:t>
             </a:fld>
             <a:endParaRPr kumimoji="1" lang="ja-JP" altLang="en-US"/>
           </a:p>
@@ -1167,7 +1167,7 @@
           <a:p>
             <a:fld id="{E2878988-D8A0-41FC-BFAE-62C0E9D186B2}" type="datetimeFigureOut">
               <a:rPr kumimoji="1" lang="ja-JP" altLang="en-US" smtClean="0"/>
-              <a:t>2015/4/24</a:t>
+              <a:t>2015/4/28</a:t>
             </a:fld>
             <a:endParaRPr kumimoji="1" lang="ja-JP" altLang="en-US"/>
           </a:p>
@@ -1519,7 +1519,7 @@
           <a:p>
             <a:fld id="{E2878988-D8A0-41FC-BFAE-62C0E9D186B2}" type="datetimeFigureOut">
               <a:rPr kumimoji="1" lang="ja-JP" altLang="en-US" smtClean="0"/>
-              <a:t>2015/4/24</a:t>
+              <a:t>2015/4/28</a:t>
             </a:fld>
             <a:endParaRPr kumimoji="1" lang="ja-JP" altLang="en-US"/>
           </a:p>
@@ -2005,7 +2005,7 @@
           <a:p>
             <a:fld id="{E2878988-D8A0-41FC-BFAE-62C0E9D186B2}" type="datetimeFigureOut">
               <a:rPr kumimoji="1" lang="ja-JP" altLang="en-US" smtClean="0"/>
-              <a:t>2015/4/24</a:t>
+              <a:t>2015/4/28</a:t>
             </a:fld>
             <a:endParaRPr kumimoji="1" lang="ja-JP" altLang="en-US"/>
           </a:p>
@@ -2123,7 +2123,7 @@
           <a:p>
             <a:fld id="{E2878988-D8A0-41FC-BFAE-62C0E9D186B2}" type="datetimeFigureOut">
               <a:rPr kumimoji="1" lang="ja-JP" altLang="en-US" smtClean="0"/>
-              <a:t>2015/4/24</a:t>
+              <a:t>2015/4/28</a:t>
             </a:fld>
             <a:endParaRPr kumimoji="1" lang="ja-JP" altLang="en-US"/>
           </a:p>
@@ -2218,7 +2218,7 @@
           <a:p>
             <a:fld id="{E2878988-D8A0-41FC-BFAE-62C0E9D186B2}" type="datetimeFigureOut">
               <a:rPr kumimoji="1" lang="ja-JP" altLang="en-US" smtClean="0"/>
-              <a:t>2015/4/24</a:t>
+              <a:t>2015/4/28</a:t>
             </a:fld>
             <a:endParaRPr kumimoji="1" lang="ja-JP" altLang="en-US"/>
           </a:p>
@@ -2527,7 +2527,7 @@
           <a:p>
             <a:fld id="{E2878988-D8A0-41FC-BFAE-62C0E9D186B2}" type="datetimeFigureOut">
               <a:rPr kumimoji="1" lang="ja-JP" altLang="en-US" smtClean="0"/>
-              <a:t>2015/4/24</a:t>
+              <a:t>2015/4/28</a:t>
             </a:fld>
             <a:endParaRPr kumimoji="1" lang="ja-JP" altLang="en-US"/>
           </a:p>
@@ -2780,7 +2780,7 @@
           <a:p>
             <a:fld id="{E2878988-D8A0-41FC-BFAE-62C0E9D186B2}" type="datetimeFigureOut">
               <a:rPr kumimoji="1" lang="ja-JP" altLang="en-US" smtClean="0"/>
-              <a:t>2015/4/24</a:t>
+              <a:t>2015/4/28</a:t>
             </a:fld>
             <a:endParaRPr kumimoji="1" lang="ja-JP" altLang="en-US"/>
           </a:p>
@@ -3025,7 +3025,7 @@
           <a:p>
             <a:fld id="{E2878988-D8A0-41FC-BFAE-62C0E9D186B2}" type="datetimeFigureOut">
               <a:rPr kumimoji="1" lang="ja-JP" altLang="en-US" smtClean="0"/>
-              <a:t>2015/4/24</a:t>
+              <a:t>2015/4/28</a:t>
             </a:fld>
             <a:endParaRPr kumimoji="1" lang="ja-JP" altLang="en-US"/>
           </a:p>
@@ -3482,7 +3482,7 @@
           <a:graphicData uri="http://schemas.openxmlformats.org/presentationml/2006/ole">
             <mc:AlternateContent xmlns:mc="http://schemas.openxmlformats.org/markup-compatibility/2006">
               <mc:Choice xmlns:v="urn:schemas-microsoft-com:vml" Requires="v">
-                <p:oleObj spid="_x0000_s1061" name="ワークシート" r:id="rId3" imgW="5629300" imgH="1076220" progId="Excel.Sheet.12">
+                <p:oleObj spid="_x0000_s1063" name="ワークシート" r:id="rId3" imgW="5629300" imgH="1076220" progId="Excel.Sheet.12">
                   <p:embed/>
                 </p:oleObj>
               </mc:Choice>
@@ -4916,7 +4916,7 @@
         </p:nvSpPr>
         <p:spPr>
           <a:xfrm>
-            <a:off x="3186683" y="3789040"/>
+            <a:off x="3203004" y="4454996"/>
             <a:ext cx="1080120" cy="432048"/>
           </a:xfrm>
           <a:prstGeom prst="roundRect">
@@ -4979,7 +4979,7 @@
         </p:nvSpPr>
         <p:spPr>
           <a:xfrm>
-            <a:off x="1691680" y="3790553"/>
+            <a:off x="1708001" y="4456509"/>
             <a:ext cx="1385528" cy="432048"/>
           </a:xfrm>
           <a:prstGeom prst="roundRect">
@@ -5031,6 +5031,226 @@
                 <a:schemeClr val="tx1"/>
               </a:solidFill>
             </a:endParaRPr>
+          </a:p>
+        </p:txBody>
+      </p:sp>
+      <p:sp>
+        <p:nvSpPr>
+          <p:cNvPr id="22" name="テキスト ボックス 21"/>
+          <p:cNvSpPr txBox="1"/>
+          <p:nvPr/>
+        </p:nvSpPr>
+        <p:spPr>
+          <a:xfrm>
+            <a:off x="683568" y="3789040"/>
+            <a:ext cx="1872208" cy="369332"/>
+          </a:xfrm>
+          <a:prstGeom prst="rect">
+            <a:avLst/>
+          </a:prstGeom>
+          <a:noFill/>
+        </p:spPr>
+        <p:txBody>
+          <a:bodyPr wrap="square" rtlCol="0">
+            <a:spAutoFit/>
+          </a:bodyPr>
+          <a:lstStyle/>
+          <a:p>
+            <a:r>
+              <a:rPr lang="ja-JP" altLang="en-US" dirty="0" smtClean="0"/>
+              <a:t>管理者</a:t>
+            </a:r>
+            <a:r>
+              <a:rPr lang="ja-JP" altLang="en-US" dirty="0"/>
+              <a:t>権限</a:t>
+            </a:r>
+            <a:endParaRPr kumimoji="1" lang="ja-JP" altLang="en-US" dirty="0"/>
+          </a:p>
+        </p:txBody>
+      </p:sp>
+      <p:sp>
+        <p:nvSpPr>
+          <p:cNvPr id="23" name="テキスト ボックス 22"/>
+          <p:cNvSpPr txBox="1"/>
+          <p:nvPr/>
+        </p:nvSpPr>
+        <p:spPr>
+          <a:xfrm>
+            <a:off x="2682627" y="3789040"/>
+            <a:ext cx="504056" cy="369332"/>
+          </a:xfrm>
+          <a:prstGeom prst="rect">
+            <a:avLst/>
+          </a:prstGeom>
+          <a:noFill/>
+        </p:spPr>
+        <p:txBody>
+          <a:bodyPr wrap="square" rtlCol="0">
+            <a:spAutoFit/>
+          </a:bodyPr>
+          <a:lstStyle/>
+          <a:p>
+            <a:r>
+              <a:rPr kumimoji="1" lang="ja-JP" altLang="en-US" dirty="0" smtClean="0"/>
+              <a:t>有</a:t>
+            </a:r>
+            <a:endParaRPr kumimoji="1" lang="ja-JP" altLang="en-US" dirty="0"/>
+          </a:p>
+        </p:txBody>
+      </p:sp>
+      <p:sp>
+        <p:nvSpPr>
+          <p:cNvPr id="24" name="テキスト ボックス 23"/>
+          <p:cNvSpPr txBox="1"/>
+          <p:nvPr/>
+        </p:nvSpPr>
+        <p:spPr>
+          <a:xfrm>
+            <a:off x="3690739" y="3801988"/>
+            <a:ext cx="576064" cy="369332"/>
+          </a:xfrm>
+          <a:prstGeom prst="rect">
+            <a:avLst/>
+          </a:prstGeom>
+          <a:noFill/>
+        </p:spPr>
+        <p:txBody>
+          <a:bodyPr wrap="square" rtlCol="0">
+            <a:spAutoFit/>
+          </a:bodyPr>
+          <a:lstStyle/>
+          <a:p>
+            <a:r>
+              <a:rPr lang="ja-JP" altLang="en-US" dirty="0"/>
+              <a:t>無</a:t>
+            </a:r>
+            <a:endParaRPr kumimoji="1" lang="ja-JP" altLang="en-US" dirty="0"/>
+          </a:p>
+        </p:txBody>
+      </p:sp>
+      <p:sp>
+        <p:nvSpPr>
+          <p:cNvPr id="25" name="円/楕円 24"/>
+          <p:cNvSpPr/>
+          <p:nvPr/>
+        </p:nvSpPr>
+        <p:spPr>
+          <a:xfrm>
+            <a:off x="3186683" y="3851391"/>
+            <a:ext cx="305196" cy="270525"/>
+          </a:xfrm>
+          <a:prstGeom prst="ellipse">
+            <a:avLst/>
+          </a:prstGeom>
+          <a:solidFill>
+            <a:schemeClr val="bg1"/>
+          </a:solidFill>
+        </p:spPr>
+        <p:style>
+          <a:lnRef idx="2">
+            <a:schemeClr val="dk1">
+              <a:shade val="50000"/>
+            </a:schemeClr>
+          </a:lnRef>
+          <a:fillRef idx="1">
+            <a:schemeClr val="dk1"/>
+          </a:fillRef>
+          <a:effectRef idx="0">
+            <a:schemeClr val="dk1"/>
+          </a:effectRef>
+          <a:fontRef idx="minor">
+            <a:schemeClr val="lt1"/>
+          </a:fontRef>
+        </p:style>
+        <p:txBody>
+          <a:bodyPr rtlCol="0" anchor="ctr"/>
+          <a:lstStyle/>
+          <a:p>
+            <a:pPr algn="ctr"/>
+            <a:endParaRPr kumimoji="1" lang="ja-JP" altLang="en-US"/>
+          </a:p>
+        </p:txBody>
+      </p:sp>
+      <p:sp>
+        <p:nvSpPr>
+          <p:cNvPr id="26" name="円/楕円 25"/>
+          <p:cNvSpPr/>
+          <p:nvPr/>
+        </p:nvSpPr>
+        <p:spPr>
+          <a:xfrm>
+            <a:off x="4114205" y="3838443"/>
+            <a:ext cx="305196" cy="270525"/>
+          </a:xfrm>
+          <a:prstGeom prst="ellipse">
+            <a:avLst/>
+          </a:prstGeom>
+          <a:solidFill>
+            <a:schemeClr val="bg1"/>
+          </a:solidFill>
+        </p:spPr>
+        <p:style>
+          <a:lnRef idx="2">
+            <a:schemeClr val="dk1">
+              <a:shade val="50000"/>
+            </a:schemeClr>
+          </a:lnRef>
+          <a:fillRef idx="1">
+            <a:schemeClr val="dk1"/>
+          </a:fillRef>
+          <a:effectRef idx="0">
+            <a:schemeClr val="dk1"/>
+          </a:effectRef>
+          <a:fontRef idx="minor">
+            <a:schemeClr val="lt1"/>
+          </a:fontRef>
+        </p:style>
+        <p:txBody>
+          <a:bodyPr rtlCol="0" anchor="ctr"/>
+          <a:lstStyle/>
+          <a:p>
+            <a:pPr algn="ctr"/>
+            <a:endParaRPr kumimoji="1" lang="ja-JP" altLang="en-US"/>
+          </a:p>
+        </p:txBody>
+      </p:sp>
+      <p:sp>
+        <p:nvSpPr>
+          <p:cNvPr id="27" name="円/楕円 26"/>
+          <p:cNvSpPr/>
+          <p:nvPr/>
+        </p:nvSpPr>
+        <p:spPr>
+          <a:xfrm>
+            <a:off x="3278134" y="3941330"/>
+            <a:ext cx="112303" cy="90647"/>
+          </a:xfrm>
+          <a:prstGeom prst="ellipse">
+            <a:avLst/>
+          </a:prstGeom>
+        </p:spPr>
+        <p:style>
+          <a:lnRef idx="2">
+            <a:schemeClr val="dk1">
+              <a:shade val="50000"/>
+            </a:schemeClr>
+          </a:lnRef>
+          <a:fillRef idx="1">
+            <a:schemeClr val="dk1"/>
+          </a:fillRef>
+          <a:effectRef idx="0">
+            <a:schemeClr val="dk1"/>
+          </a:effectRef>
+          <a:fontRef idx="minor">
+            <a:schemeClr val="lt1"/>
+          </a:fontRef>
+        </p:style>
+        <p:txBody>
+          <a:bodyPr rtlCol="0" anchor="ctr"/>
+          <a:lstStyle/>
+          <a:p>
+            <a:pPr algn="ctr"/>
+            <a:endParaRPr kumimoji="1" lang="ja-JP" altLang="en-US"/>
           </a:p>
         </p:txBody>
       </p:sp>
@@ -5513,7 +5733,7 @@
           <a:graphicData uri="http://schemas.openxmlformats.org/presentationml/2006/ole">
             <mc:AlternateContent xmlns:mc="http://schemas.openxmlformats.org/markup-compatibility/2006">
               <mc:Choice xmlns:v="urn:schemas-microsoft-com:vml" Requires="v">
-                <p:oleObj spid="_x0000_s5134" name="ワークシート" r:id="rId3" imgW="3219444" imgH="676350" progId="Excel.Sheet.12">
+                <p:oleObj spid="_x0000_s5136" name="ワークシート" r:id="rId3" imgW="3219444" imgH="676350" progId="Excel.Sheet.12">
                   <p:embed/>
                 </p:oleObj>
               </mc:Choice>
@@ -5982,7 +6202,7 @@
           <a:graphicData uri="http://schemas.openxmlformats.org/presentationml/2006/ole">
             <mc:AlternateContent xmlns:mc="http://schemas.openxmlformats.org/markup-compatibility/2006">
               <mc:Choice xmlns:v="urn:schemas-microsoft-com:vml" Requires="v">
-                <p:oleObj spid="_x0000_s6157" name="ワークシート" r:id="rId3" imgW="2209687" imgH="723870" progId="Excel.Sheet.12">
+                <p:oleObj spid="_x0000_s6159" name="ワークシート" r:id="rId3" imgW="2209687" imgH="723870" progId="Excel.Sheet.12">
                   <p:embed/>
                 </p:oleObj>
               </mc:Choice>
@@ -6515,7 +6735,7 @@
           <a:graphicData uri="http://schemas.openxmlformats.org/presentationml/2006/ole">
             <mc:AlternateContent xmlns:mc="http://schemas.openxmlformats.org/markup-compatibility/2006">
               <mc:Choice xmlns:v="urn:schemas-microsoft-com:vml" Requires="v">
-                <p:oleObj spid="_x0000_s8201" name="ワークシート" r:id="rId3" imgW="5819744" imgH="1295460" progId="Excel.Sheet.12">
+                <p:oleObj spid="_x0000_s8203" name="ワークシート" r:id="rId3" imgW="5819744" imgH="1295460" progId="Excel.Sheet.12">
                   <p:embed/>
                 </p:oleObj>
               </mc:Choice>
@@ -7731,7 +7951,7 @@
           <a:graphicData uri="http://schemas.openxmlformats.org/presentationml/2006/ole">
             <mc:AlternateContent xmlns:mc="http://schemas.openxmlformats.org/markup-compatibility/2006">
               <mc:Choice xmlns:v="urn:schemas-microsoft-com:vml" Requires="v">
-                <p:oleObj spid="_x0000_s9222" name="ワークシート" r:id="rId3" imgW="2752655" imgH="1076220" progId="Excel.Sheet.12">
+                <p:oleObj spid="_x0000_s9224" name="ワークシート" r:id="rId3" imgW="2752655" imgH="1076220" progId="Excel.Sheet.12">
                   <p:embed/>
                 </p:oleObj>
               </mc:Choice>
@@ -9337,7 +9557,7 @@
           <a:graphicData uri="http://schemas.openxmlformats.org/presentationml/2006/ole">
             <mc:AlternateContent xmlns:mc="http://schemas.openxmlformats.org/markup-compatibility/2006">
               <mc:Choice xmlns:v="urn:schemas-microsoft-com:vml" Requires="v">
-                <p:oleObj spid="_x0000_s2106" name="ワークシート" r:id="rId3" imgW="6305443" imgH="2486160" progId="Excel.Sheet.12">
+                <p:oleObj spid="_x0000_s2110" name="ワークシート" r:id="rId3" imgW="6305443" imgH="2486160" progId="Excel.Sheet.12">
                   <p:embed/>
                 </p:oleObj>
               </mc:Choice>
@@ -9471,7 +9691,7 @@
           <a:graphicData uri="http://schemas.openxmlformats.org/presentationml/2006/ole">
             <mc:AlternateContent xmlns:mc="http://schemas.openxmlformats.org/markup-compatibility/2006">
               <mc:Choice xmlns:v="urn:schemas-microsoft-com:vml" Requires="v">
-                <p:oleObj spid="_x0000_s2107" name="ワークシート" r:id="rId5" imgW="7239023" imgH="1009530" progId="Excel.Sheet.12">
+                <p:oleObj spid="_x0000_s2111" name="ワークシート" r:id="rId5" imgW="7239023" imgH="1009530" progId="Excel.Sheet.12">
                   <p:embed/>
                 </p:oleObj>
               </mc:Choice>
@@ -12628,7 +12848,7 @@
           <a:graphicData uri="http://schemas.openxmlformats.org/presentationml/2006/ole">
             <mc:AlternateContent xmlns:mc="http://schemas.openxmlformats.org/markup-compatibility/2006">
               <mc:Choice xmlns:v="urn:schemas-microsoft-com:vml" Requires="v">
-                <p:oleObj spid="_x0000_s3100" name="ワークシート" r:id="rId3" imgW="8391410" imgH="1885950" progId="Excel.Sheet.12">
+                <p:oleObj spid="_x0000_s3102" name="ワークシート" r:id="rId3" imgW="8391410" imgH="1885950" progId="Excel.Sheet.12">
                   <p:embed/>
                 </p:oleObj>
               </mc:Choice>
@@ -13762,7 +13982,7 @@
         </p:nvSpPr>
         <p:spPr>
           <a:xfrm>
-            <a:off x="3186683" y="3789040"/>
+            <a:off x="3186683" y="4293096"/>
             <a:ext cx="1080120" cy="432048"/>
           </a:xfrm>
           <a:prstGeom prst="roundRect">
@@ -13825,7 +14045,7 @@
         </p:nvSpPr>
         <p:spPr>
           <a:xfrm>
-            <a:off x="1691680" y="3790553"/>
+            <a:off x="1691680" y="4294609"/>
             <a:ext cx="1385528" cy="432048"/>
           </a:xfrm>
           <a:prstGeom prst="roundRect">
@@ -13877,6 +14097,226 @@
                 <a:schemeClr val="tx1"/>
               </a:solidFill>
             </a:endParaRPr>
+          </a:p>
+        </p:txBody>
+      </p:sp>
+      <p:sp>
+        <p:nvSpPr>
+          <p:cNvPr id="22" name="テキスト ボックス 21"/>
+          <p:cNvSpPr txBox="1"/>
+          <p:nvPr/>
+        </p:nvSpPr>
+        <p:spPr>
+          <a:xfrm>
+            <a:off x="683568" y="3789040"/>
+            <a:ext cx="1872208" cy="369332"/>
+          </a:xfrm>
+          <a:prstGeom prst="rect">
+            <a:avLst/>
+          </a:prstGeom>
+          <a:noFill/>
+        </p:spPr>
+        <p:txBody>
+          <a:bodyPr wrap="square" rtlCol="0">
+            <a:spAutoFit/>
+          </a:bodyPr>
+          <a:lstStyle/>
+          <a:p>
+            <a:r>
+              <a:rPr lang="ja-JP" altLang="en-US" dirty="0" smtClean="0"/>
+              <a:t>管理者</a:t>
+            </a:r>
+            <a:r>
+              <a:rPr lang="ja-JP" altLang="en-US" dirty="0"/>
+              <a:t>権限</a:t>
+            </a:r>
+            <a:endParaRPr kumimoji="1" lang="ja-JP" altLang="en-US" dirty="0"/>
+          </a:p>
+        </p:txBody>
+      </p:sp>
+      <p:sp>
+        <p:nvSpPr>
+          <p:cNvPr id="5" name="テキスト ボックス 4"/>
+          <p:cNvSpPr txBox="1"/>
+          <p:nvPr/>
+        </p:nvSpPr>
+        <p:spPr>
+          <a:xfrm>
+            <a:off x="2682627" y="3789040"/>
+            <a:ext cx="504056" cy="369332"/>
+          </a:xfrm>
+          <a:prstGeom prst="rect">
+            <a:avLst/>
+          </a:prstGeom>
+          <a:noFill/>
+        </p:spPr>
+        <p:txBody>
+          <a:bodyPr wrap="square" rtlCol="0">
+            <a:spAutoFit/>
+          </a:bodyPr>
+          <a:lstStyle/>
+          <a:p>
+            <a:r>
+              <a:rPr kumimoji="1" lang="ja-JP" altLang="en-US" dirty="0" smtClean="0"/>
+              <a:t>有</a:t>
+            </a:r>
+            <a:endParaRPr kumimoji="1" lang="ja-JP" altLang="en-US" dirty="0"/>
+          </a:p>
+        </p:txBody>
+      </p:sp>
+      <p:sp>
+        <p:nvSpPr>
+          <p:cNvPr id="10" name="テキスト ボックス 9"/>
+          <p:cNvSpPr txBox="1"/>
+          <p:nvPr/>
+        </p:nvSpPr>
+        <p:spPr>
+          <a:xfrm>
+            <a:off x="3690739" y="3801988"/>
+            <a:ext cx="576064" cy="369332"/>
+          </a:xfrm>
+          <a:prstGeom prst="rect">
+            <a:avLst/>
+          </a:prstGeom>
+          <a:noFill/>
+        </p:spPr>
+        <p:txBody>
+          <a:bodyPr wrap="square" rtlCol="0">
+            <a:spAutoFit/>
+          </a:bodyPr>
+          <a:lstStyle/>
+          <a:p>
+            <a:r>
+              <a:rPr lang="ja-JP" altLang="en-US" dirty="0"/>
+              <a:t>無</a:t>
+            </a:r>
+            <a:endParaRPr kumimoji="1" lang="ja-JP" altLang="en-US" dirty="0"/>
+          </a:p>
+        </p:txBody>
+      </p:sp>
+      <p:sp>
+        <p:nvSpPr>
+          <p:cNvPr id="11" name="円/楕円 10"/>
+          <p:cNvSpPr/>
+          <p:nvPr/>
+        </p:nvSpPr>
+        <p:spPr>
+          <a:xfrm>
+            <a:off x="3186683" y="3851391"/>
+            <a:ext cx="305196" cy="270525"/>
+          </a:xfrm>
+          <a:prstGeom prst="ellipse">
+            <a:avLst/>
+          </a:prstGeom>
+          <a:solidFill>
+            <a:schemeClr val="bg1"/>
+          </a:solidFill>
+        </p:spPr>
+        <p:style>
+          <a:lnRef idx="2">
+            <a:schemeClr val="dk1">
+              <a:shade val="50000"/>
+            </a:schemeClr>
+          </a:lnRef>
+          <a:fillRef idx="1">
+            <a:schemeClr val="dk1"/>
+          </a:fillRef>
+          <a:effectRef idx="0">
+            <a:schemeClr val="dk1"/>
+          </a:effectRef>
+          <a:fontRef idx="minor">
+            <a:schemeClr val="lt1"/>
+          </a:fontRef>
+        </p:style>
+        <p:txBody>
+          <a:bodyPr rtlCol="0" anchor="ctr"/>
+          <a:lstStyle/>
+          <a:p>
+            <a:pPr algn="ctr"/>
+            <a:endParaRPr kumimoji="1" lang="ja-JP" altLang="en-US"/>
+          </a:p>
+        </p:txBody>
+      </p:sp>
+      <p:sp>
+        <p:nvSpPr>
+          <p:cNvPr id="23" name="円/楕円 22"/>
+          <p:cNvSpPr/>
+          <p:nvPr/>
+        </p:nvSpPr>
+        <p:spPr>
+          <a:xfrm>
+            <a:off x="4114205" y="3838443"/>
+            <a:ext cx="305196" cy="270525"/>
+          </a:xfrm>
+          <a:prstGeom prst="ellipse">
+            <a:avLst/>
+          </a:prstGeom>
+          <a:solidFill>
+            <a:schemeClr val="bg1"/>
+          </a:solidFill>
+        </p:spPr>
+        <p:style>
+          <a:lnRef idx="2">
+            <a:schemeClr val="dk1">
+              <a:shade val="50000"/>
+            </a:schemeClr>
+          </a:lnRef>
+          <a:fillRef idx="1">
+            <a:schemeClr val="dk1"/>
+          </a:fillRef>
+          <a:effectRef idx="0">
+            <a:schemeClr val="dk1"/>
+          </a:effectRef>
+          <a:fontRef idx="minor">
+            <a:schemeClr val="lt1"/>
+          </a:fontRef>
+        </p:style>
+        <p:txBody>
+          <a:bodyPr rtlCol="0" anchor="ctr"/>
+          <a:lstStyle/>
+          <a:p>
+            <a:pPr algn="ctr"/>
+            <a:endParaRPr kumimoji="1" lang="ja-JP" altLang="en-US"/>
+          </a:p>
+        </p:txBody>
+      </p:sp>
+      <p:sp>
+        <p:nvSpPr>
+          <p:cNvPr id="13" name="円/楕円 12"/>
+          <p:cNvSpPr/>
+          <p:nvPr/>
+        </p:nvSpPr>
+        <p:spPr>
+          <a:xfrm>
+            <a:off x="3278134" y="3941330"/>
+            <a:ext cx="112303" cy="90647"/>
+          </a:xfrm>
+          <a:prstGeom prst="ellipse">
+            <a:avLst/>
+          </a:prstGeom>
+        </p:spPr>
+        <p:style>
+          <a:lnRef idx="2">
+            <a:schemeClr val="dk1">
+              <a:shade val="50000"/>
+            </a:schemeClr>
+          </a:lnRef>
+          <a:fillRef idx="1">
+            <a:schemeClr val="dk1"/>
+          </a:fillRef>
+          <a:effectRef idx="0">
+            <a:schemeClr val="dk1"/>
+          </a:effectRef>
+          <a:fontRef idx="minor">
+            <a:schemeClr val="lt1"/>
+          </a:fontRef>
+        </p:style>
+        <p:txBody>
+          <a:bodyPr rtlCol="0" anchor="ctr"/>
+          <a:lstStyle/>
+          <a:p>
+            <a:pPr algn="ctr"/>
+            <a:endParaRPr kumimoji="1" lang="ja-JP" altLang="en-US"/>
           </a:p>
         </p:txBody>
       </p:sp>
